--- a/PRD-2017-G24/STW/受控文件/分析设计/项目总体计划/总体项目计划.pptx
+++ b/PRD-2017-G24/STW/受控文件/分析设计/项目总体计划/总体项目计划.pptx
@@ -6,23 +6,35 @@
   </p:sldMasterIdLst>
   <p:sldIdLst>
     <p:sldId id="256" r:id="rId2"/>
-    <p:sldId id="273" r:id="rId3"/>
-    <p:sldId id="257" r:id="rId4"/>
-    <p:sldId id="258" r:id="rId5"/>
-    <p:sldId id="259" r:id="rId6"/>
-    <p:sldId id="260" r:id="rId7"/>
-    <p:sldId id="261" r:id="rId8"/>
-    <p:sldId id="262" r:id="rId9"/>
-    <p:sldId id="263" r:id="rId10"/>
-    <p:sldId id="264" r:id="rId11"/>
-    <p:sldId id="265" r:id="rId12"/>
-    <p:sldId id="266" r:id="rId13"/>
-    <p:sldId id="267" r:id="rId14"/>
-    <p:sldId id="268" r:id="rId15"/>
-    <p:sldId id="269" r:id="rId16"/>
-    <p:sldId id="270" r:id="rId17"/>
-    <p:sldId id="271" r:id="rId18"/>
-    <p:sldId id="272" r:id="rId19"/>
+    <p:sldId id="275" r:id="rId3"/>
+    <p:sldId id="273" r:id="rId4"/>
+    <p:sldId id="257" r:id="rId5"/>
+    <p:sldId id="258" r:id="rId6"/>
+    <p:sldId id="259" r:id="rId7"/>
+    <p:sldId id="277" r:id="rId8"/>
+    <p:sldId id="260" r:id="rId9"/>
+    <p:sldId id="261" r:id="rId10"/>
+    <p:sldId id="262" r:id="rId11"/>
+    <p:sldId id="263" r:id="rId12"/>
+    <p:sldId id="264" r:id="rId13"/>
+    <p:sldId id="265" r:id="rId14"/>
+    <p:sldId id="266" r:id="rId15"/>
+    <p:sldId id="267" r:id="rId16"/>
+    <p:sldId id="278" r:id="rId17"/>
+    <p:sldId id="279" r:id="rId18"/>
+    <p:sldId id="280" r:id="rId19"/>
+    <p:sldId id="281" r:id="rId20"/>
+    <p:sldId id="282" r:id="rId21"/>
+    <p:sldId id="268" r:id="rId22"/>
+    <p:sldId id="269" r:id="rId23"/>
+    <p:sldId id="276" r:id="rId24"/>
+    <p:sldId id="270" r:id="rId25"/>
+    <p:sldId id="271" r:id="rId26"/>
+    <p:sldId id="274" r:id="rId27"/>
+    <p:sldId id="272" r:id="rId28"/>
+    <p:sldId id="283" r:id="rId29"/>
+    <p:sldId id="284" r:id="rId30"/>
+    <p:sldId id="285" r:id="rId31"/>
   </p:sldIdLst>
   <p:sldSz cx="12192000" cy="6858000"/>
   <p:notesSz cx="6858000" cy="9144000"/>
@@ -121,7 +133,16 @@
       </a:defRPr>
     </a:lvl9pPr>
   </p:defaultTextStyle>
+  <p:extLst>
+    <p:ext uri="{EFAFB233-063F-42B5-8137-9DF3F51BA10A}">
+      <p15:sldGuideLst xmlns:p15="http://schemas.microsoft.com/office/powerpoint/2012/main"/>
+    </p:ext>
+  </p:extLst>
 </p:presentation>
+</file>
+
+<file path=ppt/revisionInfo.xml><?xml version="1.0" encoding="utf-8"?>
+<p1510:revInfo xmlns:a="http://schemas.openxmlformats.org/drawingml/2006/main" xmlns:r="http://schemas.openxmlformats.org/officeDocument/2006/relationships" xmlns:p1510="http://schemas.microsoft.com/office/powerpoint/2015/10/main"/>
 </file>
 
 <file path=ppt/slideLayouts/slideLayout1.xml><?xml version="1.0" encoding="utf-8"?>
@@ -166,10 +187,9 @@
           </a:lstStyle>
           <a:p>
             <a:r>
-              <a:rPr lang="zh-CN" altLang="en-US" smtClean="0"/>
+              <a:rPr lang="zh-CN" altLang="en-US"/>
               <a:t>单击此处编辑母版标题样式</a:t>
             </a:r>
-            <a:endParaRPr lang="zh-CN" altLang="en-US"/>
           </a:p>
         </p:txBody>
       </p:sp>
@@ -231,10 +251,9 @@
           </a:lstStyle>
           <a:p>
             <a:r>
-              <a:rPr lang="zh-CN" altLang="en-US" smtClean="0"/>
+              <a:rPr lang="zh-CN" altLang="en-US"/>
               <a:t>单击以编辑母版副标题样式</a:t>
             </a:r>
-            <a:endParaRPr lang="zh-CN" altLang="en-US"/>
           </a:p>
         </p:txBody>
       </p:sp>
@@ -255,7 +274,7 @@
           <a:p>
             <a:fld id="{371F0B48-F53C-40B1-B5C5-25DD89E7CD34}" type="datetimeFigureOut">
               <a:rPr lang="zh-CN" altLang="en-US" smtClean="0"/>
-              <a:t>2017/10/29 Sunday</a:t>
+              <a:t>2017/10/29</a:t>
             </a:fld>
             <a:endParaRPr lang="zh-CN" altLang="en-US"/>
           </a:p>
@@ -349,10 +368,9 @@
           <a:lstStyle/>
           <a:p>
             <a:r>
-              <a:rPr lang="zh-CN" altLang="en-US" smtClean="0"/>
+              <a:rPr lang="zh-CN" altLang="en-US"/>
               <a:t>单击此处编辑母版标题样式</a:t>
             </a:r>
-            <a:endParaRPr lang="zh-CN" altLang="en-US"/>
           </a:p>
         </p:txBody>
       </p:sp>
@@ -373,38 +391,37 @@
           <a:p>
             <a:pPr lvl="0"/>
             <a:r>
-              <a:rPr lang="zh-CN" altLang="en-US" smtClean="0"/>
+              <a:rPr lang="zh-CN" altLang="en-US"/>
               <a:t>编辑母版文本样式</a:t>
             </a:r>
           </a:p>
           <a:p>
             <a:pPr lvl="1"/>
             <a:r>
-              <a:rPr lang="zh-CN" altLang="en-US" smtClean="0"/>
+              <a:rPr lang="zh-CN" altLang="en-US"/>
               <a:t>第二级</a:t>
             </a:r>
           </a:p>
           <a:p>
             <a:pPr lvl="2"/>
             <a:r>
-              <a:rPr lang="zh-CN" altLang="en-US" smtClean="0"/>
+              <a:rPr lang="zh-CN" altLang="en-US"/>
               <a:t>第三级</a:t>
             </a:r>
           </a:p>
           <a:p>
             <a:pPr lvl="3"/>
             <a:r>
-              <a:rPr lang="zh-CN" altLang="en-US" smtClean="0"/>
+              <a:rPr lang="zh-CN" altLang="en-US"/>
               <a:t>第四级</a:t>
             </a:r>
           </a:p>
           <a:p>
             <a:pPr lvl="4"/>
             <a:r>
-              <a:rPr lang="zh-CN" altLang="en-US" smtClean="0"/>
+              <a:rPr lang="zh-CN" altLang="en-US"/>
               <a:t>第五级</a:t>
             </a:r>
-            <a:endParaRPr lang="zh-CN" altLang="en-US"/>
           </a:p>
         </p:txBody>
       </p:sp>
@@ -425,7 +442,7 @@
           <a:p>
             <a:fld id="{371F0B48-F53C-40B1-B5C5-25DD89E7CD34}" type="datetimeFigureOut">
               <a:rPr lang="zh-CN" altLang="en-US" smtClean="0"/>
-              <a:t>2017/10/29 Sunday</a:t>
+              <a:t>2017/10/29</a:t>
             </a:fld>
             <a:endParaRPr lang="zh-CN" altLang="en-US"/>
           </a:p>
@@ -524,10 +541,9 @@
           <a:lstStyle/>
           <a:p>
             <a:r>
-              <a:rPr lang="zh-CN" altLang="en-US" smtClean="0"/>
+              <a:rPr lang="zh-CN" altLang="en-US"/>
               <a:t>单击此处编辑母版标题样式</a:t>
             </a:r>
-            <a:endParaRPr lang="zh-CN" altLang="en-US"/>
           </a:p>
         </p:txBody>
       </p:sp>
@@ -553,38 +569,37 @@
           <a:p>
             <a:pPr lvl="0"/>
             <a:r>
-              <a:rPr lang="zh-CN" altLang="en-US" smtClean="0"/>
+              <a:rPr lang="zh-CN" altLang="en-US"/>
               <a:t>编辑母版文本样式</a:t>
             </a:r>
           </a:p>
           <a:p>
             <a:pPr lvl="1"/>
             <a:r>
-              <a:rPr lang="zh-CN" altLang="en-US" smtClean="0"/>
+              <a:rPr lang="zh-CN" altLang="en-US"/>
               <a:t>第二级</a:t>
             </a:r>
           </a:p>
           <a:p>
             <a:pPr lvl="2"/>
             <a:r>
-              <a:rPr lang="zh-CN" altLang="en-US" smtClean="0"/>
+              <a:rPr lang="zh-CN" altLang="en-US"/>
               <a:t>第三级</a:t>
             </a:r>
           </a:p>
           <a:p>
             <a:pPr lvl="3"/>
             <a:r>
-              <a:rPr lang="zh-CN" altLang="en-US" smtClean="0"/>
+              <a:rPr lang="zh-CN" altLang="en-US"/>
               <a:t>第四级</a:t>
             </a:r>
           </a:p>
           <a:p>
             <a:pPr lvl="4"/>
             <a:r>
-              <a:rPr lang="zh-CN" altLang="en-US" smtClean="0"/>
+              <a:rPr lang="zh-CN" altLang="en-US"/>
               <a:t>第五级</a:t>
             </a:r>
-            <a:endParaRPr lang="zh-CN" altLang="en-US"/>
           </a:p>
         </p:txBody>
       </p:sp>
@@ -605,7 +620,7 @@
           <a:p>
             <a:fld id="{371F0B48-F53C-40B1-B5C5-25DD89E7CD34}" type="datetimeFigureOut">
               <a:rPr lang="zh-CN" altLang="en-US" smtClean="0"/>
-              <a:t>2017/10/29 Sunday</a:t>
+              <a:t>2017/10/29</a:t>
             </a:fld>
             <a:endParaRPr lang="zh-CN" altLang="en-US"/>
           </a:p>
@@ -699,10 +714,9 @@
           <a:lstStyle/>
           <a:p>
             <a:r>
-              <a:rPr lang="zh-CN" altLang="en-US" smtClean="0"/>
+              <a:rPr lang="zh-CN" altLang="en-US"/>
               <a:t>单击此处编辑母版标题样式</a:t>
             </a:r>
-            <a:endParaRPr lang="zh-CN" altLang="en-US"/>
           </a:p>
         </p:txBody>
       </p:sp>
@@ -723,38 +737,37 @@
           <a:p>
             <a:pPr lvl="0"/>
             <a:r>
-              <a:rPr lang="zh-CN" altLang="en-US" smtClean="0"/>
+              <a:rPr lang="zh-CN" altLang="en-US"/>
               <a:t>编辑母版文本样式</a:t>
             </a:r>
           </a:p>
           <a:p>
             <a:pPr lvl="1"/>
             <a:r>
-              <a:rPr lang="zh-CN" altLang="en-US" smtClean="0"/>
+              <a:rPr lang="zh-CN" altLang="en-US"/>
               <a:t>第二级</a:t>
             </a:r>
           </a:p>
           <a:p>
             <a:pPr lvl="2"/>
             <a:r>
-              <a:rPr lang="zh-CN" altLang="en-US" smtClean="0"/>
+              <a:rPr lang="zh-CN" altLang="en-US"/>
               <a:t>第三级</a:t>
             </a:r>
           </a:p>
           <a:p>
             <a:pPr lvl="3"/>
             <a:r>
-              <a:rPr lang="zh-CN" altLang="en-US" smtClean="0"/>
+              <a:rPr lang="zh-CN" altLang="en-US"/>
               <a:t>第四级</a:t>
             </a:r>
           </a:p>
           <a:p>
             <a:pPr lvl="4"/>
             <a:r>
-              <a:rPr lang="zh-CN" altLang="en-US" smtClean="0"/>
+              <a:rPr lang="zh-CN" altLang="en-US"/>
               <a:t>第五级</a:t>
             </a:r>
-            <a:endParaRPr lang="zh-CN" altLang="en-US"/>
           </a:p>
         </p:txBody>
       </p:sp>
@@ -775,7 +788,7 @@
           <a:p>
             <a:fld id="{371F0B48-F53C-40B1-B5C5-25DD89E7CD34}" type="datetimeFigureOut">
               <a:rPr lang="zh-CN" altLang="en-US" smtClean="0"/>
-              <a:t>2017/10/29 Sunday</a:t>
+              <a:t>2017/10/29</a:t>
             </a:fld>
             <a:endParaRPr lang="zh-CN" altLang="en-US"/>
           </a:p>
@@ -878,10 +891,9 @@
           </a:lstStyle>
           <a:p>
             <a:r>
-              <a:rPr lang="zh-CN" altLang="en-US" smtClean="0"/>
+              <a:rPr lang="zh-CN" altLang="en-US"/>
               <a:t>单击此处编辑母版标题样式</a:t>
             </a:r>
-            <a:endParaRPr lang="zh-CN" altLang="en-US"/>
           </a:p>
         </p:txBody>
       </p:sp>
@@ -998,7 +1010,7 @@
           <a:p>
             <a:pPr lvl="0"/>
             <a:r>
-              <a:rPr lang="zh-CN" altLang="en-US" smtClean="0"/>
+              <a:rPr lang="zh-CN" altLang="en-US"/>
               <a:t>编辑母版文本样式</a:t>
             </a:r>
           </a:p>
@@ -1021,7 +1033,7 @@
           <a:p>
             <a:fld id="{371F0B48-F53C-40B1-B5C5-25DD89E7CD34}" type="datetimeFigureOut">
               <a:rPr lang="zh-CN" altLang="en-US" smtClean="0"/>
-              <a:t>2017/10/29 Sunday</a:t>
+              <a:t>2017/10/29</a:t>
             </a:fld>
             <a:endParaRPr lang="zh-CN" altLang="en-US"/>
           </a:p>
@@ -1115,10 +1127,9 @@
           <a:lstStyle/>
           <a:p>
             <a:r>
-              <a:rPr lang="zh-CN" altLang="en-US" smtClean="0"/>
+              <a:rPr lang="zh-CN" altLang="en-US"/>
               <a:t>单击此处编辑母版标题样式</a:t>
             </a:r>
-            <a:endParaRPr lang="zh-CN" altLang="en-US"/>
           </a:p>
         </p:txBody>
       </p:sp>
@@ -1144,38 +1155,37 @@
           <a:p>
             <a:pPr lvl="0"/>
             <a:r>
-              <a:rPr lang="zh-CN" altLang="en-US" smtClean="0"/>
+              <a:rPr lang="zh-CN" altLang="en-US"/>
               <a:t>编辑母版文本样式</a:t>
             </a:r>
           </a:p>
           <a:p>
             <a:pPr lvl="1"/>
             <a:r>
-              <a:rPr lang="zh-CN" altLang="en-US" smtClean="0"/>
+              <a:rPr lang="zh-CN" altLang="en-US"/>
               <a:t>第二级</a:t>
             </a:r>
           </a:p>
           <a:p>
             <a:pPr lvl="2"/>
             <a:r>
-              <a:rPr lang="zh-CN" altLang="en-US" smtClean="0"/>
+              <a:rPr lang="zh-CN" altLang="en-US"/>
               <a:t>第三级</a:t>
             </a:r>
           </a:p>
           <a:p>
             <a:pPr lvl="3"/>
             <a:r>
-              <a:rPr lang="zh-CN" altLang="en-US" smtClean="0"/>
+              <a:rPr lang="zh-CN" altLang="en-US"/>
               <a:t>第四级</a:t>
             </a:r>
           </a:p>
           <a:p>
             <a:pPr lvl="4"/>
             <a:r>
-              <a:rPr lang="zh-CN" altLang="en-US" smtClean="0"/>
+              <a:rPr lang="zh-CN" altLang="en-US"/>
               <a:t>第五级</a:t>
             </a:r>
-            <a:endParaRPr lang="zh-CN" altLang="en-US"/>
           </a:p>
         </p:txBody>
       </p:sp>
@@ -1201,38 +1211,37 @@
           <a:p>
             <a:pPr lvl="0"/>
             <a:r>
-              <a:rPr lang="zh-CN" altLang="en-US" smtClean="0"/>
+              <a:rPr lang="zh-CN" altLang="en-US"/>
               <a:t>编辑母版文本样式</a:t>
             </a:r>
           </a:p>
           <a:p>
             <a:pPr lvl="1"/>
             <a:r>
-              <a:rPr lang="zh-CN" altLang="en-US" smtClean="0"/>
+              <a:rPr lang="zh-CN" altLang="en-US"/>
               <a:t>第二级</a:t>
             </a:r>
           </a:p>
           <a:p>
             <a:pPr lvl="2"/>
             <a:r>
-              <a:rPr lang="zh-CN" altLang="en-US" smtClean="0"/>
+              <a:rPr lang="zh-CN" altLang="en-US"/>
               <a:t>第三级</a:t>
             </a:r>
           </a:p>
           <a:p>
             <a:pPr lvl="3"/>
             <a:r>
-              <a:rPr lang="zh-CN" altLang="en-US" smtClean="0"/>
+              <a:rPr lang="zh-CN" altLang="en-US"/>
               <a:t>第四级</a:t>
             </a:r>
           </a:p>
           <a:p>
             <a:pPr lvl="4"/>
             <a:r>
-              <a:rPr lang="zh-CN" altLang="en-US" smtClean="0"/>
+              <a:rPr lang="zh-CN" altLang="en-US"/>
               <a:t>第五级</a:t>
             </a:r>
-            <a:endParaRPr lang="zh-CN" altLang="en-US"/>
           </a:p>
         </p:txBody>
       </p:sp>
@@ -1253,7 +1262,7 @@
           <a:p>
             <a:fld id="{371F0B48-F53C-40B1-B5C5-25DD89E7CD34}" type="datetimeFigureOut">
               <a:rPr lang="zh-CN" altLang="en-US" smtClean="0"/>
-              <a:t>2017/10/29 Sunday</a:t>
+              <a:t>2017/10/29</a:t>
             </a:fld>
             <a:endParaRPr lang="zh-CN" altLang="en-US"/>
           </a:p>
@@ -1352,10 +1361,9 @@
           <a:lstStyle/>
           <a:p>
             <a:r>
-              <a:rPr lang="zh-CN" altLang="en-US" smtClean="0"/>
+              <a:rPr lang="zh-CN" altLang="en-US"/>
               <a:t>单击此处编辑母版标题样式</a:t>
             </a:r>
-            <a:endParaRPr lang="zh-CN" altLang="en-US"/>
           </a:p>
         </p:txBody>
       </p:sp>
@@ -1418,7 +1426,7 @@
           <a:p>
             <a:pPr lvl="0"/>
             <a:r>
-              <a:rPr lang="zh-CN" altLang="en-US" smtClean="0"/>
+              <a:rPr lang="zh-CN" altLang="en-US"/>
               <a:t>编辑母版文本样式</a:t>
             </a:r>
           </a:p>
@@ -1446,38 +1454,37 @@
           <a:p>
             <a:pPr lvl="0"/>
             <a:r>
-              <a:rPr lang="zh-CN" altLang="en-US" smtClean="0"/>
+              <a:rPr lang="zh-CN" altLang="en-US"/>
               <a:t>编辑母版文本样式</a:t>
             </a:r>
           </a:p>
           <a:p>
             <a:pPr lvl="1"/>
             <a:r>
-              <a:rPr lang="zh-CN" altLang="en-US" smtClean="0"/>
+              <a:rPr lang="zh-CN" altLang="en-US"/>
               <a:t>第二级</a:t>
             </a:r>
           </a:p>
           <a:p>
             <a:pPr lvl="2"/>
             <a:r>
-              <a:rPr lang="zh-CN" altLang="en-US" smtClean="0"/>
+              <a:rPr lang="zh-CN" altLang="en-US"/>
               <a:t>第三级</a:t>
             </a:r>
           </a:p>
           <a:p>
             <a:pPr lvl="3"/>
             <a:r>
-              <a:rPr lang="zh-CN" altLang="en-US" smtClean="0"/>
+              <a:rPr lang="zh-CN" altLang="en-US"/>
               <a:t>第四级</a:t>
             </a:r>
           </a:p>
           <a:p>
             <a:pPr lvl="4"/>
             <a:r>
-              <a:rPr lang="zh-CN" altLang="en-US" smtClean="0"/>
+              <a:rPr lang="zh-CN" altLang="en-US"/>
               <a:t>第五级</a:t>
             </a:r>
-            <a:endParaRPr lang="zh-CN" altLang="en-US"/>
           </a:p>
         </p:txBody>
       </p:sp>
@@ -1540,7 +1547,7 @@
           <a:p>
             <a:pPr lvl="0"/>
             <a:r>
-              <a:rPr lang="zh-CN" altLang="en-US" smtClean="0"/>
+              <a:rPr lang="zh-CN" altLang="en-US"/>
               <a:t>编辑母版文本样式</a:t>
             </a:r>
           </a:p>
@@ -1568,38 +1575,37 @@
           <a:p>
             <a:pPr lvl="0"/>
             <a:r>
-              <a:rPr lang="zh-CN" altLang="en-US" smtClean="0"/>
+              <a:rPr lang="zh-CN" altLang="en-US"/>
               <a:t>编辑母版文本样式</a:t>
             </a:r>
           </a:p>
           <a:p>
             <a:pPr lvl="1"/>
             <a:r>
-              <a:rPr lang="zh-CN" altLang="en-US" smtClean="0"/>
+              <a:rPr lang="zh-CN" altLang="en-US"/>
               <a:t>第二级</a:t>
             </a:r>
           </a:p>
           <a:p>
             <a:pPr lvl="2"/>
             <a:r>
-              <a:rPr lang="zh-CN" altLang="en-US" smtClean="0"/>
+              <a:rPr lang="zh-CN" altLang="en-US"/>
               <a:t>第三级</a:t>
             </a:r>
           </a:p>
           <a:p>
             <a:pPr lvl="3"/>
             <a:r>
-              <a:rPr lang="zh-CN" altLang="en-US" smtClean="0"/>
+              <a:rPr lang="zh-CN" altLang="en-US"/>
               <a:t>第四级</a:t>
             </a:r>
           </a:p>
           <a:p>
             <a:pPr lvl="4"/>
             <a:r>
-              <a:rPr lang="zh-CN" altLang="en-US" smtClean="0"/>
+              <a:rPr lang="zh-CN" altLang="en-US"/>
               <a:t>第五级</a:t>
             </a:r>
-            <a:endParaRPr lang="zh-CN" altLang="en-US"/>
           </a:p>
         </p:txBody>
       </p:sp>
@@ -1620,7 +1626,7 @@
           <a:p>
             <a:fld id="{371F0B48-F53C-40B1-B5C5-25DD89E7CD34}" type="datetimeFigureOut">
               <a:rPr lang="zh-CN" altLang="en-US" smtClean="0"/>
-              <a:t>2017/10/29 Sunday</a:t>
+              <a:t>2017/10/29</a:t>
             </a:fld>
             <a:endParaRPr lang="zh-CN" altLang="en-US"/>
           </a:p>
@@ -1714,10 +1720,9 @@
           <a:lstStyle/>
           <a:p>
             <a:r>
-              <a:rPr lang="zh-CN" altLang="en-US" smtClean="0"/>
+              <a:rPr lang="zh-CN" altLang="en-US"/>
               <a:t>单击此处编辑母版标题样式</a:t>
             </a:r>
-            <a:endParaRPr lang="zh-CN" altLang="en-US"/>
           </a:p>
         </p:txBody>
       </p:sp>
@@ -1738,7 +1743,7 @@
           <a:p>
             <a:fld id="{371F0B48-F53C-40B1-B5C5-25DD89E7CD34}" type="datetimeFigureOut">
               <a:rPr lang="zh-CN" altLang="en-US" smtClean="0"/>
-              <a:t>2017/10/29 Sunday</a:t>
+              <a:t>2017/10/29</a:t>
             </a:fld>
             <a:endParaRPr lang="zh-CN" altLang="en-US"/>
           </a:p>
@@ -1833,7 +1838,7 @@
           <a:p>
             <a:fld id="{371F0B48-F53C-40B1-B5C5-25DD89E7CD34}" type="datetimeFigureOut">
               <a:rPr lang="zh-CN" altLang="en-US" smtClean="0"/>
-              <a:t>2017/10/29 Sunday</a:t>
+              <a:t>2017/10/29</a:t>
             </a:fld>
             <a:endParaRPr lang="zh-CN" altLang="en-US"/>
           </a:p>
@@ -1936,10 +1941,9 @@
           </a:lstStyle>
           <a:p>
             <a:r>
-              <a:rPr lang="zh-CN" altLang="en-US" smtClean="0"/>
+              <a:rPr lang="zh-CN" altLang="en-US"/>
               <a:t>单击此处编辑母版标题样式</a:t>
             </a:r>
-            <a:endParaRPr lang="zh-CN" altLang="en-US"/>
           </a:p>
         </p:txBody>
       </p:sp>
@@ -1993,38 +1997,37 @@
           <a:p>
             <a:pPr lvl="0"/>
             <a:r>
-              <a:rPr lang="zh-CN" altLang="en-US" smtClean="0"/>
+              <a:rPr lang="zh-CN" altLang="en-US"/>
               <a:t>编辑母版文本样式</a:t>
             </a:r>
           </a:p>
           <a:p>
             <a:pPr lvl="1"/>
             <a:r>
-              <a:rPr lang="zh-CN" altLang="en-US" smtClean="0"/>
+              <a:rPr lang="zh-CN" altLang="en-US"/>
               <a:t>第二级</a:t>
             </a:r>
           </a:p>
           <a:p>
             <a:pPr lvl="2"/>
             <a:r>
-              <a:rPr lang="zh-CN" altLang="en-US" smtClean="0"/>
+              <a:rPr lang="zh-CN" altLang="en-US"/>
               <a:t>第三级</a:t>
             </a:r>
           </a:p>
           <a:p>
             <a:pPr lvl="3"/>
             <a:r>
-              <a:rPr lang="zh-CN" altLang="en-US" smtClean="0"/>
+              <a:rPr lang="zh-CN" altLang="en-US"/>
               <a:t>第四级</a:t>
             </a:r>
           </a:p>
           <a:p>
             <a:pPr lvl="4"/>
             <a:r>
-              <a:rPr lang="zh-CN" altLang="en-US" smtClean="0"/>
+              <a:rPr lang="zh-CN" altLang="en-US"/>
               <a:t>第五级</a:t>
             </a:r>
-            <a:endParaRPr lang="zh-CN" altLang="en-US"/>
           </a:p>
         </p:txBody>
       </p:sp>
@@ -2087,7 +2090,7 @@
           <a:p>
             <a:pPr lvl="0"/>
             <a:r>
-              <a:rPr lang="zh-CN" altLang="en-US" smtClean="0"/>
+              <a:rPr lang="zh-CN" altLang="en-US"/>
               <a:t>编辑母版文本样式</a:t>
             </a:r>
           </a:p>
@@ -2110,7 +2113,7 @@
           <a:p>
             <a:fld id="{371F0B48-F53C-40B1-B5C5-25DD89E7CD34}" type="datetimeFigureOut">
               <a:rPr lang="zh-CN" altLang="en-US" smtClean="0"/>
-              <a:t>2017/10/29 Sunday</a:t>
+              <a:t>2017/10/29</a:t>
             </a:fld>
             <a:endParaRPr lang="zh-CN" altLang="en-US"/>
           </a:p>
@@ -2213,10 +2216,9 @@
           </a:lstStyle>
           <a:p>
             <a:r>
-              <a:rPr lang="zh-CN" altLang="en-US" smtClean="0"/>
+              <a:rPr lang="zh-CN" altLang="en-US"/>
               <a:t>单击此处编辑母版标题样式</a:t>
             </a:r>
-            <a:endParaRPr lang="zh-CN" altLang="en-US"/>
           </a:p>
         </p:txBody>
       </p:sp>
@@ -2340,7 +2342,7 @@
           <a:p>
             <a:pPr lvl="0"/>
             <a:r>
-              <a:rPr lang="zh-CN" altLang="en-US" smtClean="0"/>
+              <a:rPr lang="zh-CN" altLang="en-US"/>
               <a:t>编辑母版文本样式</a:t>
             </a:r>
           </a:p>
@@ -2363,7 +2365,7 @@
           <a:p>
             <a:fld id="{371F0B48-F53C-40B1-B5C5-25DD89E7CD34}" type="datetimeFigureOut">
               <a:rPr lang="zh-CN" altLang="en-US" smtClean="0"/>
-              <a:t>2017/10/29 Sunday</a:t>
+              <a:t>2017/10/29</a:t>
             </a:fld>
             <a:endParaRPr lang="zh-CN" altLang="en-US"/>
           </a:p>
@@ -2472,10 +2474,9 @@
           <a:lstStyle/>
           <a:p>
             <a:r>
-              <a:rPr lang="zh-CN" altLang="en-US" smtClean="0"/>
+              <a:rPr lang="zh-CN" altLang="en-US"/>
               <a:t>单击此处编辑母版标题样式</a:t>
             </a:r>
-            <a:endParaRPr lang="zh-CN" altLang="en-US"/>
           </a:p>
         </p:txBody>
       </p:sp>
@@ -2506,38 +2507,37 @@
           <a:p>
             <a:pPr lvl="0"/>
             <a:r>
-              <a:rPr lang="zh-CN" altLang="en-US" smtClean="0"/>
+              <a:rPr lang="zh-CN" altLang="en-US"/>
               <a:t>编辑母版文本样式</a:t>
             </a:r>
           </a:p>
           <a:p>
             <a:pPr lvl="1"/>
             <a:r>
-              <a:rPr lang="zh-CN" altLang="en-US" smtClean="0"/>
+              <a:rPr lang="zh-CN" altLang="en-US"/>
               <a:t>第二级</a:t>
             </a:r>
           </a:p>
           <a:p>
             <a:pPr lvl="2"/>
             <a:r>
-              <a:rPr lang="zh-CN" altLang="en-US" smtClean="0"/>
+              <a:rPr lang="zh-CN" altLang="en-US"/>
               <a:t>第三级</a:t>
             </a:r>
           </a:p>
           <a:p>
             <a:pPr lvl="3"/>
             <a:r>
-              <a:rPr lang="zh-CN" altLang="en-US" smtClean="0"/>
+              <a:rPr lang="zh-CN" altLang="en-US"/>
               <a:t>第四级</a:t>
             </a:r>
           </a:p>
           <a:p>
             <a:pPr lvl="4"/>
             <a:r>
-              <a:rPr lang="zh-CN" altLang="en-US" smtClean="0"/>
+              <a:rPr lang="zh-CN" altLang="en-US"/>
               <a:t>第五级</a:t>
             </a:r>
-            <a:endParaRPr lang="zh-CN" altLang="en-US"/>
           </a:p>
         </p:txBody>
       </p:sp>
@@ -2576,7 +2576,7 @@
           <a:p>
             <a:fld id="{371F0B48-F53C-40B1-B5C5-25DD89E7CD34}" type="datetimeFigureOut">
               <a:rPr lang="zh-CN" altLang="en-US" smtClean="0"/>
-              <a:t>2017/10/29 Sunday</a:t>
+              <a:t>2017/10/29</a:t>
             </a:fld>
             <a:endParaRPr lang="zh-CN" altLang="en-US"/>
           </a:p>
@@ -2993,14 +2993,23 @@
         </p:nvSpPr>
         <p:spPr/>
         <p:txBody>
-          <a:bodyPr/>
-          <a:lstStyle/>
-          <a:p>
-            <a:r>
-              <a:rPr lang="zh-CN" altLang="en-US" dirty="0" smtClean="0"/>
+          <a:bodyPr>
+            <a:normAutofit/>
+          </a:bodyPr>
+          <a:lstStyle/>
+          <a:p>
+            <a:r>
+              <a:rPr lang="zh-CN" altLang="en-US" sz="7200" dirty="0"/>
+              <a:t>总体项目计划</a:t>
+            </a:r>
+            <a:br>
+              <a:rPr lang="en-US" altLang="zh-CN" sz="2800" dirty="0"/>
+            </a:br>
+            <a:r>
+              <a:rPr lang="zh-CN" altLang="en-US" sz="2400" dirty="0"/>
               <a:t>软件工程系列课程辅助教学网站</a:t>
             </a:r>
-            <a:endParaRPr lang="zh-CN" altLang="en-US" dirty="0"/>
+            <a:endParaRPr lang="zh-CN" altLang="en-US" sz="2800" dirty="0"/>
           </a:p>
         </p:txBody>
       </p:sp>
@@ -3014,24 +3023,29 @@
             <p:ph type="subTitle" idx="1"/>
           </p:nvPr>
         </p:nvSpPr>
-        <p:spPr/>
+        <p:spPr>
+          <a:xfrm>
+            <a:off x="1524000" y="4360574"/>
+            <a:ext cx="9144000" cy="1655762"/>
+          </a:xfrm>
+        </p:spPr>
         <p:txBody>
           <a:bodyPr/>
           <a:lstStyle/>
           <a:p>
             <a:pPr lvl="1"/>
             <a:r>
-              <a:rPr lang="en-US" altLang="zh-CN" dirty="0" smtClean="0"/>
+              <a:rPr lang="en-US" altLang="zh-CN" dirty="0"/>
               <a:t>G24</a:t>
             </a:r>
           </a:p>
           <a:p>
             <a:pPr lvl="1"/>
             <a:r>
-              <a:rPr lang="zh-CN" altLang="en-US" dirty="0" smtClean="0"/>
+              <a:rPr lang="zh-CN" altLang="en-US" dirty="0"/>
               <a:t>童威男 陈泓见 黄栋材 冯涛 徐鹏</a:t>
             </a:r>
-            <a:endParaRPr lang="en-US" altLang="zh-CN" dirty="0" smtClean="0"/>
+            <a:endParaRPr lang="en-US" altLang="zh-CN" dirty="0"/>
           </a:p>
         </p:txBody>
       </p:sp>
@@ -3045,13 +3059,6 @@
   <p:clrMapOvr>
     <a:masterClrMapping/>
   </p:clrMapOvr>
-  <p:timing>
-    <p:tnLst>
-      <p:par>
-        <p:cTn id="1" dur="indefinite" restart="never" nodeType="tmRoot"/>
-      </p:par>
-    </p:tnLst>
-  </p:timing>
 </p:sld>
 </file>
 
@@ -3088,10 +3095,9 @@
           <a:lstStyle/>
           <a:p>
             <a:r>
-              <a:rPr lang="zh-CN" altLang="en-US" dirty="0" smtClean="0"/>
-              <a:t>项目目标</a:t>
-            </a:r>
-            <a:endParaRPr lang="zh-CN" altLang="en-US" dirty="0"/>
+              <a:rPr lang="zh-CN" altLang="en-US" dirty="0"/>
+              <a:t>参考资料</a:t>
+            </a:r>
           </a:p>
         </p:txBody>
       </p:sp>
@@ -3111,11 +3117,47 @@
           <a:lstStyle/>
           <a:p>
             <a:r>
+              <a:rPr lang="en-US" altLang="zh-CN" u="sng" dirty="0">
+                <a:hlinkClick r:id="rId2"/>
+              </a:rPr>
+              <a:t>http://bb.zucc.edu.cn</a:t>
+            </a:r>
+            <a:r>
               <a:rPr lang="zh-CN" altLang="zh-CN" dirty="0"/>
-              <a:t>开发一个有利于教师的教学和学生的学习的辅助网站；也为软件工程系列课程的成熟记录下足迹。</a:t>
-            </a:r>
-          </a:p>
-          <a:p>
+              <a:t>网站</a:t>
+            </a:r>
+          </a:p>
+          <a:p>
+            <a:r>
+              <a:rPr lang="en-US" altLang="zh-CN" u="sng" dirty="0">
+                <a:hlinkClick r:id="rId3"/>
+              </a:rPr>
+              <a:t>C2-PRD-项目描述-2017.doc</a:t>
+            </a:r>
+            <a:r>
+              <a:rPr lang="zh-CN" altLang="zh-CN" dirty="0"/>
+              <a:t>文档</a:t>
+            </a:r>
+          </a:p>
+          <a:p>
+            <a:r>
+              <a:rPr lang="en-US" altLang="zh-CN" u="sng" dirty="0">
+                <a:hlinkClick r:id="rId4"/>
+              </a:rPr>
+              <a:t>GB-T 8567-2006 </a:t>
+            </a:r>
+            <a:r>
+              <a:rPr lang="en-US" altLang="zh-CN" u="sng" dirty="0" err="1">
+                <a:hlinkClick r:id="rId4"/>
+              </a:rPr>
+              <a:t>计算机软件文档编制规范</a:t>
+            </a:r>
+            <a:endParaRPr lang="zh-CN" altLang="zh-CN" dirty="0"/>
+          </a:p>
+          <a:p>
+            <a:pPr marL="0" indent="0">
+              <a:buNone/>
+            </a:pPr>
             <a:endParaRPr lang="zh-CN" altLang="en-US" dirty="0"/>
           </a:p>
         </p:txBody>
@@ -3123,20 +3165,13 @@
     </p:spTree>
     <p:extLst>
       <p:ext uri="{BB962C8B-B14F-4D97-AF65-F5344CB8AC3E}">
-        <p14:creationId xmlns:p14="http://schemas.microsoft.com/office/powerpoint/2010/main" val="2523399775"/>
+        <p14:creationId xmlns:p14="http://schemas.microsoft.com/office/powerpoint/2010/main" val="2815829399"/>
       </p:ext>
     </p:extLst>
   </p:cSld>
   <p:clrMapOvr>
     <a:masterClrMapping/>
   </p:clrMapOvr>
-  <p:timing>
-    <p:tnLst>
-      <p:par>
-        <p:cTn id="1" dur="indefinite" restart="never" nodeType="tmRoot"/>
-      </p:par>
-    </p:tnLst>
-  </p:timing>
 </p:sld>
 </file>
 
@@ -3173,121 +3208,95 @@
           <a:lstStyle/>
           <a:p>
             <a:r>
-              <a:rPr lang="zh-CN" altLang="en-US" dirty="0" smtClean="0"/>
+              <a:rPr lang="zh-CN" altLang="en-US" dirty="0"/>
+              <a:t>项目概述</a:t>
+            </a:r>
+          </a:p>
+        </p:txBody>
+      </p:sp>
+      <p:sp>
+        <p:nvSpPr>
+          <p:cNvPr id="3" name="内容占位符 2"/>
+          <p:cNvSpPr>
+            <a:spLocks noGrp="1"/>
+          </p:cNvSpPr>
+          <p:nvPr>
+            <p:ph idx="1"/>
+          </p:nvPr>
+        </p:nvSpPr>
+        <p:spPr/>
+        <p:txBody>
+          <a:bodyPr/>
+          <a:lstStyle/>
+          <a:p>
+            <a:r>
+              <a:rPr lang="zh-CN" altLang="en-US" dirty="0">
+                <a:hlinkClick r:id="rId2" action="ppaction://hlinksldjump"/>
+              </a:rPr>
+              <a:t>项目目的</a:t>
+            </a:r>
+            <a:endParaRPr lang="en-US" altLang="zh-CN" dirty="0">
+              <a:hlinkClick r:id="rId2" action="ppaction://hlinksldjump"/>
+            </a:endParaRPr>
+          </a:p>
+          <a:p>
+            <a:r>
+              <a:rPr lang="zh-CN" altLang="en-US" dirty="0">
+                <a:hlinkClick r:id="rId2" action="ppaction://hlinksldjump"/>
+              </a:rPr>
               <a:t>项目所需软件</a:t>
             </a:r>
-            <a:endParaRPr lang="zh-CN" altLang="en-US" dirty="0"/>
-          </a:p>
-        </p:txBody>
-      </p:sp>
-      <p:sp>
-        <p:nvSpPr>
-          <p:cNvPr id="3" name="内容占位符 2"/>
-          <p:cNvSpPr>
-            <a:spLocks noGrp="1"/>
-          </p:cNvSpPr>
-          <p:nvPr>
-            <p:ph idx="1"/>
-          </p:nvPr>
-        </p:nvSpPr>
-        <p:spPr/>
-        <p:txBody>
-          <a:bodyPr/>
-          <a:lstStyle/>
-          <a:p>
-            <a:r>
-              <a:rPr lang="en-US" altLang="zh-CN" dirty="0"/>
-              <a:t>IBM Rational Rose</a:t>
-            </a:r>
-            <a:r>
-              <a:rPr lang="zh-CN" altLang="zh-CN" dirty="0"/>
-              <a:t>——</a:t>
-            </a:r>
-            <a:r>
-              <a:rPr lang="en-US" altLang="zh-CN" dirty="0"/>
-              <a:t>UML</a:t>
-            </a:r>
-            <a:r>
-              <a:rPr lang="zh-CN" altLang="zh-CN" dirty="0"/>
-              <a:t>分析与建模工具</a:t>
-            </a:r>
-          </a:p>
-          <a:p>
-            <a:r>
-              <a:rPr lang="en-US" altLang="zh-CN" dirty="0"/>
-              <a:t>IBM Rational DOORS Next Generation</a:t>
-            </a:r>
-            <a:r>
-              <a:rPr lang="zh-CN" altLang="zh-CN" dirty="0"/>
-              <a:t>——软件需求管理工具</a:t>
-            </a:r>
-          </a:p>
-          <a:p>
-            <a:r>
-              <a:rPr lang="en-US" altLang="zh-CN" dirty="0"/>
-              <a:t>Microsoft Project</a:t>
-            </a:r>
-            <a:r>
-              <a:rPr lang="zh-CN" altLang="zh-CN" dirty="0"/>
-              <a:t>——项目管理工具</a:t>
-            </a:r>
-          </a:p>
-          <a:p>
-            <a:r>
-              <a:rPr lang="en-US" altLang="zh-CN" dirty="0"/>
-              <a:t>Microsoft Office</a:t>
-            </a:r>
-            <a:r>
-              <a:rPr lang="zh-CN" altLang="zh-CN" dirty="0"/>
-              <a:t>——文档编写工具</a:t>
-            </a:r>
-          </a:p>
-          <a:p>
-            <a:r>
-              <a:rPr lang="en-US" altLang="zh-CN" dirty="0" err="1"/>
-              <a:t>Git</a:t>
-            </a:r>
-            <a:r>
-              <a:rPr lang="zh-CN" altLang="zh-CN" dirty="0"/>
-              <a:t>——配置管理工具</a:t>
-            </a:r>
-          </a:p>
-          <a:p>
-            <a:r>
-              <a:rPr lang="en-US" altLang="zh-CN" dirty="0" err="1"/>
-              <a:t>Axure</a:t>
-            </a:r>
-            <a:r>
-              <a:rPr lang="en-US" altLang="zh-CN" dirty="0"/>
-              <a:t> RP</a:t>
-            </a:r>
-            <a:r>
-              <a:rPr lang="zh-CN" altLang="zh-CN" dirty="0"/>
-              <a:t>——交互概念原型设计工具</a:t>
-            </a:r>
-          </a:p>
-          <a:p>
-            <a:endParaRPr lang="zh-CN" altLang="en-US" dirty="0"/>
+            <a:endParaRPr lang="en-US" altLang="zh-CN" dirty="0"/>
+          </a:p>
+          <a:p>
+            <a:r>
+              <a:rPr lang="zh-CN" altLang="en-US" dirty="0">
+                <a:hlinkClick r:id="rId3" action="ppaction://hlinksldjump"/>
+              </a:rPr>
+              <a:t>系统运行环境</a:t>
+            </a:r>
+            <a:endParaRPr lang="en-US" altLang="zh-CN" dirty="0"/>
+          </a:p>
+          <a:p>
+            <a:r>
+              <a:rPr lang="zh-CN" altLang="en-US" dirty="0">
+                <a:hlinkClick r:id="rId4" action="ppaction://hlinksldjump"/>
+              </a:rPr>
+              <a:t>人</a:t>
+            </a:r>
+            <a:r>
+              <a:rPr lang="zh-CN" altLang="en-US" dirty="0">
+                <a:hlinkClick r:id="rId5" action="ppaction://hlinksldjump"/>
+              </a:rPr>
+              <a:t>员</a:t>
+            </a:r>
+            <a:r>
+              <a:rPr lang="zh-CN" altLang="en-US" dirty="0"/>
+              <a:t>、</a:t>
+            </a:r>
+            <a:r>
+              <a:rPr lang="zh-CN" altLang="en-US" dirty="0">
+                <a:hlinkClick r:id="rId4" action="ppaction://hlinksldjump"/>
+              </a:rPr>
+              <a:t>分工</a:t>
+            </a:r>
+            <a:r>
+              <a:rPr lang="zh-CN" altLang="en-US" dirty="0"/>
+              <a:t>、说明</a:t>
+            </a:r>
           </a:p>
         </p:txBody>
       </p:sp>
     </p:spTree>
     <p:extLst>
       <p:ext uri="{BB962C8B-B14F-4D97-AF65-F5344CB8AC3E}">
-        <p14:creationId xmlns:p14="http://schemas.microsoft.com/office/powerpoint/2010/main" val="3903389986"/>
+        <p14:creationId xmlns:p14="http://schemas.microsoft.com/office/powerpoint/2010/main" val="1809082455"/>
       </p:ext>
     </p:extLst>
   </p:cSld>
   <p:clrMapOvr>
     <a:masterClrMapping/>
   </p:clrMapOvr>
-  <p:timing>
-    <p:tnLst>
-      <p:par>
-        <p:cTn id="1" dur="indefinite" restart="never" nodeType="tmRoot"/>
-      </p:par>
-    </p:tnLst>
-  </p:timing>
 </p:sld>
 </file>
 
@@ -3324,119 +3333,47 @@
           <a:lstStyle/>
           <a:p>
             <a:r>
-              <a:rPr lang="zh-CN" altLang="en-US" dirty="0" smtClean="0"/>
-              <a:t>系统运行环境</a:t>
-            </a:r>
+              <a:rPr lang="zh-CN" altLang="en-US" dirty="0"/>
+              <a:t>项目目的</a:t>
+            </a:r>
+          </a:p>
+        </p:txBody>
+      </p:sp>
+      <p:sp>
+        <p:nvSpPr>
+          <p:cNvPr id="3" name="内容占位符 2"/>
+          <p:cNvSpPr>
+            <a:spLocks noGrp="1"/>
+          </p:cNvSpPr>
+          <p:nvPr>
+            <p:ph idx="1"/>
+          </p:nvPr>
+        </p:nvSpPr>
+        <p:spPr/>
+        <p:txBody>
+          <a:bodyPr/>
+          <a:lstStyle/>
+          <a:p>
+            <a:r>
+              <a:rPr lang="zh-CN" altLang="zh-CN" dirty="0"/>
+              <a:t>开发一个有利于教师的教学和学生的学习的辅助网站；也为软件工程系列课程的成熟记录下足迹。</a:t>
+            </a:r>
+          </a:p>
+          <a:p>
             <a:endParaRPr lang="zh-CN" altLang="en-US" dirty="0"/>
-          </a:p>
-        </p:txBody>
-      </p:sp>
-      <p:sp>
-        <p:nvSpPr>
-          <p:cNvPr id="3" name="内容占位符 2"/>
-          <p:cNvSpPr>
-            <a:spLocks noGrp="1"/>
-          </p:cNvSpPr>
-          <p:nvPr>
-            <p:ph idx="1"/>
-          </p:nvPr>
-        </p:nvSpPr>
-        <p:spPr/>
-        <p:txBody>
-          <a:bodyPr/>
-          <a:lstStyle/>
-          <a:p>
-            <a:r>
-              <a:rPr lang="zh-CN" altLang="zh-CN" dirty="0"/>
-              <a:t>本网站要求提供对外服务的能力</a:t>
-            </a:r>
-            <a:r>
-              <a:rPr lang="en-US" altLang="zh-CN" dirty="0"/>
-              <a:t>,</a:t>
-            </a:r>
-            <a:r>
-              <a:rPr lang="zh-CN" altLang="zh-CN" dirty="0"/>
-              <a:t>保证至少</a:t>
-            </a:r>
-            <a:r>
-              <a:rPr lang="en-US" altLang="zh-CN" dirty="0"/>
-              <a:t>300</a:t>
-            </a:r>
-            <a:r>
-              <a:rPr lang="zh-CN" altLang="zh-CN" dirty="0"/>
-              <a:t>名同学上课辅助服务的要求</a:t>
-            </a:r>
-            <a:r>
-              <a:rPr lang="en-US" altLang="zh-CN" dirty="0"/>
-              <a:t>.</a:t>
-            </a:r>
-            <a:r>
-              <a:rPr lang="zh-CN" altLang="zh-CN" dirty="0"/>
-              <a:t>包括数据存储能力</a:t>
-            </a:r>
-            <a:r>
-              <a:rPr lang="en-US" altLang="zh-CN" dirty="0"/>
-              <a:t>,</a:t>
-            </a:r>
-            <a:r>
-              <a:rPr lang="zh-CN" altLang="zh-CN" dirty="0"/>
-              <a:t>网络服务吞吐能力</a:t>
-            </a:r>
-            <a:r>
-              <a:rPr lang="en-US" altLang="zh-CN" dirty="0"/>
-              <a:t>,</a:t>
-            </a:r>
-            <a:r>
-              <a:rPr lang="zh-CN" altLang="zh-CN" dirty="0"/>
-              <a:t>数据安全特性等</a:t>
-            </a:r>
-            <a:r>
-              <a:rPr lang="en-US" altLang="zh-CN" dirty="0"/>
-              <a:t>.</a:t>
-            </a:r>
-            <a:endParaRPr lang="zh-CN" altLang="zh-CN" dirty="0"/>
-          </a:p>
-          <a:p>
-            <a:r>
-              <a:rPr lang="zh-CN" altLang="zh-CN" dirty="0"/>
-              <a:t>服务器运行在</a:t>
-            </a:r>
-            <a:r>
-              <a:rPr lang="en-US" altLang="zh-CN" dirty="0"/>
-              <a:t>windows</a:t>
-            </a:r>
-            <a:endParaRPr lang="zh-CN" altLang="zh-CN" dirty="0"/>
-          </a:p>
-          <a:p>
-            <a:r>
-              <a:rPr lang="zh-CN" altLang="zh-CN" dirty="0"/>
-              <a:t>开发平台</a:t>
-            </a:r>
-            <a:r>
-              <a:rPr lang="en-US" altLang="zh-CN" dirty="0" smtClean="0"/>
-              <a:t>IIS.NET</a:t>
-            </a:r>
-            <a:endParaRPr lang="zh-CN" altLang="zh-CN" dirty="0"/>
           </a:p>
         </p:txBody>
       </p:sp>
     </p:spTree>
     <p:extLst>
       <p:ext uri="{BB962C8B-B14F-4D97-AF65-F5344CB8AC3E}">
-        <p14:creationId xmlns:p14="http://schemas.microsoft.com/office/powerpoint/2010/main" val="635723446"/>
+        <p14:creationId xmlns:p14="http://schemas.microsoft.com/office/powerpoint/2010/main" val="2523399775"/>
       </p:ext>
     </p:extLst>
   </p:cSld>
   <p:clrMapOvr>
     <a:masterClrMapping/>
   </p:clrMapOvr>
-  <p:timing>
-    <p:tnLst>
-      <p:par>
-        <p:cTn id="1" dur="indefinite" restart="never" nodeType="tmRoot"/>
-      </p:par>
-    </p:tnLst>
-  </p:timing>
 </p:sld>
 </file>
 
@@ -3473,92 +3410,113 @@
           <a:lstStyle/>
           <a:p>
             <a:r>
-              <a:rPr lang="zh-CN" altLang="en-US" dirty="0" smtClean="0"/>
-              <a:t>项目人员及分工</a:t>
-            </a:r>
+              <a:rPr lang="zh-CN" altLang="en-US" dirty="0"/>
+              <a:t>项目所需软件</a:t>
+            </a:r>
+          </a:p>
+        </p:txBody>
+      </p:sp>
+      <p:sp>
+        <p:nvSpPr>
+          <p:cNvPr id="3" name="内容占位符 2"/>
+          <p:cNvSpPr>
+            <a:spLocks noGrp="1"/>
+          </p:cNvSpPr>
+          <p:nvPr>
+            <p:ph idx="1"/>
+          </p:nvPr>
+        </p:nvSpPr>
+        <p:spPr/>
+        <p:txBody>
+          <a:bodyPr/>
+          <a:lstStyle/>
+          <a:p>
+            <a:r>
+              <a:rPr lang="en-US" altLang="zh-CN" dirty="0"/>
+              <a:t>IBM Rational Rose</a:t>
+            </a:r>
+            <a:r>
+              <a:rPr lang="zh-CN" altLang="zh-CN" dirty="0"/>
+              <a:t>——</a:t>
+            </a:r>
+            <a:r>
+              <a:rPr lang="en-US" altLang="zh-CN" dirty="0"/>
+              <a:t>UML</a:t>
+            </a:r>
+            <a:r>
+              <a:rPr lang="zh-CN" altLang="zh-CN" dirty="0"/>
+              <a:t>分析与建模工具</a:t>
+            </a:r>
+          </a:p>
+          <a:p>
+            <a:r>
+              <a:rPr lang="en-US" altLang="zh-CN" dirty="0"/>
+              <a:t>IBM Rational DOORS Next Generation</a:t>
+            </a:r>
+            <a:r>
+              <a:rPr lang="zh-CN" altLang="zh-CN" dirty="0"/>
+              <a:t>——软件需求管理工具</a:t>
+            </a:r>
+          </a:p>
+          <a:p>
+            <a:r>
+              <a:rPr lang="en-US" altLang="zh-CN" dirty="0"/>
+              <a:t>Microsoft Project</a:t>
+            </a:r>
+            <a:r>
+              <a:rPr lang="zh-CN" altLang="zh-CN" dirty="0"/>
+              <a:t>——项目管理工具</a:t>
+            </a:r>
+          </a:p>
+          <a:p>
+            <a:r>
+              <a:rPr lang="en-US" altLang="zh-CN" dirty="0"/>
+              <a:t>Microsoft Office</a:t>
+            </a:r>
+            <a:r>
+              <a:rPr lang="zh-CN" altLang="zh-CN" dirty="0"/>
+              <a:t>——文档编写工具</a:t>
+            </a:r>
+          </a:p>
+          <a:p>
+            <a:r>
+              <a:rPr lang="en-US" altLang="zh-CN" dirty="0" err="1"/>
+              <a:t>Git</a:t>
+            </a:r>
+            <a:r>
+              <a:rPr lang="zh-CN" altLang="zh-CN" dirty="0"/>
+              <a:t>——配置管理工具</a:t>
+            </a:r>
+          </a:p>
+          <a:p>
+            <a:r>
+              <a:rPr lang="en-US" altLang="zh-CN" dirty="0" err="1"/>
+              <a:t>Axure</a:t>
+            </a:r>
+            <a:r>
+              <a:rPr lang="en-US" altLang="zh-CN" dirty="0"/>
+              <a:t> RP</a:t>
+            </a:r>
+            <a:r>
+              <a:rPr lang="zh-CN" altLang="zh-CN" dirty="0"/>
+              <a:t>——交互概念原型设计工具</a:t>
+            </a:r>
+          </a:p>
+          <a:p>
             <a:endParaRPr lang="zh-CN" altLang="en-US" dirty="0"/>
-          </a:p>
-        </p:txBody>
-      </p:sp>
-      <p:sp>
-        <p:nvSpPr>
-          <p:cNvPr id="3" name="内容占位符 2"/>
-          <p:cNvSpPr>
-            <a:spLocks noGrp="1"/>
-          </p:cNvSpPr>
-          <p:nvPr>
-            <p:ph idx="1"/>
-          </p:nvPr>
-        </p:nvSpPr>
-        <p:spPr/>
-        <p:txBody>
-          <a:bodyPr/>
-          <a:lstStyle/>
-          <a:p>
-            <a:r>
-              <a:rPr lang="zh-CN" altLang="zh-CN" dirty="0"/>
-              <a:t>项目</a:t>
-            </a:r>
-            <a:r>
-              <a:rPr lang="zh-CN" altLang="zh-CN" dirty="0" smtClean="0"/>
-              <a:t>经理</a:t>
-            </a:r>
-            <a:endParaRPr lang="en-US" altLang="zh-CN" dirty="0" smtClean="0"/>
-          </a:p>
-          <a:p>
-            <a:pPr lvl="1"/>
-            <a:r>
-              <a:rPr lang="zh-CN" altLang="zh-CN" dirty="0" smtClean="0"/>
-              <a:t>童威男</a:t>
-            </a:r>
-            <a:endParaRPr lang="zh-CN" altLang="zh-CN" dirty="0"/>
-          </a:p>
-          <a:p>
-            <a:r>
-              <a:rPr lang="zh-CN" altLang="zh-CN" dirty="0"/>
-              <a:t>项目</a:t>
-            </a:r>
-            <a:r>
-              <a:rPr lang="zh-CN" altLang="zh-CN" dirty="0" smtClean="0"/>
-              <a:t>组员</a:t>
-            </a:r>
-            <a:endParaRPr lang="en-US" altLang="zh-CN" dirty="0" smtClean="0"/>
-          </a:p>
-          <a:p>
-            <a:pPr lvl="1"/>
-            <a:r>
-              <a:rPr lang="zh-CN" altLang="zh-CN" dirty="0" smtClean="0"/>
-              <a:t>黄</a:t>
-            </a:r>
-            <a:r>
-              <a:rPr lang="zh-CN" altLang="zh-CN" dirty="0"/>
-              <a:t>栋材、冯涛、徐鹏、</a:t>
-            </a:r>
-            <a:r>
-              <a:rPr lang="zh-CN" altLang="zh-CN" dirty="0" smtClean="0"/>
-              <a:t>陈泓见</a:t>
-            </a:r>
-            <a:endParaRPr lang="zh-CN" altLang="zh-CN" dirty="0"/>
           </a:p>
         </p:txBody>
       </p:sp>
     </p:spTree>
     <p:extLst>
       <p:ext uri="{BB962C8B-B14F-4D97-AF65-F5344CB8AC3E}">
-        <p14:creationId xmlns:p14="http://schemas.microsoft.com/office/powerpoint/2010/main" val="1514692585"/>
+        <p14:creationId xmlns:p14="http://schemas.microsoft.com/office/powerpoint/2010/main" val="3903389986"/>
       </p:ext>
     </p:extLst>
   </p:cSld>
   <p:clrMapOvr>
     <a:masterClrMapping/>
   </p:clrMapOvr>
-  <p:timing>
-    <p:tnLst>
-      <p:par>
-        <p:cTn id="1" dur="indefinite" restart="never" nodeType="tmRoot"/>
-      </p:par>
-    </p:tnLst>
-  </p:timing>
 </p:sld>
 </file>
 
@@ -3595,10 +3553,9 @@
           <a:lstStyle/>
           <a:p>
             <a:r>
-              <a:rPr lang="zh-CN" altLang="en-US" dirty="0" smtClean="0"/>
-              <a:t>实施计划</a:t>
-            </a:r>
-            <a:endParaRPr lang="zh-CN" altLang="en-US" dirty="0"/>
+              <a:rPr lang="zh-CN" altLang="en-US" dirty="0"/>
+              <a:t>系统运行环境</a:t>
+            </a:r>
           </a:p>
         </p:txBody>
       </p:sp>
@@ -3618,62 +3575,89 @@
           <a:lstStyle/>
           <a:p>
             <a:r>
-              <a:rPr lang="zh-CN" altLang="en-US" dirty="0" smtClean="0">
-                <a:hlinkClick r:id="rId2" action="ppaction://hlinksldjump"/>
-              </a:rPr>
-              <a:t>风险识别及应对</a:t>
-            </a:r>
-            <a:endParaRPr lang="en-US" altLang="zh-CN" dirty="0" smtClean="0"/>
-          </a:p>
-          <a:p>
-            <a:r>
-              <a:rPr lang="en-US" altLang="zh-CN" dirty="0" smtClean="0">
-                <a:hlinkClick r:id="rId3" action="ppaction://hlinksldjump"/>
-              </a:rPr>
-              <a:t>OBS</a:t>
-            </a:r>
-            <a:r>
-              <a:rPr lang="zh-CN" altLang="en-US" dirty="0" smtClean="0">
-                <a:hlinkClick r:id="rId3" action="ppaction://hlinksldjump"/>
-              </a:rPr>
-              <a:t>图</a:t>
-            </a:r>
-            <a:endParaRPr lang="en-US" altLang="zh-CN" dirty="0" smtClean="0"/>
-          </a:p>
-          <a:p>
-            <a:r>
-              <a:rPr lang="en-US" altLang="zh-CN" dirty="0" smtClean="0">
-                <a:hlinkClick r:id="rId4" action="ppaction://hlinksldjump"/>
-              </a:rPr>
-              <a:t>WBS</a:t>
-            </a:r>
-            <a:r>
-              <a:rPr lang="zh-CN" altLang="en-US" dirty="0" smtClean="0">
-                <a:hlinkClick r:id="rId4" action="ppaction://hlinksldjump"/>
-              </a:rPr>
-              <a:t>图</a:t>
-            </a:r>
-            <a:endParaRPr lang="zh-CN" altLang="en-US" dirty="0"/>
+              <a:rPr lang="zh-CN" altLang="zh-CN" dirty="0"/>
+              <a:t>本网站要求提供对外服务的能力</a:t>
+            </a:r>
+            <a:r>
+              <a:rPr lang="en-US" altLang="zh-CN" dirty="0"/>
+              <a:t>,</a:t>
+            </a:r>
+            <a:r>
+              <a:rPr lang="zh-CN" altLang="zh-CN" dirty="0"/>
+              <a:t>保证至少</a:t>
+            </a:r>
+            <a:r>
+              <a:rPr lang="en-US" altLang="zh-CN" dirty="0"/>
+              <a:t>300</a:t>
+            </a:r>
+            <a:r>
+              <a:rPr lang="zh-CN" altLang="zh-CN" dirty="0"/>
+              <a:t>名同学上课辅助服务的要求</a:t>
+            </a:r>
+            <a:r>
+              <a:rPr lang="en-US" altLang="zh-CN" dirty="0"/>
+              <a:t>.</a:t>
+            </a:r>
+            <a:r>
+              <a:rPr lang="zh-CN" altLang="zh-CN" dirty="0"/>
+              <a:t>包括数据存储能力</a:t>
+            </a:r>
+            <a:r>
+              <a:rPr lang="en-US" altLang="zh-CN" dirty="0"/>
+              <a:t>,</a:t>
+            </a:r>
+            <a:r>
+              <a:rPr lang="zh-CN" altLang="zh-CN" dirty="0"/>
+              <a:t>网络服务吞吐能力</a:t>
+            </a:r>
+            <a:r>
+              <a:rPr lang="en-US" altLang="zh-CN" dirty="0"/>
+              <a:t>,</a:t>
+            </a:r>
+            <a:r>
+              <a:rPr lang="zh-CN" altLang="zh-CN" dirty="0"/>
+              <a:t>数据安全特性等</a:t>
+            </a:r>
+            <a:r>
+              <a:rPr lang="en-US" altLang="zh-CN" dirty="0"/>
+              <a:t>.</a:t>
+            </a:r>
+            <a:endParaRPr lang="zh-CN" altLang="zh-CN" dirty="0"/>
+          </a:p>
+          <a:p>
+            <a:r>
+              <a:rPr lang="zh-CN" altLang="zh-CN" dirty="0"/>
+              <a:t>服务器运行在</a:t>
+            </a:r>
+            <a:r>
+              <a:rPr lang="en-US" altLang="zh-CN" dirty="0"/>
+              <a:t>windows</a:t>
+            </a:r>
+            <a:endParaRPr lang="zh-CN" altLang="zh-CN" dirty="0"/>
+          </a:p>
+          <a:p>
+            <a:r>
+              <a:rPr lang="zh-CN" altLang="zh-CN" dirty="0"/>
+              <a:t>开发平台</a:t>
+            </a:r>
+            <a:r>
+              <a:rPr lang="en-US" altLang="zh-CN" dirty="0"/>
+              <a:t>IIS.NET</a:t>
+            </a:r>
+            <a:endParaRPr lang="zh-CN" altLang="zh-CN" dirty="0"/>
           </a:p>
         </p:txBody>
       </p:sp>
     </p:spTree>
     <p:extLst>
       <p:ext uri="{BB962C8B-B14F-4D97-AF65-F5344CB8AC3E}">
-        <p14:creationId xmlns:p14="http://schemas.microsoft.com/office/powerpoint/2010/main" val="4154674054"/>
+        <p14:creationId xmlns:p14="http://schemas.microsoft.com/office/powerpoint/2010/main" val="635723446"/>
       </p:ext>
     </p:extLst>
   </p:cSld>
   <p:clrMapOvr>
     <a:masterClrMapping/>
   </p:clrMapOvr>
-  <p:timing>
-    <p:tnLst>
-      <p:par>
-        <p:cTn id="1" dur="indefinite" restart="never" nodeType="tmRoot"/>
-      </p:par>
-    </p:tnLst>
-  </p:timing>
 </p:sld>
 </file>
 
@@ -3710,254 +3694,575 @@
           <a:lstStyle/>
           <a:p>
             <a:r>
-              <a:rPr lang="zh-CN" altLang="en-US" dirty="0" smtClean="0"/>
-              <a:t>风险识别及应对</a:t>
-            </a:r>
-            <a:endParaRPr lang="zh-CN" altLang="en-US" dirty="0"/>
+              <a:rPr lang="zh-CN" altLang="en-US" dirty="0"/>
+              <a:t>人员、分工、说明</a:t>
+            </a:r>
           </a:p>
         </p:txBody>
       </p:sp>
       <p:graphicFrame>
         <p:nvGraphicFramePr>
-          <p:cNvPr id="6" name="内容占位符 5"/>
+          <p:cNvPr id="4" name="表格 3">
+            <a:extLst>
+              <a:ext uri="{FF2B5EF4-FFF2-40B4-BE49-F238E27FC236}">
+                <a16:creationId xmlns:a16="http://schemas.microsoft.com/office/drawing/2014/main" id="{17E30CC4-0765-43A7-BD72-D332AAC9D483}"/>
+              </a:ext>
+            </a:extLst>
+          </p:cNvPr>
           <p:cNvGraphicFramePr>
             <a:graphicFrameLocks noGrp="1"/>
           </p:cNvGraphicFramePr>
           <p:nvPr>
-            <p:ph idx="1"/>
             <p:extLst>
               <p:ext uri="{D42A27DB-BD31-4B8C-83A1-F6EECF244321}">
-                <p14:modId xmlns:p14="http://schemas.microsoft.com/office/powerpoint/2010/main" val="2552261808"/>
+                <p14:modId xmlns:p14="http://schemas.microsoft.com/office/powerpoint/2010/main" val="632811609"/>
               </p:ext>
             </p:extLst>
           </p:nvPr>
         </p:nvGraphicFramePr>
         <p:xfrm>
-          <a:off x="838200" y="1825625"/>
-          <a:ext cx="10515600" cy="1752600"/>
+          <a:off x="361507" y="1690688"/>
+          <a:ext cx="10992294" cy="4540000"/>
         </p:xfrm>
         <a:graphic>
           <a:graphicData uri="http://schemas.openxmlformats.org/drawingml/2006/table">
             <a:tbl>
-              <a:tblPr firstRow="1" bandRow="1">
+              <a:tblPr firstRow="1" firstCol="1" bandRow="1">
                 <a:tableStyleId>{5C22544A-7EE6-4342-B048-85BDC9FD1C3A}</a:tableStyleId>
               </a:tblPr>
               <a:tblGrid>
-                <a:gridCol w="3505200">
+                <a:gridCol w="5496147">
                   <a:extLst>
                     <a:ext uri="{9D8B030D-6E8A-4147-A177-3AD203B41FA5}">
-                      <a16:colId xmlns:a16="http://schemas.microsoft.com/office/drawing/2014/main" val="1097633366"/>
+                      <a16:colId xmlns:a16="http://schemas.microsoft.com/office/drawing/2014/main" val="1006740294"/>
                     </a:ext>
                   </a:extLst>
                 </a:gridCol>
-                <a:gridCol w="3505200">
+                <a:gridCol w="5496147">
                   <a:extLst>
                     <a:ext uri="{9D8B030D-6E8A-4147-A177-3AD203B41FA5}">
-                      <a16:colId xmlns:a16="http://schemas.microsoft.com/office/drawing/2014/main" val="490058424"/>
-                    </a:ext>
-                  </a:extLst>
-                </a:gridCol>
-                <a:gridCol w="3505200">
-                  <a:extLst>
-                    <a:ext uri="{9D8B030D-6E8A-4147-A177-3AD203B41FA5}">
-                      <a16:colId xmlns:a16="http://schemas.microsoft.com/office/drawing/2014/main" val="2732883829"/>
+                      <a16:colId xmlns:a16="http://schemas.microsoft.com/office/drawing/2014/main" val="3920299134"/>
                     </a:ext>
                   </a:extLst>
                 </a:gridCol>
               </a:tblGrid>
-              <a:tr h="370840">
+              <a:tr h="567500">
                 <a:tc>
                   <a:txBody>
                     <a:bodyPr/>
                     <a:lstStyle/>
                     <a:p>
+                      <a:pPr>
+                        <a:lnSpc>
+                          <a:spcPct val="125000"/>
+                        </a:lnSpc>
+                        <a:spcAft>
+                          <a:spcPts val="0"/>
+                        </a:spcAft>
+                      </a:pPr>
                       <a:r>
-                        <a:rPr lang="zh-CN" altLang="en-US" dirty="0" smtClean="0"/>
-                        <a:t>风险</a:t>
+                        <a:rPr lang="zh-CN" sz="2400" cap="all" dirty="0">
+                          <a:effectLst/>
+                        </a:rPr>
+                        <a:t>名称</a:t>
                       </a:r>
-                      <a:endParaRPr lang="zh-CN" altLang="en-US" dirty="0"/>
+                      <a:endParaRPr lang="zh-CN" sz="2000" dirty="0">
+                        <a:effectLst/>
+                        <a:latin typeface="Calibri" panose="020F0502020204030204" pitchFamily="34" charset="0"/>
+                        <a:ea typeface="宋体" panose="02010600030101010101" pitchFamily="2" charset="-122"/>
+                        <a:cs typeface="Times New Roman" panose="02020603050405020304" pitchFamily="18" charset="0"/>
+                      </a:endParaRPr>
                     </a:p>
                   </a:txBody>
-                  <a:tcPr/>
+                  <a:tcPr marL="68580" marR="68580" marT="0" marB="0"/>
                 </a:tc>
                 <a:tc>
                   <a:txBody>
                     <a:bodyPr/>
                     <a:lstStyle/>
                     <a:p>
+                      <a:pPr>
+                        <a:lnSpc>
+                          <a:spcPct val="125000"/>
+                        </a:lnSpc>
+                        <a:spcAft>
+                          <a:spcPts val="0"/>
+                        </a:spcAft>
+                      </a:pPr>
                       <a:r>
-                        <a:rPr lang="zh-CN" altLang="en-US" dirty="0" smtClean="0"/>
-                        <a:t>预防措施</a:t>
+                        <a:rPr lang="zh-CN" sz="2400" cap="all">
+                          <a:effectLst/>
+                        </a:rPr>
+                        <a:t>角色</a:t>
                       </a:r>
-                      <a:endParaRPr lang="zh-CN" altLang="en-US" dirty="0"/>
+                      <a:endParaRPr lang="zh-CN" sz="2000">
+                        <a:effectLst/>
+                        <a:latin typeface="Calibri" panose="020F0502020204030204" pitchFamily="34" charset="0"/>
+                        <a:ea typeface="宋体" panose="02010600030101010101" pitchFamily="2" charset="-122"/>
+                        <a:cs typeface="Times New Roman" panose="02020603050405020304" pitchFamily="18" charset="0"/>
+                      </a:endParaRPr>
                     </a:p>
                   </a:txBody>
-                  <a:tcPr/>
+                  <a:tcPr marL="68580" marR="68580" marT="0" marB="0"/>
+                </a:tc>
+                <a:extLst>
+                  <a:ext uri="{0D108BD9-81ED-4DB2-BD59-A6C34878D82A}">
+                    <a16:rowId xmlns:a16="http://schemas.microsoft.com/office/drawing/2014/main" val="565080533"/>
+                  </a:ext>
+                </a:extLst>
+              </a:tr>
+              <a:tr h="567500">
+                <a:tc>
+                  <a:txBody>
+                    <a:bodyPr/>
+                    <a:lstStyle/>
+                    <a:p>
+                      <a:pPr>
+                        <a:lnSpc>
+                          <a:spcPct val="125000"/>
+                        </a:lnSpc>
+                        <a:spcAft>
+                          <a:spcPts val="0"/>
+                        </a:spcAft>
+                      </a:pPr>
+                      <a:r>
+                        <a:rPr lang="zh-CN" sz="2400" cap="all" dirty="0">
+                          <a:effectLst/>
+                        </a:rPr>
+                        <a:t>童威男</a:t>
+                      </a:r>
+                      <a:endParaRPr lang="zh-CN" sz="2000" dirty="0">
+                        <a:effectLst/>
+                        <a:latin typeface="Calibri" panose="020F0502020204030204" pitchFamily="34" charset="0"/>
+                        <a:ea typeface="宋体" panose="02010600030101010101" pitchFamily="2" charset="-122"/>
+                        <a:cs typeface="Times New Roman" panose="02020603050405020304" pitchFamily="18" charset="0"/>
+                      </a:endParaRPr>
+                    </a:p>
+                  </a:txBody>
+                  <a:tcPr marL="68580" marR="68580" marT="0" marB="0"/>
                 </a:tc>
                 <a:tc>
                   <a:txBody>
                     <a:bodyPr/>
                     <a:lstStyle/>
                     <a:p>
+                      <a:pPr>
+                        <a:lnSpc>
+                          <a:spcPct val="125000"/>
+                        </a:lnSpc>
+                        <a:spcAft>
+                          <a:spcPts val="0"/>
+                        </a:spcAft>
+                      </a:pPr>
                       <a:r>
-                        <a:rPr lang="zh-CN" altLang="en-US" dirty="0" smtClean="0"/>
-                        <a:t>补救</a:t>
+                        <a:rPr lang="zh-CN" sz="2400" dirty="0">
+                          <a:effectLst/>
+                        </a:rPr>
+                        <a:t>组长</a:t>
                       </a:r>
-                      <a:endParaRPr lang="zh-CN" altLang="en-US" dirty="0"/>
+                      <a:endParaRPr lang="zh-CN" sz="2000" dirty="0">
+                        <a:effectLst/>
+                        <a:latin typeface="Calibri" panose="020F0502020204030204" pitchFamily="34" charset="0"/>
+                        <a:ea typeface="宋体" panose="02010600030101010101" pitchFamily="2" charset="-122"/>
+                        <a:cs typeface="Times New Roman" panose="02020603050405020304" pitchFamily="18" charset="0"/>
+                      </a:endParaRPr>
                     </a:p>
                   </a:txBody>
-                  <a:tcPr/>
+                  <a:tcPr marL="68580" marR="68580" marT="0" marB="0"/>
                 </a:tc>
                 <a:extLst>
                   <a:ext uri="{0D108BD9-81ED-4DB2-BD59-A6C34878D82A}">
-                    <a16:rowId xmlns:a16="http://schemas.microsoft.com/office/drawing/2014/main" val="4104198519"/>
+                    <a16:rowId xmlns:a16="http://schemas.microsoft.com/office/drawing/2014/main" val="3198859434"/>
                   </a:ext>
                 </a:extLst>
               </a:tr>
-              <a:tr h="370840">
+              <a:tr h="567500">
                 <a:tc>
                   <a:txBody>
                     <a:bodyPr/>
                     <a:lstStyle/>
                     <a:p>
+                      <a:pPr>
+                        <a:lnSpc>
+                          <a:spcPct val="125000"/>
+                        </a:lnSpc>
+                        <a:spcAft>
+                          <a:spcPts val="0"/>
+                        </a:spcAft>
+                      </a:pPr>
                       <a:r>
-                        <a:rPr lang="zh-CN" altLang="en-US" dirty="0" smtClean="0"/>
-                        <a:t>没能力完成任务</a:t>
+                        <a:rPr lang="zh-CN" sz="2400" cap="all" dirty="0">
+                          <a:effectLst/>
+                        </a:rPr>
+                        <a:t>黄栋材</a:t>
                       </a:r>
-                      <a:endParaRPr lang="zh-CN" altLang="en-US" dirty="0"/>
+                      <a:endParaRPr lang="zh-CN" sz="2000" dirty="0">
+                        <a:effectLst/>
+                        <a:latin typeface="Calibri" panose="020F0502020204030204" pitchFamily="34" charset="0"/>
+                        <a:ea typeface="宋体" panose="02010600030101010101" pitchFamily="2" charset="-122"/>
+                        <a:cs typeface="Times New Roman" panose="02020603050405020304" pitchFamily="18" charset="0"/>
+                      </a:endParaRPr>
                     </a:p>
                   </a:txBody>
-                  <a:tcPr/>
+                  <a:tcPr marL="68580" marR="68580" marT="0" marB="0"/>
                 </a:tc>
                 <a:tc>
                   <a:txBody>
                     <a:bodyPr/>
                     <a:lstStyle/>
                     <a:p>
+                      <a:pPr>
+                        <a:lnSpc>
+                          <a:spcPct val="125000"/>
+                        </a:lnSpc>
+                        <a:spcAft>
+                          <a:spcPts val="0"/>
+                        </a:spcAft>
+                      </a:pPr>
                       <a:r>
-                        <a:rPr lang="zh-CN" altLang="en-US" dirty="0" smtClean="0"/>
-                        <a:t>深组员入了解任务，组长合理布置任务</a:t>
+                        <a:rPr lang="zh-CN" sz="2400">
+                          <a:effectLst/>
+                        </a:rPr>
+                        <a:t>组员</a:t>
                       </a:r>
-                      <a:endParaRPr lang="zh-CN" altLang="en-US" dirty="0"/>
+                      <a:endParaRPr lang="zh-CN" sz="2000">
+                        <a:effectLst/>
+                        <a:latin typeface="Calibri" panose="020F0502020204030204" pitchFamily="34" charset="0"/>
+                        <a:ea typeface="宋体" panose="02010600030101010101" pitchFamily="2" charset="-122"/>
+                        <a:cs typeface="Times New Roman" panose="02020603050405020304" pitchFamily="18" charset="0"/>
+                      </a:endParaRPr>
                     </a:p>
                   </a:txBody>
-                  <a:tcPr/>
+                  <a:tcPr marL="68580" marR="68580" marT="0" marB="0"/>
+                </a:tc>
+                <a:extLst>
+                  <a:ext uri="{0D108BD9-81ED-4DB2-BD59-A6C34878D82A}">
+                    <a16:rowId xmlns:a16="http://schemas.microsoft.com/office/drawing/2014/main" val="2631737916"/>
+                  </a:ext>
+                </a:extLst>
+              </a:tr>
+              <a:tr h="567500">
+                <a:tc>
+                  <a:txBody>
+                    <a:bodyPr/>
+                    <a:lstStyle/>
+                    <a:p>
+                      <a:pPr>
+                        <a:lnSpc>
+                          <a:spcPct val="125000"/>
+                        </a:lnSpc>
+                        <a:spcAft>
+                          <a:spcPts val="0"/>
+                        </a:spcAft>
+                      </a:pPr>
+                      <a:r>
+                        <a:rPr lang="zh-CN" sz="2400" cap="all">
+                          <a:effectLst/>
+                        </a:rPr>
+                        <a:t>徐鹏</a:t>
+                      </a:r>
+                      <a:endParaRPr lang="zh-CN" sz="2000">
+                        <a:effectLst/>
+                        <a:latin typeface="Calibri" panose="020F0502020204030204" pitchFamily="34" charset="0"/>
+                        <a:ea typeface="宋体" panose="02010600030101010101" pitchFamily="2" charset="-122"/>
+                        <a:cs typeface="Times New Roman" panose="02020603050405020304" pitchFamily="18" charset="0"/>
+                      </a:endParaRPr>
+                    </a:p>
+                  </a:txBody>
+                  <a:tcPr marL="68580" marR="68580" marT="0" marB="0"/>
                 </a:tc>
                 <a:tc>
                   <a:txBody>
                     <a:bodyPr/>
                     <a:lstStyle/>
                     <a:p>
+                      <a:pPr>
+                        <a:lnSpc>
+                          <a:spcPct val="125000"/>
+                        </a:lnSpc>
+                        <a:spcAft>
+                          <a:spcPts val="0"/>
+                        </a:spcAft>
+                      </a:pPr>
                       <a:r>
-                        <a:rPr lang="zh-CN" altLang="en-US" dirty="0" smtClean="0"/>
-                        <a:t>请教他人</a:t>
+                        <a:rPr lang="zh-CN" sz="2400">
+                          <a:effectLst/>
+                        </a:rPr>
+                        <a:t>组员</a:t>
                       </a:r>
-                      <a:endParaRPr lang="en-US" altLang="zh-CN" dirty="0" smtClean="0"/>
+                      <a:endParaRPr lang="zh-CN" sz="2000">
+                        <a:effectLst/>
+                        <a:latin typeface="Calibri" panose="020F0502020204030204" pitchFamily="34" charset="0"/>
+                        <a:ea typeface="宋体" panose="02010600030101010101" pitchFamily="2" charset="-122"/>
+                        <a:cs typeface="Times New Roman" panose="02020603050405020304" pitchFamily="18" charset="0"/>
+                      </a:endParaRPr>
                     </a:p>
                   </a:txBody>
-                  <a:tcPr/>
+                  <a:tcPr marL="68580" marR="68580" marT="0" marB="0"/>
                 </a:tc>
                 <a:extLst>
                   <a:ext uri="{0D108BD9-81ED-4DB2-BD59-A6C34878D82A}">
-                    <a16:rowId xmlns:a16="http://schemas.microsoft.com/office/drawing/2014/main" val="531846036"/>
+                    <a16:rowId xmlns:a16="http://schemas.microsoft.com/office/drawing/2014/main" val="2071940344"/>
                   </a:ext>
                 </a:extLst>
               </a:tr>
-              <a:tr h="370840">
+              <a:tr h="567500">
                 <a:tc>
                   <a:txBody>
                     <a:bodyPr/>
                     <a:lstStyle/>
                     <a:p>
+                      <a:pPr>
+                        <a:lnSpc>
+                          <a:spcPct val="125000"/>
+                        </a:lnSpc>
+                        <a:spcAft>
+                          <a:spcPts val="0"/>
+                        </a:spcAft>
+                      </a:pPr>
                       <a:r>
-                        <a:rPr lang="zh-CN" altLang="en-US" dirty="0" smtClean="0"/>
-                        <a:t>请假</a:t>
+                        <a:rPr lang="zh-CN" sz="2400" cap="all">
+                          <a:effectLst/>
+                        </a:rPr>
+                        <a:t>冯涛</a:t>
                       </a:r>
-                      <a:endParaRPr lang="zh-CN" altLang="en-US" dirty="0"/>
+                      <a:endParaRPr lang="zh-CN" sz="2000">
+                        <a:effectLst/>
+                        <a:latin typeface="Calibri" panose="020F0502020204030204" pitchFamily="34" charset="0"/>
+                        <a:ea typeface="宋体" panose="02010600030101010101" pitchFamily="2" charset="-122"/>
+                        <a:cs typeface="Times New Roman" panose="02020603050405020304" pitchFamily="18" charset="0"/>
+                      </a:endParaRPr>
                     </a:p>
                   </a:txBody>
-                  <a:tcPr/>
+                  <a:tcPr marL="68580" marR="68580" marT="0" marB="0"/>
                 </a:tc>
                 <a:tc>
                   <a:txBody>
                     <a:bodyPr/>
                     <a:lstStyle/>
                     <a:p>
+                      <a:pPr>
+                        <a:lnSpc>
+                          <a:spcPct val="125000"/>
+                        </a:lnSpc>
+                        <a:spcAft>
+                          <a:spcPts val="0"/>
+                        </a:spcAft>
+                      </a:pPr>
                       <a:r>
-                        <a:rPr lang="zh-CN" altLang="en-US" dirty="0" smtClean="0"/>
-                        <a:t>尽早布置任务</a:t>
+                        <a:rPr lang="zh-CN" sz="2400">
+                          <a:effectLst/>
+                        </a:rPr>
+                        <a:t>组员</a:t>
                       </a:r>
-                      <a:endParaRPr lang="zh-CN" altLang="en-US" dirty="0"/>
+                      <a:endParaRPr lang="zh-CN" sz="2000">
+                        <a:effectLst/>
+                        <a:latin typeface="Calibri" panose="020F0502020204030204" pitchFamily="34" charset="0"/>
+                        <a:ea typeface="宋体" panose="02010600030101010101" pitchFamily="2" charset="-122"/>
+                        <a:cs typeface="Times New Roman" panose="02020603050405020304" pitchFamily="18" charset="0"/>
+                      </a:endParaRPr>
                     </a:p>
                   </a:txBody>
-                  <a:tcPr/>
+                  <a:tcPr marL="68580" marR="68580" marT="0" marB="0"/>
+                </a:tc>
+                <a:extLst>
+                  <a:ext uri="{0D108BD9-81ED-4DB2-BD59-A6C34878D82A}">
+                    <a16:rowId xmlns:a16="http://schemas.microsoft.com/office/drawing/2014/main" val="2368631962"/>
+                  </a:ext>
+                </a:extLst>
+              </a:tr>
+              <a:tr h="567500">
+                <a:tc>
+                  <a:txBody>
+                    <a:bodyPr/>
+                    <a:lstStyle/>
+                    <a:p>
+                      <a:pPr>
+                        <a:lnSpc>
+                          <a:spcPct val="125000"/>
+                        </a:lnSpc>
+                        <a:spcAft>
+                          <a:spcPts val="0"/>
+                        </a:spcAft>
+                      </a:pPr>
+                      <a:r>
+                        <a:rPr lang="zh-CN" sz="2400" cap="all">
+                          <a:effectLst/>
+                        </a:rPr>
+                        <a:t>陈泓见</a:t>
+                      </a:r>
+                      <a:endParaRPr lang="zh-CN" sz="2000">
+                        <a:effectLst/>
+                        <a:latin typeface="Calibri" panose="020F0502020204030204" pitchFamily="34" charset="0"/>
+                        <a:ea typeface="宋体" panose="02010600030101010101" pitchFamily="2" charset="-122"/>
+                        <a:cs typeface="Times New Roman" panose="02020603050405020304" pitchFamily="18" charset="0"/>
+                      </a:endParaRPr>
+                    </a:p>
+                  </a:txBody>
+                  <a:tcPr marL="68580" marR="68580" marT="0" marB="0"/>
                 </a:tc>
                 <a:tc>
                   <a:txBody>
                     <a:bodyPr/>
                     <a:lstStyle/>
                     <a:p>
+                      <a:pPr>
+                        <a:lnSpc>
+                          <a:spcPct val="125000"/>
+                        </a:lnSpc>
+                        <a:spcAft>
+                          <a:spcPts val="0"/>
+                        </a:spcAft>
+                      </a:pPr>
                       <a:r>
-                        <a:rPr lang="zh-CN" altLang="en-US" dirty="0" smtClean="0"/>
-                        <a:t>有空的人顶上</a:t>
+                        <a:rPr lang="zh-CN" sz="2400">
+                          <a:effectLst/>
+                        </a:rPr>
+                        <a:t>组员</a:t>
                       </a:r>
-                      <a:endParaRPr lang="zh-CN" altLang="en-US" dirty="0"/>
+                      <a:endParaRPr lang="zh-CN" sz="2000">
+                        <a:effectLst/>
+                        <a:latin typeface="Calibri" panose="020F0502020204030204" pitchFamily="34" charset="0"/>
+                        <a:ea typeface="宋体" panose="02010600030101010101" pitchFamily="2" charset="-122"/>
+                        <a:cs typeface="Times New Roman" panose="02020603050405020304" pitchFamily="18" charset="0"/>
+                      </a:endParaRPr>
                     </a:p>
                   </a:txBody>
-                  <a:tcPr/>
+                  <a:tcPr marL="68580" marR="68580" marT="0" marB="0"/>
                 </a:tc>
                 <a:extLst>
                   <a:ext uri="{0D108BD9-81ED-4DB2-BD59-A6C34878D82A}">
-                    <a16:rowId xmlns:a16="http://schemas.microsoft.com/office/drawing/2014/main" val="1126403829"/>
+                    <a16:rowId xmlns:a16="http://schemas.microsoft.com/office/drawing/2014/main" val="610483720"/>
                   </a:ext>
                 </a:extLst>
               </a:tr>
-              <a:tr h="370840">
+              <a:tr h="567500">
                 <a:tc>
                   <a:txBody>
                     <a:bodyPr/>
                     <a:lstStyle/>
                     <a:p>
+                      <a:pPr>
+                        <a:lnSpc>
+                          <a:spcPct val="125000"/>
+                        </a:lnSpc>
+                        <a:spcAft>
+                          <a:spcPts val="0"/>
+                        </a:spcAft>
+                      </a:pPr>
                       <a:r>
-                        <a:rPr lang="zh-CN" altLang="en-US" dirty="0" smtClean="0"/>
-                        <a:t>断电</a:t>
+                        <a:rPr lang="zh-CN" sz="2400" cap="all">
+                          <a:effectLst/>
+                        </a:rPr>
+                        <a:t>侯宏伦</a:t>
                       </a:r>
-                      <a:endParaRPr lang="zh-CN" altLang="en-US" dirty="0"/>
+                      <a:endParaRPr lang="zh-CN" sz="2000">
+                        <a:effectLst/>
+                        <a:latin typeface="Calibri" panose="020F0502020204030204" pitchFamily="34" charset="0"/>
+                        <a:ea typeface="宋体" panose="02010600030101010101" pitchFamily="2" charset="-122"/>
+                        <a:cs typeface="Times New Roman" panose="02020603050405020304" pitchFamily="18" charset="0"/>
+                      </a:endParaRPr>
                     </a:p>
                   </a:txBody>
-                  <a:tcPr/>
+                  <a:tcPr marL="68580" marR="68580" marT="0" marB="0"/>
                 </a:tc>
                 <a:tc>
                   <a:txBody>
                     <a:bodyPr/>
                     <a:lstStyle/>
                     <a:p>
+                      <a:pPr>
+                        <a:lnSpc>
+                          <a:spcPct val="125000"/>
+                        </a:lnSpc>
+                        <a:spcAft>
+                          <a:spcPts val="0"/>
+                        </a:spcAft>
+                      </a:pPr>
                       <a:r>
-                        <a:rPr lang="zh-CN" altLang="en-US" dirty="0" smtClean="0"/>
-                        <a:t>无</a:t>
+                        <a:rPr lang="zh-CN" sz="2400">
+                          <a:effectLst/>
+                        </a:rPr>
+                        <a:t>项目下达人</a:t>
                       </a:r>
-                      <a:endParaRPr lang="zh-CN" altLang="en-US" dirty="0"/>
+                      <a:endParaRPr lang="zh-CN" sz="2000">
+                        <a:effectLst/>
+                        <a:latin typeface="Calibri" panose="020F0502020204030204" pitchFamily="34" charset="0"/>
+                        <a:ea typeface="宋体" panose="02010600030101010101" pitchFamily="2" charset="-122"/>
+                        <a:cs typeface="Times New Roman" panose="02020603050405020304" pitchFamily="18" charset="0"/>
+                      </a:endParaRPr>
                     </a:p>
                   </a:txBody>
-                  <a:tcPr/>
+                  <a:tcPr marL="68580" marR="68580" marT="0" marB="0"/>
+                </a:tc>
+                <a:extLst>
+                  <a:ext uri="{0D108BD9-81ED-4DB2-BD59-A6C34878D82A}">
+                    <a16:rowId xmlns:a16="http://schemas.microsoft.com/office/drawing/2014/main" val="3100629014"/>
+                  </a:ext>
+                </a:extLst>
+              </a:tr>
+              <a:tr h="567500">
+                <a:tc>
+                  <a:txBody>
+                    <a:bodyPr/>
+                    <a:lstStyle/>
+                    <a:p>
+                      <a:pPr>
+                        <a:lnSpc>
+                          <a:spcPct val="125000"/>
+                        </a:lnSpc>
+                        <a:spcAft>
+                          <a:spcPts val="0"/>
+                        </a:spcAft>
+                      </a:pPr>
+                      <a:r>
+                        <a:rPr lang="zh-CN" sz="2400" cap="all">
+                          <a:effectLst/>
+                        </a:rPr>
+                        <a:t>杨枨</a:t>
+                      </a:r>
+                      <a:endParaRPr lang="zh-CN" sz="2000">
+                        <a:effectLst/>
+                        <a:latin typeface="Calibri" panose="020F0502020204030204" pitchFamily="34" charset="0"/>
+                        <a:ea typeface="宋体" panose="02010600030101010101" pitchFamily="2" charset="-122"/>
+                        <a:cs typeface="Times New Roman" panose="02020603050405020304" pitchFamily="18" charset="0"/>
+                      </a:endParaRPr>
+                    </a:p>
+                  </a:txBody>
+                  <a:tcPr marL="68580" marR="68580" marT="0" marB="0"/>
                 </a:tc>
                 <a:tc>
                   <a:txBody>
                     <a:bodyPr/>
                     <a:lstStyle/>
                     <a:p>
+                      <a:pPr>
+                        <a:lnSpc>
+                          <a:spcPct val="125000"/>
+                        </a:lnSpc>
+                        <a:spcAft>
+                          <a:spcPts val="0"/>
+                        </a:spcAft>
+                      </a:pPr>
                       <a:r>
-                        <a:rPr lang="zh-CN" altLang="en-US" dirty="0" smtClean="0"/>
-                        <a:t>其他人顶上</a:t>
+                        <a:rPr lang="zh-CN" sz="2400" dirty="0">
+                          <a:effectLst/>
+                        </a:rPr>
+                        <a:t>客户代表</a:t>
                       </a:r>
-                      <a:endParaRPr lang="zh-CN" altLang="en-US" dirty="0"/>
+                      <a:endParaRPr lang="zh-CN" sz="2000" dirty="0">
+                        <a:effectLst/>
+                        <a:latin typeface="Calibri" panose="020F0502020204030204" pitchFamily="34" charset="0"/>
+                        <a:ea typeface="宋体" panose="02010600030101010101" pitchFamily="2" charset="-122"/>
+                        <a:cs typeface="Times New Roman" panose="02020603050405020304" pitchFamily="18" charset="0"/>
+                      </a:endParaRPr>
                     </a:p>
                   </a:txBody>
-                  <a:tcPr/>
+                  <a:tcPr marL="68580" marR="68580" marT="0" marB="0"/>
                 </a:tc>
                 <a:extLst>
                   <a:ext uri="{0D108BD9-81ED-4DB2-BD59-A6C34878D82A}">
-                    <a16:rowId xmlns:a16="http://schemas.microsoft.com/office/drawing/2014/main" val="2448328280"/>
+                    <a16:rowId xmlns:a16="http://schemas.microsoft.com/office/drawing/2014/main" val="2094308235"/>
                   </a:ext>
                 </a:extLst>
               </a:tr>
@@ -3968,7 +4273,7 @@
     </p:spTree>
     <p:extLst>
       <p:ext uri="{BB962C8B-B14F-4D97-AF65-F5344CB8AC3E}">
-        <p14:creationId xmlns:p14="http://schemas.microsoft.com/office/powerpoint/2010/main" val="1502891869"/>
+        <p14:creationId xmlns:p14="http://schemas.microsoft.com/office/powerpoint/2010/main" val="1514692585"/>
       </p:ext>
     </p:extLst>
   </p:cSld>
@@ -3997,7 +4302,13 @@
       </p:grpSpPr>
       <p:sp>
         <p:nvSpPr>
-          <p:cNvPr id="2" name="标题 1"/>
+          <p:cNvPr id="2" name="标题 1">
+            <a:extLst>
+              <a:ext uri="{FF2B5EF4-FFF2-40B4-BE49-F238E27FC236}">
+                <a16:creationId xmlns:a16="http://schemas.microsoft.com/office/drawing/2014/main" id="{E6AC1B4A-649F-4A63-9C80-A728B950FDCB}"/>
+              </a:ext>
+            </a:extLst>
+          </p:cNvPr>
           <p:cNvSpPr>
             <a:spLocks noGrp="1"/>
           </p:cNvSpPr>
@@ -4011,36 +4322,69 @@
           <a:lstStyle/>
           <a:p>
             <a:r>
-              <a:rPr lang="en-US" altLang="zh-CN" dirty="0" smtClean="0"/>
-              <a:t>OBS</a:t>
-            </a:r>
+              <a:rPr lang="zh-CN" altLang="en-US" dirty="0"/>
+              <a:t>人员、分工、说明</a:t>
+            </a:r>
+          </a:p>
+        </p:txBody>
+      </p:sp>
+      <p:sp>
+        <p:nvSpPr>
+          <p:cNvPr id="3" name="内容占位符 2">
+            <a:extLst>
+              <a:ext uri="{FF2B5EF4-FFF2-40B4-BE49-F238E27FC236}">
+                <a16:creationId xmlns:a16="http://schemas.microsoft.com/office/drawing/2014/main" id="{1885CC6A-D16E-49E5-B312-CE0D3EE73170}"/>
+              </a:ext>
+            </a:extLst>
+          </p:cNvPr>
+          <p:cNvSpPr>
+            <a:spLocks noGrp="1"/>
+          </p:cNvSpPr>
+          <p:nvPr>
+            <p:ph idx="1"/>
+          </p:nvPr>
+        </p:nvSpPr>
+        <p:spPr/>
+        <p:txBody>
+          <a:bodyPr>
+            <a:normAutofit lnSpcReduction="10000"/>
+          </a:bodyPr>
+          <a:lstStyle/>
+          <a:p>
+            <a:r>
+              <a:rPr lang="zh-CN" altLang="zh-CN" b="1" dirty="0"/>
+              <a:t>分析</a:t>
+            </a:r>
+          </a:p>
+          <a:p>
+            <a:pPr lvl="0"/>
+            <a:r>
+              <a:rPr lang="zh-CN" altLang="zh-CN" dirty="0"/>
+              <a:t>客户代表向我们提出需求，如果需求合理，我们应该满足他们。他们影响着这个项目的进展，同时决定了这个项目是否成功。他们也对这个项目很有兴趣想清楚开发的进度和内容。</a:t>
+            </a:r>
+          </a:p>
+          <a:p>
+            <a:pPr lvl="0"/>
+            <a:r>
+              <a:rPr lang="zh-CN" altLang="zh-CN" dirty="0"/>
+              <a:t>项目下达人是批准、监督项目实施的人，他们需要知道我们项目开展得如何，有没有出现偏差，困难的地方，如果我们拟出一个计划，需要经过下达人的批准才能执行同时他还要知道项目每个阶段的成果。</a:t>
+            </a:r>
+          </a:p>
+          <a:p>
+            <a:r>
+              <a:rPr lang="zh-CN" altLang="zh-CN" dirty="0"/>
+              <a:t>开发组员和组长负责开发产品，他们需要通力合作才能达到目标，所有的活动，进展和问题必须第一时间互相沟通，保持消息流通，这样才能避免沟通不足产生的误解和错误。</a:t>
+            </a:r>
+          </a:p>
+          <a:p>
             <a:endParaRPr lang="zh-CN" altLang="en-US" dirty="0"/>
-          </a:p>
-        </p:txBody>
-      </p:sp>
-      <p:sp>
-        <p:nvSpPr>
-          <p:cNvPr id="3" name="内容占位符 2"/>
-          <p:cNvSpPr>
-            <a:spLocks noGrp="1"/>
-          </p:cNvSpPr>
-          <p:nvPr>
-            <p:ph idx="1"/>
-          </p:nvPr>
-        </p:nvSpPr>
-        <p:spPr/>
-        <p:txBody>
-          <a:bodyPr/>
-          <a:lstStyle/>
-          <a:p>
-            <a:endParaRPr lang="zh-CN" altLang="en-US"/>
           </a:p>
         </p:txBody>
       </p:sp>
     </p:spTree>
     <p:extLst>
       <p:ext uri="{BB962C8B-B14F-4D97-AF65-F5344CB8AC3E}">
-        <p14:creationId xmlns:p14="http://schemas.microsoft.com/office/powerpoint/2010/main" val="3227133036"/>
+        <p14:creationId xmlns:p14="http://schemas.microsoft.com/office/powerpoint/2010/main" val="245168063"/>
       </p:ext>
     </p:extLst>
   </p:cSld>
@@ -4069,7 +4413,13 @@
       </p:grpSpPr>
       <p:sp>
         <p:nvSpPr>
-          <p:cNvPr id="2" name="标题 1"/>
+          <p:cNvPr id="2" name="标题 1">
+            <a:extLst>
+              <a:ext uri="{FF2B5EF4-FFF2-40B4-BE49-F238E27FC236}">
+                <a16:creationId xmlns:a16="http://schemas.microsoft.com/office/drawing/2014/main" id="{660A6BD9-1155-4361-922D-5180BC518611}"/>
+              </a:ext>
+            </a:extLst>
+          </p:cNvPr>
           <p:cNvSpPr>
             <a:spLocks noGrp="1"/>
           </p:cNvSpPr>
@@ -4083,16 +4433,21 @@
           <a:lstStyle/>
           <a:p>
             <a:r>
-              <a:rPr lang="en-US" altLang="zh-CN" dirty="0" smtClean="0"/>
-              <a:t>WBS</a:t>
-            </a:r>
-            <a:endParaRPr lang="zh-CN" altLang="en-US" dirty="0"/>
-          </a:p>
-        </p:txBody>
-      </p:sp>
-      <p:sp>
-        <p:nvSpPr>
-          <p:cNvPr id="3" name="内容占位符 2"/>
+              <a:rPr lang="zh-CN" altLang="en-US" dirty="0"/>
+              <a:t>过程定义和数据收集</a:t>
+            </a:r>
+          </a:p>
+        </p:txBody>
+      </p:sp>
+      <p:sp>
+        <p:nvSpPr>
+          <p:cNvPr id="3" name="内容占位符 2">
+            <a:extLst>
+              <a:ext uri="{FF2B5EF4-FFF2-40B4-BE49-F238E27FC236}">
+                <a16:creationId xmlns:a16="http://schemas.microsoft.com/office/drawing/2014/main" id="{905BAEC6-D095-4E87-A736-134F2CD400E9}"/>
+              </a:ext>
+            </a:extLst>
+          </p:cNvPr>
           <p:cNvSpPr>
             <a:spLocks noGrp="1"/>
           </p:cNvSpPr>
@@ -4106,16 +4461,22 @@
           <a:lstStyle/>
           <a:p>
             <a:r>
-              <a:rPr lang="en-US" altLang="zh-CN" dirty="0" smtClean="0">
-                <a:hlinkClick r:id="rId2" action="ppaction://hlinkfile"/>
-              </a:rPr>
-              <a:t> WBS</a:t>
-            </a:r>
-            <a:r>
-              <a:rPr lang="zh-CN" altLang="en-US" dirty="0" smtClean="0">
-                <a:hlinkClick r:id="rId2" action="ppaction://hlinkfile"/>
-              </a:rPr>
-              <a:t>表</a:t>
+              <a:rPr lang="zh-CN" altLang="zh-CN" dirty="0"/>
+              <a:t>生命周期模型</a:t>
+            </a:r>
+            <a:endParaRPr lang="en-US" altLang="zh-CN" dirty="0"/>
+          </a:p>
+          <a:p>
+            <a:r>
+              <a:rPr lang="zh-CN" altLang="zh-CN" dirty="0"/>
+              <a:t>过程定义</a:t>
+            </a:r>
+            <a:endParaRPr lang="en-US" altLang="zh-CN" dirty="0"/>
+          </a:p>
+          <a:p>
+            <a:r>
+              <a:rPr lang="zh-CN" altLang="zh-CN" dirty="0"/>
+              <a:t>数据收集和分析</a:t>
             </a:r>
             <a:endParaRPr lang="zh-CN" altLang="en-US" dirty="0"/>
           </a:p>
@@ -4124,7 +4485,7 @@
     </p:spTree>
     <p:extLst>
       <p:ext uri="{BB962C8B-B14F-4D97-AF65-F5344CB8AC3E}">
-        <p14:creationId xmlns:p14="http://schemas.microsoft.com/office/powerpoint/2010/main" val="698381204"/>
+        <p14:creationId xmlns:p14="http://schemas.microsoft.com/office/powerpoint/2010/main" val="2268059420"/>
       </p:ext>
     </p:extLst>
   </p:cSld>
@@ -4153,7 +4514,13 @@
       </p:grpSpPr>
       <p:sp>
         <p:nvSpPr>
-          <p:cNvPr id="2" name="标题 1"/>
+          <p:cNvPr id="2" name="标题 1">
+            <a:extLst>
+              <a:ext uri="{FF2B5EF4-FFF2-40B4-BE49-F238E27FC236}">
+                <a16:creationId xmlns:a16="http://schemas.microsoft.com/office/drawing/2014/main" id="{F100D930-5289-42AF-A4EE-0C346850817D}"/>
+              </a:ext>
+            </a:extLst>
+          </p:cNvPr>
           <p:cNvSpPr>
             <a:spLocks noGrp="1"/>
           </p:cNvSpPr>
@@ -4167,8 +4534,8 @@
           <a:lstStyle/>
           <a:p>
             <a:r>
-              <a:rPr lang="zh-CN" altLang="en-US" dirty="0" smtClean="0"/>
-              <a:t>甘特图</a:t>
+              <a:rPr lang="zh-CN" altLang="zh-CN" dirty="0"/>
+              <a:t>生命周期模型</a:t>
             </a:r>
             <a:endParaRPr lang="zh-CN" altLang="en-US" dirty="0"/>
           </a:p>
@@ -4176,7 +4543,13 @@
       </p:sp>
       <p:sp>
         <p:nvSpPr>
-          <p:cNvPr id="3" name="内容占位符 2"/>
+          <p:cNvPr id="3" name="内容占位符 2">
+            <a:extLst>
+              <a:ext uri="{FF2B5EF4-FFF2-40B4-BE49-F238E27FC236}">
+                <a16:creationId xmlns:a16="http://schemas.microsoft.com/office/drawing/2014/main" id="{41D6414D-8916-41FE-9F89-EC2E122517A9}"/>
+              </a:ext>
+            </a:extLst>
+          </p:cNvPr>
           <p:cNvSpPr>
             <a:spLocks noGrp="1"/>
           </p:cNvSpPr>
@@ -4190,11 +4563,17 @@
           <a:lstStyle/>
           <a:p>
             <a:r>
-              <a:rPr lang="zh-CN" altLang="en-US" dirty="0" smtClean="0">
-                <a:hlinkClick r:id="rId2" action="ppaction://hlinkfile"/>
-              </a:rPr>
-              <a:t>项目总体计划甘特图</a:t>
-            </a:r>
+              <a:rPr lang="zh-CN" altLang="zh-CN" dirty="0"/>
+              <a:t>选择用瀑布模型。</a:t>
+            </a:r>
+          </a:p>
+          <a:p>
+            <a:r>
+              <a:rPr lang="zh-CN" altLang="zh-CN" dirty="0"/>
+              <a:t>因为瀑布模型将软件生命周期划分为制定计划、需求分析、软件设计、程序编写、软件测试和运行维护等六个基本活动，基本符合该项目的活动。</a:t>
+            </a:r>
+          </a:p>
+          <a:p>
             <a:endParaRPr lang="zh-CN" altLang="en-US" dirty="0"/>
           </a:p>
         </p:txBody>
@@ -4202,7 +4581,97 @@
     </p:spTree>
     <p:extLst>
       <p:ext uri="{BB962C8B-B14F-4D97-AF65-F5344CB8AC3E}">
-        <p14:creationId xmlns:p14="http://schemas.microsoft.com/office/powerpoint/2010/main" val="2312040116"/>
+        <p14:creationId xmlns:p14="http://schemas.microsoft.com/office/powerpoint/2010/main" val="4154721448"/>
+      </p:ext>
+    </p:extLst>
+  </p:cSld>
+  <p:clrMapOvr>
+    <a:masterClrMapping/>
+  </p:clrMapOvr>
+</p:sld>
+</file>
+
+<file path=ppt/slides/slide19.xml><?xml version="1.0" encoding="utf-8"?>
+<p:sld xmlns:a="http://schemas.openxmlformats.org/drawingml/2006/main" xmlns:r="http://schemas.openxmlformats.org/officeDocument/2006/relationships" xmlns:p="http://schemas.openxmlformats.org/presentationml/2006/main">
+  <p:cSld>
+    <p:spTree>
+      <p:nvGrpSpPr>
+        <p:cNvPr id="1" name=""/>
+        <p:cNvGrpSpPr/>
+        <p:nvPr/>
+      </p:nvGrpSpPr>
+      <p:grpSpPr>
+        <a:xfrm>
+          <a:off x="0" y="0"/>
+          <a:ext cx="0" cy="0"/>
+          <a:chOff x="0" y="0"/>
+          <a:chExt cx="0" cy="0"/>
+        </a:xfrm>
+      </p:grpSpPr>
+      <p:sp>
+        <p:nvSpPr>
+          <p:cNvPr id="2" name="标题 1">
+            <a:extLst>
+              <a:ext uri="{FF2B5EF4-FFF2-40B4-BE49-F238E27FC236}">
+                <a16:creationId xmlns:a16="http://schemas.microsoft.com/office/drawing/2014/main" id="{6A921862-5A3F-4E44-AF0D-7D02710F25C3}"/>
+              </a:ext>
+            </a:extLst>
+          </p:cNvPr>
+          <p:cNvSpPr>
+            <a:spLocks noGrp="1"/>
+          </p:cNvSpPr>
+          <p:nvPr>
+            <p:ph type="title"/>
+          </p:nvPr>
+        </p:nvSpPr>
+        <p:spPr/>
+        <p:txBody>
+          <a:bodyPr/>
+          <a:lstStyle/>
+          <a:p>
+            <a:r>
+              <a:rPr lang="zh-CN" altLang="zh-CN" dirty="0"/>
+              <a:t>过程定义</a:t>
+            </a:r>
+            <a:endParaRPr lang="zh-CN" altLang="en-US" dirty="0"/>
+          </a:p>
+        </p:txBody>
+      </p:sp>
+      <p:sp>
+        <p:nvSpPr>
+          <p:cNvPr id="3" name="内容占位符 2">
+            <a:extLst>
+              <a:ext uri="{FF2B5EF4-FFF2-40B4-BE49-F238E27FC236}">
+                <a16:creationId xmlns:a16="http://schemas.microsoft.com/office/drawing/2014/main" id="{53EA9BBD-2753-491C-9ADD-4288D3B91ECF}"/>
+              </a:ext>
+            </a:extLst>
+          </p:cNvPr>
+          <p:cNvSpPr>
+            <a:spLocks noGrp="1"/>
+          </p:cNvSpPr>
+          <p:nvPr>
+            <p:ph idx="1"/>
+          </p:nvPr>
+        </p:nvSpPr>
+        <p:spPr/>
+        <p:txBody>
+          <a:bodyPr/>
+          <a:lstStyle/>
+          <a:p>
+            <a:r>
+              <a:rPr lang="zh-CN" altLang="zh-CN" dirty="0"/>
+              <a:t>制定计划、需求分析、软件设计、程序编写、软件测试和运行维护</a:t>
+            </a:r>
+          </a:p>
+          <a:p>
+            <a:endParaRPr lang="zh-CN" altLang="en-US" dirty="0"/>
+          </a:p>
+        </p:txBody>
+      </p:sp>
+    </p:spTree>
+    <p:extLst>
+      <p:ext uri="{BB962C8B-B14F-4D97-AF65-F5344CB8AC3E}">
+        <p14:creationId xmlns:p14="http://schemas.microsoft.com/office/powerpoint/2010/main" val="3458629511"/>
       </p:ext>
     </p:extLst>
   </p:cSld>
@@ -4231,7 +4700,13 @@
       </p:grpSpPr>
       <p:sp>
         <p:nvSpPr>
-          <p:cNvPr id="2" name="标题 1"/>
+          <p:cNvPr id="2" name="标题 1">
+            <a:extLst>
+              <a:ext uri="{FF2B5EF4-FFF2-40B4-BE49-F238E27FC236}">
+                <a16:creationId xmlns:a16="http://schemas.microsoft.com/office/drawing/2014/main" id="{5E4B60BF-93DA-4470-B0AD-208FB0F0304F}"/>
+              </a:ext>
+            </a:extLst>
+          </p:cNvPr>
           <p:cNvSpPr>
             <a:spLocks noGrp="1"/>
           </p:cNvSpPr>
@@ -4245,91 +4720,2263 @@
           <a:lstStyle/>
           <a:p>
             <a:r>
-              <a:rPr lang="zh-CN" altLang="en-US" dirty="0" smtClean="0"/>
+              <a:rPr lang="zh-CN" altLang="en-US" dirty="0"/>
+              <a:t>目录</a:t>
+            </a:r>
+          </a:p>
+        </p:txBody>
+      </p:sp>
+      <p:sp>
+        <p:nvSpPr>
+          <p:cNvPr id="3" name="内容占位符 2">
+            <a:extLst>
+              <a:ext uri="{FF2B5EF4-FFF2-40B4-BE49-F238E27FC236}">
+                <a16:creationId xmlns:a16="http://schemas.microsoft.com/office/drawing/2014/main" id="{88640C17-2911-49C5-9F68-D4251D492CB5}"/>
+              </a:ext>
+            </a:extLst>
+          </p:cNvPr>
+          <p:cNvSpPr>
+            <a:spLocks noGrp="1"/>
+          </p:cNvSpPr>
+          <p:nvPr>
+            <p:ph idx="1"/>
+          </p:nvPr>
+        </p:nvSpPr>
+        <p:spPr/>
+        <p:txBody>
+          <a:bodyPr/>
+          <a:lstStyle/>
+          <a:p>
+            <a:r>
+              <a:rPr lang="zh-CN" altLang="en-US" dirty="0"/>
               <a:t>引言</a:t>
             </a:r>
-            <a:endParaRPr lang="zh-CN" altLang="en-US" dirty="0"/>
-          </a:p>
-        </p:txBody>
-      </p:sp>
-      <p:sp>
-        <p:nvSpPr>
-          <p:cNvPr id="3" name="内容占位符 2"/>
-          <p:cNvSpPr>
-            <a:spLocks noGrp="1"/>
-          </p:cNvSpPr>
-          <p:nvPr>
-            <p:ph idx="1"/>
-          </p:nvPr>
-        </p:nvSpPr>
-        <p:spPr/>
-        <p:txBody>
-          <a:bodyPr/>
-          <a:lstStyle/>
-          <a:p>
-            <a:r>
-              <a:rPr lang="zh-CN" altLang="en-US" dirty="0" smtClean="0">
-                <a:hlinkClick r:id="rId2" action="ppaction://hlinksldjump"/>
-              </a:rPr>
-              <a:t>背景</a:t>
-            </a:r>
-            <a:endParaRPr lang="en-US" altLang="zh-CN" dirty="0" smtClean="0"/>
-          </a:p>
-          <a:p>
-            <a:r>
-              <a:rPr lang="zh-CN" altLang="en-US" dirty="0" smtClean="0">
-                <a:hlinkClick r:id="rId3" action="ppaction://hlinksldjump"/>
-              </a:rPr>
-              <a:t>业务机遇</a:t>
-            </a:r>
-            <a:endParaRPr lang="en-US" altLang="zh-CN" dirty="0" smtClean="0"/>
-          </a:p>
-          <a:p>
-            <a:r>
-              <a:rPr lang="zh-CN" altLang="en-US" dirty="0" smtClean="0">
-                <a:hlinkClick r:id="rId4" action="ppaction://hlinksldjump"/>
-              </a:rPr>
-              <a:t>业务目标</a:t>
-            </a:r>
-            <a:endParaRPr lang="en-US" altLang="zh-CN" dirty="0" smtClean="0"/>
-          </a:p>
-          <a:p>
-            <a:r>
-              <a:rPr lang="zh-CN" altLang="en-US" dirty="0" smtClean="0">
-                <a:hlinkClick r:id="rId5" action="ppaction://hlinksldjump"/>
-              </a:rPr>
-              <a:t>项目名称</a:t>
-            </a:r>
-            <a:endParaRPr lang="en-US" altLang="zh-CN" dirty="0" smtClean="0"/>
-          </a:p>
-          <a:p>
-            <a:r>
-              <a:rPr lang="zh-CN" altLang="en-US" dirty="0" smtClean="0">
-                <a:hlinkClick r:id="rId6" action="ppaction://hlinksldjump"/>
-              </a:rPr>
-              <a:t>项目负责小组</a:t>
-            </a:r>
-            <a:endParaRPr lang="zh-CN" altLang="en-US" dirty="0"/>
+            <a:endParaRPr lang="en-US" altLang="zh-CN" dirty="0"/>
+          </a:p>
+          <a:p>
+            <a:r>
+              <a:rPr lang="zh-CN" altLang="en-US" dirty="0"/>
+              <a:t>项目概述</a:t>
+            </a:r>
+            <a:endParaRPr lang="en-US" altLang="zh-CN" dirty="0"/>
+          </a:p>
+          <a:p>
+            <a:r>
+              <a:rPr lang="zh-CN" altLang="zh-CN" dirty="0"/>
+              <a:t>过程定义和数据收集</a:t>
+            </a:r>
+            <a:endParaRPr lang="en-US" altLang="zh-CN" dirty="0"/>
+          </a:p>
+          <a:p>
+            <a:r>
+              <a:rPr lang="zh-CN" altLang="en-US" dirty="0"/>
+              <a:t>实施计划</a:t>
+            </a:r>
           </a:p>
         </p:txBody>
       </p:sp>
     </p:spTree>
     <p:extLst>
       <p:ext uri="{BB962C8B-B14F-4D97-AF65-F5344CB8AC3E}">
-        <p14:creationId xmlns:p14="http://schemas.microsoft.com/office/powerpoint/2010/main" val="1265118235"/>
+        <p14:creationId xmlns:p14="http://schemas.microsoft.com/office/powerpoint/2010/main" val="2860816863"/>
       </p:ext>
     </p:extLst>
   </p:cSld>
   <p:clrMapOvr>
     <a:masterClrMapping/>
   </p:clrMapOvr>
-  <p:timing>
-    <p:tnLst>
-      <p:par>
-        <p:cTn id="1" dur="indefinite" restart="never" nodeType="tmRoot"/>
-      </p:par>
-    </p:tnLst>
-  </p:timing>
+</p:sld>
+</file>
+
+<file path=ppt/slides/slide20.xml><?xml version="1.0" encoding="utf-8"?>
+<p:sld xmlns:a="http://schemas.openxmlformats.org/drawingml/2006/main" xmlns:r="http://schemas.openxmlformats.org/officeDocument/2006/relationships" xmlns:p="http://schemas.openxmlformats.org/presentationml/2006/main">
+  <p:cSld>
+    <p:spTree>
+      <p:nvGrpSpPr>
+        <p:cNvPr id="1" name=""/>
+        <p:cNvGrpSpPr/>
+        <p:nvPr/>
+      </p:nvGrpSpPr>
+      <p:grpSpPr>
+        <a:xfrm>
+          <a:off x="0" y="0"/>
+          <a:ext cx="0" cy="0"/>
+          <a:chOff x="0" y="0"/>
+          <a:chExt cx="0" cy="0"/>
+        </a:xfrm>
+      </p:grpSpPr>
+      <p:sp>
+        <p:nvSpPr>
+          <p:cNvPr id="2" name="标题 1">
+            <a:extLst>
+              <a:ext uri="{FF2B5EF4-FFF2-40B4-BE49-F238E27FC236}">
+                <a16:creationId xmlns:a16="http://schemas.microsoft.com/office/drawing/2014/main" id="{9921755E-51C8-4906-A2E1-50F1F58101E0}"/>
+              </a:ext>
+            </a:extLst>
+          </p:cNvPr>
+          <p:cNvSpPr>
+            <a:spLocks noGrp="1"/>
+          </p:cNvSpPr>
+          <p:nvPr>
+            <p:ph type="title"/>
+          </p:nvPr>
+        </p:nvSpPr>
+        <p:spPr/>
+        <p:txBody>
+          <a:bodyPr/>
+          <a:lstStyle/>
+          <a:p>
+            <a:r>
+              <a:rPr lang="zh-CN" altLang="zh-CN" dirty="0"/>
+              <a:t>数据收集和分析</a:t>
+            </a:r>
+            <a:endParaRPr lang="zh-CN" altLang="en-US" dirty="0"/>
+          </a:p>
+        </p:txBody>
+      </p:sp>
+      <p:graphicFrame>
+        <p:nvGraphicFramePr>
+          <p:cNvPr id="5" name="内容占位符 4">
+            <a:extLst>
+              <a:ext uri="{FF2B5EF4-FFF2-40B4-BE49-F238E27FC236}">
+                <a16:creationId xmlns:a16="http://schemas.microsoft.com/office/drawing/2014/main" id="{2BD9363F-0AF6-4985-8249-542E918A7168}"/>
+              </a:ext>
+            </a:extLst>
+          </p:cNvPr>
+          <p:cNvGraphicFramePr>
+            <a:graphicFrameLocks noGrp="1"/>
+          </p:cNvGraphicFramePr>
+          <p:nvPr>
+            <p:ph idx="1"/>
+            <p:extLst>
+              <p:ext uri="{D42A27DB-BD31-4B8C-83A1-F6EECF244321}">
+                <p14:modId xmlns:p14="http://schemas.microsoft.com/office/powerpoint/2010/main" val="1711837567"/>
+              </p:ext>
+            </p:extLst>
+          </p:nvPr>
+        </p:nvGraphicFramePr>
+        <p:xfrm>
+          <a:off x="997527" y="1589809"/>
+          <a:ext cx="10224657" cy="4478477"/>
+        </p:xfrm>
+        <a:graphic>
+          <a:graphicData uri="http://schemas.openxmlformats.org/drawingml/2006/table">
+            <a:tbl>
+              <a:tblPr firstRow="1" firstCol="1" bandRow="1">
+                <a:tableStyleId>{5C22544A-7EE6-4342-B048-85BDC9FD1C3A}</a:tableStyleId>
+              </a:tblPr>
+              <a:tblGrid>
+                <a:gridCol w="2044685">
+                  <a:extLst>
+                    <a:ext uri="{9D8B030D-6E8A-4147-A177-3AD203B41FA5}">
+                      <a16:colId xmlns:a16="http://schemas.microsoft.com/office/drawing/2014/main" val="1787911359"/>
+                    </a:ext>
+                  </a:extLst>
+                </a:gridCol>
+                <a:gridCol w="2044685">
+                  <a:extLst>
+                    <a:ext uri="{9D8B030D-6E8A-4147-A177-3AD203B41FA5}">
+                      <a16:colId xmlns:a16="http://schemas.microsoft.com/office/drawing/2014/main" val="2004110280"/>
+                    </a:ext>
+                  </a:extLst>
+                </a:gridCol>
+                <a:gridCol w="2044685">
+                  <a:extLst>
+                    <a:ext uri="{9D8B030D-6E8A-4147-A177-3AD203B41FA5}">
+                      <a16:colId xmlns:a16="http://schemas.microsoft.com/office/drawing/2014/main" val="3601887718"/>
+                    </a:ext>
+                  </a:extLst>
+                </a:gridCol>
+                <a:gridCol w="2044685">
+                  <a:extLst>
+                    <a:ext uri="{9D8B030D-6E8A-4147-A177-3AD203B41FA5}">
+                      <a16:colId xmlns:a16="http://schemas.microsoft.com/office/drawing/2014/main" val="2818698644"/>
+                    </a:ext>
+                  </a:extLst>
+                </a:gridCol>
+                <a:gridCol w="2045917">
+                  <a:extLst>
+                    <a:ext uri="{9D8B030D-6E8A-4147-A177-3AD203B41FA5}">
+                      <a16:colId xmlns:a16="http://schemas.microsoft.com/office/drawing/2014/main" val="3218604639"/>
+                    </a:ext>
+                  </a:extLst>
+                </a:gridCol>
+              </a:tblGrid>
+              <a:tr h="593741">
+                <a:tc>
+                  <a:txBody>
+                    <a:bodyPr/>
+                    <a:lstStyle/>
+                    <a:p>
+                      <a:pPr>
+                        <a:lnSpc>
+                          <a:spcPct val="125000"/>
+                        </a:lnSpc>
+                        <a:spcAft>
+                          <a:spcPts val="0"/>
+                        </a:spcAft>
+                      </a:pPr>
+                      <a:r>
+                        <a:rPr lang="zh-CN" sz="2000">
+                          <a:effectLst/>
+                        </a:rPr>
+                        <a:t>数据收集对象</a:t>
+                      </a:r>
+                      <a:endParaRPr lang="zh-CN" sz="2000">
+                        <a:effectLst/>
+                        <a:latin typeface="Calibri" panose="020F0502020204030204" pitchFamily="34" charset="0"/>
+                        <a:ea typeface="宋体" panose="02010600030101010101" pitchFamily="2" charset="-122"/>
+                        <a:cs typeface="Times New Roman" panose="02020603050405020304" pitchFamily="18" charset="0"/>
+                      </a:endParaRPr>
+                    </a:p>
+                  </a:txBody>
+                  <a:tcPr marL="68580" marR="68580" marT="0" marB="0"/>
+                </a:tc>
+                <a:tc>
+                  <a:txBody>
+                    <a:bodyPr/>
+                    <a:lstStyle/>
+                    <a:p>
+                      <a:pPr>
+                        <a:lnSpc>
+                          <a:spcPct val="125000"/>
+                        </a:lnSpc>
+                        <a:spcAft>
+                          <a:spcPts val="0"/>
+                        </a:spcAft>
+                      </a:pPr>
+                      <a:r>
+                        <a:rPr lang="zh-CN" sz="2000">
+                          <a:effectLst/>
+                        </a:rPr>
+                        <a:t>方式</a:t>
+                      </a:r>
+                      <a:endParaRPr lang="zh-CN" sz="2000">
+                        <a:effectLst/>
+                        <a:latin typeface="Calibri" panose="020F0502020204030204" pitchFamily="34" charset="0"/>
+                        <a:ea typeface="宋体" panose="02010600030101010101" pitchFamily="2" charset="-122"/>
+                        <a:cs typeface="Times New Roman" panose="02020603050405020304" pitchFamily="18" charset="0"/>
+                      </a:endParaRPr>
+                    </a:p>
+                  </a:txBody>
+                  <a:tcPr marL="68580" marR="68580" marT="0" marB="0"/>
+                </a:tc>
+                <a:tc>
+                  <a:txBody>
+                    <a:bodyPr/>
+                    <a:lstStyle/>
+                    <a:p>
+                      <a:pPr>
+                        <a:lnSpc>
+                          <a:spcPct val="125000"/>
+                        </a:lnSpc>
+                        <a:spcAft>
+                          <a:spcPts val="0"/>
+                        </a:spcAft>
+                      </a:pPr>
+                      <a:r>
+                        <a:rPr lang="zh-CN" sz="2000">
+                          <a:effectLst/>
+                        </a:rPr>
+                        <a:t>输入</a:t>
+                      </a:r>
+                      <a:endParaRPr lang="zh-CN" sz="2000">
+                        <a:effectLst/>
+                        <a:latin typeface="Calibri" panose="020F0502020204030204" pitchFamily="34" charset="0"/>
+                        <a:ea typeface="宋体" panose="02010600030101010101" pitchFamily="2" charset="-122"/>
+                        <a:cs typeface="Times New Roman" panose="02020603050405020304" pitchFamily="18" charset="0"/>
+                      </a:endParaRPr>
+                    </a:p>
+                  </a:txBody>
+                  <a:tcPr marL="68580" marR="68580" marT="0" marB="0"/>
+                </a:tc>
+                <a:tc>
+                  <a:txBody>
+                    <a:bodyPr/>
+                    <a:lstStyle/>
+                    <a:p>
+                      <a:pPr>
+                        <a:lnSpc>
+                          <a:spcPct val="125000"/>
+                        </a:lnSpc>
+                        <a:spcAft>
+                          <a:spcPts val="0"/>
+                        </a:spcAft>
+                      </a:pPr>
+                      <a:r>
+                        <a:rPr lang="zh-CN" sz="2000">
+                          <a:effectLst/>
+                        </a:rPr>
+                        <a:t>输出</a:t>
+                      </a:r>
+                      <a:endParaRPr lang="zh-CN" sz="2000">
+                        <a:effectLst/>
+                        <a:latin typeface="Calibri" panose="020F0502020204030204" pitchFamily="34" charset="0"/>
+                        <a:ea typeface="宋体" panose="02010600030101010101" pitchFamily="2" charset="-122"/>
+                        <a:cs typeface="Times New Roman" panose="02020603050405020304" pitchFamily="18" charset="0"/>
+                      </a:endParaRPr>
+                    </a:p>
+                  </a:txBody>
+                  <a:tcPr marL="68580" marR="68580" marT="0" marB="0"/>
+                </a:tc>
+                <a:tc>
+                  <a:txBody>
+                    <a:bodyPr/>
+                    <a:lstStyle/>
+                    <a:p>
+                      <a:pPr>
+                        <a:lnSpc>
+                          <a:spcPct val="125000"/>
+                        </a:lnSpc>
+                        <a:spcAft>
+                          <a:spcPts val="0"/>
+                        </a:spcAft>
+                      </a:pPr>
+                      <a:r>
+                        <a:rPr lang="zh-CN" sz="2000">
+                          <a:effectLst/>
+                        </a:rPr>
+                        <a:t>负责人</a:t>
+                      </a:r>
+                      <a:endParaRPr lang="zh-CN" sz="2000">
+                        <a:effectLst/>
+                        <a:latin typeface="Calibri" panose="020F0502020204030204" pitchFamily="34" charset="0"/>
+                        <a:ea typeface="宋体" panose="02010600030101010101" pitchFamily="2" charset="-122"/>
+                        <a:cs typeface="Times New Roman" panose="02020603050405020304" pitchFamily="18" charset="0"/>
+                      </a:endParaRPr>
+                    </a:p>
+                  </a:txBody>
+                  <a:tcPr marL="68580" marR="68580" marT="0" marB="0"/>
+                </a:tc>
+                <a:extLst>
+                  <a:ext uri="{0D108BD9-81ED-4DB2-BD59-A6C34878D82A}">
+                    <a16:rowId xmlns:a16="http://schemas.microsoft.com/office/drawing/2014/main" val="1405737540"/>
+                  </a:ext>
+                </a:extLst>
+              </a:tr>
+              <a:tr h="548844">
+                <a:tc>
+                  <a:txBody>
+                    <a:bodyPr/>
+                    <a:lstStyle/>
+                    <a:p>
+                      <a:pPr>
+                        <a:lnSpc>
+                          <a:spcPct val="125000"/>
+                        </a:lnSpc>
+                        <a:spcAft>
+                          <a:spcPts val="0"/>
+                        </a:spcAft>
+                      </a:pPr>
+                      <a:r>
+                        <a:rPr lang="zh-CN" sz="2000">
+                          <a:effectLst/>
+                        </a:rPr>
+                        <a:t>客户</a:t>
+                      </a:r>
+                      <a:endParaRPr lang="zh-CN" sz="2000">
+                        <a:effectLst/>
+                        <a:latin typeface="Calibri" panose="020F0502020204030204" pitchFamily="34" charset="0"/>
+                        <a:ea typeface="宋体" panose="02010600030101010101" pitchFamily="2" charset="-122"/>
+                        <a:cs typeface="Times New Roman" panose="02020603050405020304" pitchFamily="18" charset="0"/>
+                      </a:endParaRPr>
+                    </a:p>
+                  </a:txBody>
+                  <a:tcPr marL="68580" marR="68580" marT="0" marB="0"/>
+                </a:tc>
+                <a:tc>
+                  <a:txBody>
+                    <a:bodyPr/>
+                    <a:lstStyle/>
+                    <a:p>
+                      <a:pPr>
+                        <a:lnSpc>
+                          <a:spcPct val="125000"/>
+                        </a:lnSpc>
+                        <a:spcAft>
+                          <a:spcPts val="0"/>
+                        </a:spcAft>
+                      </a:pPr>
+                      <a:r>
+                        <a:rPr lang="zh-CN" sz="2000">
+                          <a:effectLst/>
+                        </a:rPr>
+                        <a:t>沟通</a:t>
+                      </a:r>
+                      <a:endParaRPr lang="zh-CN" sz="2000">
+                        <a:effectLst/>
+                        <a:latin typeface="Calibri" panose="020F0502020204030204" pitchFamily="34" charset="0"/>
+                        <a:ea typeface="宋体" panose="02010600030101010101" pitchFamily="2" charset="-122"/>
+                        <a:cs typeface="Times New Roman" panose="02020603050405020304" pitchFamily="18" charset="0"/>
+                      </a:endParaRPr>
+                    </a:p>
+                  </a:txBody>
+                  <a:tcPr marL="68580" marR="68580" marT="0" marB="0"/>
+                </a:tc>
+                <a:tc>
+                  <a:txBody>
+                    <a:bodyPr/>
+                    <a:lstStyle/>
+                    <a:p>
+                      <a:pPr>
+                        <a:lnSpc>
+                          <a:spcPct val="125000"/>
+                        </a:lnSpc>
+                        <a:spcAft>
+                          <a:spcPts val="0"/>
+                        </a:spcAft>
+                      </a:pPr>
+                      <a:r>
+                        <a:rPr lang="zh-CN" sz="2000">
+                          <a:effectLst/>
+                        </a:rPr>
+                        <a:t>客户需求</a:t>
+                      </a:r>
+                      <a:endParaRPr lang="zh-CN" sz="2000">
+                        <a:effectLst/>
+                        <a:latin typeface="Calibri" panose="020F0502020204030204" pitchFamily="34" charset="0"/>
+                        <a:ea typeface="宋体" panose="02010600030101010101" pitchFamily="2" charset="-122"/>
+                        <a:cs typeface="Times New Roman" panose="02020603050405020304" pitchFamily="18" charset="0"/>
+                      </a:endParaRPr>
+                    </a:p>
+                  </a:txBody>
+                  <a:tcPr marL="68580" marR="68580" marT="0" marB="0"/>
+                </a:tc>
+                <a:tc>
+                  <a:txBody>
+                    <a:bodyPr/>
+                    <a:lstStyle/>
+                    <a:p>
+                      <a:pPr>
+                        <a:lnSpc>
+                          <a:spcPct val="125000"/>
+                        </a:lnSpc>
+                        <a:spcAft>
+                          <a:spcPts val="0"/>
+                        </a:spcAft>
+                      </a:pPr>
+                      <a:r>
+                        <a:rPr lang="zh-CN" sz="2000">
+                          <a:effectLst/>
+                        </a:rPr>
+                        <a:t>项目要求</a:t>
+                      </a:r>
+                      <a:endParaRPr lang="zh-CN" sz="2000">
+                        <a:effectLst/>
+                        <a:latin typeface="Calibri" panose="020F0502020204030204" pitchFamily="34" charset="0"/>
+                        <a:ea typeface="宋体" panose="02010600030101010101" pitchFamily="2" charset="-122"/>
+                        <a:cs typeface="Times New Roman" panose="02020603050405020304" pitchFamily="18" charset="0"/>
+                      </a:endParaRPr>
+                    </a:p>
+                  </a:txBody>
+                  <a:tcPr marL="68580" marR="68580" marT="0" marB="0"/>
+                </a:tc>
+                <a:tc>
+                  <a:txBody>
+                    <a:bodyPr/>
+                    <a:lstStyle/>
+                    <a:p>
+                      <a:pPr>
+                        <a:lnSpc>
+                          <a:spcPct val="125000"/>
+                        </a:lnSpc>
+                        <a:spcAft>
+                          <a:spcPts val="0"/>
+                        </a:spcAft>
+                      </a:pPr>
+                      <a:r>
+                        <a:rPr lang="zh-CN" sz="2000">
+                          <a:effectLst/>
+                        </a:rPr>
+                        <a:t>童威男</a:t>
+                      </a:r>
+                      <a:endParaRPr lang="zh-CN" sz="2000">
+                        <a:effectLst/>
+                        <a:latin typeface="Calibri" panose="020F0502020204030204" pitchFamily="34" charset="0"/>
+                        <a:ea typeface="宋体" panose="02010600030101010101" pitchFamily="2" charset="-122"/>
+                        <a:cs typeface="Times New Roman" panose="02020603050405020304" pitchFamily="18" charset="0"/>
+                      </a:endParaRPr>
+                    </a:p>
+                  </a:txBody>
+                  <a:tcPr marL="68580" marR="68580" marT="0" marB="0"/>
+                </a:tc>
+                <a:extLst>
+                  <a:ext uri="{0D108BD9-81ED-4DB2-BD59-A6C34878D82A}">
+                    <a16:rowId xmlns:a16="http://schemas.microsoft.com/office/drawing/2014/main" val="3470599338"/>
+                  </a:ext>
+                </a:extLst>
+              </a:tr>
+              <a:tr h="548844">
+                <a:tc>
+                  <a:txBody>
+                    <a:bodyPr/>
+                    <a:lstStyle/>
+                    <a:p>
+                      <a:pPr>
+                        <a:lnSpc>
+                          <a:spcPct val="125000"/>
+                        </a:lnSpc>
+                        <a:spcAft>
+                          <a:spcPts val="0"/>
+                        </a:spcAft>
+                      </a:pPr>
+                      <a:r>
+                        <a:rPr lang="zh-CN" sz="2000">
+                          <a:effectLst/>
+                        </a:rPr>
+                        <a:t>项目下达者</a:t>
+                      </a:r>
+                      <a:endParaRPr lang="zh-CN" sz="2000">
+                        <a:effectLst/>
+                        <a:latin typeface="Calibri" panose="020F0502020204030204" pitchFamily="34" charset="0"/>
+                        <a:ea typeface="宋体" panose="02010600030101010101" pitchFamily="2" charset="-122"/>
+                        <a:cs typeface="Times New Roman" panose="02020603050405020304" pitchFamily="18" charset="0"/>
+                      </a:endParaRPr>
+                    </a:p>
+                  </a:txBody>
+                  <a:tcPr marL="68580" marR="68580" marT="0" marB="0"/>
+                </a:tc>
+                <a:tc>
+                  <a:txBody>
+                    <a:bodyPr/>
+                    <a:lstStyle/>
+                    <a:p>
+                      <a:pPr>
+                        <a:lnSpc>
+                          <a:spcPct val="125000"/>
+                        </a:lnSpc>
+                        <a:spcAft>
+                          <a:spcPts val="0"/>
+                        </a:spcAft>
+                      </a:pPr>
+                      <a:r>
+                        <a:rPr lang="zh-CN" sz="2000">
+                          <a:effectLst/>
+                        </a:rPr>
+                        <a:t>沟通</a:t>
+                      </a:r>
+                      <a:endParaRPr lang="zh-CN" sz="2000">
+                        <a:effectLst/>
+                        <a:latin typeface="Calibri" panose="020F0502020204030204" pitchFamily="34" charset="0"/>
+                        <a:ea typeface="宋体" panose="02010600030101010101" pitchFamily="2" charset="-122"/>
+                        <a:cs typeface="Times New Roman" panose="02020603050405020304" pitchFamily="18" charset="0"/>
+                      </a:endParaRPr>
+                    </a:p>
+                  </a:txBody>
+                  <a:tcPr marL="68580" marR="68580" marT="0" marB="0"/>
+                </a:tc>
+                <a:tc>
+                  <a:txBody>
+                    <a:bodyPr/>
+                    <a:lstStyle/>
+                    <a:p>
+                      <a:pPr>
+                        <a:lnSpc>
+                          <a:spcPct val="125000"/>
+                        </a:lnSpc>
+                        <a:spcAft>
+                          <a:spcPts val="0"/>
+                        </a:spcAft>
+                      </a:pPr>
+                      <a:r>
+                        <a:rPr lang="zh-CN" sz="2000">
+                          <a:effectLst/>
+                        </a:rPr>
+                        <a:t>要求</a:t>
+                      </a:r>
+                      <a:endParaRPr lang="zh-CN" sz="2000">
+                        <a:effectLst/>
+                        <a:latin typeface="Calibri" panose="020F0502020204030204" pitchFamily="34" charset="0"/>
+                        <a:ea typeface="宋体" panose="02010600030101010101" pitchFamily="2" charset="-122"/>
+                        <a:cs typeface="Times New Roman" panose="02020603050405020304" pitchFamily="18" charset="0"/>
+                      </a:endParaRPr>
+                    </a:p>
+                  </a:txBody>
+                  <a:tcPr marL="68580" marR="68580" marT="0" marB="0"/>
+                </a:tc>
+                <a:tc>
+                  <a:txBody>
+                    <a:bodyPr/>
+                    <a:lstStyle/>
+                    <a:p>
+                      <a:pPr>
+                        <a:lnSpc>
+                          <a:spcPct val="125000"/>
+                        </a:lnSpc>
+                        <a:spcAft>
+                          <a:spcPts val="0"/>
+                        </a:spcAft>
+                      </a:pPr>
+                      <a:r>
+                        <a:rPr lang="zh-CN" sz="2000">
+                          <a:effectLst/>
+                        </a:rPr>
+                        <a:t>项目要求</a:t>
+                      </a:r>
+                      <a:endParaRPr lang="zh-CN" sz="2000">
+                        <a:effectLst/>
+                        <a:latin typeface="Calibri" panose="020F0502020204030204" pitchFamily="34" charset="0"/>
+                        <a:ea typeface="宋体" panose="02010600030101010101" pitchFamily="2" charset="-122"/>
+                        <a:cs typeface="Times New Roman" panose="02020603050405020304" pitchFamily="18" charset="0"/>
+                      </a:endParaRPr>
+                    </a:p>
+                  </a:txBody>
+                  <a:tcPr marL="68580" marR="68580" marT="0" marB="0"/>
+                </a:tc>
+                <a:tc>
+                  <a:txBody>
+                    <a:bodyPr/>
+                    <a:lstStyle/>
+                    <a:p>
+                      <a:pPr>
+                        <a:lnSpc>
+                          <a:spcPct val="125000"/>
+                        </a:lnSpc>
+                        <a:spcAft>
+                          <a:spcPts val="0"/>
+                        </a:spcAft>
+                      </a:pPr>
+                      <a:r>
+                        <a:rPr lang="zh-CN" sz="2000">
+                          <a:effectLst/>
+                        </a:rPr>
+                        <a:t>童威男</a:t>
+                      </a:r>
+                      <a:endParaRPr lang="zh-CN" sz="2000">
+                        <a:effectLst/>
+                        <a:latin typeface="Calibri" panose="020F0502020204030204" pitchFamily="34" charset="0"/>
+                        <a:ea typeface="宋体" panose="02010600030101010101" pitchFamily="2" charset="-122"/>
+                        <a:cs typeface="Times New Roman" panose="02020603050405020304" pitchFamily="18" charset="0"/>
+                      </a:endParaRPr>
+                    </a:p>
+                  </a:txBody>
+                  <a:tcPr marL="68580" marR="68580" marT="0" marB="0"/>
+                </a:tc>
+                <a:extLst>
+                  <a:ext uri="{0D108BD9-81ED-4DB2-BD59-A6C34878D82A}">
+                    <a16:rowId xmlns:a16="http://schemas.microsoft.com/office/drawing/2014/main" val="973894823"/>
+                  </a:ext>
+                </a:extLst>
+              </a:tr>
+              <a:tr h="548844">
+                <a:tc>
+                  <a:txBody>
+                    <a:bodyPr/>
+                    <a:lstStyle/>
+                    <a:p>
+                      <a:pPr>
+                        <a:lnSpc>
+                          <a:spcPct val="125000"/>
+                        </a:lnSpc>
+                        <a:spcAft>
+                          <a:spcPts val="0"/>
+                        </a:spcAft>
+                      </a:pPr>
+                      <a:r>
+                        <a:rPr lang="zh-CN" sz="2000">
+                          <a:effectLst/>
+                        </a:rPr>
+                        <a:t>用户代表</a:t>
+                      </a:r>
+                      <a:endParaRPr lang="zh-CN" sz="2000">
+                        <a:effectLst/>
+                        <a:latin typeface="Calibri" panose="020F0502020204030204" pitchFamily="34" charset="0"/>
+                        <a:ea typeface="宋体" panose="02010600030101010101" pitchFamily="2" charset="-122"/>
+                        <a:cs typeface="Times New Roman" panose="02020603050405020304" pitchFamily="18" charset="0"/>
+                      </a:endParaRPr>
+                    </a:p>
+                  </a:txBody>
+                  <a:tcPr marL="68580" marR="68580" marT="0" marB="0"/>
+                </a:tc>
+                <a:tc>
+                  <a:txBody>
+                    <a:bodyPr/>
+                    <a:lstStyle/>
+                    <a:p>
+                      <a:pPr>
+                        <a:lnSpc>
+                          <a:spcPct val="125000"/>
+                        </a:lnSpc>
+                        <a:spcAft>
+                          <a:spcPts val="0"/>
+                        </a:spcAft>
+                      </a:pPr>
+                      <a:r>
+                        <a:rPr lang="zh-CN" sz="2000">
+                          <a:effectLst/>
+                        </a:rPr>
+                        <a:t>访谈</a:t>
+                      </a:r>
+                      <a:endParaRPr lang="zh-CN" sz="2000">
+                        <a:effectLst/>
+                        <a:latin typeface="Calibri" panose="020F0502020204030204" pitchFamily="34" charset="0"/>
+                        <a:ea typeface="宋体" panose="02010600030101010101" pitchFamily="2" charset="-122"/>
+                        <a:cs typeface="Times New Roman" panose="02020603050405020304" pitchFamily="18" charset="0"/>
+                      </a:endParaRPr>
+                    </a:p>
+                  </a:txBody>
+                  <a:tcPr marL="68580" marR="68580" marT="0" marB="0"/>
+                </a:tc>
+                <a:tc>
+                  <a:txBody>
+                    <a:bodyPr/>
+                    <a:lstStyle/>
+                    <a:p>
+                      <a:pPr>
+                        <a:lnSpc>
+                          <a:spcPct val="125000"/>
+                        </a:lnSpc>
+                        <a:spcAft>
+                          <a:spcPts val="0"/>
+                        </a:spcAft>
+                      </a:pPr>
+                      <a:r>
+                        <a:rPr lang="zh-CN" sz="2000">
+                          <a:effectLst/>
+                        </a:rPr>
+                        <a:t>用户需求</a:t>
+                      </a:r>
+                      <a:endParaRPr lang="zh-CN" sz="2000">
+                        <a:effectLst/>
+                        <a:latin typeface="Calibri" panose="020F0502020204030204" pitchFamily="34" charset="0"/>
+                        <a:ea typeface="宋体" panose="02010600030101010101" pitchFamily="2" charset="-122"/>
+                        <a:cs typeface="Times New Roman" panose="02020603050405020304" pitchFamily="18" charset="0"/>
+                      </a:endParaRPr>
+                    </a:p>
+                  </a:txBody>
+                  <a:tcPr marL="68580" marR="68580" marT="0" marB="0"/>
+                </a:tc>
+                <a:tc>
+                  <a:txBody>
+                    <a:bodyPr/>
+                    <a:lstStyle/>
+                    <a:p>
+                      <a:pPr>
+                        <a:lnSpc>
+                          <a:spcPct val="125000"/>
+                        </a:lnSpc>
+                        <a:spcAft>
+                          <a:spcPts val="0"/>
+                        </a:spcAft>
+                      </a:pPr>
+                      <a:r>
+                        <a:rPr lang="zh-CN" sz="2000">
+                          <a:effectLst/>
+                        </a:rPr>
+                        <a:t>分析文档</a:t>
+                      </a:r>
+                      <a:endParaRPr lang="zh-CN" sz="2000">
+                        <a:effectLst/>
+                        <a:latin typeface="Calibri" panose="020F0502020204030204" pitchFamily="34" charset="0"/>
+                        <a:ea typeface="宋体" panose="02010600030101010101" pitchFamily="2" charset="-122"/>
+                        <a:cs typeface="Times New Roman" panose="02020603050405020304" pitchFamily="18" charset="0"/>
+                      </a:endParaRPr>
+                    </a:p>
+                  </a:txBody>
+                  <a:tcPr marL="68580" marR="68580" marT="0" marB="0"/>
+                </a:tc>
+                <a:tc>
+                  <a:txBody>
+                    <a:bodyPr/>
+                    <a:lstStyle/>
+                    <a:p>
+                      <a:pPr>
+                        <a:lnSpc>
+                          <a:spcPct val="125000"/>
+                        </a:lnSpc>
+                        <a:spcAft>
+                          <a:spcPts val="0"/>
+                        </a:spcAft>
+                      </a:pPr>
+                      <a:r>
+                        <a:rPr lang="zh-CN" sz="2000">
+                          <a:effectLst/>
+                        </a:rPr>
+                        <a:t>陈鸿见</a:t>
+                      </a:r>
+                      <a:endParaRPr lang="zh-CN" sz="2000">
+                        <a:effectLst/>
+                        <a:latin typeface="Calibri" panose="020F0502020204030204" pitchFamily="34" charset="0"/>
+                        <a:ea typeface="宋体" panose="02010600030101010101" pitchFamily="2" charset="-122"/>
+                        <a:cs typeface="Times New Roman" panose="02020603050405020304" pitchFamily="18" charset="0"/>
+                      </a:endParaRPr>
+                    </a:p>
+                  </a:txBody>
+                  <a:tcPr marL="68580" marR="68580" marT="0" marB="0"/>
+                </a:tc>
+                <a:extLst>
+                  <a:ext uri="{0D108BD9-81ED-4DB2-BD59-A6C34878D82A}">
+                    <a16:rowId xmlns:a16="http://schemas.microsoft.com/office/drawing/2014/main" val="4159779086"/>
+                  </a:ext>
+                </a:extLst>
+              </a:tr>
+              <a:tr h="548844">
+                <a:tc>
+                  <a:txBody>
+                    <a:bodyPr/>
+                    <a:lstStyle/>
+                    <a:p>
+                      <a:pPr>
+                        <a:lnSpc>
+                          <a:spcPct val="125000"/>
+                        </a:lnSpc>
+                        <a:spcAft>
+                          <a:spcPts val="0"/>
+                        </a:spcAft>
+                      </a:pPr>
+                      <a:r>
+                        <a:rPr lang="zh-CN" sz="2000">
+                          <a:effectLst/>
+                        </a:rPr>
+                        <a:t>普遍用户</a:t>
+                      </a:r>
+                      <a:endParaRPr lang="zh-CN" sz="2000">
+                        <a:effectLst/>
+                        <a:latin typeface="Calibri" panose="020F0502020204030204" pitchFamily="34" charset="0"/>
+                        <a:ea typeface="宋体" panose="02010600030101010101" pitchFamily="2" charset="-122"/>
+                        <a:cs typeface="Times New Roman" panose="02020603050405020304" pitchFamily="18" charset="0"/>
+                      </a:endParaRPr>
+                    </a:p>
+                  </a:txBody>
+                  <a:tcPr marL="68580" marR="68580" marT="0" marB="0"/>
+                </a:tc>
+                <a:tc>
+                  <a:txBody>
+                    <a:bodyPr/>
+                    <a:lstStyle/>
+                    <a:p>
+                      <a:pPr>
+                        <a:lnSpc>
+                          <a:spcPct val="125000"/>
+                        </a:lnSpc>
+                        <a:spcAft>
+                          <a:spcPts val="0"/>
+                        </a:spcAft>
+                      </a:pPr>
+                      <a:r>
+                        <a:rPr lang="zh-CN" sz="2000">
+                          <a:effectLst/>
+                        </a:rPr>
+                        <a:t>问卷调查</a:t>
+                      </a:r>
+                      <a:endParaRPr lang="zh-CN" sz="2000">
+                        <a:effectLst/>
+                        <a:latin typeface="Calibri" panose="020F0502020204030204" pitchFamily="34" charset="0"/>
+                        <a:ea typeface="宋体" panose="02010600030101010101" pitchFamily="2" charset="-122"/>
+                        <a:cs typeface="Times New Roman" panose="02020603050405020304" pitchFamily="18" charset="0"/>
+                      </a:endParaRPr>
+                    </a:p>
+                  </a:txBody>
+                  <a:tcPr marL="68580" marR="68580" marT="0" marB="0"/>
+                </a:tc>
+                <a:tc>
+                  <a:txBody>
+                    <a:bodyPr/>
+                    <a:lstStyle/>
+                    <a:p>
+                      <a:pPr>
+                        <a:lnSpc>
+                          <a:spcPct val="125000"/>
+                        </a:lnSpc>
+                        <a:spcAft>
+                          <a:spcPts val="0"/>
+                        </a:spcAft>
+                      </a:pPr>
+                      <a:r>
+                        <a:rPr lang="zh-CN" sz="2000">
+                          <a:effectLst/>
+                        </a:rPr>
+                        <a:t>问卷</a:t>
+                      </a:r>
+                      <a:endParaRPr lang="zh-CN" sz="2000">
+                        <a:effectLst/>
+                        <a:latin typeface="Calibri" panose="020F0502020204030204" pitchFamily="34" charset="0"/>
+                        <a:ea typeface="宋体" panose="02010600030101010101" pitchFamily="2" charset="-122"/>
+                        <a:cs typeface="Times New Roman" panose="02020603050405020304" pitchFamily="18" charset="0"/>
+                      </a:endParaRPr>
+                    </a:p>
+                  </a:txBody>
+                  <a:tcPr marL="68580" marR="68580" marT="0" marB="0"/>
+                </a:tc>
+                <a:tc>
+                  <a:txBody>
+                    <a:bodyPr/>
+                    <a:lstStyle/>
+                    <a:p>
+                      <a:pPr>
+                        <a:lnSpc>
+                          <a:spcPct val="125000"/>
+                        </a:lnSpc>
+                        <a:spcAft>
+                          <a:spcPts val="0"/>
+                        </a:spcAft>
+                      </a:pPr>
+                      <a:r>
+                        <a:rPr lang="zh-CN" sz="2000">
+                          <a:effectLst/>
+                        </a:rPr>
+                        <a:t>问卷分析图表</a:t>
+                      </a:r>
+                      <a:endParaRPr lang="zh-CN" sz="2000">
+                        <a:effectLst/>
+                        <a:latin typeface="Calibri" panose="020F0502020204030204" pitchFamily="34" charset="0"/>
+                        <a:ea typeface="宋体" panose="02010600030101010101" pitchFamily="2" charset="-122"/>
+                        <a:cs typeface="Times New Roman" panose="02020603050405020304" pitchFamily="18" charset="0"/>
+                      </a:endParaRPr>
+                    </a:p>
+                  </a:txBody>
+                  <a:tcPr marL="68580" marR="68580" marT="0" marB="0"/>
+                </a:tc>
+                <a:tc>
+                  <a:txBody>
+                    <a:bodyPr/>
+                    <a:lstStyle/>
+                    <a:p>
+                      <a:pPr>
+                        <a:lnSpc>
+                          <a:spcPct val="125000"/>
+                        </a:lnSpc>
+                        <a:spcAft>
+                          <a:spcPts val="0"/>
+                        </a:spcAft>
+                      </a:pPr>
+                      <a:r>
+                        <a:rPr lang="zh-CN" sz="2000">
+                          <a:effectLst/>
+                        </a:rPr>
+                        <a:t>冯涛</a:t>
+                      </a:r>
+                      <a:endParaRPr lang="zh-CN" sz="2000">
+                        <a:effectLst/>
+                        <a:latin typeface="Calibri" panose="020F0502020204030204" pitchFamily="34" charset="0"/>
+                        <a:ea typeface="宋体" panose="02010600030101010101" pitchFamily="2" charset="-122"/>
+                        <a:cs typeface="Times New Roman" panose="02020603050405020304" pitchFamily="18" charset="0"/>
+                      </a:endParaRPr>
+                    </a:p>
+                  </a:txBody>
+                  <a:tcPr marL="68580" marR="68580" marT="0" marB="0"/>
+                </a:tc>
+                <a:extLst>
+                  <a:ext uri="{0D108BD9-81ED-4DB2-BD59-A6C34878D82A}">
+                    <a16:rowId xmlns:a16="http://schemas.microsoft.com/office/drawing/2014/main" val="3894506742"/>
+                  </a:ext>
+                </a:extLst>
+              </a:tr>
+              <a:tr h="1140516">
+                <a:tc>
+                  <a:txBody>
+                    <a:bodyPr/>
+                    <a:lstStyle/>
+                    <a:p>
+                      <a:pPr>
+                        <a:lnSpc>
+                          <a:spcPct val="125000"/>
+                        </a:lnSpc>
+                        <a:spcAft>
+                          <a:spcPts val="0"/>
+                        </a:spcAft>
+                      </a:pPr>
+                      <a:r>
+                        <a:rPr lang="zh-CN" sz="2000">
+                          <a:effectLst/>
+                        </a:rPr>
+                        <a:t>普遍用户</a:t>
+                      </a:r>
+                      <a:endParaRPr lang="zh-CN" sz="2000">
+                        <a:effectLst/>
+                        <a:latin typeface="Calibri" panose="020F0502020204030204" pitchFamily="34" charset="0"/>
+                        <a:ea typeface="宋体" panose="02010600030101010101" pitchFamily="2" charset="-122"/>
+                        <a:cs typeface="Times New Roman" panose="02020603050405020304" pitchFamily="18" charset="0"/>
+                      </a:endParaRPr>
+                    </a:p>
+                  </a:txBody>
+                  <a:tcPr marL="68580" marR="68580" marT="0" marB="0"/>
+                </a:tc>
+                <a:tc>
+                  <a:txBody>
+                    <a:bodyPr/>
+                    <a:lstStyle/>
+                    <a:p>
+                      <a:pPr>
+                        <a:lnSpc>
+                          <a:spcPct val="125000"/>
+                        </a:lnSpc>
+                        <a:spcAft>
+                          <a:spcPts val="0"/>
+                        </a:spcAft>
+                      </a:pPr>
+                      <a:r>
+                        <a:rPr lang="zh-CN" sz="2000">
+                          <a:effectLst/>
+                        </a:rPr>
+                        <a:t>观察用户如何完成工作</a:t>
+                      </a:r>
+                      <a:endParaRPr lang="zh-CN" sz="2000">
+                        <a:effectLst/>
+                        <a:latin typeface="Calibri" panose="020F0502020204030204" pitchFamily="34" charset="0"/>
+                        <a:ea typeface="宋体" panose="02010600030101010101" pitchFamily="2" charset="-122"/>
+                        <a:cs typeface="Times New Roman" panose="02020603050405020304" pitchFamily="18" charset="0"/>
+                      </a:endParaRPr>
+                    </a:p>
+                  </a:txBody>
+                  <a:tcPr marL="68580" marR="68580" marT="0" marB="0"/>
+                </a:tc>
+                <a:tc>
+                  <a:txBody>
+                    <a:bodyPr/>
+                    <a:lstStyle/>
+                    <a:p>
+                      <a:pPr>
+                        <a:lnSpc>
+                          <a:spcPct val="125000"/>
+                        </a:lnSpc>
+                        <a:spcAft>
+                          <a:spcPts val="0"/>
+                        </a:spcAft>
+                      </a:pPr>
+                      <a:r>
+                        <a:rPr lang="zh-CN" sz="2000">
+                          <a:effectLst/>
+                        </a:rPr>
+                        <a:t>用户行为</a:t>
+                      </a:r>
+                      <a:endParaRPr lang="zh-CN" sz="2000">
+                        <a:effectLst/>
+                        <a:latin typeface="Calibri" panose="020F0502020204030204" pitchFamily="34" charset="0"/>
+                        <a:ea typeface="宋体" panose="02010600030101010101" pitchFamily="2" charset="-122"/>
+                        <a:cs typeface="Times New Roman" panose="02020603050405020304" pitchFamily="18" charset="0"/>
+                      </a:endParaRPr>
+                    </a:p>
+                  </a:txBody>
+                  <a:tcPr marL="68580" marR="68580" marT="0" marB="0"/>
+                </a:tc>
+                <a:tc>
+                  <a:txBody>
+                    <a:bodyPr/>
+                    <a:lstStyle/>
+                    <a:p>
+                      <a:pPr>
+                        <a:lnSpc>
+                          <a:spcPct val="125000"/>
+                        </a:lnSpc>
+                        <a:spcAft>
+                          <a:spcPts val="0"/>
+                        </a:spcAft>
+                      </a:pPr>
+                      <a:r>
+                        <a:rPr lang="zh-CN" sz="2000">
+                          <a:effectLst/>
+                        </a:rPr>
+                        <a:t>分析文档</a:t>
+                      </a:r>
+                      <a:endParaRPr lang="zh-CN" sz="2000">
+                        <a:effectLst/>
+                        <a:latin typeface="Calibri" panose="020F0502020204030204" pitchFamily="34" charset="0"/>
+                        <a:ea typeface="宋体" panose="02010600030101010101" pitchFamily="2" charset="-122"/>
+                        <a:cs typeface="Times New Roman" panose="02020603050405020304" pitchFamily="18" charset="0"/>
+                      </a:endParaRPr>
+                    </a:p>
+                  </a:txBody>
+                  <a:tcPr marL="68580" marR="68580" marT="0" marB="0"/>
+                </a:tc>
+                <a:tc>
+                  <a:txBody>
+                    <a:bodyPr/>
+                    <a:lstStyle/>
+                    <a:p>
+                      <a:pPr>
+                        <a:lnSpc>
+                          <a:spcPct val="125000"/>
+                        </a:lnSpc>
+                        <a:spcAft>
+                          <a:spcPts val="0"/>
+                        </a:spcAft>
+                      </a:pPr>
+                      <a:r>
+                        <a:rPr lang="zh-CN" sz="2000">
+                          <a:effectLst/>
+                        </a:rPr>
+                        <a:t>黄栋材</a:t>
+                      </a:r>
+                      <a:endParaRPr lang="zh-CN" sz="2000">
+                        <a:effectLst/>
+                        <a:latin typeface="Calibri" panose="020F0502020204030204" pitchFamily="34" charset="0"/>
+                        <a:ea typeface="宋体" panose="02010600030101010101" pitchFamily="2" charset="-122"/>
+                        <a:cs typeface="Times New Roman" panose="02020603050405020304" pitchFamily="18" charset="0"/>
+                      </a:endParaRPr>
+                    </a:p>
+                  </a:txBody>
+                  <a:tcPr marL="68580" marR="68580" marT="0" marB="0"/>
+                </a:tc>
+                <a:extLst>
+                  <a:ext uri="{0D108BD9-81ED-4DB2-BD59-A6C34878D82A}">
+                    <a16:rowId xmlns:a16="http://schemas.microsoft.com/office/drawing/2014/main" val="2199807048"/>
+                  </a:ext>
+                </a:extLst>
+              </a:tr>
+              <a:tr h="548844">
+                <a:tc>
+                  <a:txBody>
+                    <a:bodyPr/>
+                    <a:lstStyle/>
+                    <a:p>
+                      <a:pPr>
+                        <a:lnSpc>
+                          <a:spcPct val="125000"/>
+                        </a:lnSpc>
+                        <a:spcAft>
+                          <a:spcPts val="0"/>
+                        </a:spcAft>
+                      </a:pPr>
+                      <a:r>
+                        <a:rPr lang="zh-CN" sz="2000">
+                          <a:effectLst/>
+                        </a:rPr>
+                        <a:t>普遍用户</a:t>
+                      </a:r>
+                      <a:endParaRPr lang="zh-CN" sz="2000">
+                        <a:effectLst/>
+                        <a:latin typeface="Calibri" panose="020F0502020204030204" pitchFamily="34" charset="0"/>
+                        <a:ea typeface="宋体" panose="02010600030101010101" pitchFamily="2" charset="-122"/>
+                        <a:cs typeface="Times New Roman" panose="02020603050405020304" pitchFamily="18" charset="0"/>
+                      </a:endParaRPr>
+                    </a:p>
+                  </a:txBody>
+                  <a:tcPr marL="68580" marR="68580" marT="0" marB="0"/>
+                </a:tc>
+                <a:tc>
+                  <a:txBody>
+                    <a:bodyPr/>
+                    <a:lstStyle/>
+                    <a:p>
+                      <a:pPr>
+                        <a:lnSpc>
+                          <a:spcPct val="125000"/>
+                        </a:lnSpc>
+                        <a:spcAft>
+                          <a:spcPts val="0"/>
+                        </a:spcAft>
+                      </a:pPr>
+                      <a:r>
+                        <a:rPr lang="zh-CN" sz="2000">
+                          <a:effectLst/>
+                        </a:rPr>
+                        <a:t>会议</a:t>
+                      </a:r>
+                      <a:endParaRPr lang="zh-CN" sz="2000">
+                        <a:effectLst/>
+                        <a:latin typeface="Calibri" panose="020F0502020204030204" pitchFamily="34" charset="0"/>
+                        <a:ea typeface="宋体" panose="02010600030101010101" pitchFamily="2" charset="-122"/>
+                        <a:cs typeface="Times New Roman" panose="02020603050405020304" pitchFamily="18" charset="0"/>
+                      </a:endParaRPr>
+                    </a:p>
+                  </a:txBody>
+                  <a:tcPr marL="68580" marR="68580" marT="0" marB="0"/>
+                </a:tc>
+                <a:tc>
+                  <a:txBody>
+                    <a:bodyPr/>
+                    <a:lstStyle/>
+                    <a:p>
+                      <a:pPr>
+                        <a:lnSpc>
+                          <a:spcPct val="125000"/>
+                        </a:lnSpc>
+                        <a:spcAft>
+                          <a:spcPts val="0"/>
+                        </a:spcAft>
+                      </a:pPr>
+                      <a:r>
+                        <a:rPr lang="zh-CN" sz="2000">
+                          <a:effectLst/>
+                        </a:rPr>
+                        <a:t>会议报告</a:t>
+                      </a:r>
+                      <a:endParaRPr lang="zh-CN" sz="2000">
+                        <a:effectLst/>
+                        <a:latin typeface="Calibri" panose="020F0502020204030204" pitchFamily="34" charset="0"/>
+                        <a:ea typeface="宋体" panose="02010600030101010101" pitchFamily="2" charset="-122"/>
+                        <a:cs typeface="Times New Roman" panose="02020603050405020304" pitchFamily="18" charset="0"/>
+                      </a:endParaRPr>
+                    </a:p>
+                  </a:txBody>
+                  <a:tcPr marL="68580" marR="68580" marT="0" marB="0"/>
+                </a:tc>
+                <a:tc>
+                  <a:txBody>
+                    <a:bodyPr/>
+                    <a:lstStyle/>
+                    <a:p>
+                      <a:pPr>
+                        <a:lnSpc>
+                          <a:spcPct val="125000"/>
+                        </a:lnSpc>
+                        <a:spcAft>
+                          <a:spcPts val="0"/>
+                        </a:spcAft>
+                      </a:pPr>
+                      <a:r>
+                        <a:rPr lang="zh-CN" sz="2000">
+                          <a:effectLst/>
+                        </a:rPr>
+                        <a:t>分析文档</a:t>
+                      </a:r>
+                      <a:endParaRPr lang="zh-CN" sz="2000">
+                        <a:effectLst/>
+                        <a:latin typeface="Calibri" panose="020F0502020204030204" pitchFamily="34" charset="0"/>
+                        <a:ea typeface="宋体" panose="02010600030101010101" pitchFamily="2" charset="-122"/>
+                        <a:cs typeface="Times New Roman" panose="02020603050405020304" pitchFamily="18" charset="0"/>
+                      </a:endParaRPr>
+                    </a:p>
+                  </a:txBody>
+                  <a:tcPr marL="68580" marR="68580" marT="0" marB="0"/>
+                </a:tc>
+                <a:tc>
+                  <a:txBody>
+                    <a:bodyPr/>
+                    <a:lstStyle/>
+                    <a:p>
+                      <a:pPr>
+                        <a:lnSpc>
+                          <a:spcPct val="125000"/>
+                        </a:lnSpc>
+                        <a:spcAft>
+                          <a:spcPts val="0"/>
+                        </a:spcAft>
+                      </a:pPr>
+                      <a:r>
+                        <a:rPr lang="zh-CN" sz="2000" dirty="0">
+                          <a:effectLst/>
+                        </a:rPr>
+                        <a:t>徐鹏</a:t>
+                      </a:r>
+                      <a:endParaRPr lang="zh-CN" sz="2000" dirty="0">
+                        <a:effectLst/>
+                        <a:latin typeface="Calibri" panose="020F0502020204030204" pitchFamily="34" charset="0"/>
+                        <a:ea typeface="宋体" panose="02010600030101010101" pitchFamily="2" charset="-122"/>
+                        <a:cs typeface="Times New Roman" panose="02020603050405020304" pitchFamily="18" charset="0"/>
+                      </a:endParaRPr>
+                    </a:p>
+                  </a:txBody>
+                  <a:tcPr marL="68580" marR="68580" marT="0" marB="0"/>
+                </a:tc>
+                <a:extLst>
+                  <a:ext uri="{0D108BD9-81ED-4DB2-BD59-A6C34878D82A}">
+                    <a16:rowId xmlns:a16="http://schemas.microsoft.com/office/drawing/2014/main" val="3596753430"/>
+                  </a:ext>
+                </a:extLst>
+              </a:tr>
+            </a:tbl>
+          </a:graphicData>
+        </a:graphic>
+      </p:graphicFrame>
+    </p:spTree>
+    <p:extLst>
+      <p:ext uri="{BB962C8B-B14F-4D97-AF65-F5344CB8AC3E}">
+        <p14:creationId xmlns:p14="http://schemas.microsoft.com/office/powerpoint/2010/main" val="961621034"/>
+      </p:ext>
+    </p:extLst>
+  </p:cSld>
+  <p:clrMapOvr>
+    <a:masterClrMapping/>
+  </p:clrMapOvr>
+</p:sld>
+</file>
+
+<file path=ppt/slides/slide21.xml><?xml version="1.0" encoding="utf-8"?>
+<p:sld xmlns:a="http://schemas.openxmlformats.org/drawingml/2006/main" xmlns:r="http://schemas.openxmlformats.org/officeDocument/2006/relationships" xmlns:p="http://schemas.openxmlformats.org/presentationml/2006/main">
+  <p:cSld>
+    <p:spTree>
+      <p:nvGrpSpPr>
+        <p:cNvPr id="1" name=""/>
+        <p:cNvGrpSpPr/>
+        <p:nvPr/>
+      </p:nvGrpSpPr>
+      <p:grpSpPr>
+        <a:xfrm>
+          <a:off x="0" y="0"/>
+          <a:ext cx="0" cy="0"/>
+          <a:chOff x="0" y="0"/>
+          <a:chExt cx="0" cy="0"/>
+        </a:xfrm>
+      </p:grpSpPr>
+      <p:sp>
+        <p:nvSpPr>
+          <p:cNvPr id="2" name="标题 1"/>
+          <p:cNvSpPr>
+            <a:spLocks noGrp="1"/>
+          </p:cNvSpPr>
+          <p:nvPr>
+            <p:ph type="title"/>
+          </p:nvPr>
+        </p:nvSpPr>
+        <p:spPr/>
+        <p:txBody>
+          <a:bodyPr/>
+          <a:lstStyle/>
+          <a:p>
+            <a:r>
+              <a:rPr lang="zh-CN" altLang="en-US" dirty="0"/>
+              <a:t>实施计划</a:t>
+            </a:r>
+          </a:p>
+        </p:txBody>
+      </p:sp>
+      <p:sp>
+        <p:nvSpPr>
+          <p:cNvPr id="3" name="内容占位符 2"/>
+          <p:cNvSpPr>
+            <a:spLocks noGrp="1"/>
+          </p:cNvSpPr>
+          <p:nvPr>
+            <p:ph idx="1"/>
+          </p:nvPr>
+        </p:nvSpPr>
+        <p:spPr/>
+        <p:txBody>
+          <a:bodyPr/>
+          <a:lstStyle/>
+          <a:p>
+            <a:r>
+              <a:rPr lang="zh-CN" altLang="en-US" dirty="0">
+                <a:hlinkClick r:id="rId2" action="ppaction://hlinksldjump"/>
+              </a:rPr>
+              <a:t>风险识别及应对</a:t>
+            </a:r>
+            <a:endParaRPr lang="en-US" altLang="zh-CN" dirty="0"/>
+          </a:p>
+          <a:p>
+            <a:r>
+              <a:rPr lang="zh-CN" altLang="en-US" dirty="0"/>
+              <a:t>沟通计划</a:t>
+            </a:r>
+            <a:endParaRPr lang="en-US" altLang="zh-CN" dirty="0"/>
+          </a:p>
+          <a:p>
+            <a:r>
+              <a:rPr lang="en-US" altLang="zh-CN" dirty="0">
+                <a:hlinkClick r:id="rId3" action="ppaction://hlinksldjump"/>
+              </a:rPr>
+              <a:t>OBS</a:t>
+            </a:r>
+            <a:r>
+              <a:rPr lang="zh-CN" altLang="en-US" dirty="0">
+                <a:hlinkClick r:id="rId3" action="ppaction://hlinksldjump"/>
+              </a:rPr>
+              <a:t>图</a:t>
+            </a:r>
+            <a:endParaRPr lang="en-US" altLang="zh-CN" dirty="0"/>
+          </a:p>
+          <a:p>
+            <a:r>
+              <a:rPr lang="en-US" altLang="zh-CN" dirty="0"/>
+              <a:t>WBS</a:t>
+            </a:r>
+            <a:r>
+              <a:rPr lang="zh-CN" altLang="en-US" dirty="0"/>
+              <a:t>树状图</a:t>
+            </a:r>
+            <a:endParaRPr lang="en-US" altLang="zh-CN" dirty="0"/>
+          </a:p>
+          <a:p>
+            <a:r>
+              <a:rPr lang="en-US" altLang="zh-CN" dirty="0"/>
+              <a:t>LRC</a:t>
+            </a:r>
+            <a:r>
+              <a:rPr lang="zh-CN" altLang="en-US" dirty="0"/>
+              <a:t>表</a:t>
+            </a:r>
+            <a:endParaRPr lang="en-US" altLang="zh-CN" dirty="0"/>
+          </a:p>
+          <a:p>
+            <a:r>
+              <a:rPr lang="zh-CN" altLang="en-US" dirty="0"/>
+              <a:t>甘特图</a:t>
+            </a:r>
+          </a:p>
+        </p:txBody>
+      </p:sp>
+    </p:spTree>
+    <p:extLst>
+      <p:ext uri="{BB962C8B-B14F-4D97-AF65-F5344CB8AC3E}">
+        <p14:creationId xmlns:p14="http://schemas.microsoft.com/office/powerpoint/2010/main" val="4154674054"/>
+      </p:ext>
+    </p:extLst>
+  </p:cSld>
+  <p:clrMapOvr>
+    <a:masterClrMapping/>
+  </p:clrMapOvr>
+</p:sld>
+</file>
+
+<file path=ppt/slides/slide22.xml><?xml version="1.0" encoding="utf-8"?>
+<p:sld xmlns:a="http://schemas.openxmlformats.org/drawingml/2006/main" xmlns:r="http://schemas.openxmlformats.org/officeDocument/2006/relationships" xmlns:p="http://schemas.openxmlformats.org/presentationml/2006/main">
+  <p:cSld>
+    <p:spTree>
+      <p:nvGrpSpPr>
+        <p:cNvPr id="1" name=""/>
+        <p:cNvGrpSpPr/>
+        <p:nvPr/>
+      </p:nvGrpSpPr>
+      <p:grpSpPr>
+        <a:xfrm>
+          <a:off x="0" y="0"/>
+          <a:ext cx="0" cy="0"/>
+          <a:chOff x="0" y="0"/>
+          <a:chExt cx="0" cy="0"/>
+        </a:xfrm>
+      </p:grpSpPr>
+      <p:sp>
+        <p:nvSpPr>
+          <p:cNvPr id="2" name="标题 1"/>
+          <p:cNvSpPr>
+            <a:spLocks noGrp="1"/>
+          </p:cNvSpPr>
+          <p:nvPr>
+            <p:ph type="title"/>
+          </p:nvPr>
+        </p:nvSpPr>
+        <p:spPr/>
+        <p:txBody>
+          <a:bodyPr/>
+          <a:lstStyle/>
+          <a:p>
+            <a:r>
+              <a:rPr lang="zh-CN" altLang="en-US" dirty="0"/>
+              <a:t>风险识别及应对</a:t>
+            </a:r>
+          </a:p>
+        </p:txBody>
+      </p:sp>
+      <p:sp>
+        <p:nvSpPr>
+          <p:cNvPr id="4" name="内容占位符 3">
+            <a:extLst>
+              <a:ext uri="{FF2B5EF4-FFF2-40B4-BE49-F238E27FC236}">
+                <a16:creationId xmlns:a16="http://schemas.microsoft.com/office/drawing/2014/main" id="{8CDBD859-2CCC-47AD-AB39-BB3200CC8BF3}"/>
+              </a:ext>
+            </a:extLst>
+          </p:cNvPr>
+          <p:cNvSpPr>
+            <a:spLocks noGrp="1"/>
+          </p:cNvSpPr>
+          <p:nvPr>
+            <p:ph idx="1"/>
+          </p:nvPr>
+        </p:nvSpPr>
+        <p:spPr/>
+        <p:txBody>
+          <a:bodyPr/>
+          <a:lstStyle/>
+          <a:p>
+            <a:r>
+              <a:rPr lang="zh-CN" altLang="en-US" dirty="0">
+                <a:hlinkClick r:id="rId2" action="ppaction://hlinkfile"/>
+              </a:rPr>
+              <a:t>风险计划总表</a:t>
+            </a:r>
+            <a:endParaRPr lang="zh-CN" altLang="en-US" dirty="0"/>
+          </a:p>
+        </p:txBody>
+      </p:sp>
+    </p:spTree>
+    <p:extLst>
+      <p:ext uri="{BB962C8B-B14F-4D97-AF65-F5344CB8AC3E}">
+        <p14:creationId xmlns:p14="http://schemas.microsoft.com/office/powerpoint/2010/main" val="1502891869"/>
+      </p:ext>
+    </p:extLst>
+  </p:cSld>
+  <p:clrMapOvr>
+    <a:masterClrMapping/>
+  </p:clrMapOvr>
+</p:sld>
+</file>
+
+<file path=ppt/slides/slide23.xml><?xml version="1.0" encoding="utf-8"?>
+<p:sld xmlns:a="http://schemas.openxmlformats.org/drawingml/2006/main" xmlns:r="http://schemas.openxmlformats.org/officeDocument/2006/relationships" xmlns:p="http://schemas.openxmlformats.org/presentationml/2006/main">
+  <p:cSld>
+    <p:spTree>
+      <p:nvGrpSpPr>
+        <p:cNvPr id="1" name=""/>
+        <p:cNvGrpSpPr/>
+        <p:nvPr/>
+      </p:nvGrpSpPr>
+      <p:grpSpPr>
+        <a:xfrm>
+          <a:off x="0" y="0"/>
+          <a:ext cx="0" cy="0"/>
+          <a:chOff x="0" y="0"/>
+          <a:chExt cx="0" cy="0"/>
+        </a:xfrm>
+      </p:grpSpPr>
+      <p:sp>
+        <p:nvSpPr>
+          <p:cNvPr id="2" name="标题 1">
+            <a:extLst>
+              <a:ext uri="{FF2B5EF4-FFF2-40B4-BE49-F238E27FC236}">
+                <a16:creationId xmlns:a16="http://schemas.microsoft.com/office/drawing/2014/main" id="{C9EFC8D6-D046-4957-9919-C1F19B99C7A8}"/>
+              </a:ext>
+            </a:extLst>
+          </p:cNvPr>
+          <p:cNvSpPr>
+            <a:spLocks noGrp="1"/>
+          </p:cNvSpPr>
+          <p:nvPr>
+            <p:ph type="title"/>
+          </p:nvPr>
+        </p:nvSpPr>
+        <p:spPr/>
+        <p:txBody>
+          <a:bodyPr/>
+          <a:lstStyle/>
+          <a:p>
+            <a:r>
+              <a:rPr lang="zh-CN" altLang="en-US" dirty="0"/>
+              <a:t>沟通计划</a:t>
+            </a:r>
+          </a:p>
+        </p:txBody>
+      </p:sp>
+      <p:sp>
+        <p:nvSpPr>
+          <p:cNvPr id="3" name="内容占位符 2">
+            <a:extLst>
+              <a:ext uri="{FF2B5EF4-FFF2-40B4-BE49-F238E27FC236}">
+                <a16:creationId xmlns:a16="http://schemas.microsoft.com/office/drawing/2014/main" id="{872A967A-9BD5-4266-BC54-48F6117B8C06}"/>
+              </a:ext>
+            </a:extLst>
+          </p:cNvPr>
+          <p:cNvSpPr>
+            <a:spLocks noGrp="1"/>
+          </p:cNvSpPr>
+          <p:nvPr>
+            <p:ph idx="1"/>
+          </p:nvPr>
+        </p:nvSpPr>
+        <p:spPr/>
+        <p:txBody>
+          <a:bodyPr/>
+          <a:lstStyle/>
+          <a:p>
+            <a:r>
+              <a:rPr lang="zh-CN" altLang="en-US" dirty="0">
+                <a:hlinkClick r:id="rId2" action="ppaction://hlinkfile"/>
+              </a:rPr>
+              <a:t>沟通计划</a:t>
+            </a:r>
+            <a:endParaRPr lang="zh-CN" altLang="en-US" dirty="0"/>
+          </a:p>
+        </p:txBody>
+      </p:sp>
+    </p:spTree>
+    <p:extLst>
+      <p:ext uri="{BB962C8B-B14F-4D97-AF65-F5344CB8AC3E}">
+        <p14:creationId xmlns:p14="http://schemas.microsoft.com/office/powerpoint/2010/main" val="945715248"/>
+      </p:ext>
+    </p:extLst>
+  </p:cSld>
+  <p:clrMapOvr>
+    <a:masterClrMapping/>
+  </p:clrMapOvr>
+</p:sld>
+</file>
+
+<file path=ppt/slides/slide24.xml><?xml version="1.0" encoding="utf-8"?>
+<p:sld xmlns:a="http://schemas.openxmlformats.org/drawingml/2006/main" xmlns:r="http://schemas.openxmlformats.org/officeDocument/2006/relationships" xmlns:p="http://schemas.openxmlformats.org/presentationml/2006/main">
+  <p:cSld>
+    <p:spTree>
+      <p:nvGrpSpPr>
+        <p:cNvPr id="1" name=""/>
+        <p:cNvGrpSpPr/>
+        <p:nvPr/>
+      </p:nvGrpSpPr>
+      <p:grpSpPr>
+        <a:xfrm>
+          <a:off x="0" y="0"/>
+          <a:ext cx="0" cy="0"/>
+          <a:chOff x="0" y="0"/>
+          <a:chExt cx="0" cy="0"/>
+        </a:xfrm>
+      </p:grpSpPr>
+      <p:sp>
+        <p:nvSpPr>
+          <p:cNvPr id="2" name="标题 1"/>
+          <p:cNvSpPr>
+            <a:spLocks noGrp="1"/>
+          </p:cNvSpPr>
+          <p:nvPr>
+            <p:ph type="title"/>
+          </p:nvPr>
+        </p:nvSpPr>
+        <p:spPr/>
+        <p:txBody>
+          <a:bodyPr/>
+          <a:lstStyle/>
+          <a:p>
+            <a:r>
+              <a:rPr lang="en-US" altLang="zh-CN" dirty="0"/>
+              <a:t>OBS</a:t>
+            </a:r>
+            <a:endParaRPr lang="zh-CN" altLang="en-US" dirty="0"/>
+          </a:p>
+        </p:txBody>
+      </p:sp>
+      <p:pic>
+        <p:nvPicPr>
+          <p:cNvPr id="5" name="图片 4">
+            <a:extLst>
+              <a:ext uri="{FF2B5EF4-FFF2-40B4-BE49-F238E27FC236}">
+                <a16:creationId xmlns:a16="http://schemas.microsoft.com/office/drawing/2014/main" id="{801761FA-2CD2-49CB-8739-AA231588C9BE}"/>
+              </a:ext>
+            </a:extLst>
+          </p:cNvPr>
+          <p:cNvPicPr>
+            <a:picLocks noChangeAspect="1"/>
+          </p:cNvPicPr>
+          <p:nvPr/>
+        </p:nvPicPr>
+        <p:blipFill>
+          <a:blip r:embed="rId2"/>
+          <a:stretch>
+            <a:fillRect/>
+          </a:stretch>
+        </p:blipFill>
+        <p:spPr>
+          <a:xfrm>
+            <a:off x="3491345" y="1027906"/>
+            <a:ext cx="6806046" cy="5722206"/>
+          </a:xfrm>
+          <a:prstGeom prst="rect">
+            <a:avLst/>
+          </a:prstGeom>
+        </p:spPr>
+      </p:pic>
+    </p:spTree>
+    <p:extLst>
+      <p:ext uri="{BB962C8B-B14F-4D97-AF65-F5344CB8AC3E}">
+        <p14:creationId xmlns:p14="http://schemas.microsoft.com/office/powerpoint/2010/main" val="3227133036"/>
+      </p:ext>
+    </p:extLst>
+  </p:cSld>
+  <p:clrMapOvr>
+    <a:masterClrMapping/>
+  </p:clrMapOvr>
+</p:sld>
+</file>
+
+<file path=ppt/slides/slide25.xml><?xml version="1.0" encoding="utf-8"?>
+<p:sld xmlns:a="http://schemas.openxmlformats.org/drawingml/2006/main" xmlns:r="http://schemas.openxmlformats.org/officeDocument/2006/relationships" xmlns:p="http://schemas.openxmlformats.org/presentationml/2006/main">
+  <p:cSld>
+    <p:spTree>
+      <p:nvGrpSpPr>
+        <p:cNvPr id="1" name=""/>
+        <p:cNvGrpSpPr/>
+        <p:nvPr/>
+      </p:nvGrpSpPr>
+      <p:grpSpPr>
+        <a:xfrm>
+          <a:off x="0" y="0"/>
+          <a:ext cx="0" cy="0"/>
+          <a:chOff x="0" y="0"/>
+          <a:chExt cx="0" cy="0"/>
+        </a:xfrm>
+      </p:grpSpPr>
+      <p:sp>
+        <p:nvSpPr>
+          <p:cNvPr id="2" name="标题 1"/>
+          <p:cNvSpPr>
+            <a:spLocks noGrp="1"/>
+          </p:cNvSpPr>
+          <p:nvPr>
+            <p:ph type="title"/>
+          </p:nvPr>
+        </p:nvSpPr>
+        <p:spPr/>
+        <p:txBody>
+          <a:bodyPr/>
+          <a:lstStyle/>
+          <a:p>
+            <a:r>
+              <a:rPr lang="en-US" altLang="zh-CN" dirty="0"/>
+              <a:t>WBS</a:t>
+            </a:r>
+            <a:r>
+              <a:rPr lang="zh-CN" altLang="en-US" dirty="0"/>
+              <a:t>树状图</a:t>
+            </a:r>
+          </a:p>
+        </p:txBody>
+      </p:sp>
+      <p:sp>
+        <p:nvSpPr>
+          <p:cNvPr id="3" name="内容占位符 2"/>
+          <p:cNvSpPr>
+            <a:spLocks noGrp="1"/>
+          </p:cNvSpPr>
+          <p:nvPr>
+            <p:ph idx="1"/>
+          </p:nvPr>
+        </p:nvSpPr>
+        <p:spPr/>
+        <p:txBody>
+          <a:bodyPr/>
+          <a:lstStyle/>
+          <a:p>
+            <a:r>
+              <a:rPr lang="en-US" altLang="zh-CN" dirty="0">
+                <a:hlinkClick r:id="rId2" action="ppaction://hlinkfile"/>
+              </a:rPr>
+              <a:t> WBS</a:t>
+            </a:r>
+            <a:r>
+              <a:rPr lang="zh-CN" altLang="en-US" dirty="0">
+                <a:hlinkClick r:id="rId2" action="ppaction://hlinkfile"/>
+              </a:rPr>
+              <a:t>树状图</a:t>
+            </a:r>
+            <a:r>
+              <a:rPr lang="en-US" altLang="zh-CN" dirty="0">
+                <a:hlinkClick r:id="rId2" action="ppaction://hlinkfile"/>
+              </a:rPr>
+              <a:t>1</a:t>
+            </a:r>
+            <a:endParaRPr lang="en-US" altLang="zh-CN" dirty="0"/>
+          </a:p>
+          <a:p>
+            <a:r>
+              <a:rPr lang="en-US" altLang="zh-CN" dirty="0">
+                <a:hlinkClick r:id="rId3" action="ppaction://hlinkfile"/>
+              </a:rPr>
+              <a:t>WBS</a:t>
+            </a:r>
+            <a:r>
+              <a:rPr lang="zh-CN" altLang="en-US" dirty="0">
+                <a:hlinkClick r:id="rId3" action="ppaction://hlinkfile"/>
+              </a:rPr>
+              <a:t>树状图</a:t>
+            </a:r>
+            <a:r>
+              <a:rPr lang="en-US" altLang="zh-CN" dirty="0">
+                <a:hlinkClick r:id="rId3" action="ppaction://hlinkfile"/>
+              </a:rPr>
+              <a:t>2</a:t>
+            </a:r>
+            <a:endParaRPr lang="zh-CN" altLang="en-US" dirty="0"/>
+          </a:p>
+        </p:txBody>
+      </p:sp>
+    </p:spTree>
+    <p:extLst>
+      <p:ext uri="{BB962C8B-B14F-4D97-AF65-F5344CB8AC3E}">
+        <p14:creationId xmlns:p14="http://schemas.microsoft.com/office/powerpoint/2010/main" val="698381204"/>
+      </p:ext>
+    </p:extLst>
+  </p:cSld>
+  <p:clrMapOvr>
+    <a:masterClrMapping/>
+  </p:clrMapOvr>
+</p:sld>
+</file>
+
+<file path=ppt/slides/slide26.xml><?xml version="1.0" encoding="utf-8"?>
+<p:sld xmlns:a="http://schemas.openxmlformats.org/drawingml/2006/main" xmlns:r="http://schemas.openxmlformats.org/officeDocument/2006/relationships" xmlns:p="http://schemas.openxmlformats.org/presentationml/2006/main">
+  <p:cSld>
+    <p:spTree>
+      <p:nvGrpSpPr>
+        <p:cNvPr id="1" name=""/>
+        <p:cNvGrpSpPr/>
+        <p:nvPr/>
+      </p:nvGrpSpPr>
+      <p:grpSpPr>
+        <a:xfrm>
+          <a:off x="0" y="0"/>
+          <a:ext cx="0" cy="0"/>
+          <a:chOff x="0" y="0"/>
+          <a:chExt cx="0" cy="0"/>
+        </a:xfrm>
+      </p:grpSpPr>
+      <p:sp>
+        <p:nvSpPr>
+          <p:cNvPr id="2" name="标题 1">
+            <a:extLst>
+              <a:ext uri="{FF2B5EF4-FFF2-40B4-BE49-F238E27FC236}">
+                <a16:creationId xmlns:a16="http://schemas.microsoft.com/office/drawing/2014/main" id="{0AD37E02-C302-4237-B271-6BA2728181D4}"/>
+              </a:ext>
+            </a:extLst>
+          </p:cNvPr>
+          <p:cNvSpPr>
+            <a:spLocks noGrp="1"/>
+          </p:cNvSpPr>
+          <p:nvPr>
+            <p:ph type="title"/>
+          </p:nvPr>
+        </p:nvSpPr>
+        <p:spPr/>
+        <p:txBody>
+          <a:bodyPr/>
+          <a:lstStyle/>
+          <a:p>
+            <a:r>
+              <a:rPr lang="en-US" altLang="zh-CN" dirty="0"/>
+              <a:t>LRC</a:t>
+            </a:r>
+            <a:r>
+              <a:rPr lang="zh-CN" altLang="en-US" dirty="0"/>
+              <a:t>表</a:t>
+            </a:r>
+          </a:p>
+        </p:txBody>
+      </p:sp>
+      <p:sp>
+        <p:nvSpPr>
+          <p:cNvPr id="3" name="内容占位符 2">
+            <a:extLst>
+              <a:ext uri="{FF2B5EF4-FFF2-40B4-BE49-F238E27FC236}">
+                <a16:creationId xmlns:a16="http://schemas.microsoft.com/office/drawing/2014/main" id="{1E5A6FE6-C62E-4A86-8664-D85BDA53DE9C}"/>
+              </a:ext>
+            </a:extLst>
+          </p:cNvPr>
+          <p:cNvSpPr>
+            <a:spLocks noGrp="1"/>
+          </p:cNvSpPr>
+          <p:nvPr>
+            <p:ph idx="1"/>
+          </p:nvPr>
+        </p:nvSpPr>
+        <p:spPr/>
+        <p:txBody>
+          <a:bodyPr/>
+          <a:lstStyle/>
+          <a:p>
+            <a:r>
+              <a:rPr lang="en-US" altLang="zh-CN" dirty="0">
+                <a:hlinkClick r:id="rId2" action="ppaction://hlinkfile"/>
+              </a:rPr>
+              <a:t>LRC</a:t>
+            </a:r>
+            <a:r>
+              <a:rPr lang="zh-CN" altLang="en-US" dirty="0">
+                <a:hlinkClick r:id="rId2" action="ppaction://hlinkfile"/>
+              </a:rPr>
+              <a:t>线性责任表</a:t>
+            </a:r>
+            <a:endParaRPr lang="zh-CN" altLang="en-US" dirty="0"/>
+          </a:p>
+        </p:txBody>
+      </p:sp>
+    </p:spTree>
+    <p:extLst>
+      <p:ext uri="{BB962C8B-B14F-4D97-AF65-F5344CB8AC3E}">
+        <p14:creationId xmlns:p14="http://schemas.microsoft.com/office/powerpoint/2010/main" val="2904837153"/>
+      </p:ext>
+    </p:extLst>
+  </p:cSld>
+  <p:clrMapOvr>
+    <a:masterClrMapping/>
+  </p:clrMapOvr>
+</p:sld>
+</file>
+
+<file path=ppt/slides/slide27.xml><?xml version="1.0" encoding="utf-8"?>
+<p:sld xmlns:a="http://schemas.openxmlformats.org/drawingml/2006/main" xmlns:r="http://schemas.openxmlformats.org/officeDocument/2006/relationships" xmlns:p="http://schemas.openxmlformats.org/presentationml/2006/main">
+  <p:cSld>
+    <p:spTree>
+      <p:nvGrpSpPr>
+        <p:cNvPr id="1" name=""/>
+        <p:cNvGrpSpPr/>
+        <p:nvPr/>
+      </p:nvGrpSpPr>
+      <p:grpSpPr>
+        <a:xfrm>
+          <a:off x="0" y="0"/>
+          <a:ext cx="0" cy="0"/>
+          <a:chOff x="0" y="0"/>
+          <a:chExt cx="0" cy="0"/>
+        </a:xfrm>
+      </p:grpSpPr>
+      <p:sp>
+        <p:nvSpPr>
+          <p:cNvPr id="2" name="标题 1"/>
+          <p:cNvSpPr>
+            <a:spLocks noGrp="1"/>
+          </p:cNvSpPr>
+          <p:nvPr>
+            <p:ph type="title"/>
+          </p:nvPr>
+        </p:nvSpPr>
+        <p:spPr/>
+        <p:txBody>
+          <a:bodyPr/>
+          <a:lstStyle/>
+          <a:p>
+            <a:r>
+              <a:rPr lang="zh-CN" altLang="en-US" dirty="0"/>
+              <a:t>甘特图</a:t>
+            </a:r>
+          </a:p>
+        </p:txBody>
+      </p:sp>
+      <p:sp>
+        <p:nvSpPr>
+          <p:cNvPr id="3" name="内容占位符 2"/>
+          <p:cNvSpPr>
+            <a:spLocks noGrp="1"/>
+          </p:cNvSpPr>
+          <p:nvPr>
+            <p:ph idx="1"/>
+          </p:nvPr>
+        </p:nvSpPr>
+        <p:spPr/>
+        <p:txBody>
+          <a:bodyPr/>
+          <a:lstStyle/>
+          <a:p>
+            <a:r>
+              <a:rPr lang="zh-CN" altLang="en-US" dirty="0">
+                <a:hlinkClick r:id="rId2" action="ppaction://hlinkfile"/>
+              </a:rPr>
+              <a:t>项目总体计划甘特图</a:t>
+            </a:r>
+            <a:endParaRPr lang="zh-CN" altLang="en-US" dirty="0"/>
+          </a:p>
+        </p:txBody>
+      </p:sp>
+    </p:spTree>
+    <p:extLst>
+      <p:ext uri="{BB962C8B-B14F-4D97-AF65-F5344CB8AC3E}">
+        <p14:creationId xmlns:p14="http://schemas.microsoft.com/office/powerpoint/2010/main" val="2312040116"/>
+      </p:ext>
+    </p:extLst>
+  </p:cSld>
+  <p:clrMapOvr>
+    <a:masterClrMapping/>
+  </p:clrMapOvr>
+</p:sld>
+</file>
+
+<file path=ppt/slides/slide28.xml><?xml version="1.0" encoding="utf-8"?>
+<p:sld xmlns:a="http://schemas.openxmlformats.org/drawingml/2006/main" xmlns:r="http://schemas.openxmlformats.org/officeDocument/2006/relationships" xmlns:p="http://schemas.openxmlformats.org/presentationml/2006/main">
+  <p:cSld>
+    <p:spTree>
+      <p:nvGrpSpPr>
+        <p:cNvPr id="1" name=""/>
+        <p:cNvGrpSpPr/>
+        <p:nvPr/>
+      </p:nvGrpSpPr>
+      <p:grpSpPr>
+        <a:xfrm>
+          <a:off x="0" y="0"/>
+          <a:ext cx="0" cy="0"/>
+          <a:chOff x="0" y="0"/>
+          <a:chExt cx="0" cy="0"/>
+        </a:xfrm>
+      </p:grpSpPr>
+      <p:sp>
+        <p:nvSpPr>
+          <p:cNvPr id="3" name="内容占位符 2">
+            <a:extLst>
+              <a:ext uri="{FF2B5EF4-FFF2-40B4-BE49-F238E27FC236}">
+                <a16:creationId xmlns:a16="http://schemas.microsoft.com/office/drawing/2014/main" id="{47EAB21E-0A67-477D-9130-B242DC4B6825}"/>
+              </a:ext>
+            </a:extLst>
+          </p:cNvPr>
+          <p:cNvSpPr>
+            <a:spLocks noGrp="1"/>
+          </p:cNvSpPr>
+          <p:nvPr>
+            <p:ph idx="1"/>
+          </p:nvPr>
+        </p:nvSpPr>
+        <p:spPr/>
+        <p:txBody>
+          <a:bodyPr/>
+          <a:lstStyle/>
+          <a:p>
+            <a:r>
+              <a:rPr lang="zh-CN" altLang="en-US" dirty="0"/>
+              <a:t>童威男（负责人），</a:t>
+            </a:r>
+            <a:r>
+              <a:rPr lang="en-US" altLang="zh-CN" dirty="0"/>
+              <a:t>ppt</a:t>
+            </a:r>
+            <a:r>
+              <a:rPr lang="zh-CN" altLang="en-US" dirty="0"/>
+              <a:t>修改，</a:t>
+            </a:r>
+            <a:r>
+              <a:rPr lang="en-US" altLang="zh-CN" dirty="0"/>
+              <a:t>word</a:t>
+            </a:r>
+            <a:r>
+              <a:rPr lang="zh-CN" altLang="en-US" dirty="0"/>
+              <a:t>制作</a:t>
+            </a:r>
+            <a:r>
+              <a:rPr lang="en-US" altLang="zh-CN" dirty="0"/>
+              <a:t>——4</a:t>
+            </a:r>
+            <a:r>
+              <a:rPr lang="zh-CN" altLang="en-US" dirty="0"/>
+              <a:t>分</a:t>
+            </a:r>
+            <a:endParaRPr lang="en-US" altLang="zh-CN" dirty="0"/>
+          </a:p>
+          <a:p>
+            <a:r>
+              <a:rPr lang="zh-CN" altLang="en-US" dirty="0"/>
+              <a:t>冯涛部分内容的分析，</a:t>
+            </a:r>
+            <a:r>
+              <a:rPr lang="en-US" altLang="zh-CN" dirty="0"/>
+              <a:t>LRC</a:t>
+            </a:r>
+            <a:r>
+              <a:rPr lang="zh-CN" altLang="en-US" dirty="0"/>
+              <a:t>，</a:t>
+            </a:r>
+            <a:r>
+              <a:rPr lang="en-US" altLang="zh-CN" dirty="0"/>
+              <a:t>OBS——3</a:t>
+            </a:r>
+            <a:r>
+              <a:rPr lang="zh-CN" altLang="en-US" dirty="0"/>
+              <a:t>分</a:t>
+            </a:r>
+            <a:endParaRPr lang="en-US" altLang="zh-CN" dirty="0"/>
+          </a:p>
+          <a:p>
+            <a:r>
+              <a:rPr lang="zh-CN" altLang="en-US" dirty="0"/>
+              <a:t>徐鹏部分内容的分析，风险计划</a:t>
+            </a:r>
+            <a:r>
+              <a:rPr lang="en-US" altLang="zh-CN" dirty="0"/>
+              <a:t>——3</a:t>
+            </a:r>
+            <a:r>
+              <a:rPr lang="zh-CN" altLang="en-US" dirty="0"/>
+              <a:t>分</a:t>
+            </a:r>
+            <a:endParaRPr lang="en-US" altLang="zh-CN" dirty="0"/>
+          </a:p>
+          <a:p>
+            <a:r>
+              <a:rPr lang="zh-CN" altLang="en-US" dirty="0"/>
+              <a:t>陈泓见部分内容的分析，</a:t>
+            </a:r>
+            <a:r>
+              <a:rPr lang="en-US" altLang="zh-CN" dirty="0"/>
+              <a:t>WBS——3</a:t>
+            </a:r>
+            <a:r>
+              <a:rPr lang="zh-CN" altLang="en-US" dirty="0"/>
+              <a:t>分</a:t>
+            </a:r>
+            <a:endParaRPr lang="en-US" altLang="zh-CN" dirty="0"/>
+          </a:p>
+          <a:p>
+            <a:r>
+              <a:rPr lang="zh-CN" altLang="en-US" dirty="0"/>
+              <a:t>黄栋材部分内容的分析，利益相关者，</a:t>
+            </a:r>
+            <a:r>
+              <a:rPr lang="en-US" altLang="zh-CN" dirty="0"/>
+              <a:t>ppt</a:t>
+            </a:r>
+            <a:r>
+              <a:rPr lang="zh-CN" altLang="en-US" dirty="0"/>
+              <a:t>制作</a:t>
+            </a:r>
+            <a:r>
+              <a:rPr lang="en-US" altLang="zh-CN" dirty="0"/>
+              <a:t>——3</a:t>
+            </a:r>
+            <a:r>
+              <a:rPr lang="zh-CN" altLang="en-US" dirty="0"/>
+              <a:t>分</a:t>
+            </a:r>
+          </a:p>
+        </p:txBody>
+      </p:sp>
+      <p:sp>
+        <p:nvSpPr>
+          <p:cNvPr id="4" name="标题 1">
+            <a:extLst>
+              <a:ext uri="{FF2B5EF4-FFF2-40B4-BE49-F238E27FC236}">
+                <a16:creationId xmlns:a16="http://schemas.microsoft.com/office/drawing/2014/main" id="{687C9F6B-3390-4F17-987F-35579B481624}"/>
+              </a:ext>
+            </a:extLst>
+          </p:cNvPr>
+          <p:cNvSpPr>
+            <a:spLocks noGrp="1"/>
+          </p:cNvSpPr>
+          <p:nvPr>
+            <p:ph type="title"/>
+          </p:nvPr>
+        </p:nvSpPr>
+        <p:spPr/>
+        <p:txBody>
+          <a:bodyPr/>
+          <a:lstStyle/>
+          <a:p>
+            <a:r>
+              <a:rPr lang="zh-CN" altLang="en-US" dirty="0"/>
+              <a:t>小组成员分工与评价</a:t>
+            </a:r>
+            <a:r>
+              <a:rPr lang="en-US" altLang="zh-CN" dirty="0"/>
+              <a:t>(</a:t>
+            </a:r>
+            <a:r>
+              <a:rPr lang="zh-CN" altLang="en-US" dirty="0"/>
+              <a:t>总分</a:t>
+            </a:r>
+            <a:r>
+              <a:rPr lang="en-US" altLang="zh-CN" dirty="0"/>
+              <a:t>5</a:t>
+            </a:r>
+            <a:r>
+              <a:rPr lang="zh-CN" altLang="en-US" dirty="0"/>
+              <a:t>分）</a:t>
+            </a:r>
+          </a:p>
+        </p:txBody>
+      </p:sp>
+    </p:spTree>
+    <p:extLst>
+      <p:ext uri="{BB962C8B-B14F-4D97-AF65-F5344CB8AC3E}">
+        <p14:creationId xmlns:p14="http://schemas.microsoft.com/office/powerpoint/2010/main" val="3590166229"/>
+      </p:ext>
+    </p:extLst>
+  </p:cSld>
+  <p:clrMapOvr>
+    <a:masterClrMapping/>
+  </p:clrMapOvr>
+</p:sld>
+</file>
+
+<file path=ppt/slides/slide29.xml><?xml version="1.0" encoding="utf-8"?>
+<p:sld xmlns:a="http://schemas.openxmlformats.org/drawingml/2006/main" xmlns:r="http://schemas.openxmlformats.org/officeDocument/2006/relationships" xmlns:p="http://schemas.openxmlformats.org/presentationml/2006/main">
+  <p:cSld>
+    <p:spTree>
+      <p:nvGrpSpPr>
+        <p:cNvPr id="1" name=""/>
+        <p:cNvGrpSpPr/>
+        <p:nvPr/>
+      </p:nvGrpSpPr>
+      <p:grpSpPr>
+        <a:xfrm>
+          <a:off x="0" y="0"/>
+          <a:ext cx="0" cy="0"/>
+          <a:chOff x="0" y="0"/>
+          <a:chExt cx="0" cy="0"/>
+        </a:xfrm>
+      </p:grpSpPr>
+      <p:sp>
+        <p:nvSpPr>
+          <p:cNvPr id="2" name="标题 1">
+            <a:extLst>
+              <a:ext uri="{FF2B5EF4-FFF2-40B4-BE49-F238E27FC236}">
+                <a16:creationId xmlns:a16="http://schemas.microsoft.com/office/drawing/2014/main" id="{ED323441-08DB-47ED-B39A-D13CC76884D0}"/>
+              </a:ext>
+            </a:extLst>
+          </p:cNvPr>
+          <p:cNvSpPr>
+            <a:spLocks noGrp="1"/>
+          </p:cNvSpPr>
+          <p:nvPr>
+            <p:ph type="title"/>
+          </p:nvPr>
+        </p:nvSpPr>
+        <p:spPr/>
+        <p:txBody>
+          <a:bodyPr/>
+          <a:lstStyle/>
+          <a:p>
+            <a:r>
+              <a:rPr lang="zh-CN" altLang="en-US" dirty="0"/>
+              <a:t>参考</a:t>
+            </a:r>
+          </a:p>
+        </p:txBody>
+      </p:sp>
+      <p:sp>
+        <p:nvSpPr>
+          <p:cNvPr id="3" name="内容占位符 2">
+            <a:extLst>
+              <a:ext uri="{FF2B5EF4-FFF2-40B4-BE49-F238E27FC236}">
+                <a16:creationId xmlns:a16="http://schemas.microsoft.com/office/drawing/2014/main" id="{BABB0D8F-FFBF-42DB-8916-47C3DF3675F8}"/>
+              </a:ext>
+            </a:extLst>
+          </p:cNvPr>
+          <p:cNvSpPr>
+            <a:spLocks noGrp="1"/>
+          </p:cNvSpPr>
+          <p:nvPr>
+            <p:ph idx="1"/>
+          </p:nvPr>
+        </p:nvSpPr>
+        <p:spPr/>
+        <p:txBody>
+          <a:bodyPr/>
+          <a:lstStyle/>
+          <a:p>
+            <a:r>
+              <a:rPr lang="en-US" altLang="zh-CN" dirty="0"/>
+              <a:t>GB-T 8567-2006 </a:t>
+            </a:r>
+            <a:r>
+              <a:rPr lang="zh-CN" altLang="en-US" dirty="0"/>
+              <a:t>计算机软件文档编制规范</a:t>
+            </a:r>
+            <a:endParaRPr lang="en-US" altLang="zh-CN" dirty="0"/>
+          </a:p>
+          <a:p>
+            <a:r>
+              <a:rPr lang="en-US" altLang="zh-CN" dirty="0"/>
+              <a:t>C2-PRD-</a:t>
+            </a:r>
+            <a:r>
+              <a:rPr lang="zh-CN" altLang="zh-CN" dirty="0"/>
+              <a:t>项目描述</a:t>
+            </a:r>
+            <a:r>
+              <a:rPr lang="en-US" altLang="zh-CN" dirty="0"/>
+              <a:t>-2017</a:t>
+            </a:r>
+          </a:p>
+          <a:p>
+            <a:r>
+              <a:rPr lang="en-US" altLang="zh-CN" dirty="0"/>
+              <a:t>《</a:t>
+            </a:r>
+            <a:r>
+              <a:rPr lang="zh-CN" altLang="en-US" dirty="0"/>
+              <a:t>软件项目管理</a:t>
+            </a:r>
+            <a:r>
+              <a:rPr lang="en-US" altLang="zh-CN" dirty="0"/>
+              <a:t>》</a:t>
+            </a:r>
+            <a:r>
+              <a:rPr lang="zh-CN" altLang="en-US" dirty="0"/>
+              <a:t>第五版</a:t>
+            </a:r>
+          </a:p>
+        </p:txBody>
+      </p:sp>
+    </p:spTree>
+    <p:extLst>
+      <p:ext uri="{BB962C8B-B14F-4D97-AF65-F5344CB8AC3E}">
+        <p14:creationId xmlns:p14="http://schemas.microsoft.com/office/powerpoint/2010/main" val="2898680084"/>
+      </p:ext>
+    </p:extLst>
+  </p:cSld>
+  <p:clrMapOvr>
+    <a:masterClrMapping/>
+  </p:clrMapOvr>
 </p:sld>
 </file>
 
@@ -4366,40 +7013,76 @@
           <a:lstStyle/>
           <a:p>
             <a:r>
-              <a:rPr lang="zh-CN" altLang="en-US" dirty="0" smtClean="0"/>
+              <a:rPr lang="zh-CN" altLang="en-US" dirty="0"/>
+              <a:t>引言</a:t>
+            </a:r>
+          </a:p>
+        </p:txBody>
+      </p:sp>
+      <p:sp>
+        <p:nvSpPr>
+          <p:cNvPr id="3" name="内容占位符 2"/>
+          <p:cNvSpPr>
+            <a:spLocks noGrp="1"/>
+          </p:cNvSpPr>
+          <p:nvPr>
+            <p:ph idx="1"/>
+          </p:nvPr>
+        </p:nvSpPr>
+        <p:spPr/>
+        <p:txBody>
+          <a:bodyPr/>
+          <a:lstStyle/>
+          <a:p>
+            <a:r>
+              <a:rPr lang="zh-CN" altLang="en-US" dirty="0">
+                <a:hlinkClick r:id="rId2" action="ppaction://hlinksldjump"/>
+              </a:rPr>
               <a:t>背景</a:t>
             </a:r>
-            <a:endParaRPr lang="zh-CN" altLang="en-US" dirty="0"/>
-          </a:p>
-        </p:txBody>
-      </p:sp>
-      <p:sp>
-        <p:nvSpPr>
-          <p:cNvPr id="3" name="内容占位符 2"/>
-          <p:cNvSpPr>
-            <a:spLocks noGrp="1"/>
-          </p:cNvSpPr>
-          <p:nvPr>
-            <p:ph idx="1"/>
-          </p:nvPr>
-        </p:nvSpPr>
-        <p:spPr/>
-        <p:txBody>
-          <a:bodyPr/>
-          <a:lstStyle/>
-          <a:p>
-            <a:pPr marL="0" indent="0">
-              <a:buNone/>
-            </a:pPr>
-            <a:r>
-              <a:rPr lang="zh-CN" altLang="zh-CN" dirty="0"/>
-              <a:t>为了使学生能够获得最多的资料，使学生及时的了解世界需求工程的最新动态，以及学生和教师的有效地沟通，老师提出了这么一个设想；作为他的学生也需要一个与教师及同学之间相互交流，及获取资料的平台；还有一些同学并没有选这几门课，但是也想了解项目管理，需求工程，统一建模的相关知识，以备到时决定该选不选这门课程。通过这三方提出的需求考虑，我们构思做一个软件工程教学、学习、交流的网站。</a:t>
-            </a:r>
-          </a:p>
-          <a:p>
-            <a:pPr marL="0" indent="0">
-              <a:buNone/>
-            </a:pPr>
+            <a:endParaRPr lang="en-US" altLang="zh-CN" dirty="0"/>
+          </a:p>
+          <a:p>
+            <a:r>
+              <a:rPr lang="zh-CN" altLang="en-US" dirty="0">
+                <a:hlinkClick r:id="rId3" action="ppaction://hlinksldjump"/>
+              </a:rPr>
+              <a:t>业务机遇</a:t>
+            </a:r>
+            <a:endParaRPr lang="en-US" altLang="zh-CN" dirty="0"/>
+          </a:p>
+          <a:p>
+            <a:r>
+              <a:rPr lang="zh-CN" altLang="en-US" dirty="0">
+                <a:hlinkClick r:id="rId4" action="ppaction://hlinksldjump"/>
+              </a:rPr>
+              <a:t>业务目标</a:t>
+            </a:r>
+            <a:endParaRPr lang="en-US" altLang="zh-CN" dirty="0"/>
+          </a:p>
+          <a:p>
+            <a:r>
+              <a:rPr lang="zh-CN" altLang="en-US" dirty="0"/>
+              <a:t>项目范围</a:t>
+            </a:r>
+            <a:endParaRPr lang="en-US" altLang="zh-CN" dirty="0"/>
+          </a:p>
+          <a:p>
+            <a:r>
+              <a:rPr lang="zh-CN" altLang="en-US" dirty="0">
+                <a:hlinkClick r:id="rId5" action="ppaction://hlinksldjump"/>
+              </a:rPr>
+              <a:t>项目名称</a:t>
+            </a:r>
+            <a:endParaRPr lang="en-US" altLang="zh-CN" dirty="0"/>
+          </a:p>
+          <a:p>
+            <a:r>
+              <a:rPr lang="zh-CN" altLang="en-US" dirty="0">
+                <a:hlinkClick r:id="rId6" action="ppaction://hlinksldjump"/>
+              </a:rPr>
+              <a:t>项目负责小组</a:t>
+            </a:r>
             <a:endParaRPr lang="zh-CN" altLang="en-US" dirty="0"/>
           </a:p>
         </p:txBody>
@@ -4407,20 +7090,106 @@
     </p:spTree>
     <p:extLst>
       <p:ext uri="{BB962C8B-B14F-4D97-AF65-F5344CB8AC3E}">
-        <p14:creationId xmlns:p14="http://schemas.microsoft.com/office/powerpoint/2010/main" val="4151531217"/>
+        <p14:creationId xmlns:p14="http://schemas.microsoft.com/office/powerpoint/2010/main" val="1265118235"/>
       </p:ext>
     </p:extLst>
   </p:cSld>
   <p:clrMapOvr>
     <a:masterClrMapping/>
   </p:clrMapOvr>
-  <p:timing>
-    <p:tnLst>
-      <p:par>
-        <p:cTn id="1" dur="indefinite" restart="never" nodeType="tmRoot"/>
-      </p:par>
-    </p:tnLst>
-  </p:timing>
+</p:sld>
+</file>
+
+<file path=ppt/slides/slide30.xml><?xml version="1.0" encoding="utf-8"?>
+<p:sld xmlns:a="http://schemas.openxmlformats.org/drawingml/2006/main" xmlns:r="http://schemas.openxmlformats.org/officeDocument/2006/relationships" xmlns:p="http://schemas.openxmlformats.org/presentationml/2006/main">
+  <p:cSld>
+    <p:spTree>
+      <p:nvGrpSpPr>
+        <p:cNvPr id="1" name=""/>
+        <p:cNvGrpSpPr/>
+        <p:nvPr/>
+      </p:nvGrpSpPr>
+      <p:grpSpPr>
+        <a:xfrm>
+          <a:off x="0" y="0"/>
+          <a:ext cx="0" cy="0"/>
+          <a:chOff x="0" y="0"/>
+          <a:chExt cx="0" cy="0"/>
+        </a:xfrm>
+      </p:grpSpPr>
+      <p:sp>
+        <p:nvSpPr>
+          <p:cNvPr id="2" name="标题 1">
+            <a:extLst>
+              <a:ext uri="{FF2B5EF4-FFF2-40B4-BE49-F238E27FC236}">
+                <a16:creationId xmlns:a16="http://schemas.microsoft.com/office/drawing/2014/main" id="{C7D3C3ED-4769-47B0-B236-4E905940C69E}"/>
+              </a:ext>
+            </a:extLst>
+          </p:cNvPr>
+          <p:cNvSpPr>
+            <a:spLocks noGrp="1"/>
+          </p:cNvSpPr>
+          <p:nvPr>
+            <p:ph type="title"/>
+          </p:nvPr>
+        </p:nvSpPr>
+        <p:spPr/>
+        <p:txBody>
+          <a:bodyPr/>
+          <a:lstStyle/>
+          <a:p>
+            <a:r>
+              <a:rPr lang="zh-CN" altLang="en-US" dirty="0"/>
+              <a:t>总体项目计划过程遇到的问题</a:t>
+            </a:r>
+          </a:p>
+        </p:txBody>
+      </p:sp>
+      <p:sp>
+        <p:nvSpPr>
+          <p:cNvPr id="3" name="内容占位符 2">
+            <a:extLst>
+              <a:ext uri="{FF2B5EF4-FFF2-40B4-BE49-F238E27FC236}">
+                <a16:creationId xmlns:a16="http://schemas.microsoft.com/office/drawing/2014/main" id="{D8C0D440-C119-4007-B1CB-36541250AEB3}"/>
+              </a:ext>
+            </a:extLst>
+          </p:cNvPr>
+          <p:cNvSpPr>
+            <a:spLocks noGrp="1"/>
+          </p:cNvSpPr>
+          <p:nvPr>
+            <p:ph idx="1"/>
+          </p:nvPr>
+        </p:nvSpPr>
+        <p:spPr/>
+        <p:txBody>
+          <a:bodyPr/>
+          <a:lstStyle/>
+          <a:p>
+            <a:r>
+              <a:rPr lang="zh-CN" altLang="en-US" dirty="0"/>
+              <a:t>普遍没主意</a:t>
+            </a:r>
+            <a:endParaRPr lang="en-US" altLang="zh-CN" dirty="0"/>
+          </a:p>
+          <a:p>
+            <a:r>
+              <a:rPr lang="zh-CN" altLang="en-US" dirty="0"/>
+              <a:t>任务安排时间过于紧密</a:t>
+            </a:r>
+          </a:p>
+        </p:txBody>
+      </p:sp>
+    </p:spTree>
+    <p:extLst>
+      <p:ext uri="{BB962C8B-B14F-4D97-AF65-F5344CB8AC3E}">
+        <p14:creationId xmlns:p14="http://schemas.microsoft.com/office/powerpoint/2010/main" val="1277590512"/>
+      </p:ext>
+    </p:extLst>
+  </p:cSld>
+  <p:clrMapOvr>
+    <a:masterClrMapping/>
+  </p:clrMapOvr>
 </p:sld>
 </file>
 
@@ -4457,128 +7226,53 @@
           <a:lstStyle/>
           <a:p>
             <a:r>
-              <a:rPr lang="zh-CN" altLang="en-US" dirty="0" smtClean="0"/>
-              <a:t>业务机遇</a:t>
-            </a:r>
+              <a:rPr lang="zh-CN" altLang="en-US" dirty="0"/>
+              <a:t>背景</a:t>
+            </a:r>
+          </a:p>
+        </p:txBody>
+      </p:sp>
+      <p:sp>
+        <p:nvSpPr>
+          <p:cNvPr id="3" name="内容占位符 2"/>
+          <p:cNvSpPr>
+            <a:spLocks noGrp="1"/>
+          </p:cNvSpPr>
+          <p:nvPr>
+            <p:ph idx="1"/>
+          </p:nvPr>
+        </p:nvSpPr>
+        <p:spPr/>
+        <p:txBody>
+          <a:bodyPr/>
+          <a:lstStyle/>
+          <a:p>
+            <a:pPr marL="0" indent="0">
+              <a:buNone/>
+            </a:pPr>
+            <a:r>
+              <a:rPr lang="zh-CN" altLang="zh-CN" dirty="0"/>
+              <a:t>为了使学生能够获得最多的资料，使学生及时的了解世界需求工程的最新动态，以及学生和教师的有效地沟通，老师提出了这么一个设想；作为他的学生也需要一个与教师及同学之间相互交流，及获取资料的平台；还有一些同学并没有选这几门课，但是也想了解项目管理，需求工程，统一建模的相关知识，以备到时决定该选不选这门课程。通过这三方提出的需求考虑，我们构思做一个软件工程教学、学习、交流的网站。</a:t>
+            </a:r>
+          </a:p>
+          <a:p>
+            <a:pPr marL="0" indent="0">
+              <a:buNone/>
+            </a:pPr>
             <a:endParaRPr lang="zh-CN" altLang="en-US" dirty="0"/>
-          </a:p>
-        </p:txBody>
-      </p:sp>
-      <p:sp>
-        <p:nvSpPr>
-          <p:cNvPr id="3" name="内容占位符 2"/>
-          <p:cNvSpPr>
-            <a:spLocks noGrp="1"/>
-          </p:cNvSpPr>
-          <p:nvPr>
-            <p:ph idx="1"/>
-          </p:nvPr>
-        </p:nvSpPr>
-        <p:spPr/>
-        <p:txBody>
-          <a:bodyPr>
-            <a:normAutofit fontScale="85000" lnSpcReduction="20000"/>
-          </a:bodyPr>
-          <a:lstStyle/>
-          <a:p>
-            <a:r>
-              <a:rPr lang="en-US" altLang="zh-CN" dirty="0"/>
-              <a:t>21</a:t>
-            </a:r>
-            <a:r>
-              <a:rPr lang="zh-CN" altLang="zh-CN" dirty="0"/>
-              <a:t>世纪是以网络的全面深入运用为特征的世纪。网络环境下的教育不仅是教育信息化的必然产物，也是教育改革发展的必然走向。通过因特网或其他数字化内容进行学习交流与教学的活动即网络化学习（</a:t>
-            </a:r>
-            <a:r>
-              <a:rPr lang="en-US" altLang="zh-CN" dirty="0"/>
-              <a:t>e-learning</a:t>
-            </a:r>
-            <a:r>
-              <a:rPr lang="zh-CN" altLang="zh-CN" dirty="0"/>
-              <a:t>），可以充分利用现代信息技术所提供的、具有全新沟通机制与丰富资源的学习环境，实现一种全新的学习交流方式；这种学习交流方式将改变传统教学中教师的作用和师生之间的关系，从而根本改变教学结构和教育本质</a:t>
-            </a:r>
-            <a:r>
-              <a:rPr lang="en-US" altLang="zh-CN" dirty="0"/>
-              <a:t>[1]</a:t>
-            </a:r>
-            <a:r>
-              <a:rPr lang="zh-CN" altLang="zh-CN" dirty="0"/>
-              <a:t>。美国教育部</a:t>
-            </a:r>
-            <a:r>
-              <a:rPr lang="en-US" altLang="zh-CN" dirty="0"/>
-              <a:t>2000</a:t>
-            </a:r>
-            <a:r>
-              <a:rPr lang="zh-CN" altLang="zh-CN" dirty="0"/>
-              <a:t>年</a:t>
-            </a:r>
-            <a:r>
-              <a:rPr lang="en-US" altLang="zh-CN" dirty="0"/>
-              <a:t>12</a:t>
-            </a:r>
-            <a:r>
-              <a:rPr lang="zh-CN" altLang="zh-CN" dirty="0"/>
-              <a:t>月向国会递交的</a:t>
-            </a:r>
-            <a:r>
-              <a:rPr lang="en-US" altLang="zh-CN" dirty="0"/>
-              <a:t>"</a:t>
-            </a:r>
-            <a:r>
-              <a:rPr lang="zh-CN" altLang="zh-CN" dirty="0"/>
-              <a:t>国家教育技术计划</a:t>
-            </a:r>
-            <a:r>
-              <a:rPr lang="en-US" altLang="zh-CN" dirty="0"/>
-              <a:t>"</a:t>
-            </a:r>
-            <a:r>
-              <a:rPr lang="zh-CN" altLang="zh-CN" dirty="0"/>
-              <a:t>中打算以网络化学习作为提高年青一代</a:t>
-            </a:r>
-            <a:r>
-              <a:rPr lang="en-US" altLang="zh-CN" dirty="0"/>
-              <a:t>"21</a:t>
-            </a:r>
-            <a:r>
-              <a:rPr lang="zh-CN" altLang="zh-CN" dirty="0"/>
-              <a:t>世纪能力素质</a:t>
-            </a:r>
-            <a:r>
-              <a:rPr lang="en-US" altLang="zh-CN" dirty="0"/>
-              <a:t>"</a:t>
-            </a:r>
-            <a:r>
-              <a:rPr lang="zh-CN" altLang="zh-CN" dirty="0"/>
-              <a:t>的根本措施。技术的教育应用成为教育改革和人才培养的重要途径之一。</a:t>
-            </a:r>
-          </a:p>
-          <a:p>
-            <a:r>
-              <a:rPr lang="zh-CN" altLang="zh-CN" dirty="0"/>
-              <a:t>在这一大背景下教学、学习、交流网站应运而生。超文本特性可实现对教学信息最有效的组织与管理。网络化的学习有利于充分实现交互与共享，有利于激发学生的学习兴趣和充分体现学习主体作用，有利于培养学习者的信息素养和信息能力。另一方面教师利用教学、学习、交流网站可以充分发挥网络特性，对学生，教学进行更为有效的管理，同时也有了更为便利的信息发布手段。</a:t>
-            </a:r>
           </a:p>
         </p:txBody>
       </p:sp>
     </p:spTree>
     <p:extLst>
       <p:ext uri="{BB962C8B-B14F-4D97-AF65-F5344CB8AC3E}">
-        <p14:creationId xmlns:p14="http://schemas.microsoft.com/office/powerpoint/2010/main" val="2177991382"/>
+        <p14:creationId xmlns:p14="http://schemas.microsoft.com/office/powerpoint/2010/main" val="4151531217"/>
       </p:ext>
     </p:extLst>
   </p:cSld>
   <p:clrMapOvr>
     <a:masterClrMapping/>
   </p:clrMapOvr>
-  <p:timing>
-    <p:tnLst>
-      <p:par>
-        <p:cTn id="1" dur="indefinite" restart="never" nodeType="tmRoot"/>
-      </p:par>
-    </p:tnLst>
-  </p:timing>
 </p:sld>
 </file>
 
@@ -4615,10 +7309,9 @@
           <a:lstStyle/>
           <a:p>
             <a:r>
-              <a:rPr lang="zh-CN" altLang="en-US" dirty="0" smtClean="0"/>
-              <a:t>业务目标</a:t>
-            </a:r>
-            <a:endParaRPr lang="zh-CN" altLang="en-US" dirty="0"/>
+              <a:rPr lang="zh-CN" altLang="en-US" dirty="0"/>
+              <a:t>业务机遇</a:t>
+            </a:r>
           </a:p>
         </p:txBody>
       </p:sp>
@@ -4634,20 +7327,88 @@
         </p:nvSpPr>
         <p:spPr/>
         <p:txBody>
-          <a:bodyPr/>
-          <a:lstStyle/>
-          <a:p>
-            <a:r>
-              <a:rPr lang="zh-CN" altLang="zh-CN" dirty="0" smtClean="0"/>
-              <a:t>虽然如今有很多教学网站，但是专门针对一门新开的大学课程和一位专门的教师；又为学生之间提供交流平台的网站为数不多。这个</a:t>
-            </a:r>
-            <a:r>
-              <a:rPr lang="zh-CN" altLang="zh-CN" dirty="0"/>
-              <a:t>网站作为一个开课的辅助工具，将有利于教师的教学和学生的学习；也为软件工程系列课程的成熟记录下足迹</a:t>
-            </a:r>
-            <a:r>
-              <a:rPr lang="zh-CN" altLang="zh-CN" dirty="0" smtClean="0"/>
-              <a:t>。</a:t>
+          <a:bodyPr>
+            <a:normAutofit fontScale="92500"/>
+          </a:bodyPr>
+          <a:lstStyle/>
+          <a:p>
+            <a:r>
+              <a:rPr lang="en-US" altLang="zh-CN" sz="2400" dirty="0"/>
+              <a:t>21</a:t>
+            </a:r>
+            <a:r>
+              <a:rPr lang="zh-CN" altLang="zh-CN" sz="2400" dirty="0"/>
+              <a:t>世纪是以网络的全面深入运用为特征的世纪。网络环境下的教育不仅是教育信息化的必然产物，也是教育改革发展的必然走向。通过因特网或其他数字化内容进行学习交流与教学的活动即网络化学习（</a:t>
+            </a:r>
+            <a:r>
+              <a:rPr lang="en-US" altLang="zh-CN" sz="2400" dirty="0"/>
+              <a:t>e-learning</a:t>
+            </a:r>
+            <a:r>
+              <a:rPr lang="zh-CN" altLang="zh-CN" sz="2400" dirty="0"/>
+              <a:t>），可以充分利用现代信息技术所提供的、具有全新沟通机制与丰富资源的学习环境，实现一种全新的学习交流方式；这种学习交流方式将改变传统教学中教师的作用和师生之间的关系，从而根本改变教学结构和教育本质</a:t>
+            </a:r>
+            <a:r>
+              <a:rPr lang="en-US" altLang="zh-CN" sz="2400" dirty="0"/>
+              <a:t>[1]</a:t>
+            </a:r>
+            <a:r>
+              <a:rPr lang="zh-CN" altLang="zh-CN" sz="2400" dirty="0"/>
+              <a:t>。美国教育部</a:t>
+            </a:r>
+            <a:r>
+              <a:rPr lang="en-US" altLang="zh-CN" sz="2400" dirty="0"/>
+              <a:t>2000</a:t>
+            </a:r>
+            <a:r>
+              <a:rPr lang="zh-CN" altLang="zh-CN" sz="2400" dirty="0"/>
+              <a:t>年</a:t>
+            </a:r>
+            <a:r>
+              <a:rPr lang="en-US" altLang="zh-CN" sz="2400" dirty="0"/>
+              <a:t>12</a:t>
+            </a:r>
+            <a:r>
+              <a:rPr lang="zh-CN" altLang="zh-CN" sz="2400" dirty="0"/>
+              <a:t>月向国会递交的</a:t>
+            </a:r>
+            <a:r>
+              <a:rPr lang="en-US" altLang="zh-CN" sz="2400" dirty="0"/>
+              <a:t>"</a:t>
+            </a:r>
+            <a:r>
+              <a:rPr lang="zh-CN" altLang="zh-CN" sz="2400" dirty="0"/>
+              <a:t>国家教育技术计划</a:t>
+            </a:r>
+            <a:r>
+              <a:rPr lang="en-US" altLang="zh-CN" sz="2400" dirty="0"/>
+              <a:t>"</a:t>
+            </a:r>
+            <a:r>
+              <a:rPr lang="zh-CN" altLang="zh-CN" sz="2400" dirty="0"/>
+              <a:t>中打算以网络化学习作为提高年青一代</a:t>
+            </a:r>
+            <a:r>
+              <a:rPr lang="en-US" altLang="zh-CN" sz="2400" dirty="0"/>
+              <a:t>"21</a:t>
+            </a:r>
+            <a:r>
+              <a:rPr lang="zh-CN" altLang="zh-CN" sz="2400" dirty="0"/>
+              <a:t>世纪能力素质</a:t>
+            </a:r>
+            <a:r>
+              <a:rPr lang="en-US" altLang="zh-CN" sz="2400" dirty="0"/>
+              <a:t>"</a:t>
+            </a:r>
+            <a:r>
+              <a:rPr lang="zh-CN" altLang="zh-CN" sz="2400" dirty="0"/>
+              <a:t>的根本措施。技术的教育应用成为教育改革和人才培养的重要途径之一。</a:t>
+            </a:r>
+          </a:p>
+          <a:p>
+            <a:r>
+              <a:rPr lang="zh-CN" altLang="zh-CN" sz="2400" dirty="0"/>
+              <a:t>在这一大背景下教学、学习、交流网站应运而生。超文本特性可实现对教学信息最有效的组织与管理。网络化的学习有利于充分实现交互与共享，有利于激发学生的学习兴趣和充分体现学习主体作用，有利于培养学习者的信息素养和信息能力。另一方面教师利用教学、学习、交流网站可以充分发挥网络特性，对学生，教学进行更为有效的管理，同时也有了更为便利的信息发布手段。</a:t>
             </a:r>
           </a:p>
         </p:txBody>
@@ -4655,20 +7416,13 @@
     </p:spTree>
     <p:extLst>
       <p:ext uri="{BB962C8B-B14F-4D97-AF65-F5344CB8AC3E}">
-        <p14:creationId xmlns:p14="http://schemas.microsoft.com/office/powerpoint/2010/main" val="671015404"/>
+        <p14:creationId xmlns:p14="http://schemas.microsoft.com/office/powerpoint/2010/main" val="2177991382"/>
       </p:ext>
     </p:extLst>
   </p:cSld>
   <p:clrMapOvr>
     <a:masterClrMapping/>
   </p:clrMapOvr>
-  <p:timing>
-    <p:tnLst>
-      <p:par>
-        <p:cTn id="1" dur="indefinite" restart="never" nodeType="tmRoot"/>
-      </p:par>
-    </p:tnLst>
-  </p:timing>
 </p:sld>
 </file>
 
@@ -4705,10 +7459,9 @@
           <a:lstStyle/>
           <a:p>
             <a:r>
-              <a:rPr lang="zh-CN" altLang="en-US" dirty="0" smtClean="0"/>
-              <a:t>项目名称</a:t>
-            </a:r>
-            <a:endParaRPr lang="zh-CN" altLang="en-US" dirty="0"/>
+              <a:rPr lang="zh-CN" altLang="en-US" dirty="0"/>
+              <a:t>业务目标</a:t>
+            </a:r>
           </a:p>
         </p:txBody>
       </p:sp>
@@ -4729,33 +7482,21 @@
           <a:p>
             <a:r>
               <a:rPr lang="zh-CN" altLang="zh-CN" dirty="0"/>
-              <a:t>软件工程系列课程教学辅助</a:t>
-            </a:r>
-            <a:r>
-              <a:rPr lang="zh-CN" altLang="zh-CN" dirty="0" smtClean="0"/>
-              <a:t>网站</a:t>
-            </a:r>
-            <a:endParaRPr lang="zh-CN" altLang="zh-CN" dirty="0"/>
+              <a:t>虽然如今有很多教学网站，但是专门针对一门新开的大学课程和一位专门的教师；又为学生之间提供交流平台的网站为数不多。这个网站作为一个开课的辅助工具，将有利于教师的教学和学生的学习；也为软件工程系列课程的成熟记录下足迹。</a:t>
+            </a:r>
           </a:p>
         </p:txBody>
       </p:sp>
     </p:spTree>
     <p:extLst>
       <p:ext uri="{BB962C8B-B14F-4D97-AF65-F5344CB8AC3E}">
-        <p14:creationId xmlns:p14="http://schemas.microsoft.com/office/powerpoint/2010/main" val="2185945724"/>
+        <p14:creationId xmlns:p14="http://schemas.microsoft.com/office/powerpoint/2010/main" val="671015404"/>
       </p:ext>
     </p:extLst>
   </p:cSld>
   <p:clrMapOvr>
     <a:masterClrMapping/>
   </p:clrMapOvr>
-  <p:timing>
-    <p:tnLst>
-      <p:par>
-        <p:cTn id="1" dur="indefinite" restart="never" nodeType="tmRoot"/>
-      </p:par>
-    </p:tnLst>
-  </p:timing>
 </p:sld>
 </file>
 
@@ -4778,7 +7519,13 @@
       </p:grpSpPr>
       <p:sp>
         <p:nvSpPr>
-          <p:cNvPr id="2" name="标题 1"/>
+          <p:cNvPr id="2" name="标题 1">
+            <a:extLst>
+              <a:ext uri="{FF2B5EF4-FFF2-40B4-BE49-F238E27FC236}">
+                <a16:creationId xmlns:a16="http://schemas.microsoft.com/office/drawing/2014/main" id="{25939283-4EA9-4651-BAED-597A5E725563}"/>
+              </a:ext>
+            </a:extLst>
+          </p:cNvPr>
           <p:cNvSpPr>
             <a:spLocks noGrp="1"/>
           </p:cNvSpPr>
@@ -4792,53 +7539,69 @@
           <a:lstStyle/>
           <a:p>
             <a:r>
-              <a:rPr lang="zh-CN" altLang="en-US" dirty="0" smtClean="0"/>
-              <a:t>项目负责小组</a:t>
-            </a:r>
+              <a:rPr lang="zh-CN" altLang="en-US" dirty="0"/>
+              <a:t>项目范围</a:t>
+            </a:r>
+          </a:p>
+        </p:txBody>
+      </p:sp>
+      <p:sp>
+        <p:nvSpPr>
+          <p:cNvPr id="3" name="内容占位符 2">
+            <a:extLst>
+              <a:ext uri="{FF2B5EF4-FFF2-40B4-BE49-F238E27FC236}">
+                <a16:creationId xmlns:a16="http://schemas.microsoft.com/office/drawing/2014/main" id="{01A92CC7-98EA-4679-AC7A-C514A4A3BB63}"/>
+              </a:ext>
+            </a:extLst>
+          </p:cNvPr>
+          <p:cNvSpPr>
+            <a:spLocks noGrp="1"/>
+          </p:cNvSpPr>
+          <p:nvPr>
+            <p:ph idx="1"/>
+          </p:nvPr>
+        </p:nvSpPr>
+        <p:spPr/>
+        <p:txBody>
+          <a:bodyPr/>
+          <a:lstStyle/>
+          <a:p>
+            <a:r>
+              <a:rPr lang="zh-CN" altLang="zh-CN" dirty="0"/>
+              <a:t>完成软件工程系列课程教学辅助网站的研发、交付、维护等一系列相关过程。项目工程中主要产生的文档有《项目可行性报告》；《项目章程》；《项目总体计划》；《需求工程计划</a:t>
+            </a:r>
+            <a:r>
+              <a:rPr lang="en-US" altLang="zh-CN" dirty="0"/>
+              <a:t>-</a:t>
+            </a:r>
+            <a:r>
+              <a:rPr lang="zh-CN" altLang="zh-CN" dirty="0"/>
+              <a:t>初步》；《</a:t>
+            </a:r>
+            <a:r>
+              <a:rPr lang="en-US" altLang="zh-CN" dirty="0"/>
+              <a:t>QA</a:t>
+            </a:r>
+            <a:r>
+              <a:rPr lang="zh-CN" altLang="zh-CN" dirty="0"/>
+              <a:t>计划》；《需求工程计划》；《软件需求规格说明书》；《软件需求变更文档》；《系统设计与实现计划》；《软件概要设计说明》；《测试计划》；《安装部署计划》；《培训计划》；《系统维护计划》；《项目总结报告》。</a:t>
+            </a:r>
+          </a:p>
+          <a:p>
             <a:endParaRPr lang="zh-CN" altLang="en-US" dirty="0"/>
-          </a:p>
-        </p:txBody>
-      </p:sp>
-      <p:sp>
-        <p:nvSpPr>
-          <p:cNvPr id="3" name="内容占位符 2"/>
-          <p:cNvSpPr>
-            <a:spLocks noGrp="1"/>
-          </p:cNvSpPr>
-          <p:nvPr>
-            <p:ph idx="1"/>
-          </p:nvPr>
-        </p:nvSpPr>
-        <p:spPr/>
-        <p:txBody>
-          <a:bodyPr/>
-          <a:lstStyle/>
-          <a:p>
-            <a:r>
-              <a:rPr lang="en-US" altLang="zh-CN" dirty="0"/>
-              <a:t>PRD-2017-G24</a:t>
-            </a:r>
-            <a:endParaRPr lang="zh-CN" altLang="zh-CN" dirty="0"/>
           </a:p>
         </p:txBody>
       </p:sp>
     </p:spTree>
     <p:extLst>
       <p:ext uri="{BB962C8B-B14F-4D97-AF65-F5344CB8AC3E}">
-        <p14:creationId xmlns:p14="http://schemas.microsoft.com/office/powerpoint/2010/main" val="1384748916"/>
+        <p14:creationId xmlns:p14="http://schemas.microsoft.com/office/powerpoint/2010/main" val="1838172177"/>
       </p:ext>
     </p:extLst>
   </p:cSld>
   <p:clrMapOvr>
     <a:masterClrMapping/>
   </p:clrMapOvr>
-  <p:timing>
-    <p:tnLst>
-      <p:par>
-        <p:cTn id="1" dur="indefinite" restart="never" nodeType="tmRoot"/>
-      </p:par>
-    </p:tnLst>
-  </p:timing>
 </p:sld>
 </file>
 
@@ -4875,10 +7638,9 @@
           <a:lstStyle/>
           <a:p>
             <a:r>
-              <a:rPr lang="zh-CN" altLang="en-US" dirty="0" smtClean="0"/>
-              <a:t>参考资料</a:t>
-            </a:r>
-            <a:endParaRPr lang="zh-CN" altLang="en-US" dirty="0"/>
+              <a:rPr lang="zh-CN" altLang="en-US" dirty="0"/>
+              <a:t>项目名称</a:t>
+            </a:r>
           </a:p>
         </p:txBody>
       </p:sp>
@@ -4898,68 +7660,22 @@
           <a:lstStyle/>
           <a:p>
             <a:r>
-              <a:rPr lang="en-US" altLang="zh-CN" u="sng" dirty="0">
-                <a:hlinkClick r:id="rId2"/>
-              </a:rPr>
-              <a:t>http://bb.zucc.edu.cn</a:t>
-            </a:r>
-            <a:r>
               <a:rPr lang="zh-CN" altLang="zh-CN" dirty="0"/>
-              <a:t>网站</a:t>
-            </a:r>
-          </a:p>
-          <a:p>
-            <a:r>
-              <a:rPr lang="en-US" altLang="zh-CN" u="sng" dirty="0">
-                <a:hlinkClick r:id="rId3"/>
-              </a:rPr>
-              <a:t>C2-PRD-项目描述-2017.doc</a:t>
-            </a:r>
-            <a:r>
-              <a:rPr lang="zh-CN" altLang="zh-CN" dirty="0"/>
-              <a:t>文档</a:t>
-            </a:r>
-          </a:p>
-          <a:p>
-            <a:r>
-              <a:rPr lang="en-US" altLang="zh-CN" u="sng" dirty="0">
-                <a:hlinkClick r:id="rId4"/>
-              </a:rPr>
-              <a:t>GB-T 8567-2006 </a:t>
-            </a:r>
-            <a:r>
-              <a:rPr lang="en-US" altLang="zh-CN" u="sng" dirty="0" err="1" smtClean="0">
-                <a:hlinkClick r:id="rId4"/>
-              </a:rPr>
-              <a:t>计算机软件文档编制规范</a:t>
-            </a:r>
-            <a:endParaRPr lang="zh-CN" altLang="zh-CN" dirty="0"/>
-          </a:p>
-          <a:p>
-            <a:pPr marL="0" indent="0">
-              <a:buNone/>
-            </a:pPr>
-            <a:endParaRPr lang="zh-CN" altLang="en-US" dirty="0"/>
+              <a:t>软件工程系列课程教学辅助网站</a:t>
+            </a:r>
           </a:p>
         </p:txBody>
       </p:sp>
     </p:spTree>
     <p:extLst>
       <p:ext uri="{BB962C8B-B14F-4D97-AF65-F5344CB8AC3E}">
-        <p14:creationId xmlns:p14="http://schemas.microsoft.com/office/powerpoint/2010/main" val="2815829399"/>
+        <p14:creationId xmlns:p14="http://schemas.microsoft.com/office/powerpoint/2010/main" val="2185945724"/>
       </p:ext>
     </p:extLst>
   </p:cSld>
   <p:clrMapOvr>
     <a:masterClrMapping/>
   </p:clrMapOvr>
-  <p:timing>
-    <p:tnLst>
-      <p:par>
-        <p:cTn id="1" dur="indefinite" restart="never" nodeType="tmRoot"/>
-      </p:par>
-    </p:tnLst>
-  </p:timing>
 </p:sld>
 </file>
 
@@ -4996,10 +7712,9 @@
           <a:lstStyle/>
           <a:p>
             <a:r>
-              <a:rPr lang="zh-CN" altLang="en-US" dirty="0" smtClean="0"/>
-              <a:t>项目概述</a:t>
-            </a:r>
-            <a:endParaRPr lang="zh-CN" altLang="en-US" dirty="0"/>
+              <a:rPr lang="zh-CN" altLang="en-US" dirty="0"/>
+              <a:t>项目负责小组</a:t>
+            </a:r>
           </a:p>
         </p:txBody>
       </p:sp>
@@ -5019,59 +7734,23 @@
           <a:lstStyle/>
           <a:p>
             <a:r>
-              <a:rPr lang="zh-CN" altLang="en-US" dirty="0" smtClean="0">
-                <a:hlinkClick r:id="rId2" action="ppaction://hlinksldjump"/>
-              </a:rPr>
-              <a:t>项目目标</a:t>
-            </a:r>
-            <a:endParaRPr lang="en-US" altLang="zh-CN" dirty="0" smtClean="0"/>
-          </a:p>
-          <a:p>
-            <a:r>
-              <a:rPr lang="zh-CN" altLang="en-US" dirty="0" smtClean="0">
-                <a:hlinkClick r:id="rId2" action="ppaction://hlinksldjump"/>
-              </a:rPr>
-              <a:t>项目所需软件</a:t>
-            </a:r>
-            <a:endParaRPr lang="en-US" altLang="zh-CN" dirty="0" smtClean="0"/>
-          </a:p>
-          <a:p>
-            <a:r>
-              <a:rPr lang="zh-CN" altLang="en-US" dirty="0" smtClean="0">
-                <a:hlinkClick r:id="rId3" action="ppaction://hlinksldjump"/>
-              </a:rPr>
-              <a:t>系统运行环境</a:t>
-            </a:r>
-            <a:endParaRPr lang="en-US" altLang="zh-CN" dirty="0" smtClean="0"/>
-          </a:p>
-          <a:p>
-            <a:r>
-              <a:rPr lang="zh-CN" altLang="en-US" dirty="0" smtClean="0">
-                <a:hlinkClick r:id="rId4" action="ppaction://hlinksldjump"/>
-              </a:rPr>
-              <a:t>项目人员及分工</a:t>
-            </a:r>
-            <a:endParaRPr lang="zh-CN" altLang="en-US" dirty="0"/>
+              <a:rPr lang="en-US" altLang="zh-CN" dirty="0"/>
+              <a:t>PRD-2017-G24</a:t>
+            </a:r>
+            <a:endParaRPr lang="zh-CN" altLang="zh-CN" dirty="0"/>
           </a:p>
         </p:txBody>
       </p:sp>
     </p:spTree>
     <p:extLst>
       <p:ext uri="{BB962C8B-B14F-4D97-AF65-F5344CB8AC3E}">
-        <p14:creationId xmlns:p14="http://schemas.microsoft.com/office/powerpoint/2010/main" val="1809082455"/>
+        <p14:creationId xmlns:p14="http://schemas.microsoft.com/office/powerpoint/2010/main" val="1384748916"/>
       </p:ext>
     </p:extLst>
   </p:cSld>
   <p:clrMapOvr>
     <a:masterClrMapping/>
   </p:clrMapOvr>
-  <p:timing>
-    <p:tnLst>
-      <p:par>
-        <p:cTn id="1" dur="indefinite" restart="never" nodeType="tmRoot"/>
-      </p:par>
-    </p:tnLst>
-  </p:timing>
 </p:sld>
 </file>
 

--- a/PRD-2017-G24/STW/受控文件/分析设计/项目总体计划/总体项目计划.pptx
+++ b/PRD-2017-G24/STW/受控文件/分析设计/项目总体计划/总体项目计划.pptx
@@ -32,9 +32,10 @@
     <p:sldId id="271" r:id="rId26"/>
     <p:sldId id="274" r:id="rId27"/>
     <p:sldId id="272" r:id="rId28"/>
-    <p:sldId id="283" r:id="rId29"/>
-    <p:sldId id="284" r:id="rId30"/>
-    <p:sldId id="285" r:id="rId31"/>
+    <p:sldId id="286" r:id="rId29"/>
+    <p:sldId id="283" r:id="rId30"/>
+    <p:sldId id="284" r:id="rId31"/>
+    <p:sldId id="285" r:id="rId32"/>
   </p:sldIdLst>
   <p:sldSz cx="12192000" cy="6858000"/>
   <p:notesSz cx="6858000" cy="9144000"/>
@@ -6674,10 +6675,39 @@
       </p:grpSpPr>
       <p:sp>
         <p:nvSpPr>
+          <p:cNvPr id="2" name="标题 1">
+            <a:extLst>
+              <a:ext uri="{FF2B5EF4-FFF2-40B4-BE49-F238E27FC236}">
+                <a16:creationId xmlns:a16="http://schemas.microsoft.com/office/drawing/2014/main" id="{D154E793-F20C-487C-B5F7-91679284499C}"/>
+              </a:ext>
+            </a:extLst>
+          </p:cNvPr>
+          <p:cNvSpPr>
+            <a:spLocks noGrp="1"/>
+          </p:cNvSpPr>
+          <p:nvPr>
+            <p:ph type="title"/>
+          </p:nvPr>
+        </p:nvSpPr>
+        <p:spPr/>
+        <p:txBody>
+          <a:bodyPr/>
+          <a:lstStyle/>
+          <a:p>
+            <a:r>
+              <a:rPr lang="zh-CN" altLang="zh-CN" dirty="0"/>
+              <a:t>配置系统管理指南</a:t>
+            </a:r>
+            <a:endParaRPr lang="zh-CN" altLang="en-US" dirty="0"/>
+          </a:p>
+        </p:txBody>
+      </p:sp>
+      <p:sp>
+        <p:nvSpPr>
           <p:cNvPr id="3" name="内容占位符 2">
             <a:extLst>
               <a:ext uri="{FF2B5EF4-FFF2-40B4-BE49-F238E27FC236}">
-                <a16:creationId xmlns:a16="http://schemas.microsoft.com/office/drawing/2014/main" id="{47EAB21E-0A67-477D-9130-B242DC4B6825}"/>
+                <a16:creationId xmlns:a16="http://schemas.microsoft.com/office/drawing/2014/main" id="{B0F66710-22FD-4AA5-897E-B616473AC3B7}"/>
               </a:ext>
             </a:extLst>
           </p:cNvPr>
@@ -6695,159 +6725,88 @@
           <a:p>
             <a:r>
               <a:rPr lang="zh-CN" altLang="en-US" dirty="0"/>
-              <a:t>童威男（负责人），</a:t>
+              <a:t>配置标识</a:t>
             </a:r>
             <a:r>
               <a:rPr lang="en-US" altLang="zh-CN" dirty="0"/>
-              <a:t>ppt</a:t>
+              <a:t>——</a:t>
             </a:r>
             <a:r>
               <a:rPr lang="zh-CN" altLang="en-US" dirty="0"/>
-              <a:t>修改，</a:t>
+              <a:t>由项目经理发布</a:t>
+            </a:r>
+            <a:r>
+              <a:rPr lang="zh-CN" altLang="zh-CN" dirty="0"/>
+              <a:t>标识</a:t>
+            </a:r>
+            <a:endParaRPr lang="en-US" altLang="zh-CN" dirty="0"/>
+          </a:p>
+          <a:p>
+            <a:r>
+              <a:rPr lang="zh-CN" altLang="zh-CN" dirty="0"/>
+              <a:t>版本管理</a:t>
             </a:r>
             <a:r>
               <a:rPr lang="en-US" altLang="zh-CN" dirty="0"/>
-              <a:t>word</a:t>
+              <a:t>——git</a:t>
             </a:r>
             <a:r>
               <a:rPr lang="zh-CN" altLang="en-US" dirty="0"/>
-              <a:t>制作</a:t>
+              <a:t>管理员完成相关工作</a:t>
+            </a:r>
+            <a:endParaRPr lang="en-US" altLang="zh-CN" dirty="0"/>
+          </a:p>
+          <a:p>
+            <a:r>
+              <a:rPr lang="zh-CN" altLang="zh-CN" dirty="0"/>
+              <a:t>变更控制</a:t>
             </a:r>
             <a:r>
               <a:rPr lang="en-US" altLang="zh-CN" dirty="0"/>
-              <a:t>——4</a:t>
+              <a:t>——</a:t>
             </a:r>
             <a:r>
               <a:rPr lang="zh-CN" altLang="en-US" dirty="0"/>
-              <a:t>分</a:t>
+              <a:t>小问题微信聊，大问题在文档里写上修改记录</a:t>
             </a:r>
             <a:endParaRPr lang="en-US" altLang="zh-CN" dirty="0"/>
           </a:p>
           <a:p>
             <a:r>
+              <a:rPr lang="zh-CN" altLang="zh-CN" dirty="0"/>
+              <a:t>配置状态报告</a:t>
+            </a:r>
+            <a:r>
+              <a:rPr lang="en-US" altLang="zh-CN" dirty="0"/>
+              <a:t>——</a:t>
+            </a:r>
+            <a:r>
               <a:rPr lang="zh-CN" altLang="en-US" dirty="0"/>
-              <a:t>冯涛部分内容的分析，</a:t>
+              <a:t>每周三发送最新状态，周三周四停更</a:t>
+            </a:r>
+            <a:endParaRPr lang="en-US" altLang="zh-CN" dirty="0"/>
+          </a:p>
+          <a:p>
+            <a:r>
+              <a:rPr lang="zh-CN" altLang="zh-CN" dirty="0"/>
+              <a:t>配置审核</a:t>
             </a:r>
             <a:r>
               <a:rPr lang="en-US" altLang="zh-CN" dirty="0"/>
-              <a:t>LRC</a:t>
-            </a:r>
-            <a:r>
-              <a:rPr lang="zh-CN" altLang="en-US" dirty="0"/>
-              <a:t>，</a:t>
-            </a:r>
-            <a:r>
-              <a:rPr lang="en-US" altLang="zh-CN" dirty="0"/>
-              <a:t>OBS——3</a:t>
-            </a:r>
-            <a:r>
-              <a:rPr lang="zh-CN" altLang="en-US" dirty="0"/>
-              <a:t>分</a:t>
-            </a:r>
-            <a:endParaRPr lang="en-US" altLang="zh-CN" dirty="0"/>
-          </a:p>
-          <a:p>
-            <a:r>
-              <a:rPr lang="zh-CN" altLang="en-US" dirty="0"/>
-              <a:t>徐鹏部分内容的分析，风险计划</a:t>
-            </a:r>
-            <a:r>
-              <a:rPr lang="en-US" altLang="zh-CN" dirty="0"/>
-              <a:t>——3</a:t>
-            </a:r>
-            <a:r>
-              <a:rPr lang="zh-CN" altLang="en-US" dirty="0"/>
-              <a:t>分</a:t>
-            </a:r>
-            <a:endParaRPr lang="en-US" altLang="zh-CN" dirty="0"/>
-          </a:p>
-          <a:p>
-            <a:r>
-              <a:rPr lang="zh-CN" altLang="en-US" dirty="0"/>
-              <a:t>陈泓见部分内容的分析，</a:t>
-            </a:r>
-            <a:r>
-              <a:rPr lang="en-US" altLang="zh-CN" dirty="0"/>
-              <a:t>WBS——3</a:t>
-            </a:r>
-            <a:r>
-              <a:rPr lang="zh-CN" altLang="en-US" dirty="0"/>
-              <a:t>分</a:t>
-            </a:r>
-            <a:endParaRPr lang="en-US" altLang="zh-CN" dirty="0"/>
-          </a:p>
-          <a:p>
-            <a:r>
-              <a:rPr lang="zh-CN" altLang="en-US" dirty="0"/>
-              <a:t>黄栋材部分内容的分析，利益相关者，</a:t>
-            </a:r>
-            <a:r>
-              <a:rPr lang="en-US" altLang="zh-CN" dirty="0"/>
-              <a:t>ppt</a:t>
-            </a:r>
-            <a:r>
-              <a:rPr lang="zh-CN" altLang="en-US" dirty="0"/>
-              <a:t>制作</a:t>
-            </a:r>
-            <a:r>
-              <a:rPr lang="en-US" altLang="zh-CN" dirty="0"/>
-              <a:t>——3</a:t>
-            </a:r>
-            <a:r>
-              <a:rPr lang="zh-CN" altLang="en-US" dirty="0"/>
-              <a:t>分</a:t>
-            </a:r>
-          </a:p>
-        </p:txBody>
-      </p:sp>
-      <p:sp>
-        <p:nvSpPr>
-          <p:cNvPr id="4" name="标题 1">
-            <a:extLst>
-              <a:ext uri="{FF2B5EF4-FFF2-40B4-BE49-F238E27FC236}">
-                <a16:creationId xmlns:a16="http://schemas.microsoft.com/office/drawing/2014/main" id="{687C9F6B-3390-4F17-987F-35579B481624}"/>
-              </a:ext>
-            </a:extLst>
-          </p:cNvPr>
-          <p:cNvSpPr>
-            <a:spLocks noGrp="1"/>
-          </p:cNvSpPr>
-          <p:nvPr>
-            <p:ph type="title"/>
-          </p:nvPr>
-        </p:nvSpPr>
-        <p:spPr/>
-        <p:txBody>
-          <a:bodyPr/>
-          <a:lstStyle/>
-          <a:p>
-            <a:r>
-              <a:rPr lang="zh-CN" altLang="en-US" dirty="0"/>
-              <a:t>小组成员分工与评价</a:t>
-            </a:r>
-            <a:r>
-              <a:rPr lang="en-US" altLang="zh-CN" dirty="0"/>
-              <a:t>(</a:t>
-            </a:r>
-            <a:r>
-              <a:rPr lang="zh-CN" altLang="en-US" dirty="0"/>
-              <a:t>总分</a:t>
-            </a:r>
-            <a:r>
-              <a:rPr lang="en-US" altLang="zh-CN" dirty="0"/>
-              <a:t>5</a:t>
-            </a:r>
-            <a:r>
-              <a:rPr lang="zh-CN" altLang="en-US" dirty="0"/>
-              <a:t>分）</a:t>
-            </a:r>
+              <a:t>——</a:t>
+            </a:r>
+            <a:r>
+              <a:rPr lang="zh-CN" altLang="en-US"/>
+              <a:t>项目经理对每一项配置每周三进行审核</a:t>
+            </a:r>
+            <a:endParaRPr lang="zh-CN" altLang="en-US" dirty="0"/>
           </a:p>
         </p:txBody>
       </p:sp>
     </p:spTree>
     <p:extLst>
       <p:ext uri="{BB962C8B-B14F-4D97-AF65-F5344CB8AC3E}">
-        <p14:creationId xmlns:p14="http://schemas.microsoft.com/office/powerpoint/2010/main" val="3590166229"/>
+        <p14:creationId xmlns:p14="http://schemas.microsoft.com/office/powerpoint/2010/main" val="117831576"/>
       </p:ext>
     </p:extLst>
   </p:cSld>
@@ -6876,10 +6835,10 @@
       </p:grpSpPr>
       <p:sp>
         <p:nvSpPr>
-          <p:cNvPr id="2" name="标题 1">
+          <p:cNvPr id="3" name="内容占位符 2">
             <a:extLst>
               <a:ext uri="{FF2B5EF4-FFF2-40B4-BE49-F238E27FC236}">
-                <a16:creationId xmlns:a16="http://schemas.microsoft.com/office/drawing/2014/main" id="{ED323441-08DB-47ED-B39A-D13CC76884D0}"/>
+                <a16:creationId xmlns:a16="http://schemas.microsoft.com/office/drawing/2014/main" id="{47EAB21E-0A67-477D-9130-B242DC4B6825}"/>
               </a:ext>
             </a:extLst>
           </p:cNvPr>
@@ -6887,7 +6846,7 @@
             <a:spLocks noGrp="1"/>
           </p:cNvSpPr>
           <p:nvPr>
-            <p:ph type="title"/>
+            <p:ph idx="1"/>
           </p:nvPr>
         </p:nvSpPr>
         <p:spPr/>
@@ -6897,17 +6856,117 @@
           <a:p>
             <a:r>
               <a:rPr lang="zh-CN" altLang="en-US" dirty="0"/>
-              <a:t>参考</a:t>
-            </a:r>
-          </a:p>
-        </p:txBody>
-      </p:sp>
-      <p:sp>
-        <p:nvSpPr>
-          <p:cNvPr id="3" name="内容占位符 2">
+              <a:t>童威男（负责人），</a:t>
+            </a:r>
+            <a:r>
+              <a:rPr lang="en-US" altLang="zh-CN" dirty="0"/>
+              <a:t>ppt</a:t>
+            </a:r>
+            <a:r>
+              <a:rPr lang="zh-CN" altLang="en-US" dirty="0"/>
+              <a:t>修改，</a:t>
+            </a:r>
+            <a:r>
+              <a:rPr lang="en-US" altLang="zh-CN" dirty="0"/>
+              <a:t>word</a:t>
+            </a:r>
+            <a:r>
+              <a:rPr lang="zh-CN" altLang="en-US" dirty="0"/>
+              <a:t>制作</a:t>
+            </a:r>
+            <a:r>
+              <a:rPr lang="en-US" altLang="zh-CN" dirty="0"/>
+              <a:t>——4</a:t>
+            </a:r>
+            <a:r>
+              <a:rPr lang="zh-CN" altLang="en-US" dirty="0"/>
+              <a:t>分</a:t>
+            </a:r>
+            <a:endParaRPr lang="en-US" altLang="zh-CN" dirty="0"/>
+          </a:p>
+          <a:p>
+            <a:r>
+              <a:rPr lang="zh-CN" altLang="en-US" dirty="0"/>
+              <a:t>冯涛部分内容的分析，</a:t>
+            </a:r>
+            <a:r>
+              <a:rPr lang="en-US" altLang="zh-CN" dirty="0"/>
+              <a:t>LRC</a:t>
+            </a:r>
+            <a:r>
+              <a:rPr lang="zh-CN" altLang="en-US" dirty="0"/>
+              <a:t>，</a:t>
+            </a:r>
+            <a:r>
+              <a:rPr lang="en-US" altLang="zh-CN" dirty="0"/>
+              <a:t>OBS——3</a:t>
+            </a:r>
+            <a:r>
+              <a:rPr lang="zh-CN" altLang="en-US" dirty="0"/>
+              <a:t>分</a:t>
+            </a:r>
+            <a:endParaRPr lang="en-US" altLang="zh-CN" dirty="0"/>
+          </a:p>
+          <a:p>
+            <a:r>
+              <a:rPr lang="zh-CN" altLang="en-US" dirty="0"/>
+              <a:t>徐鹏部分内容的分析，风险计划</a:t>
+            </a:r>
+            <a:r>
+              <a:rPr lang="en-US" altLang="zh-CN" dirty="0"/>
+              <a:t>——3</a:t>
+            </a:r>
+            <a:r>
+              <a:rPr lang="zh-CN" altLang="en-US" dirty="0"/>
+              <a:t>分</a:t>
+            </a:r>
+            <a:endParaRPr lang="en-US" altLang="zh-CN" dirty="0"/>
+          </a:p>
+          <a:p>
+            <a:r>
+              <a:rPr lang="zh-CN" altLang="en-US" dirty="0"/>
+              <a:t>陈泓见部分内容的分析，</a:t>
+            </a:r>
+            <a:r>
+              <a:rPr lang="en-US" altLang="zh-CN" dirty="0"/>
+              <a:t>WBS——3</a:t>
+            </a:r>
+            <a:r>
+              <a:rPr lang="zh-CN" altLang="en-US" dirty="0"/>
+              <a:t>分</a:t>
+            </a:r>
+            <a:endParaRPr lang="en-US" altLang="zh-CN" dirty="0"/>
+          </a:p>
+          <a:p>
+            <a:r>
+              <a:rPr lang="zh-CN" altLang="en-US" dirty="0"/>
+              <a:t>黄栋材部分内容的分析，利益相关者，</a:t>
+            </a:r>
+            <a:r>
+              <a:rPr lang="en-US" altLang="zh-CN" dirty="0"/>
+              <a:t>ppt</a:t>
+            </a:r>
+            <a:r>
+              <a:rPr lang="zh-CN" altLang="en-US" dirty="0"/>
+              <a:t>制作</a:t>
+            </a:r>
+            <a:r>
+              <a:rPr lang="en-US" altLang="zh-CN" dirty="0"/>
+              <a:t>——3</a:t>
+            </a:r>
+            <a:r>
+              <a:rPr lang="zh-CN" altLang="en-US" dirty="0"/>
+              <a:t>分</a:t>
+            </a:r>
+          </a:p>
+        </p:txBody>
+      </p:sp>
+      <p:sp>
+        <p:nvSpPr>
+          <p:cNvPr id="4" name="标题 1">
             <a:extLst>
               <a:ext uri="{FF2B5EF4-FFF2-40B4-BE49-F238E27FC236}">
-                <a16:creationId xmlns:a16="http://schemas.microsoft.com/office/drawing/2014/main" id="{BABB0D8F-FFBF-42DB-8916-47C3DF3675F8}"/>
+                <a16:creationId xmlns:a16="http://schemas.microsoft.com/office/drawing/2014/main" id="{687C9F6B-3390-4F17-987F-35579B481624}"/>
               </a:ext>
             </a:extLst>
           </p:cNvPr>
@@ -6915,54 +6974,33 @@
             <a:spLocks noGrp="1"/>
           </p:cNvSpPr>
           <p:nvPr>
-            <p:ph idx="1"/>
-          </p:nvPr>
-        </p:nvSpPr>
-        <p:spPr/>
-        <p:txBody>
-          <a:bodyPr/>
-          <a:lstStyle/>
-          <a:p>
+            <p:ph type="title"/>
+          </p:nvPr>
+        </p:nvSpPr>
+        <p:spPr/>
+        <p:txBody>
+          <a:bodyPr/>
+          <a:lstStyle/>
+          <a:p>
+            <a:r>
+              <a:rPr lang="zh-CN" altLang="en-US" dirty="0"/>
+              <a:t>小组成员分工与评价</a:t>
+            </a:r>
             <a:r>
               <a:rPr lang="en-US" altLang="zh-CN" dirty="0"/>
-              <a:t>GB-T 8567-2006 </a:t>
+              <a:t>(</a:t>
             </a:r>
             <a:r>
               <a:rPr lang="zh-CN" altLang="en-US" dirty="0"/>
-              <a:t>计算机软件文档编制规范</a:t>
-            </a:r>
-            <a:endParaRPr lang="en-US" altLang="zh-CN" dirty="0"/>
-          </a:p>
-          <a:p>
+              <a:t>总分</a:t>
+            </a:r>
             <a:r>
               <a:rPr lang="en-US" altLang="zh-CN" dirty="0"/>
-              <a:t>C2-PRD-</a:t>
-            </a:r>
-            <a:r>
-              <a:rPr lang="zh-CN" altLang="zh-CN" dirty="0"/>
-              <a:t>项目描述</a:t>
-            </a:r>
-            <a:r>
-              <a:rPr lang="en-US" altLang="zh-CN" dirty="0"/>
-              <a:t>-2017</a:t>
-            </a:r>
-          </a:p>
-          <a:p>
-            <a:r>
-              <a:rPr lang="en-US" altLang="zh-CN" dirty="0"/>
-              <a:t>《</a:t>
+              <a:t>5</a:t>
             </a:r>
             <a:r>
               <a:rPr lang="zh-CN" altLang="en-US" dirty="0"/>
-              <a:t>软件项目管理</a:t>
-            </a:r>
-            <a:r>
-              <a:rPr lang="en-US" altLang="zh-CN" dirty="0"/>
-              <a:t>》</a:t>
-            </a:r>
-            <a:r>
-              <a:rPr lang="zh-CN" altLang="en-US" dirty="0"/>
-              <a:t>第五版</a:t>
+              <a:t>分）</a:t>
             </a:r>
           </a:p>
         </p:txBody>
@@ -6970,7 +7008,7 @@
     </p:spTree>
     <p:extLst>
       <p:ext uri="{BB962C8B-B14F-4D97-AF65-F5344CB8AC3E}">
-        <p14:creationId xmlns:p14="http://schemas.microsoft.com/office/powerpoint/2010/main" val="2898680084"/>
+        <p14:creationId xmlns:p14="http://schemas.microsoft.com/office/powerpoint/2010/main" val="3590166229"/>
       </p:ext>
     </p:extLst>
   </p:cSld>
@@ -7101,6 +7139,129 @@
 </file>
 
 <file path=ppt/slides/slide30.xml><?xml version="1.0" encoding="utf-8"?>
+<p:sld xmlns:a="http://schemas.openxmlformats.org/drawingml/2006/main" xmlns:r="http://schemas.openxmlformats.org/officeDocument/2006/relationships" xmlns:p="http://schemas.openxmlformats.org/presentationml/2006/main">
+  <p:cSld>
+    <p:spTree>
+      <p:nvGrpSpPr>
+        <p:cNvPr id="1" name=""/>
+        <p:cNvGrpSpPr/>
+        <p:nvPr/>
+      </p:nvGrpSpPr>
+      <p:grpSpPr>
+        <a:xfrm>
+          <a:off x="0" y="0"/>
+          <a:ext cx="0" cy="0"/>
+          <a:chOff x="0" y="0"/>
+          <a:chExt cx="0" cy="0"/>
+        </a:xfrm>
+      </p:grpSpPr>
+      <p:sp>
+        <p:nvSpPr>
+          <p:cNvPr id="2" name="标题 1">
+            <a:extLst>
+              <a:ext uri="{FF2B5EF4-FFF2-40B4-BE49-F238E27FC236}">
+                <a16:creationId xmlns:a16="http://schemas.microsoft.com/office/drawing/2014/main" id="{ED323441-08DB-47ED-B39A-D13CC76884D0}"/>
+              </a:ext>
+            </a:extLst>
+          </p:cNvPr>
+          <p:cNvSpPr>
+            <a:spLocks noGrp="1"/>
+          </p:cNvSpPr>
+          <p:nvPr>
+            <p:ph type="title"/>
+          </p:nvPr>
+        </p:nvSpPr>
+        <p:spPr/>
+        <p:txBody>
+          <a:bodyPr/>
+          <a:lstStyle/>
+          <a:p>
+            <a:r>
+              <a:rPr lang="zh-CN" altLang="en-US" dirty="0"/>
+              <a:t>参考</a:t>
+            </a:r>
+          </a:p>
+        </p:txBody>
+      </p:sp>
+      <p:sp>
+        <p:nvSpPr>
+          <p:cNvPr id="3" name="内容占位符 2">
+            <a:extLst>
+              <a:ext uri="{FF2B5EF4-FFF2-40B4-BE49-F238E27FC236}">
+                <a16:creationId xmlns:a16="http://schemas.microsoft.com/office/drawing/2014/main" id="{BABB0D8F-FFBF-42DB-8916-47C3DF3675F8}"/>
+              </a:ext>
+            </a:extLst>
+          </p:cNvPr>
+          <p:cNvSpPr>
+            <a:spLocks noGrp="1"/>
+          </p:cNvSpPr>
+          <p:nvPr>
+            <p:ph idx="1"/>
+          </p:nvPr>
+        </p:nvSpPr>
+        <p:spPr/>
+        <p:txBody>
+          <a:bodyPr/>
+          <a:lstStyle/>
+          <a:p>
+            <a:r>
+              <a:rPr lang="en-US" altLang="zh-CN" dirty="0"/>
+              <a:t>GB-T 8567-2006 </a:t>
+            </a:r>
+            <a:r>
+              <a:rPr lang="zh-CN" altLang="en-US" dirty="0"/>
+              <a:t>计算机软件文档编制规范</a:t>
+            </a:r>
+            <a:endParaRPr lang="en-US" altLang="zh-CN" dirty="0"/>
+          </a:p>
+          <a:p>
+            <a:r>
+              <a:rPr lang="en-US" altLang="zh-CN" dirty="0"/>
+              <a:t>C2-PRD-</a:t>
+            </a:r>
+            <a:r>
+              <a:rPr lang="zh-CN" altLang="zh-CN" dirty="0"/>
+              <a:t>项目描述</a:t>
+            </a:r>
+            <a:r>
+              <a:rPr lang="en-US" altLang="zh-CN" dirty="0"/>
+              <a:t>-2017</a:t>
+            </a:r>
+          </a:p>
+          <a:p>
+            <a:r>
+              <a:rPr lang="en-US" altLang="zh-CN" dirty="0"/>
+              <a:t>《</a:t>
+            </a:r>
+            <a:r>
+              <a:rPr lang="zh-CN" altLang="en-US" dirty="0"/>
+              <a:t>软件项目管理</a:t>
+            </a:r>
+            <a:r>
+              <a:rPr lang="en-US" altLang="zh-CN" dirty="0"/>
+              <a:t>》</a:t>
+            </a:r>
+            <a:r>
+              <a:rPr lang="zh-CN" altLang="en-US" dirty="0"/>
+              <a:t>第五版</a:t>
+            </a:r>
+          </a:p>
+        </p:txBody>
+      </p:sp>
+    </p:spTree>
+    <p:extLst>
+      <p:ext uri="{BB962C8B-B14F-4D97-AF65-F5344CB8AC3E}">
+        <p14:creationId xmlns:p14="http://schemas.microsoft.com/office/powerpoint/2010/main" val="2898680084"/>
+      </p:ext>
+    </p:extLst>
+  </p:cSld>
+  <p:clrMapOvr>
+    <a:masterClrMapping/>
+  </p:clrMapOvr>
+</p:sld>
+</file>
+
+<file path=ppt/slides/slide31.xml><?xml version="1.0" encoding="utf-8"?>
 <p:sld xmlns:a="http://schemas.openxmlformats.org/drawingml/2006/main" xmlns:r="http://schemas.openxmlformats.org/officeDocument/2006/relationships" xmlns:p="http://schemas.openxmlformats.org/presentationml/2006/main">
   <p:cSld>
     <p:spTree>

--- a/PRD-2017-G24/STW/受控文件/分析设计/项目总体计划/总体项目计划.pptx
+++ b/PRD-2017-G24/STW/受控文件/分析设计/项目总体计划/总体项目计划.pptx
@@ -2,18 +2,18 @@
 <file path=ppt/presentation.xml><?xml version="1.0" encoding="utf-8"?>
 <p:presentation xmlns:a="http://schemas.openxmlformats.org/drawingml/2006/main" xmlns:r="http://schemas.openxmlformats.org/officeDocument/2006/relationships" xmlns:p="http://schemas.openxmlformats.org/presentationml/2006/main" saveSubsetFonts="1">
   <p:sldMasterIdLst>
-    <p:sldMasterId id="2147483648" r:id="rId1"/>
+    <p:sldMasterId id="2147483660" r:id="rId1"/>
   </p:sldMasterIdLst>
   <p:sldIdLst>
-    <p:sldId id="256" r:id="rId2"/>
+    <p:sldId id="287" r:id="rId2"/>
     <p:sldId id="275" r:id="rId3"/>
     <p:sldId id="273" r:id="rId4"/>
-    <p:sldId id="257" r:id="rId5"/>
-    <p:sldId id="258" r:id="rId6"/>
-    <p:sldId id="259" r:id="rId7"/>
-    <p:sldId id="277" r:id="rId8"/>
-    <p:sldId id="260" r:id="rId9"/>
-    <p:sldId id="261" r:id="rId10"/>
+    <p:sldId id="260" r:id="rId5"/>
+    <p:sldId id="261" r:id="rId6"/>
+    <p:sldId id="257" r:id="rId7"/>
+    <p:sldId id="258" r:id="rId8"/>
+    <p:sldId id="259" r:id="rId9"/>
+    <p:sldId id="277" r:id="rId10"/>
     <p:sldId id="262" r:id="rId11"/>
     <p:sldId id="263" r:id="rId12"/>
     <p:sldId id="264" r:id="rId13"/>
@@ -41,9 +41,9 @@
   <p:notesSz cx="6858000" cy="9144000"/>
   <p:defaultTextStyle>
     <a:defPPr>
-      <a:defRPr lang="zh-CN"/>
+      <a:defRPr lang="en-US"/>
     </a:defPPr>
-    <a:lvl1pPr marL="0" algn="l" defTabSz="914400" rtl="0" eaLnBrk="1" latinLnBrk="0" hangingPunct="1">
+    <a:lvl1pPr marL="0" algn="l" defTabSz="457200" rtl="0" eaLnBrk="1" latinLnBrk="0" hangingPunct="1">
       <a:defRPr sz="1800" kern="1200">
         <a:solidFill>
           <a:schemeClr val="tx1"/>
@@ -53,7 +53,7 @@
         <a:cs typeface="+mn-cs"/>
       </a:defRPr>
     </a:lvl1pPr>
-    <a:lvl2pPr marL="457200" algn="l" defTabSz="914400" rtl="0" eaLnBrk="1" latinLnBrk="0" hangingPunct="1">
+    <a:lvl2pPr marL="457200" algn="l" defTabSz="457200" rtl="0" eaLnBrk="1" latinLnBrk="0" hangingPunct="1">
       <a:defRPr sz="1800" kern="1200">
         <a:solidFill>
           <a:schemeClr val="tx1"/>
@@ -63,7 +63,7 @@
         <a:cs typeface="+mn-cs"/>
       </a:defRPr>
     </a:lvl2pPr>
-    <a:lvl3pPr marL="914400" algn="l" defTabSz="914400" rtl="0" eaLnBrk="1" latinLnBrk="0" hangingPunct="1">
+    <a:lvl3pPr marL="914400" algn="l" defTabSz="457200" rtl="0" eaLnBrk="1" latinLnBrk="0" hangingPunct="1">
       <a:defRPr sz="1800" kern="1200">
         <a:solidFill>
           <a:schemeClr val="tx1"/>
@@ -73,7 +73,7 @@
         <a:cs typeface="+mn-cs"/>
       </a:defRPr>
     </a:lvl3pPr>
-    <a:lvl4pPr marL="1371600" algn="l" defTabSz="914400" rtl="0" eaLnBrk="1" latinLnBrk="0" hangingPunct="1">
+    <a:lvl4pPr marL="1371600" algn="l" defTabSz="457200" rtl="0" eaLnBrk="1" latinLnBrk="0" hangingPunct="1">
       <a:defRPr sz="1800" kern="1200">
         <a:solidFill>
           <a:schemeClr val="tx1"/>
@@ -83,7 +83,7 @@
         <a:cs typeface="+mn-cs"/>
       </a:defRPr>
     </a:lvl4pPr>
-    <a:lvl5pPr marL="1828800" algn="l" defTabSz="914400" rtl="0" eaLnBrk="1" latinLnBrk="0" hangingPunct="1">
+    <a:lvl5pPr marL="1828800" algn="l" defTabSz="457200" rtl="0" eaLnBrk="1" latinLnBrk="0" hangingPunct="1">
       <a:defRPr sz="1800" kern="1200">
         <a:solidFill>
           <a:schemeClr val="tx1"/>
@@ -93,7 +93,7 @@
         <a:cs typeface="+mn-cs"/>
       </a:defRPr>
     </a:lvl5pPr>
-    <a:lvl6pPr marL="2286000" algn="l" defTabSz="914400" rtl="0" eaLnBrk="1" latinLnBrk="0" hangingPunct="1">
+    <a:lvl6pPr marL="2286000" algn="l" defTabSz="457200" rtl="0" eaLnBrk="1" latinLnBrk="0" hangingPunct="1">
       <a:defRPr sz="1800" kern="1200">
         <a:solidFill>
           <a:schemeClr val="tx1"/>
@@ -103,7 +103,7 @@
         <a:cs typeface="+mn-cs"/>
       </a:defRPr>
     </a:lvl6pPr>
-    <a:lvl7pPr marL="2743200" algn="l" defTabSz="914400" rtl="0" eaLnBrk="1" latinLnBrk="0" hangingPunct="1">
+    <a:lvl7pPr marL="2743200" algn="l" defTabSz="457200" rtl="0" eaLnBrk="1" latinLnBrk="0" hangingPunct="1">
       <a:defRPr sz="1800" kern="1200">
         <a:solidFill>
           <a:schemeClr val="tx1"/>
@@ -113,7 +113,7 @@
         <a:cs typeface="+mn-cs"/>
       </a:defRPr>
     </a:lvl7pPr>
-    <a:lvl8pPr marL="3200400" algn="l" defTabSz="914400" rtl="0" eaLnBrk="1" latinLnBrk="0" hangingPunct="1">
+    <a:lvl8pPr marL="3200400" algn="l" defTabSz="457200" rtl="0" eaLnBrk="1" latinLnBrk="0" hangingPunct="1">
       <a:defRPr sz="1800" kern="1200">
         <a:solidFill>
           <a:schemeClr val="tx1"/>
@@ -123,7 +123,7 @@
         <a:cs typeface="+mn-cs"/>
       </a:defRPr>
     </a:lvl8pPr>
-    <a:lvl9pPr marL="3657600" algn="l" defTabSz="914400" rtl="0" eaLnBrk="1" latinLnBrk="0" hangingPunct="1">
+    <a:lvl9pPr marL="3657600" algn="l" defTabSz="457200" rtl="0" eaLnBrk="1" latinLnBrk="0" hangingPunct="1">
       <a:defRPr sz="1800" kern="1200">
         <a:solidFill>
           <a:schemeClr val="tx1"/>
@@ -165,7 +165,111 @@
       </p:grpSpPr>
       <p:sp>
         <p:nvSpPr>
-          <p:cNvPr id="2" name="标题 1"/>
+          <p:cNvPr id="11" name="Freeform 6"/>
+          <p:cNvSpPr/>
+          <p:nvPr/>
+        </p:nvSpPr>
+        <p:spPr bwMode="auto">
+          <a:xfrm>
+            <a:off x="0" y="-3175"/>
+            <a:ext cx="12192000" cy="5203825"/>
+          </a:xfrm>
+          <a:custGeom>
+            <a:avLst/>
+            <a:gdLst/>
+            <a:ahLst/>
+            <a:cxnLst/>
+            <a:rect l="0" t="0" r="r" b="b"/>
+            <a:pathLst>
+              <a:path w="5760" h="3278">
+                <a:moveTo>
+                  <a:pt x="5760" y="0"/>
+                </a:moveTo>
+                <a:lnTo>
+                  <a:pt x="0" y="0"/>
+                </a:lnTo>
+                <a:lnTo>
+                  <a:pt x="0" y="3090"/>
+                </a:lnTo>
+                <a:lnTo>
+                  <a:pt x="943" y="3090"/>
+                </a:lnTo>
+                <a:lnTo>
+                  <a:pt x="1123" y="3270"/>
+                </a:lnTo>
+                <a:lnTo>
+                  <a:pt x="1123" y="3270"/>
+                </a:lnTo>
+                <a:lnTo>
+                  <a:pt x="1127" y="3272"/>
+                </a:lnTo>
+                <a:lnTo>
+                  <a:pt x="1133" y="3275"/>
+                </a:lnTo>
+                <a:lnTo>
+                  <a:pt x="1139" y="3278"/>
+                </a:lnTo>
+                <a:lnTo>
+                  <a:pt x="1144" y="3278"/>
+                </a:lnTo>
+                <a:lnTo>
+                  <a:pt x="1150" y="3278"/>
+                </a:lnTo>
+                <a:lnTo>
+                  <a:pt x="1155" y="3275"/>
+                </a:lnTo>
+                <a:lnTo>
+                  <a:pt x="1161" y="3272"/>
+                </a:lnTo>
+                <a:lnTo>
+                  <a:pt x="1165" y="3270"/>
+                </a:lnTo>
+                <a:lnTo>
+                  <a:pt x="1345" y="3090"/>
+                </a:lnTo>
+                <a:lnTo>
+                  <a:pt x="5760" y="3090"/>
+                </a:lnTo>
+                <a:lnTo>
+                  <a:pt x="5760" y="0"/>
+                </a:lnTo>
+                <a:close/>
+              </a:path>
+            </a:pathLst>
+          </a:custGeom>
+          <a:ln/>
+          <a:effectLst/>
+          <a:extLst>
+            <a:ext uri="{91240B29-F687-4f45-9708-019B960494DF}">
+              <a14:hiddenLine xmlns="" xmlns:a14="http://schemas.microsoft.com/office/drawing/2010/main" w="9525">
+                <a:solidFill>
+                  <a:srgbClr val="000000"/>
+                </a:solidFill>
+                <a:round/>
+                <a:headEnd/>
+                <a:tailEnd/>
+              </a14:hiddenLine>
+            </a:ext>
+          </a:extLst>
+        </p:spPr>
+        <p:style>
+          <a:lnRef idx="1">
+            <a:schemeClr val="accent1"/>
+          </a:lnRef>
+          <a:fillRef idx="3">
+            <a:schemeClr val="accent1"/>
+          </a:fillRef>
+          <a:effectRef idx="2">
+            <a:schemeClr val="accent1"/>
+          </a:effectRef>
+          <a:fontRef idx="minor">
+            <a:schemeClr val="lt1"/>
+          </a:fontRef>
+        </p:style>
+      </p:sp>
+      <p:sp>
+        <p:nvSpPr>
+          <p:cNvPr id="2" name="Title 1"/>
           <p:cNvSpPr>
             <a:spLocks noGrp="1"/>
           </p:cNvSpPr>
@@ -175,15 +279,15 @@
         </p:nvSpPr>
         <p:spPr>
           <a:xfrm>
-            <a:off x="1524000" y="1122363"/>
-            <a:ext cx="9144000" cy="2387600"/>
+            <a:off x="810001" y="1449147"/>
+            <a:ext cx="10572000" cy="2971051"/>
           </a:xfrm>
         </p:spPr>
         <p:txBody>
-          <a:bodyPr anchor="b"/>
+          <a:bodyPr/>
           <a:lstStyle>
-            <a:lvl1pPr algn="ctr">
-              <a:defRPr sz="6000"/>
+            <a:lvl1pPr>
+              <a:defRPr sz="5400"/>
             </a:lvl1pPr>
           </a:lstStyle>
           <a:p>
@@ -191,12 +295,13 @@
               <a:rPr lang="zh-CN" altLang="en-US"/>
               <a:t>单击此处编辑母版标题样式</a:t>
             </a:r>
-          </a:p>
-        </p:txBody>
-      </p:sp>
-      <p:sp>
-        <p:nvSpPr>
-          <p:cNvPr id="3" name="副标题 2"/>
+            <a:endParaRPr lang="en-US" dirty="0"/>
+          </a:p>
+        </p:txBody>
+      </p:sp>
+      <p:sp>
+        <p:nvSpPr>
+          <p:cNvPr id="3" name="Subtitle 2"/>
           <p:cNvSpPr>
             <a:spLocks noGrp="1"/>
           </p:cNvSpPr>
@@ -206,61 +311,114 @@
         </p:nvSpPr>
         <p:spPr>
           <a:xfrm>
-            <a:off x="1524000" y="3602038"/>
-            <a:ext cx="9144000" cy="1655762"/>
+            <a:off x="810001" y="5280847"/>
+            <a:ext cx="10572000" cy="434974"/>
           </a:xfrm>
         </p:spPr>
         <p:txBody>
-          <a:bodyPr/>
+          <a:bodyPr anchor="t"/>
           <a:lstStyle>
-            <a:lvl1pPr marL="0" indent="0" algn="ctr">
+            <a:lvl1pPr marL="0" indent="0" algn="l">
               <a:buNone/>
-              <a:defRPr sz="2400"/>
+              <a:defRPr>
+                <a:solidFill>
+                  <a:schemeClr val="tx1"/>
+                </a:solidFill>
+              </a:defRPr>
             </a:lvl1pPr>
             <a:lvl2pPr marL="457200" indent="0" algn="ctr">
               <a:buNone/>
-              <a:defRPr sz="2000"/>
+              <a:defRPr>
+                <a:solidFill>
+                  <a:schemeClr val="tx1">
+                    <a:tint val="75000"/>
+                  </a:schemeClr>
+                </a:solidFill>
+              </a:defRPr>
             </a:lvl2pPr>
             <a:lvl3pPr marL="914400" indent="0" algn="ctr">
               <a:buNone/>
-              <a:defRPr sz="1800"/>
+              <a:defRPr>
+                <a:solidFill>
+                  <a:schemeClr val="tx1">
+                    <a:tint val="75000"/>
+                  </a:schemeClr>
+                </a:solidFill>
+              </a:defRPr>
             </a:lvl3pPr>
             <a:lvl4pPr marL="1371600" indent="0" algn="ctr">
               <a:buNone/>
-              <a:defRPr sz="1600"/>
+              <a:defRPr>
+                <a:solidFill>
+                  <a:schemeClr val="tx1">
+                    <a:tint val="75000"/>
+                  </a:schemeClr>
+                </a:solidFill>
+              </a:defRPr>
             </a:lvl4pPr>
             <a:lvl5pPr marL="1828800" indent="0" algn="ctr">
               <a:buNone/>
-              <a:defRPr sz="1600"/>
+              <a:defRPr>
+                <a:solidFill>
+                  <a:schemeClr val="tx1">
+                    <a:tint val="75000"/>
+                  </a:schemeClr>
+                </a:solidFill>
+              </a:defRPr>
             </a:lvl5pPr>
             <a:lvl6pPr marL="2286000" indent="0" algn="ctr">
               <a:buNone/>
-              <a:defRPr sz="1600"/>
+              <a:defRPr>
+                <a:solidFill>
+                  <a:schemeClr val="tx1">
+                    <a:tint val="75000"/>
+                  </a:schemeClr>
+                </a:solidFill>
+              </a:defRPr>
             </a:lvl6pPr>
             <a:lvl7pPr marL="2743200" indent="0" algn="ctr">
               <a:buNone/>
-              <a:defRPr sz="1600"/>
+              <a:defRPr>
+                <a:solidFill>
+                  <a:schemeClr val="tx1">
+                    <a:tint val="75000"/>
+                  </a:schemeClr>
+                </a:solidFill>
+              </a:defRPr>
             </a:lvl7pPr>
             <a:lvl8pPr marL="3200400" indent="0" algn="ctr">
               <a:buNone/>
-              <a:defRPr sz="1600"/>
+              <a:defRPr>
+                <a:solidFill>
+                  <a:schemeClr val="tx1">
+                    <a:tint val="75000"/>
+                  </a:schemeClr>
+                </a:solidFill>
+              </a:defRPr>
             </a:lvl8pPr>
             <a:lvl9pPr marL="3657600" indent="0" algn="ctr">
               <a:buNone/>
-              <a:defRPr sz="1600"/>
+              <a:defRPr>
+                <a:solidFill>
+                  <a:schemeClr val="tx1">
+                    <a:tint val="75000"/>
+                  </a:schemeClr>
+                </a:solidFill>
+              </a:defRPr>
             </a:lvl9pPr>
           </a:lstStyle>
           <a:p>
             <a:r>
               <a:rPr lang="zh-CN" altLang="en-US"/>
-              <a:t>单击以编辑母版副标题样式</a:t>
-            </a:r>
-          </a:p>
-        </p:txBody>
-      </p:sp>
-      <p:sp>
-        <p:nvSpPr>
-          <p:cNvPr id="4" name="日期占位符 3"/>
+              <a:t>单击此处编辑母版副标题样式</a:t>
+            </a:r>
+            <a:endParaRPr lang="en-US" dirty="0"/>
+          </a:p>
+        </p:txBody>
+      </p:sp>
+      <p:sp>
+        <p:nvSpPr>
+          <p:cNvPr id="4" name="Date Placeholder 3"/>
           <p:cNvSpPr>
             <a:spLocks noGrp="1"/>
           </p:cNvSpPr>
@@ -275,7 +433,7 @@
           <a:p>
             <a:fld id="{371F0B48-F53C-40B1-B5C5-25DD89E7CD34}" type="datetimeFigureOut">
               <a:rPr lang="zh-CN" altLang="en-US" smtClean="0"/>
-              <a:t>2017/10/29</a:t>
+              <a:t>2017/11/2</a:t>
             </a:fld>
             <a:endParaRPr lang="zh-CN" altLang="en-US"/>
           </a:p>
@@ -283,7 +441,7 @@
       </p:sp>
       <p:sp>
         <p:nvSpPr>
-          <p:cNvPr id="5" name="页脚占位符 4"/>
+          <p:cNvPr id="5" name="Footer Placeholder 4"/>
           <p:cNvSpPr>
             <a:spLocks noGrp="1"/>
           </p:cNvSpPr>
@@ -302,7 +460,7 @@
       </p:sp>
       <p:sp>
         <p:nvSpPr>
-          <p:cNvPr id="6" name="灯片编号占位符 5"/>
+          <p:cNvPr id="6" name="Slide Number Placeholder 5"/>
           <p:cNvSpPr>
             <a:spLocks noGrp="1"/>
           </p:cNvSpPr>
@@ -326,7 +484,7 @@
     </p:spTree>
     <p:extLst>
       <p:ext uri="{BB962C8B-B14F-4D97-AF65-F5344CB8AC3E}">
-        <p14:creationId xmlns:p14="http://schemas.microsoft.com/office/powerpoint/2010/main" val="1311754357"/>
+        <p14:creationId xmlns:p14="http://schemas.microsoft.com/office/powerpoint/2010/main" val="719596531"/>
       </p:ext>
     </p:extLst>
   </p:cSld>
@@ -337,6 +495,1181 @@
 </file>
 
 <file path=ppt/slideLayouts/slideLayout10.xml><?xml version="1.0" encoding="utf-8"?>
+<p:sldLayout xmlns:a="http://schemas.openxmlformats.org/drawingml/2006/main" xmlns:r="http://schemas.openxmlformats.org/officeDocument/2006/relationships" xmlns:p="http://schemas.openxmlformats.org/presentationml/2006/main" preserve="1">
+  <p:cSld name="带描述的全景图片">
+    <p:spTree>
+      <p:nvGrpSpPr>
+        <p:cNvPr id="1" name=""/>
+        <p:cNvGrpSpPr/>
+        <p:nvPr/>
+      </p:nvGrpSpPr>
+      <p:grpSpPr>
+        <a:xfrm>
+          <a:off x="0" y="0"/>
+          <a:ext cx="0" cy="0"/>
+          <a:chOff x="0" y="0"/>
+          <a:chExt cx="0" cy="0"/>
+        </a:xfrm>
+      </p:grpSpPr>
+      <p:sp>
+        <p:nvSpPr>
+          <p:cNvPr id="2" name="Title 1"/>
+          <p:cNvSpPr>
+            <a:spLocks noGrp="1"/>
+          </p:cNvSpPr>
+          <p:nvPr>
+            <p:ph type="title"/>
+          </p:nvPr>
+        </p:nvSpPr>
+        <p:spPr>
+          <a:xfrm>
+            <a:off x="810000" y="4800600"/>
+            <a:ext cx="10561418" cy="566738"/>
+          </a:xfrm>
+        </p:spPr>
+        <p:txBody>
+          <a:bodyPr anchor="b">
+            <a:normAutofit/>
+          </a:bodyPr>
+          <a:lstStyle>
+            <a:lvl1pPr algn="l">
+              <a:defRPr sz="2400" b="0"/>
+            </a:lvl1pPr>
+          </a:lstStyle>
+          <a:p>
+            <a:r>
+              <a:rPr lang="zh-CN" altLang="en-US"/>
+              <a:t>单击此处编辑母版标题样式</a:t>
+            </a:r>
+            <a:endParaRPr lang="en-US" dirty="0"/>
+          </a:p>
+        </p:txBody>
+      </p:sp>
+      <p:sp>
+        <p:nvSpPr>
+          <p:cNvPr id="15" name="Picture Placeholder 14"/>
+          <p:cNvSpPr>
+            <a:spLocks noGrp="1" noChangeAspect="1"/>
+          </p:cNvSpPr>
+          <p:nvPr>
+            <p:ph type="pic" sz="quarter" idx="13"/>
+          </p:nvPr>
+        </p:nvSpPr>
+        <p:spPr bwMode="auto">
+          <a:xfrm>
+            <a:off x="0" y="0"/>
+            <a:ext cx="12192000" cy="4800600"/>
+          </a:xfrm>
+          <a:custGeom>
+            <a:avLst/>
+            <a:gdLst/>
+            <a:ahLst/>
+            <a:cxnLst/>
+            <a:rect l="0" t="0" r="r" b="b"/>
+            <a:pathLst>
+              <a:path w="5760" h="3289">
+                <a:moveTo>
+                  <a:pt x="5760" y="0"/>
+                </a:moveTo>
+                <a:lnTo>
+                  <a:pt x="0" y="0"/>
+                </a:lnTo>
+                <a:lnTo>
+                  <a:pt x="0" y="3100"/>
+                </a:lnTo>
+                <a:lnTo>
+                  <a:pt x="943" y="3100"/>
+                </a:lnTo>
+                <a:lnTo>
+                  <a:pt x="1123" y="3281"/>
+                </a:lnTo>
+                <a:lnTo>
+                  <a:pt x="1123" y="3281"/>
+                </a:lnTo>
+                <a:lnTo>
+                  <a:pt x="1127" y="3283"/>
+                </a:lnTo>
+                <a:lnTo>
+                  <a:pt x="1133" y="3286"/>
+                </a:lnTo>
+                <a:lnTo>
+                  <a:pt x="1139" y="3289"/>
+                </a:lnTo>
+                <a:lnTo>
+                  <a:pt x="1144" y="3289"/>
+                </a:lnTo>
+                <a:lnTo>
+                  <a:pt x="1150" y="3289"/>
+                </a:lnTo>
+                <a:lnTo>
+                  <a:pt x="1155" y="3286"/>
+                </a:lnTo>
+                <a:lnTo>
+                  <a:pt x="1161" y="3283"/>
+                </a:lnTo>
+                <a:lnTo>
+                  <a:pt x="1165" y="3281"/>
+                </a:lnTo>
+                <a:lnTo>
+                  <a:pt x="1345" y="3100"/>
+                </a:lnTo>
+                <a:lnTo>
+                  <a:pt x="5760" y="3100"/>
+                </a:lnTo>
+                <a:lnTo>
+                  <a:pt x="5760" y="0"/>
+                </a:lnTo>
+                <a:close/>
+              </a:path>
+            </a:pathLst>
+          </a:custGeom>
+          <a:noFill/>
+          <a:ln>
+            <a:solidFill>
+              <a:schemeClr val="tx2"/>
+            </a:solidFill>
+          </a:ln>
+        </p:spPr>
+        <p:style>
+          <a:lnRef idx="1">
+            <a:schemeClr val="accent1"/>
+          </a:lnRef>
+          <a:fillRef idx="3">
+            <a:schemeClr val="accent1"/>
+          </a:fillRef>
+          <a:effectRef idx="2">
+            <a:schemeClr val="accent1"/>
+          </a:effectRef>
+          <a:fontRef idx="minor">
+            <a:schemeClr val="lt1"/>
+          </a:fontRef>
+        </p:style>
+        <p:txBody>
+          <a:bodyPr wrap="square" numCol="1" anchor="t" anchorCtr="0" compatLnSpc="1">
+            <a:prstTxWarp prst="textNoShape">
+              <a:avLst/>
+            </a:prstTxWarp>
+            <a:normAutofit/>
+          </a:bodyPr>
+          <a:lstStyle>
+            <a:lvl1pPr marL="0" indent="0" algn="ctr">
+              <a:buFontTx/>
+              <a:buNone/>
+              <a:defRPr sz="1600"/>
+            </a:lvl1pPr>
+          </a:lstStyle>
+          <a:p>
+            <a:r>
+              <a:rPr lang="zh-CN" altLang="en-US"/>
+              <a:t>单击图标添加图片</a:t>
+            </a:r>
+            <a:endParaRPr lang="en-US" dirty="0"/>
+          </a:p>
+        </p:txBody>
+      </p:sp>
+      <p:sp>
+        <p:nvSpPr>
+          <p:cNvPr id="4" name="Text Placeholder 3"/>
+          <p:cNvSpPr>
+            <a:spLocks noGrp="1"/>
+          </p:cNvSpPr>
+          <p:nvPr>
+            <p:ph type="body" sz="half" idx="2"/>
+          </p:nvPr>
+        </p:nvSpPr>
+        <p:spPr>
+          <a:xfrm>
+            <a:off x="810000" y="5367338"/>
+            <a:ext cx="10561418" cy="493712"/>
+          </a:xfrm>
+        </p:spPr>
+        <p:txBody>
+          <a:bodyPr>
+            <a:normAutofit/>
+          </a:bodyPr>
+          <a:lstStyle>
+            <a:lvl1pPr marL="0" indent="0">
+              <a:buNone/>
+              <a:defRPr sz="1200"/>
+            </a:lvl1pPr>
+            <a:lvl2pPr marL="457200" indent="0">
+              <a:buNone/>
+              <a:defRPr sz="1200"/>
+            </a:lvl2pPr>
+            <a:lvl3pPr marL="914400" indent="0">
+              <a:buNone/>
+              <a:defRPr sz="1000"/>
+            </a:lvl3pPr>
+            <a:lvl4pPr marL="1371600" indent="0">
+              <a:buNone/>
+              <a:defRPr sz="900"/>
+            </a:lvl4pPr>
+            <a:lvl5pPr marL="1828800" indent="0">
+              <a:buNone/>
+              <a:defRPr sz="900"/>
+            </a:lvl5pPr>
+            <a:lvl6pPr marL="2286000" indent="0">
+              <a:buNone/>
+              <a:defRPr sz="900"/>
+            </a:lvl6pPr>
+            <a:lvl7pPr marL="2743200" indent="0">
+              <a:buNone/>
+              <a:defRPr sz="900"/>
+            </a:lvl7pPr>
+            <a:lvl8pPr marL="3200400" indent="0">
+              <a:buNone/>
+              <a:defRPr sz="900"/>
+            </a:lvl8pPr>
+            <a:lvl9pPr marL="3657600" indent="0">
+              <a:buNone/>
+              <a:defRPr sz="900"/>
+            </a:lvl9pPr>
+          </a:lstStyle>
+          <a:p>
+            <a:pPr lvl="0"/>
+            <a:r>
+              <a:rPr lang="zh-CN" altLang="en-US"/>
+              <a:t>编辑母版文本样式</a:t>
+            </a:r>
+          </a:p>
+        </p:txBody>
+      </p:sp>
+      <p:sp>
+        <p:nvSpPr>
+          <p:cNvPr id="5" name="Date Placeholder 4"/>
+          <p:cNvSpPr>
+            <a:spLocks noGrp="1"/>
+          </p:cNvSpPr>
+          <p:nvPr>
+            <p:ph type="dt" sz="half" idx="10"/>
+          </p:nvPr>
+        </p:nvSpPr>
+        <p:spPr/>
+        <p:txBody>
+          <a:bodyPr/>
+          <a:lstStyle/>
+          <a:p>
+            <a:fld id="{371F0B48-F53C-40B1-B5C5-25DD89E7CD34}" type="datetimeFigureOut">
+              <a:rPr lang="zh-CN" altLang="en-US" smtClean="0"/>
+              <a:t>2017/11/2</a:t>
+            </a:fld>
+            <a:endParaRPr lang="zh-CN" altLang="en-US"/>
+          </a:p>
+        </p:txBody>
+      </p:sp>
+      <p:sp>
+        <p:nvSpPr>
+          <p:cNvPr id="6" name="Footer Placeholder 5"/>
+          <p:cNvSpPr>
+            <a:spLocks noGrp="1"/>
+          </p:cNvSpPr>
+          <p:nvPr>
+            <p:ph type="ftr" sz="quarter" idx="11"/>
+          </p:nvPr>
+        </p:nvSpPr>
+        <p:spPr/>
+        <p:txBody>
+          <a:bodyPr/>
+          <a:lstStyle/>
+          <a:p>
+            <a:endParaRPr lang="zh-CN" altLang="en-US"/>
+          </a:p>
+        </p:txBody>
+      </p:sp>
+      <p:sp>
+        <p:nvSpPr>
+          <p:cNvPr id="7" name="Slide Number Placeholder 6"/>
+          <p:cNvSpPr>
+            <a:spLocks noGrp="1"/>
+          </p:cNvSpPr>
+          <p:nvPr>
+            <p:ph type="sldNum" sz="quarter" idx="12"/>
+          </p:nvPr>
+        </p:nvSpPr>
+        <p:spPr/>
+        <p:txBody>
+          <a:bodyPr/>
+          <a:lstStyle/>
+          <a:p>
+            <a:fld id="{42F5E065-6231-4B5A-8F3F-BE59FA1930EB}" type="slidenum">
+              <a:rPr lang="zh-CN" altLang="en-US" smtClean="0"/>
+              <a:t>‹#›</a:t>
+            </a:fld>
+            <a:endParaRPr lang="zh-CN" altLang="en-US"/>
+          </a:p>
+        </p:txBody>
+      </p:sp>
+    </p:spTree>
+    <p:extLst>
+      <p:ext uri="{BB962C8B-B14F-4D97-AF65-F5344CB8AC3E}">
+        <p14:creationId xmlns:p14="http://schemas.microsoft.com/office/powerpoint/2010/main" val="2620121784"/>
+      </p:ext>
+    </p:extLst>
+  </p:cSld>
+  <p:clrMapOvr>
+    <a:masterClrMapping/>
+  </p:clrMapOvr>
+</p:sldLayout>
+</file>
+
+<file path=ppt/slideLayouts/slideLayout11.xml><?xml version="1.0" encoding="utf-8"?>
+<p:sldLayout xmlns:a="http://schemas.openxmlformats.org/drawingml/2006/main" xmlns:r="http://schemas.openxmlformats.org/officeDocument/2006/relationships" xmlns:p="http://schemas.openxmlformats.org/presentationml/2006/main" preserve="1">
+  <p:cSld name="带描述的引言">
+    <p:spTree>
+      <p:nvGrpSpPr>
+        <p:cNvPr id="1" name=""/>
+        <p:cNvGrpSpPr/>
+        <p:nvPr/>
+      </p:nvGrpSpPr>
+      <p:grpSpPr>
+        <a:xfrm>
+          <a:off x="0" y="0"/>
+          <a:ext cx="0" cy="0"/>
+          <a:chOff x="0" y="0"/>
+          <a:chExt cx="0" cy="0"/>
+        </a:xfrm>
+      </p:grpSpPr>
+      <p:sp>
+        <p:nvSpPr>
+          <p:cNvPr id="8" name="Freeform 6"/>
+          <p:cNvSpPr>
+            <a:spLocks noChangeAspect="1"/>
+          </p:cNvSpPr>
+          <p:nvPr/>
+        </p:nvSpPr>
+        <p:spPr bwMode="auto">
+          <a:xfrm>
+            <a:off x="631697" y="1081456"/>
+            <a:ext cx="6332416" cy="3239188"/>
+          </a:xfrm>
+          <a:custGeom>
+            <a:avLst/>
+            <a:gdLst/>
+            <a:ahLst/>
+            <a:cxnLst/>
+            <a:rect l="0" t="0" r="r" b="b"/>
+            <a:pathLst>
+              <a:path w="3384" h="2308">
+                <a:moveTo>
+                  <a:pt x="3340" y="0"/>
+                </a:moveTo>
+                <a:lnTo>
+                  <a:pt x="44" y="0"/>
+                </a:lnTo>
+                <a:lnTo>
+                  <a:pt x="44" y="0"/>
+                </a:lnTo>
+                <a:lnTo>
+                  <a:pt x="34" y="0"/>
+                </a:lnTo>
+                <a:lnTo>
+                  <a:pt x="26" y="4"/>
+                </a:lnTo>
+                <a:lnTo>
+                  <a:pt x="20" y="8"/>
+                </a:lnTo>
+                <a:lnTo>
+                  <a:pt x="12" y="12"/>
+                </a:lnTo>
+                <a:lnTo>
+                  <a:pt x="8" y="20"/>
+                </a:lnTo>
+                <a:lnTo>
+                  <a:pt x="4" y="26"/>
+                </a:lnTo>
+                <a:lnTo>
+                  <a:pt x="0" y="34"/>
+                </a:lnTo>
+                <a:lnTo>
+                  <a:pt x="0" y="44"/>
+                </a:lnTo>
+                <a:lnTo>
+                  <a:pt x="0" y="2076"/>
+                </a:lnTo>
+                <a:lnTo>
+                  <a:pt x="0" y="2076"/>
+                </a:lnTo>
+                <a:lnTo>
+                  <a:pt x="0" y="2086"/>
+                </a:lnTo>
+                <a:lnTo>
+                  <a:pt x="4" y="2094"/>
+                </a:lnTo>
+                <a:lnTo>
+                  <a:pt x="8" y="2100"/>
+                </a:lnTo>
+                <a:lnTo>
+                  <a:pt x="12" y="2108"/>
+                </a:lnTo>
+                <a:lnTo>
+                  <a:pt x="20" y="2112"/>
+                </a:lnTo>
+                <a:lnTo>
+                  <a:pt x="26" y="2116"/>
+                </a:lnTo>
+                <a:lnTo>
+                  <a:pt x="34" y="2120"/>
+                </a:lnTo>
+                <a:lnTo>
+                  <a:pt x="44" y="2120"/>
+                </a:lnTo>
+                <a:lnTo>
+                  <a:pt x="474" y="2120"/>
+                </a:lnTo>
+                <a:lnTo>
+                  <a:pt x="650" y="2296"/>
+                </a:lnTo>
+                <a:lnTo>
+                  <a:pt x="650" y="2296"/>
+                </a:lnTo>
+                <a:lnTo>
+                  <a:pt x="656" y="2300"/>
+                </a:lnTo>
+                <a:lnTo>
+                  <a:pt x="664" y="2304"/>
+                </a:lnTo>
+                <a:lnTo>
+                  <a:pt x="672" y="2308"/>
+                </a:lnTo>
+                <a:lnTo>
+                  <a:pt x="680" y="2308"/>
+                </a:lnTo>
+                <a:lnTo>
+                  <a:pt x="688" y="2308"/>
+                </a:lnTo>
+                <a:lnTo>
+                  <a:pt x="696" y="2304"/>
+                </a:lnTo>
+                <a:lnTo>
+                  <a:pt x="704" y="2300"/>
+                </a:lnTo>
+                <a:lnTo>
+                  <a:pt x="710" y="2296"/>
+                </a:lnTo>
+                <a:lnTo>
+                  <a:pt x="886" y="2120"/>
+                </a:lnTo>
+                <a:lnTo>
+                  <a:pt x="3340" y="2120"/>
+                </a:lnTo>
+                <a:lnTo>
+                  <a:pt x="3340" y="2120"/>
+                </a:lnTo>
+                <a:lnTo>
+                  <a:pt x="3350" y="2120"/>
+                </a:lnTo>
+                <a:lnTo>
+                  <a:pt x="3358" y="2116"/>
+                </a:lnTo>
+                <a:lnTo>
+                  <a:pt x="3364" y="2112"/>
+                </a:lnTo>
+                <a:lnTo>
+                  <a:pt x="3372" y="2108"/>
+                </a:lnTo>
+                <a:lnTo>
+                  <a:pt x="3376" y="2100"/>
+                </a:lnTo>
+                <a:lnTo>
+                  <a:pt x="3380" y="2094"/>
+                </a:lnTo>
+                <a:lnTo>
+                  <a:pt x="3384" y="2086"/>
+                </a:lnTo>
+                <a:lnTo>
+                  <a:pt x="3384" y="2076"/>
+                </a:lnTo>
+                <a:lnTo>
+                  <a:pt x="3384" y="44"/>
+                </a:lnTo>
+                <a:lnTo>
+                  <a:pt x="3384" y="44"/>
+                </a:lnTo>
+                <a:lnTo>
+                  <a:pt x="3384" y="34"/>
+                </a:lnTo>
+                <a:lnTo>
+                  <a:pt x="3380" y="26"/>
+                </a:lnTo>
+                <a:lnTo>
+                  <a:pt x="3376" y="20"/>
+                </a:lnTo>
+                <a:lnTo>
+                  <a:pt x="3372" y="12"/>
+                </a:lnTo>
+                <a:lnTo>
+                  <a:pt x="3364" y="8"/>
+                </a:lnTo>
+                <a:lnTo>
+                  <a:pt x="3358" y="4"/>
+                </a:lnTo>
+                <a:lnTo>
+                  <a:pt x="3350" y="0"/>
+                </a:lnTo>
+                <a:lnTo>
+                  <a:pt x="3340" y="0"/>
+                </a:lnTo>
+                <a:lnTo>
+                  <a:pt x="3340" y="0"/>
+                </a:lnTo>
+                <a:close/>
+              </a:path>
+            </a:pathLst>
+          </a:custGeom>
+          <a:ln>
+            <a:solidFill>
+              <a:schemeClr val="accent1"/>
+            </a:solidFill>
+          </a:ln>
+        </p:spPr>
+        <p:style>
+          <a:lnRef idx="1">
+            <a:schemeClr val="accent1"/>
+          </a:lnRef>
+          <a:fillRef idx="3">
+            <a:schemeClr val="accent1"/>
+          </a:fillRef>
+          <a:effectRef idx="2">
+            <a:schemeClr val="accent1"/>
+          </a:effectRef>
+          <a:fontRef idx="minor">
+            <a:schemeClr val="lt1"/>
+          </a:fontRef>
+        </p:style>
+      </p:sp>
+      <p:sp>
+        <p:nvSpPr>
+          <p:cNvPr id="2" name="Title 1"/>
+          <p:cNvSpPr>
+            <a:spLocks noGrp="1"/>
+          </p:cNvSpPr>
+          <p:nvPr>
+            <p:ph type="title"/>
+          </p:nvPr>
+        </p:nvSpPr>
+        <p:spPr>
+          <a:xfrm>
+            <a:off x="850985" y="1238502"/>
+            <a:ext cx="5893840" cy="2645912"/>
+          </a:xfrm>
+        </p:spPr>
+        <p:txBody>
+          <a:bodyPr anchor="b"/>
+          <a:lstStyle>
+            <a:lvl1pPr algn="l">
+              <a:defRPr sz="4200" b="1" cap="none"/>
+            </a:lvl1pPr>
+          </a:lstStyle>
+          <a:p>
+            <a:r>
+              <a:rPr lang="zh-CN" altLang="en-US"/>
+              <a:t>单击此处编辑母版标题样式</a:t>
+            </a:r>
+            <a:endParaRPr lang="en-US" dirty="0"/>
+          </a:p>
+        </p:txBody>
+      </p:sp>
+      <p:sp>
+        <p:nvSpPr>
+          <p:cNvPr id="3" name="Text Placeholder 2"/>
+          <p:cNvSpPr>
+            <a:spLocks noGrp="1"/>
+          </p:cNvSpPr>
+          <p:nvPr>
+            <p:ph type="body" idx="1"/>
+          </p:nvPr>
+        </p:nvSpPr>
+        <p:spPr>
+          <a:xfrm>
+            <a:off x="853190" y="4443680"/>
+            <a:ext cx="5891636" cy="713241"/>
+          </a:xfrm>
+        </p:spPr>
+        <p:txBody>
+          <a:bodyPr anchor="t">
+            <a:noAutofit/>
+          </a:bodyPr>
+          <a:lstStyle>
+            <a:lvl1pPr marL="0" indent="0" algn="l">
+              <a:buNone/>
+              <a:defRPr sz="1800">
+                <a:solidFill>
+                  <a:schemeClr val="tx1"/>
+                </a:solidFill>
+              </a:defRPr>
+            </a:lvl1pPr>
+            <a:lvl2pPr marL="457200" indent="0">
+              <a:buNone/>
+              <a:defRPr sz="1800">
+                <a:solidFill>
+                  <a:schemeClr val="tx1">
+                    <a:tint val="75000"/>
+                  </a:schemeClr>
+                </a:solidFill>
+              </a:defRPr>
+            </a:lvl2pPr>
+            <a:lvl3pPr marL="914400" indent="0">
+              <a:buNone/>
+              <a:defRPr sz="1600">
+                <a:solidFill>
+                  <a:schemeClr val="tx1">
+                    <a:tint val="75000"/>
+                  </a:schemeClr>
+                </a:solidFill>
+              </a:defRPr>
+            </a:lvl3pPr>
+            <a:lvl4pPr marL="1371600" indent="0">
+              <a:buNone/>
+              <a:defRPr sz="1400">
+                <a:solidFill>
+                  <a:schemeClr val="tx1">
+                    <a:tint val="75000"/>
+                  </a:schemeClr>
+                </a:solidFill>
+              </a:defRPr>
+            </a:lvl4pPr>
+            <a:lvl5pPr marL="1828800" indent="0">
+              <a:buNone/>
+              <a:defRPr sz="1400">
+                <a:solidFill>
+                  <a:schemeClr val="tx1">
+                    <a:tint val="75000"/>
+                  </a:schemeClr>
+                </a:solidFill>
+              </a:defRPr>
+            </a:lvl5pPr>
+            <a:lvl6pPr marL="2286000" indent="0">
+              <a:buNone/>
+              <a:defRPr sz="1400">
+                <a:solidFill>
+                  <a:schemeClr val="tx1">
+                    <a:tint val="75000"/>
+                  </a:schemeClr>
+                </a:solidFill>
+              </a:defRPr>
+            </a:lvl6pPr>
+            <a:lvl7pPr marL="2743200" indent="0">
+              <a:buNone/>
+              <a:defRPr sz="1400">
+                <a:solidFill>
+                  <a:schemeClr val="tx1">
+                    <a:tint val="75000"/>
+                  </a:schemeClr>
+                </a:solidFill>
+              </a:defRPr>
+            </a:lvl7pPr>
+            <a:lvl8pPr marL="3200400" indent="0">
+              <a:buNone/>
+              <a:defRPr sz="1400">
+                <a:solidFill>
+                  <a:schemeClr val="tx1">
+                    <a:tint val="75000"/>
+                  </a:schemeClr>
+                </a:solidFill>
+              </a:defRPr>
+            </a:lvl8pPr>
+            <a:lvl9pPr marL="3657600" indent="0">
+              <a:buNone/>
+              <a:defRPr sz="1400">
+                <a:solidFill>
+                  <a:schemeClr val="tx1">
+                    <a:tint val="75000"/>
+                  </a:schemeClr>
+                </a:solidFill>
+              </a:defRPr>
+            </a:lvl9pPr>
+          </a:lstStyle>
+          <a:p>
+            <a:pPr lvl="0"/>
+            <a:r>
+              <a:rPr lang="zh-CN" altLang="en-US"/>
+              <a:t>编辑母版文本样式</a:t>
+            </a:r>
+          </a:p>
+        </p:txBody>
+      </p:sp>
+      <p:sp>
+        <p:nvSpPr>
+          <p:cNvPr id="9" name="Text Placeholder 5"/>
+          <p:cNvSpPr>
+            <a:spLocks noGrp="1"/>
+          </p:cNvSpPr>
+          <p:nvPr>
+            <p:ph type="body" sz="quarter" idx="16"/>
+          </p:nvPr>
+        </p:nvSpPr>
+        <p:spPr>
+          <a:xfrm>
+            <a:off x="7574642" y="1081456"/>
+            <a:ext cx="3810001" cy="4075465"/>
+          </a:xfrm>
+        </p:spPr>
+        <p:txBody>
+          <a:bodyPr anchor="t"/>
+          <a:lstStyle>
+            <a:lvl1pPr marL="0" indent="0">
+              <a:buFontTx/>
+              <a:buNone/>
+              <a:defRPr/>
+            </a:lvl1pPr>
+          </a:lstStyle>
+          <a:p>
+            <a:pPr lvl="0"/>
+            <a:r>
+              <a:rPr lang="zh-CN" altLang="en-US"/>
+              <a:t>编辑母版文本样式</a:t>
+            </a:r>
+          </a:p>
+        </p:txBody>
+      </p:sp>
+      <p:sp>
+        <p:nvSpPr>
+          <p:cNvPr id="4" name="Date Placeholder 3"/>
+          <p:cNvSpPr>
+            <a:spLocks noGrp="1"/>
+          </p:cNvSpPr>
+          <p:nvPr>
+            <p:ph type="dt" sz="half" idx="10"/>
+          </p:nvPr>
+        </p:nvSpPr>
+        <p:spPr/>
+        <p:txBody>
+          <a:bodyPr/>
+          <a:lstStyle/>
+          <a:p>
+            <a:fld id="{371F0B48-F53C-40B1-B5C5-25DD89E7CD34}" type="datetimeFigureOut">
+              <a:rPr lang="zh-CN" altLang="en-US" smtClean="0"/>
+              <a:t>2017/11/2</a:t>
+            </a:fld>
+            <a:endParaRPr lang="zh-CN" altLang="en-US"/>
+          </a:p>
+        </p:txBody>
+      </p:sp>
+      <p:sp>
+        <p:nvSpPr>
+          <p:cNvPr id="5" name="Footer Placeholder 4"/>
+          <p:cNvSpPr>
+            <a:spLocks noGrp="1"/>
+          </p:cNvSpPr>
+          <p:nvPr>
+            <p:ph type="ftr" sz="quarter" idx="11"/>
+          </p:nvPr>
+        </p:nvSpPr>
+        <p:spPr/>
+        <p:txBody>
+          <a:bodyPr/>
+          <a:lstStyle/>
+          <a:p>
+            <a:endParaRPr lang="zh-CN" altLang="en-US"/>
+          </a:p>
+        </p:txBody>
+      </p:sp>
+      <p:sp>
+        <p:nvSpPr>
+          <p:cNvPr id="6" name="Slide Number Placeholder 5"/>
+          <p:cNvSpPr>
+            <a:spLocks noGrp="1"/>
+          </p:cNvSpPr>
+          <p:nvPr>
+            <p:ph type="sldNum" sz="quarter" idx="12"/>
+          </p:nvPr>
+        </p:nvSpPr>
+        <p:spPr/>
+        <p:txBody>
+          <a:bodyPr/>
+          <a:lstStyle/>
+          <a:p>
+            <a:fld id="{42F5E065-6231-4B5A-8F3F-BE59FA1930EB}" type="slidenum">
+              <a:rPr lang="zh-CN" altLang="en-US" smtClean="0"/>
+              <a:t>‹#›</a:t>
+            </a:fld>
+            <a:endParaRPr lang="zh-CN" altLang="en-US"/>
+          </a:p>
+        </p:txBody>
+      </p:sp>
+    </p:spTree>
+    <p:extLst>
+      <p:ext uri="{BB962C8B-B14F-4D97-AF65-F5344CB8AC3E}">
+        <p14:creationId xmlns:p14="http://schemas.microsoft.com/office/powerpoint/2010/main" val="2475689053"/>
+      </p:ext>
+    </p:extLst>
+  </p:cSld>
+  <p:clrMapOvr>
+    <a:masterClrMapping/>
+  </p:clrMapOvr>
+</p:sldLayout>
+</file>
+
+<file path=ppt/slideLayouts/slideLayout12.xml><?xml version="1.0" encoding="utf-8"?>
+<p:sldLayout xmlns:a="http://schemas.openxmlformats.org/drawingml/2006/main" xmlns:r="http://schemas.openxmlformats.org/officeDocument/2006/relationships" xmlns:p="http://schemas.openxmlformats.org/presentationml/2006/main" preserve="1">
+  <p:cSld name="名片">
+    <p:spTree>
+      <p:nvGrpSpPr>
+        <p:cNvPr id="1" name=""/>
+        <p:cNvGrpSpPr/>
+        <p:nvPr/>
+      </p:nvGrpSpPr>
+      <p:grpSpPr>
+        <a:xfrm>
+          <a:off x="0" y="0"/>
+          <a:ext cx="0" cy="0"/>
+          <a:chOff x="0" y="0"/>
+          <a:chExt cx="0" cy="0"/>
+        </a:xfrm>
+      </p:grpSpPr>
+      <p:sp>
+        <p:nvSpPr>
+          <p:cNvPr id="9" name="Freeform 6"/>
+          <p:cNvSpPr>
+            <a:spLocks noChangeAspect="1"/>
+          </p:cNvSpPr>
+          <p:nvPr/>
+        </p:nvSpPr>
+        <p:spPr bwMode="auto">
+          <a:xfrm>
+            <a:off x="1140884" y="2286585"/>
+            <a:ext cx="4895115" cy="2503972"/>
+          </a:xfrm>
+          <a:custGeom>
+            <a:avLst/>
+            <a:gdLst/>
+            <a:ahLst/>
+            <a:cxnLst/>
+            <a:rect l="0" t="0" r="r" b="b"/>
+            <a:pathLst>
+              <a:path w="3384" h="2308">
+                <a:moveTo>
+                  <a:pt x="3340" y="0"/>
+                </a:moveTo>
+                <a:lnTo>
+                  <a:pt x="44" y="0"/>
+                </a:lnTo>
+                <a:lnTo>
+                  <a:pt x="44" y="0"/>
+                </a:lnTo>
+                <a:lnTo>
+                  <a:pt x="34" y="0"/>
+                </a:lnTo>
+                <a:lnTo>
+                  <a:pt x="26" y="4"/>
+                </a:lnTo>
+                <a:lnTo>
+                  <a:pt x="20" y="8"/>
+                </a:lnTo>
+                <a:lnTo>
+                  <a:pt x="12" y="12"/>
+                </a:lnTo>
+                <a:lnTo>
+                  <a:pt x="8" y="20"/>
+                </a:lnTo>
+                <a:lnTo>
+                  <a:pt x="4" y="26"/>
+                </a:lnTo>
+                <a:lnTo>
+                  <a:pt x="0" y="34"/>
+                </a:lnTo>
+                <a:lnTo>
+                  <a:pt x="0" y="44"/>
+                </a:lnTo>
+                <a:lnTo>
+                  <a:pt x="0" y="2076"/>
+                </a:lnTo>
+                <a:lnTo>
+                  <a:pt x="0" y="2076"/>
+                </a:lnTo>
+                <a:lnTo>
+                  <a:pt x="0" y="2086"/>
+                </a:lnTo>
+                <a:lnTo>
+                  <a:pt x="4" y="2094"/>
+                </a:lnTo>
+                <a:lnTo>
+                  <a:pt x="8" y="2100"/>
+                </a:lnTo>
+                <a:lnTo>
+                  <a:pt x="12" y="2108"/>
+                </a:lnTo>
+                <a:lnTo>
+                  <a:pt x="20" y="2112"/>
+                </a:lnTo>
+                <a:lnTo>
+                  <a:pt x="26" y="2116"/>
+                </a:lnTo>
+                <a:lnTo>
+                  <a:pt x="34" y="2120"/>
+                </a:lnTo>
+                <a:lnTo>
+                  <a:pt x="44" y="2120"/>
+                </a:lnTo>
+                <a:lnTo>
+                  <a:pt x="474" y="2120"/>
+                </a:lnTo>
+                <a:lnTo>
+                  <a:pt x="650" y="2296"/>
+                </a:lnTo>
+                <a:lnTo>
+                  <a:pt x="650" y="2296"/>
+                </a:lnTo>
+                <a:lnTo>
+                  <a:pt x="656" y="2300"/>
+                </a:lnTo>
+                <a:lnTo>
+                  <a:pt x="664" y="2304"/>
+                </a:lnTo>
+                <a:lnTo>
+                  <a:pt x="672" y="2308"/>
+                </a:lnTo>
+                <a:lnTo>
+                  <a:pt x="680" y="2308"/>
+                </a:lnTo>
+                <a:lnTo>
+                  <a:pt x="688" y="2308"/>
+                </a:lnTo>
+                <a:lnTo>
+                  <a:pt x="696" y="2304"/>
+                </a:lnTo>
+                <a:lnTo>
+                  <a:pt x="704" y="2300"/>
+                </a:lnTo>
+                <a:lnTo>
+                  <a:pt x="710" y="2296"/>
+                </a:lnTo>
+                <a:lnTo>
+                  <a:pt x="886" y="2120"/>
+                </a:lnTo>
+                <a:lnTo>
+                  <a:pt x="3340" y="2120"/>
+                </a:lnTo>
+                <a:lnTo>
+                  <a:pt x="3340" y="2120"/>
+                </a:lnTo>
+                <a:lnTo>
+                  <a:pt x="3350" y="2120"/>
+                </a:lnTo>
+                <a:lnTo>
+                  <a:pt x="3358" y="2116"/>
+                </a:lnTo>
+                <a:lnTo>
+                  <a:pt x="3364" y="2112"/>
+                </a:lnTo>
+                <a:lnTo>
+                  <a:pt x="3372" y="2108"/>
+                </a:lnTo>
+                <a:lnTo>
+                  <a:pt x="3376" y="2100"/>
+                </a:lnTo>
+                <a:lnTo>
+                  <a:pt x="3380" y="2094"/>
+                </a:lnTo>
+                <a:lnTo>
+                  <a:pt x="3384" y="2086"/>
+                </a:lnTo>
+                <a:lnTo>
+                  <a:pt x="3384" y="2076"/>
+                </a:lnTo>
+                <a:lnTo>
+                  <a:pt x="3384" y="44"/>
+                </a:lnTo>
+                <a:lnTo>
+                  <a:pt x="3384" y="44"/>
+                </a:lnTo>
+                <a:lnTo>
+                  <a:pt x="3384" y="34"/>
+                </a:lnTo>
+                <a:lnTo>
+                  <a:pt x="3380" y="26"/>
+                </a:lnTo>
+                <a:lnTo>
+                  <a:pt x="3376" y="20"/>
+                </a:lnTo>
+                <a:lnTo>
+                  <a:pt x="3372" y="12"/>
+                </a:lnTo>
+                <a:lnTo>
+                  <a:pt x="3364" y="8"/>
+                </a:lnTo>
+                <a:lnTo>
+                  <a:pt x="3358" y="4"/>
+                </a:lnTo>
+                <a:lnTo>
+                  <a:pt x="3350" y="0"/>
+                </a:lnTo>
+                <a:lnTo>
+                  <a:pt x="3340" y="0"/>
+                </a:lnTo>
+                <a:lnTo>
+                  <a:pt x="3340" y="0"/>
+                </a:lnTo>
+                <a:close/>
+              </a:path>
+            </a:pathLst>
+          </a:custGeom>
+          <a:ln>
+            <a:solidFill>
+              <a:schemeClr val="accent1"/>
+            </a:solidFill>
+          </a:ln>
+        </p:spPr>
+        <p:style>
+          <a:lnRef idx="1">
+            <a:schemeClr val="accent1"/>
+          </a:lnRef>
+          <a:fillRef idx="3">
+            <a:schemeClr val="accent1"/>
+          </a:fillRef>
+          <a:effectRef idx="2">
+            <a:schemeClr val="accent1"/>
+          </a:effectRef>
+          <a:fontRef idx="minor">
+            <a:schemeClr val="lt1"/>
+          </a:fontRef>
+        </p:style>
+      </p:sp>
+      <p:sp>
+        <p:nvSpPr>
+          <p:cNvPr id="38" name="Title 1"/>
+          <p:cNvSpPr>
+            <a:spLocks noGrp="1"/>
+          </p:cNvSpPr>
+          <p:nvPr>
+            <p:ph type="title"/>
+          </p:nvPr>
+        </p:nvSpPr>
+        <p:spPr>
+          <a:xfrm>
+            <a:off x="1357089" y="2435957"/>
+            <a:ext cx="4382521" cy="2007789"/>
+          </a:xfrm>
+        </p:spPr>
+        <p:txBody>
+          <a:bodyPr/>
+          <a:lstStyle>
+            <a:lvl1pPr>
+              <a:defRPr sz="3200"/>
+            </a:lvl1pPr>
+          </a:lstStyle>
+          <a:p>
+            <a:r>
+              <a:rPr lang="zh-CN" altLang="en-US"/>
+              <a:t>单击此处编辑母版标题样式</a:t>
+            </a:r>
+            <a:endParaRPr lang="en-US" dirty="0"/>
+          </a:p>
+        </p:txBody>
+      </p:sp>
+      <p:sp>
+        <p:nvSpPr>
+          <p:cNvPr id="6" name="Text Placeholder 5"/>
+          <p:cNvSpPr>
+            <a:spLocks noGrp="1"/>
+          </p:cNvSpPr>
+          <p:nvPr>
+            <p:ph type="body" sz="quarter" idx="16"/>
+          </p:nvPr>
+        </p:nvSpPr>
+        <p:spPr>
+          <a:xfrm>
+            <a:off x="6156000" y="2286000"/>
+            <a:ext cx="4880300" cy="2295525"/>
+          </a:xfrm>
+        </p:spPr>
+        <p:txBody>
+          <a:bodyPr anchor="t"/>
+          <a:lstStyle>
+            <a:lvl1pPr marL="0" indent="0">
+              <a:buFontTx/>
+              <a:buNone/>
+              <a:defRPr/>
+            </a:lvl1pPr>
+          </a:lstStyle>
+          <a:p>
+            <a:pPr lvl="0"/>
+            <a:r>
+              <a:rPr lang="zh-CN" altLang="en-US"/>
+              <a:t>编辑母版文本样式</a:t>
+            </a:r>
+          </a:p>
+        </p:txBody>
+      </p:sp>
+      <p:sp>
+        <p:nvSpPr>
+          <p:cNvPr id="2" name="Date Placeholder 1"/>
+          <p:cNvSpPr>
+            <a:spLocks noGrp="1"/>
+          </p:cNvSpPr>
+          <p:nvPr>
+            <p:ph type="dt" sz="half" idx="10"/>
+          </p:nvPr>
+        </p:nvSpPr>
+        <p:spPr/>
+        <p:txBody>
+          <a:bodyPr/>
+          <a:lstStyle/>
+          <a:p>
+            <a:fld id="{371F0B48-F53C-40B1-B5C5-25DD89E7CD34}" type="datetimeFigureOut">
+              <a:rPr lang="zh-CN" altLang="en-US" smtClean="0"/>
+              <a:t>2017/11/2</a:t>
+            </a:fld>
+            <a:endParaRPr lang="zh-CN" altLang="en-US"/>
+          </a:p>
+        </p:txBody>
+      </p:sp>
+      <p:sp>
+        <p:nvSpPr>
+          <p:cNvPr id="3" name="Footer Placeholder 2"/>
+          <p:cNvSpPr>
+            <a:spLocks noGrp="1"/>
+          </p:cNvSpPr>
+          <p:nvPr>
+            <p:ph type="ftr" sz="quarter" idx="11"/>
+          </p:nvPr>
+        </p:nvSpPr>
+        <p:spPr/>
+        <p:txBody>
+          <a:bodyPr/>
+          <a:lstStyle/>
+          <a:p>
+            <a:endParaRPr lang="zh-CN" altLang="en-US"/>
+          </a:p>
+        </p:txBody>
+      </p:sp>
+      <p:sp>
+        <p:nvSpPr>
+          <p:cNvPr id="4" name="Slide Number Placeholder 3"/>
+          <p:cNvSpPr>
+            <a:spLocks noGrp="1"/>
+          </p:cNvSpPr>
+          <p:nvPr>
+            <p:ph type="sldNum" sz="quarter" idx="12"/>
+          </p:nvPr>
+        </p:nvSpPr>
+        <p:spPr/>
+        <p:txBody>
+          <a:bodyPr/>
+          <a:lstStyle/>
+          <a:p>
+            <a:fld id="{42F5E065-6231-4B5A-8F3F-BE59FA1930EB}" type="slidenum">
+              <a:rPr lang="zh-CN" altLang="en-US" smtClean="0"/>
+              <a:t>‹#›</a:t>
+            </a:fld>
+            <a:endParaRPr lang="zh-CN" altLang="en-US"/>
+          </a:p>
+        </p:txBody>
+      </p:sp>
+    </p:spTree>
+    <p:extLst>
+      <p:ext uri="{BB962C8B-B14F-4D97-AF65-F5344CB8AC3E}">
+        <p14:creationId xmlns:p14="http://schemas.microsoft.com/office/powerpoint/2010/main" val="2835046147"/>
+      </p:ext>
+    </p:extLst>
+  </p:cSld>
+  <p:clrMapOvr>
+    <a:masterClrMapping/>
+  </p:clrMapOvr>
+</p:sldLayout>
+</file>
+
+<file path=ppt/slideLayouts/slideLayout13.xml><?xml version="1.0" encoding="utf-8"?>
 <p:sldLayout xmlns:a="http://schemas.openxmlformats.org/drawingml/2006/main" xmlns:r="http://schemas.openxmlformats.org/officeDocument/2006/relationships" xmlns:p="http://schemas.openxmlformats.org/presentationml/2006/main" type="vertTx" preserve="1">
   <p:cSld name="标题和竖排文字">
     <p:spTree>
@@ -355,7 +1688,110 @@
       </p:grpSpPr>
       <p:sp>
         <p:nvSpPr>
-          <p:cNvPr id="2" name="标题 1"/>
+          <p:cNvPr id="7" name="Freeform 6"/>
+          <p:cNvSpPr/>
+          <p:nvPr/>
+        </p:nvSpPr>
+        <p:spPr bwMode="auto">
+          <a:xfrm>
+            <a:off x="0" y="0"/>
+            <a:ext cx="12192000" cy="2185988"/>
+          </a:xfrm>
+          <a:custGeom>
+            <a:avLst/>
+            <a:gdLst/>
+            <a:ahLst/>
+            <a:cxnLst/>
+            <a:rect l="0" t="0" r="r" b="b"/>
+            <a:pathLst>
+              <a:path w="5760" h="1377">
+                <a:moveTo>
+                  <a:pt x="5760" y="0"/>
+                </a:moveTo>
+                <a:lnTo>
+                  <a:pt x="0" y="0"/>
+                </a:lnTo>
+                <a:lnTo>
+                  <a:pt x="0" y="1189"/>
+                </a:lnTo>
+                <a:lnTo>
+                  <a:pt x="943" y="1189"/>
+                </a:lnTo>
+                <a:lnTo>
+                  <a:pt x="1123" y="1369"/>
+                </a:lnTo>
+                <a:lnTo>
+                  <a:pt x="1123" y="1369"/>
+                </a:lnTo>
+                <a:lnTo>
+                  <a:pt x="1127" y="1371"/>
+                </a:lnTo>
+                <a:lnTo>
+                  <a:pt x="1133" y="1374"/>
+                </a:lnTo>
+                <a:lnTo>
+                  <a:pt x="1139" y="1377"/>
+                </a:lnTo>
+                <a:lnTo>
+                  <a:pt x="1144" y="1377"/>
+                </a:lnTo>
+                <a:lnTo>
+                  <a:pt x="1150" y="1377"/>
+                </a:lnTo>
+                <a:lnTo>
+                  <a:pt x="1155" y="1374"/>
+                </a:lnTo>
+                <a:lnTo>
+                  <a:pt x="1161" y="1371"/>
+                </a:lnTo>
+                <a:lnTo>
+                  <a:pt x="1165" y="1369"/>
+                </a:lnTo>
+                <a:lnTo>
+                  <a:pt x="1345" y="1189"/>
+                </a:lnTo>
+                <a:lnTo>
+                  <a:pt x="5760" y="1189"/>
+                </a:lnTo>
+                <a:lnTo>
+                  <a:pt x="5760" y="0"/>
+                </a:lnTo>
+                <a:close/>
+              </a:path>
+            </a:pathLst>
+          </a:custGeom>
+          <a:ln/>
+          <a:extLst>
+            <a:ext uri="{91240B29-F687-4f45-9708-019B960494DF}">
+              <a14:hiddenLine xmlns="" xmlns:a14="http://schemas.microsoft.com/office/drawing/2010/main" w="9525">
+                <a:solidFill>
+                  <a:srgbClr val="000000"/>
+                </a:solidFill>
+                <a:round/>
+                <a:headEnd/>
+                <a:tailEnd/>
+              </a14:hiddenLine>
+            </a:ext>
+          </a:extLst>
+        </p:spPr>
+        <p:style>
+          <a:lnRef idx="1">
+            <a:schemeClr val="accent1"/>
+          </a:lnRef>
+          <a:fillRef idx="3">
+            <a:schemeClr val="accent1"/>
+          </a:fillRef>
+          <a:effectRef idx="2">
+            <a:schemeClr val="accent1"/>
+          </a:effectRef>
+          <a:fontRef idx="minor">
+            <a:schemeClr val="lt1"/>
+          </a:fontRef>
+        </p:style>
+      </p:sp>
+      <p:sp>
+        <p:nvSpPr>
+          <p:cNvPr id="2" name="Title 1"/>
           <p:cNvSpPr>
             <a:spLocks noGrp="1"/>
           </p:cNvSpPr>
@@ -372,12 +1808,13 @@
               <a:rPr lang="zh-CN" altLang="en-US"/>
               <a:t>单击此处编辑母版标题样式</a:t>
             </a:r>
-          </a:p>
-        </p:txBody>
-      </p:sp>
-      <p:sp>
-        <p:nvSpPr>
-          <p:cNvPr id="3" name="竖排文字占位符 2"/>
+            <a:endParaRPr lang="en-US" dirty="0"/>
+          </a:p>
+        </p:txBody>
+      </p:sp>
+      <p:sp>
+        <p:nvSpPr>
+          <p:cNvPr id="3" name="Vertical Text Placeholder 2"/>
           <p:cNvSpPr>
             <a:spLocks noGrp="1"/>
           </p:cNvSpPr>
@@ -387,7 +1824,7 @@
         </p:nvSpPr>
         <p:spPr/>
         <p:txBody>
-          <a:bodyPr vert="eaVert"/>
+          <a:bodyPr vert="eaVert" anchor="t"/>
           <a:lstStyle/>
           <a:p>
             <a:pPr lvl="0"/>
@@ -423,12 +1860,13 @@
               <a:rPr lang="zh-CN" altLang="en-US"/>
               <a:t>第五级</a:t>
             </a:r>
-          </a:p>
-        </p:txBody>
-      </p:sp>
-      <p:sp>
-        <p:nvSpPr>
-          <p:cNvPr id="4" name="日期占位符 3"/>
+            <a:endParaRPr lang="en-US" dirty="0"/>
+          </a:p>
+        </p:txBody>
+      </p:sp>
+      <p:sp>
+        <p:nvSpPr>
+          <p:cNvPr id="4" name="Date Placeholder 3"/>
           <p:cNvSpPr>
             <a:spLocks noGrp="1"/>
           </p:cNvSpPr>
@@ -443,7 +1881,7 @@
           <a:p>
             <a:fld id="{371F0B48-F53C-40B1-B5C5-25DD89E7CD34}" type="datetimeFigureOut">
               <a:rPr lang="zh-CN" altLang="en-US" smtClean="0"/>
-              <a:t>2017/10/29</a:t>
+              <a:t>2017/11/2</a:t>
             </a:fld>
             <a:endParaRPr lang="zh-CN" altLang="en-US"/>
           </a:p>
@@ -451,7 +1889,7 @@
       </p:sp>
       <p:sp>
         <p:nvSpPr>
-          <p:cNvPr id="5" name="页脚占位符 4"/>
+          <p:cNvPr id="5" name="Footer Placeholder 4"/>
           <p:cNvSpPr>
             <a:spLocks noGrp="1"/>
           </p:cNvSpPr>
@@ -470,7 +1908,7 @@
       </p:sp>
       <p:sp>
         <p:nvSpPr>
-          <p:cNvPr id="6" name="灯片编号占位符 5"/>
+          <p:cNvPr id="6" name="Slide Number Placeholder 5"/>
           <p:cNvSpPr>
             <a:spLocks noGrp="1"/>
           </p:cNvSpPr>
@@ -494,7 +1932,7 @@
     </p:spTree>
     <p:extLst>
       <p:ext uri="{BB962C8B-B14F-4D97-AF65-F5344CB8AC3E}">
-        <p14:creationId xmlns:p14="http://schemas.microsoft.com/office/powerpoint/2010/main" val="3434497969"/>
+        <p14:creationId xmlns:p14="http://schemas.microsoft.com/office/powerpoint/2010/main" val="3554279421"/>
       </p:ext>
     </p:extLst>
   </p:cSld>
@@ -504,7 +1942,7 @@
 </p:sldLayout>
 </file>
 
-<file path=ppt/slideLayouts/slideLayout11.xml><?xml version="1.0" encoding="utf-8"?>
+<file path=ppt/slideLayouts/slideLayout14.xml><?xml version="1.0" encoding="utf-8"?>
 <p:sldLayout xmlns:a="http://schemas.openxmlformats.org/drawingml/2006/main" xmlns:r="http://schemas.openxmlformats.org/officeDocument/2006/relationships" xmlns:p="http://schemas.openxmlformats.org/presentationml/2006/main" type="vertTitleAndTx" preserve="1">
   <p:cSld name="竖排标题与文本">
     <p:spTree>
@@ -523,7 +1961,112 @@
       </p:grpSpPr>
       <p:sp>
         <p:nvSpPr>
-          <p:cNvPr id="2" name="竖排标题 1"/>
+          <p:cNvPr id="12" name="Freeform 6"/>
+          <p:cNvSpPr>
+            <a:spLocks noChangeAspect="1"/>
+          </p:cNvSpPr>
+          <p:nvPr/>
+        </p:nvSpPr>
+        <p:spPr bwMode="auto">
+          <a:xfrm>
+            <a:off x="7669651" y="446089"/>
+            <a:ext cx="4522349" cy="5414962"/>
+          </a:xfrm>
+          <a:custGeom>
+            <a:avLst/>
+            <a:gdLst/>
+            <a:ahLst/>
+            <a:cxnLst/>
+            <a:rect l="0" t="0" r="r" b="b"/>
+            <a:pathLst>
+              <a:path w="2879" h="4320">
+                <a:moveTo>
+                  <a:pt x="183" y="0"/>
+                </a:moveTo>
+                <a:lnTo>
+                  <a:pt x="183" y="1197"/>
+                </a:lnTo>
+                <a:lnTo>
+                  <a:pt x="8" y="1372"/>
+                </a:lnTo>
+                <a:lnTo>
+                  <a:pt x="8" y="1372"/>
+                </a:lnTo>
+                <a:lnTo>
+                  <a:pt x="6" y="1376"/>
+                </a:lnTo>
+                <a:lnTo>
+                  <a:pt x="3" y="1382"/>
+                </a:lnTo>
+                <a:lnTo>
+                  <a:pt x="0" y="1387"/>
+                </a:lnTo>
+                <a:lnTo>
+                  <a:pt x="0" y="1393"/>
+                </a:lnTo>
+                <a:lnTo>
+                  <a:pt x="0" y="1399"/>
+                </a:lnTo>
+                <a:lnTo>
+                  <a:pt x="3" y="1404"/>
+                </a:lnTo>
+                <a:lnTo>
+                  <a:pt x="6" y="1410"/>
+                </a:lnTo>
+                <a:lnTo>
+                  <a:pt x="8" y="1414"/>
+                </a:lnTo>
+                <a:lnTo>
+                  <a:pt x="183" y="1589"/>
+                </a:lnTo>
+                <a:lnTo>
+                  <a:pt x="183" y="4320"/>
+                </a:lnTo>
+                <a:lnTo>
+                  <a:pt x="2879" y="4320"/>
+                </a:lnTo>
+                <a:lnTo>
+                  <a:pt x="2879" y="0"/>
+                </a:lnTo>
+                <a:lnTo>
+                  <a:pt x="183" y="0"/>
+                </a:lnTo>
+                <a:close/>
+              </a:path>
+            </a:pathLst>
+          </a:custGeom>
+          <a:ln/>
+          <a:extLst>
+            <a:ext uri="{91240B29-F687-4f45-9708-019B960494DF}">
+              <a14:hiddenLine xmlns="" xmlns:a14="http://schemas.microsoft.com/office/drawing/2010/main" w="9525">
+                <a:solidFill>
+                  <a:srgbClr val="000000"/>
+                </a:solidFill>
+                <a:round/>
+                <a:headEnd/>
+                <a:tailEnd/>
+              </a14:hiddenLine>
+            </a:ext>
+          </a:extLst>
+        </p:spPr>
+        <p:style>
+          <a:lnRef idx="1">
+            <a:schemeClr val="accent1"/>
+          </a:lnRef>
+          <a:fillRef idx="3">
+            <a:schemeClr val="accent1"/>
+          </a:fillRef>
+          <a:effectRef idx="2">
+            <a:schemeClr val="accent1"/>
+          </a:effectRef>
+          <a:fontRef idx="minor">
+            <a:schemeClr val="lt1"/>
+          </a:fontRef>
+        </p:style>
+      </p:sp>
+      <p:sp>
+        <p:nvSpPr>
+          <p:cNvPr id="2" name="Vertical Title 1"/>
           <p:cNvSpPr>
             <a:spLocks noGrp="1"/>
           </p:cNvSpPr>
@@ -533,8 +2076,8 @@
         </p:nvSpPr>
         <p:spPr>
           <a:xfrm>
-            <a:off x="8724900" y="365125"/>
-            <a:ext cx="2628900" cy="5811838"/>
+            <a:off x="8183540" y="586171"/>
+            <a:ext cx="2494791" cy="5134798"/>
           </a:xfrm>
         </p:spPr>
         <p:txBody>
@@ -545,12 +2088,13 @@
               <a:rPr lang="zh-CN" altLang="en-US"/>
               <a:t>单击此处编辑母版标题样式</a:t>
             </a:r>
-          </a:p>
-        </p:txBody>
-      </p:sp>
-      <p:sp>
-        <p:nvSpPr>
-          <p:cNvPr id="3" name="竖排文字占位符 2"/>
+            <a:endParaRPr lang="en-US" dirty="0"/>
+          </a:p>
+        </p:txBody>
+      </p:sp>
+      <p:sp>
+        <p:nvSpPr>
+          <p:cNvPr id="3" name="Vertical Text Placeholder 2"/>
           <p:cNvSpPr>
             <a:spLocks noGrp="1"/>
           </p:cNvSpPr>
@@ -560,12 +2104,12 @@
         </p:nvSpPr>
         <p:spPr>
           <a:xfrm>
-            <a:off x="838200" y="365125"/>
-            <a:ext cx="7734300" cy="5811838"/>
+            <a:off x="810001" y="446089"/>
+            <a:ext cx="6611540" cy="5414962"/>
           </a:xfrm>
         </p:spPr>
         <p:txBody>
-          <a:bodyPr vert="eaVert"/>
+          <a:bodyPr vert="eaVert" anchor="t"/>
           <a:lstStyle/>
           <a:p>
             <a:pPr lvl="0"/>
@@ -601,12 +2145,13 @@
               <a:rPr lang="zh-CN" altLang="en-US"/>
               <a:t>第五级</a:t>
             </a:r>
-          </a:p>
-        </p:txBody>
-      </p:sp>
-      <p:sp>
-        <p:nvSpPr>
-          <p:cNvPr id="4" name="日期占位符 3"/>
+            <a:endParaRPr lang="en-US" dirty="0"/>
+          </a:p>
+        </p:txBody>
+      </p:sp>
+      <p:sp>
+        <p:nvSpPr>
+          <p:cNvPr id="4" name="Date Placeholder 3"/>
           <p:cNvSpPr>
             <a:spLocks noGrp="1"/>
           </p:cNvSpPr>
@@ -621,7 +2166,7 @@
           <a:p>
             <a:fld id="{371F0B48-F53C-40B1-B5C5-25DD89E7CD34}" type="datetimeFigureOut">
               <a:rPr lang="zh-CN" altLang="en-US" smtClean="0"/>
-              <a:t>2017/10/29</a:t>
+              <a:t>2017/11/2</a:t>
             </a:fld>
             <a:endParaRPr lang="zh-CN" altLang="en-US"/>
           </a:p>
@@ -629,7 +2174,7 @@
       </p:sp>
       <p:sp>
         <p:nvSpPr>
-          <p:cNvPr id="5" name="页脚占位符 4"/>
+          <p:cNvPr id="5" name="Footer Placeholder 4"/>
           <p:cNvSpPr>
             <a:spLocks noGrp="1"/>
           </p:cNvSpPr>
@@ -648,7 +2193,7 @@
       </p:sp>
       <p:sp>
         <p:nvSpPr>
-          <p:cNvPr id="6" name="灯片编号占位符 5"/>
+          <p:cNvPr id="6" name="Slide Number Placeholder 5"/>
           <p:cNvSpPr>
             <a:spLocks noGrp="1"/>
           </p:cNvSpPr>
@@ -672,7 +2217,7 @@
     </p:spTree>
     <p:extLst>
       <p:ext uri="{BB962C8B-B14F-4D97-AF65-F5344CB8AC3E}">
-        <p14:creationId xmlns:p14="http://schemas.microsoft.com/office/powerpoint/2010/main" val="980284579"/>
+        <p14:creationId xmlns:p14="http://schemas.microsoft.com/office/powerpoint/2010/main" val="546886271"/>
       </p:ext>
     </p:extLst>
   </p:cSld>
@@ -701,7 +2246,110 @@
       </p:grpSpPr>
       <p:sp>
         <p:nvSpPr>
-          <p:cNvPr id="2" name="标题 1"/>
+          <p:cNvPr id="11" name="Freeform 6"/>
+          <p:cNvSpPr/>
+          <p:nvPr/>
+        </p:nvSpPr>
+        <p:spPr bwMode="auto">
+          <a:xfrm>
+            <a:off x="0" y="0"/>
+            <a:ext cx="12192000" cy="2185988"/>
+          </a:xfrm>
+          <a:custGeom>
+            <a:avLst/>
+            <a:gdLst/>
+            <a:ahLst/>
+            <a:cxnLst/>
+            <a:rect l="0" t="0" r="r" b="b"/>
+            <a:pathLst>
+              <a:path w="5760" h="1377">
+                <a:moveTo>
+                  <a:pt x="5760" y="0"/>
+                </a:moveTo>
+                <a:lnTo>
+                  <a:pt x="0" y="0"/>
+                </a:lnTo>
+                <a:lnTo>
+                  <a:pt x="0" y="1189"/>
+                </a:lnTo>
+                <a:lnTo>
+                  <a:pt x="943" y="1189"/>
+                </a:lnTo>
+                <a:lnTo>
+                  <a:pt x="1123" y="1369"/>
+                </a:lnTo>
+                <a:lnTo>
+                  <a:pt x="1123" y="1369"/>
+                </a:lnTo>
+                <a:lnTo>
+                  <a:pt x="1127" y="1371"/>
+                </a:lnTo>
+                <a:lnTo>
+                  <a:pt x="1133" y="1374"/>
+                </a:lnTo>
+                <a:lnTo>
+                  <a:pt x="1139" y="1377"/>
+                </a:lnTo>
+                <a:lnTo>
+                  <a:pt x="1144" y="1377"/>
+                </a:lnTo>
+                <a:lnTo>
+                  <a:pt x="1150" y="1377"/>
+                </a:lnTo>
+                <a:lnTo>
+                  <a:pt x="1155" y="1374"/>
+                </a:lnTo>
+                <a:lnTo>
+                  <a:pt x="1161" y="1371"/>
+                </a:lnTo>
+                <a:lnTo>
+                  <a:pt x="1165" y="1369"/>
+                </a:lnTo>
+                <a:lnTo>
+                  <a:pt x="1345" y="1189"/>
+                </a:lnTo>
+                <a:lnTo>
+                  <a:pt x="5760" y="1189"/>
+                </a:lnTo>
+                <a:lnTo>
+                  <a:pt x="5760" y="0"/>
+                </a:lnTo>
+                <a:close/>
+              </a:path>
+            </a:pathLst>
+          </a:custGeom>
+          <a:ln/>
+          <a:extLst>
+            <a:ext uri="{91240B29-F687-4f45-9708-019B960494DF}">
+              <a14:hiddenLine xmlns="" xmlns:a14="http://schemas.microsoft.com/office/drawing/2010/main" w="9525">
+                <a:solidFill>
+                  <a:srgbClr val="000000"/>
+                </a:solidFill>
+                <a:round/>
+                <a:headEnd/>
+                <a:tailEnd/>
+              </a14:hiddenLine>
+            </a:ext>
+          </a:extLst>
+        </p:spPr>
+        <p:style>
+          <a:lnRef idx="1">
+            <a:schemeClr val="accent1"/>
+          </a:lnRef>
+          <a:fillRef idx="3">
+            <a:schemeClr val="accent1"/>
+          </a:fillRef>
+          <a:effectRef idx="2">
+            <a:schemeClr val="accent1"/>
+          </a:effectRef>
+          <a:fontRef idx="minor">
+            <a:schemeClr val="lt1"/>
+          </a:fontRef>
+        </p:style>
+      </p:sp>
+      <p:sp>
+        <p:nvSpPr>
+          <p:cNvPr id="2" name="Title 1"/>
           <p:cNvSpPr>
             <a:spLocks noGrp="1"/>
           </p:cNvSpPr>
@@ -709,7 +2357,12 @@
             <p:ph type="title"/>
           </p:nvPr>
         </p:nvSpPr>
-        <p:spPr/>
+        <p:spPr>
+          <a:xfrm>
+            <a:off x="810000" y="447188"/>
+            <a:ext cx="10571998" cy="970450"/>
+          </a:xfrm>
+        </p:spPr>
         <p:txBody>
           <a:bodyPr/>
           <a:lstStyle/>
@@ -718,12 +2371,13 @@
               <a:rPr lang="zh-CN" altLang="en-US"/>
               <a:t>单击此处编辑母版标题样式</a:t>
             </a:r>
-          </a:p>
-        </p:txBody>
-      </p:sp>
-      <p:sp>
-        <p:nvSpPr>
-          <p:cNvPr id="3" name="内容占位符 2"/>
+            <a:endParaRPr lang="en-US" dirty="0"/>
+          </a:p>
+        </p:txBody>
+      </p:sp>
+      <p:sp>
+        <p:nvSpPr>
+          <p:cNvPr id="3" name="Content Placeholder 2"/>
           <p:cNvSpPr>
             <a:spLocks noGrp="1"/>
           </p:cNvSpPr>
@@ -731,7 +2385,12 @@
             <p:ph idx="1"/>
           </p:nvPr>
         </p:nvSpPr>
-        <p:spPr/>
+        <p:spPr>
+          <a:xfrm>
+            <a:off x="818712" y="2222287"/>
+            <a:ext cx="10554574" cy="3636511"/>
+          </a:xfrm>
+        </p:spPr>
         <p:txBody>
           <a:bodyPr/>
           <a:lstStyle/>
@@ -769,12 +2428,13 @@
               <a:rPr lang="zh-CN" altLang="en-US"/>
               <a:t>第五级</a:t>
             </a:r>
-          </a:p>
-        </p:txBody>
-      </p:sp>
-      <p:sp>
-        <p:nvSpPr>
-          <p:cNvPr id="4" name="日期占位符 3"/>
+            <a:endParaRPr lang="en-US" dirty="0"/>
+          </a:p>
+        </p:txBody>
+      </p:sp>
+      <p:sp>
+        <p:nvSpPr>
+          <p:cNvPr id="4" name="Date Placeholder 3"/>
           <p:cNvSpPr>
             <a:spLocks noGrp="1"/>
           </p:cNvSpPr>
@@ -789,7 +2449,7 @@
           <a:p>
             <a:fld id="{371F0B48-F53C-40B1-B5C5-25DD89E7CD34}" type="datetimeFigureOut">
               <a:rPr lang="zh-CN" altLang="en-US" smtClean="0"/>
-              <a:t>2017/10/29</a:t>
+              <a:t>2017/11/2</a:t>
             </a:fld>
             <a:endParaRPr lang="zh-CN" altLang="en-US"/>
           </a:p>
@@ -797,7 +2457,7 @@
       </p:sp>
       <p:sp>
         <p:nvSpPr>
-          <p:cNvPr id="5" name="页脚占位符 4"/>
+          <p:cNvPr id="5" name="Footer Placeholder 4"/>
           <p:cNvSpPr>
             <a:spLocks noGrp="1"/>
           </p:cNvSpPr>
@@ -816,7 +2476,7 @@
       </p:sp>
       <p:sp>
         <p:nvSpPr>
-          <p:cNvPr id="6" name="灯片编号占位符 5"/>
+          <p:cNvPr id="6" name="Slide Number Placeholder 5"/>
           <p:cNvSpPr>
             <a:spLocks noGrp="1"/>
           </p:cNvSpPr>
@@ -840,7 +2500,7 @@
     </p:spTree>
     <p:extLst>
       <p:ext uri="{BB962C8B-B14F-4D97-AF65-F5344CB8AC3E}">
-        <p14:creationId xmlns:p14="http://schemas.microsoft.com/office/powerpoint/2010/main" val="2058118522"/>
+        <p14:creationId xmlns:p14="http://schemas.microsoft.com/office/powerpoint/2010/main" val="4167850269"/>
       </p:ext>
     </p:extLst>
   </p:cSld>
@@ -869,7 +2529,104 @@
       </p:grpSpPr>
       <p:sp>
         <p:nvSpPr>
-          <p:cNvPr id="2" name="标题 1"/>
+          <p:cNvPr id="10" name="Freeform 7"/>
+          <p:cNvSpPr/>
+          <p:nvPr/>
+        </p:nvSpPr>
+        <p:spPr bwMode="auto">
+          <a:xfrm>
+            <a:off x="0" y="1"/>
+            <a:ext cx="12192000" cy="5203825"/>
+          </a:xfrm>
+          <a:custGeom>
+            <a:avLst/>
+            <a:gdLst/>
+            <a:ahLst/>
+            <a:cxnLst/>
+            <a:rect l="0" t="0" r="r" b="b"/>
+            <a:pathLst>
+              <a:path w="5760" h="3278">
+                <a:moveTo>
+                  <a:pt x="0" y="0"/>
+                </a:moveTo>
+                <a:lnTo>
+                  <a:pt x="5760" y="0"/>
+                </a:lnTo>
+                <a:lnTo>
+                  <a:pt x="5760" y="3090"/>
+                </a:lnTo>
+                <a:lnTo>
+                  <a:pt x="4817" y="3090"/>
+                </a:lnTo>
+                <a:lnTo>
+                  <a:pt x="4637" y="3270"/>
+                </a:lnTo>
+                <a:lnTo>
+                  <a:pt x="4637" y="3270"/>
+                </a:lnTo>
+                <a:lnTo>
+                  <a:pt x="4633" y="3272"/>
+                </a:lnTo>
+                <a:lnTo>
+                  <a:pt x="4627" y="3275"/>
+                </a:lnTo>
+                <a:lnTo>
+                  <a:pt x="4621" y="3278"/>
+                </a:lnTo>
+                <a:lnTo>
+                  <a:pt x="4616" y="3278"/>
+                </a:lnTo>
+                <a:lnTo>
+                  <a:pt x="4610" y="3278"/>
+                </a:lnTo>
+                <a:lnTo>
+                  <a:pt x="4605" y="3275"/>
+                </a:lnTo>
+                <a:lnTo>
+                  <a:pt x="4599" y="3272"/>
+                </a:lnTo>
+                <a:lnTo>
+                  <a:pt x="4595" y="3270"/>
+                </a:lnTo>
+                <a:lnTo>
+                  <a:pt x="4415" y="3090"/>
+                </a:lnTo>
+                <a:lnTo>
+                  <a:pt x="0" y="3090"/>
+                </a:lnTo>
+                <a:lnTo>
+                  <a:pt x="0" y="0"/>
+                </a:lnTo>
+                <a:lnTo>
+                  <a:pt x="0" y="0"/>
+                </a:lnTo>
+                <a:close/>
+              </a:path>
+            </a:pathLst>
+          </a:custGeom>
+          <a:ln>
+            <a:headEnd/>
+            <a:tailEnd/>
+          </a:ln>
+        </p:spPr>
+        <p:style>
+          <a:lnRef idx="1">
+            <a:schemeClr val="accent1"/>
+          </a:lnRef>
+          <a:fillRef idx="3">
+            <a:schemeClr val="accent1"/>
+          </a:fillRef>
+          <a:effectRef idx="2">
+            <a:schemeClr val="accent1"/>
+          </a:effectRef>
+          <a:fontRef idx="minor">
+            <a:schemeClr val="lt1"/>
+          </a:fontRef>
+        </p:style>
+      </p:sp>
+      <p:sp>
+        <p:nvSpPr>
+          <p:cNvPr id="2" name="Title 1"/>
           <p:cNvSpPr>
             <a:spLocks noGrp="1"/>
           </p:cNvSpPr>
@@ -879,15 +2636,15 @@
         </p:nvSpPr>
         <p:spPr>
           <a:xfrm>
-            <a:off x="831850" y="1709738"/>
-            <a:ext cx="10515600" cy="2852737"/>
+            <a:off x="810000" y="2951396"/>
+            <a:ext cx="10561418" cy="1468800"/>
           </a:xfrm>
         </p:spPr>
         <p:txBody>
           <a:bodyPr anchor="b"/>
           <a:lstStyle>
-            <a:lvl1pPr>
-              <a:defRPr sz="6000"/>
+            <a:lvl1pPr algn="r">
+              <a:defRPr sz="4800" b="1" cap="none"/>
             </a:lvl1pPr>
           </a:lstStyle>
           <a:p>
@@ -895,12 +2652,13 @@
               <a:rPr lang="zh-CN" altLang="en-US"/>
               <a:t>单击此处编辑母版标题样式</a:t>
             </a:r>
-          </a:p>
-        </p:txBody>
-      </p:sp>
-      <p:sp>
-        <p:nvSpPr>
-          <p:cNvPr id="3" name="文本占位符 2"/>
+            <a:endParaRPr lang="en-US" dirty="0"/>
+          </a:p>
+        </p:txBody>
+      </p:sp>
+      <p:sp>
+        <p:nvSpPr>
+          <p:cNvPr id="3" name="Text Placeholder 2"/>
           <p:cNvSpPr>
             <a:spLocks noGrp="1"/>
           </p:cNvSpPr>
@@ -910,26 +2668,26 @@
         </p:nvSpPr>
         <p:spPr>
           <a:xfrm>
-            <a:off x="831850" y="4589463"/>
-            <a:ext cx="10515600" cy="1500187"/>
+            <a:off x="810000" y="5281201"/>
+            <a:ext cx="10561418" cy="433955"/>
           </a:xfrm>
         </p:spPr>
         <p:txBody>
-          <a:bodyPr/>
+          <a:bodyPr anchor="t">
+            <a:noAutofit/>
+          </a:bodyPr>
           <a:lstStyle>
-            <a:lvl1pPr marL="0" indent="0">
+            <a:lvl1pPr marL="0" indent="0" algn="r">
               <a:buNone/>
-              <a:defRPr sz="2400">
+              <a:defRPr sz="1800">
                 <a:solidFill>
-                  <a:schemeClr val="tx1">
-                    <a:tint val="75000"/>
-                  </a:schemeClr>
+                  <a:schemeClr val="tx1"/>
                 </a:solidFill>
               </a:defRPr>
             </a:lvl1pPr>
             <a:lvl2pPr marL="457200" indent="0">
               <a:buNone/>
-              <a:defRPr sz="2000">
+              <a:defRPr sz="1800">
                 <a:solidFill>
                   <a:schemeClr val="tx1">
                     <a:tint val="75000"/>
@@ -939,7 +2697,7 @@
             </a:lvl2pPr>
             <a:lvl3pPr marL="914400" indent="0">
               <a:buNone/>
-              <a:defRPr sz="1800">
+              <a:defRPr sz="1600">
                 <a:solidFill>
                   <a:schemeClr val="tx1">
                     <a:tint val="75000"/>
@@ -949,7 +2707,7 @@
             </a:lvl3pPr>
             <a:lvl4pPr marL="1371600" indent="0">
               <a:buNone/>
-              <a:defRPr sz="1600">
+              <a:defRPr sz="1400">
                 <a:solidFill>
                   <a:schemeClr val="tx1">
                     <a:tint val="75000"/>
@@ -959,7 +2717,7 @@
             </a:lvl4pPr>
             <a:lvl5pPr marL="1828800" indent="0">
               <a:buNone/>
-              <a:defRPr sz="1600">
+              <a:defRPr sz="1400">
                 <a:solidFill>
                   <a:schemeClr val="tx1">
                     <a:tint val="75000"/>
@@ -969,7 +2727,7 @@
             </a:lvl5pPr>
             <a:lvl6pPr marL="2286000" indent="0">
               <a:buNone/>
-              <a:defRPr sz="1600">
+              <a:defRPr sz="1400">
                 <a:solidFill>
                   <a:schemeClr val="tx1">
                     <a:tint val="75000"/>
@@ -979,7 +2737,7 @@
             </a:lvl6pPr>
             <a:lvl7pPr marL="2743200" indent="0">
               <a:buNone/>
-              <a:defRPr sz="1600">
+              <a:defRPr sz="1400">
                 <a:solidFill>
                   <a:schemeClr val="tx1">
                     <a:tint val="75000"/>
@@ -989,7 +2747,7 @@
             </a:lvl7pPr>
             <a:lvl8pPr marL="3200400" indent="0">
               <a:buNone/>
-              <a:defRPr sz="1600">
+              <a:defRPr sz="1400">
                 <a:solidFill>
                   <a:schemeClr val="tx1">
                     <a:tint val="75000"/>
@@ -999,7 +2757,7 @@
             </a:lvl8pPr>
             <a:lvl9pPr marL="3657600" indent="0">
               <a:buNone/>
-              <a:defRPr sz="1600">
+              <a:defRPr sz="1400">
                 <a:solidFill>
                   <a:schemeClr val="tx1">
                     <a:tint val="75000"/>
@@ -1019,7 +2777,7 @@
       </p:sp>
       <p:sp>
         <p:nvSpPr>
-          <p:cNvPr id="4" name="日期占位符 3"/>
+          <p:cNvPr id="4" name="Date Placeholder 3"/>
           <p:cNvSpPr>
             <a:spLocks noGrp="1"/>
           </p:cNvSpPr>
@@ -1034,7 +2792,7 @@
           <a:p>
             <a:fld id="{371F0B48-F53C-40B1-B5C5-25DD89E7CD34}" type="datetimeFigureOut">
               <a:rPr lang="zh-CN" altLang="en-US" smtClean="0"/>
-              <a:t>2017/10/29</a:t>
+              <a:t>2017/11/2</a:t>
             </a:fld>
             <a:endParaRPr lang="zh-CN" altLang="en-US"/>
           </a:p>
@@ -1042,7 +2800,7 @@
       </p:sp>
       <p:sp>
         <p:nvSpPr>
-          <p:cNvPr id="5" name="页脚占位符 4"/>
+          <p:cNvPr id="5" name="Footer Placeholder 4"/>
           <p:cNvSpPr>
             <a:spLocks noGrp="1"/>
           </p:cNvSpPr>
@@ -1061,7 +2819,7 @@
       </p:sp>
       <p:sp>
         <p:nvSpPr>
-          <p:cNvPr id="6" name="灯片编号占位符 5"/>
+          <p:cNvPr id="6" name="Slide Number Placeholder 5"/>
           <p:cNvSpPr>
             <a:spLocks noGrp="1"/>
           </p:cNvSpPr>
@@ -1085,7 +2843,7 @@
     </p:spTree>
     <p:extLst>
       <p:ext uri="{BB962C8B-B14F-4D97-AF65-F5344CB8AC3E}">
-        <p14:creationId xmlns:p14="http://schemas.microsoft.com/office/powerpoint/2010/main" val="116789238"/>
+        <p14:creationId xmlns:p14="http://schemas.microsoft.com/office/powerpoint/2010/main" val="1286922617"/>
       </p:ext>
     </p:extLst>
   </p:cSld>
@@ -1114,7 +2872,110 @@
       </p:grpSpPr>
       <p:sp>
         <p:nvSpPr>
-          <p:cNvPr id="2" name="标题 1"/>
+          <p:cNvPr id="8" name="Freeform 6"/>
+          <p:cNvSpPr/>
+          <p:nvPr/>
+        </p:nvSpPr>
+        <p:spPr bwMode="auto">
+          <a:xfrm>
+            <a:off x="0" y="0"/>
+            <a:ext cx="12192000" cy="2185988"/>
+          </a:xfrm>
+          <a:custGeom>
+            <a:avLst/>
+            <a:gdLst/>
+            <a:ahLst/>
+            <a:cxnLst/>
+            <a:rect l="0" t="0" r="r" b="b"/>
+            <a:pathLst>
+              <a:path w="5760" h="1377">
+                <a:moveTo>
+                  <a:pt x="5760" y="0"/>
+                </a:moveTo>
+                <a:lnTo>
+                  <a:pt x="0" y="0"/>
+                </a:lnTo>
+                <a:lnTo>
+                  <a:pt x="0" y="1189"/>
+                </a:lnTo>
+                <a:lnTo>
+                  <a:pt x="943" y="1189"/>
+                </a:lnTo>
+                <a:lnTo>
+                  <a:pt x="1123" y="1369"/>
+                </a:lnTo>
+                <a:lnTo>
+                  <a:pt x="1123" y="1369"/>
+                </a:lnTo>
+                <a:lnTo>
+                  <a:pt x="1127" y="1371"/>
+                </a:lnTo>
+                <a:lnTo>
+                  <a:pt x="1133" y="1374"/>
+                </a:lnTo>
+                <a:lnTo>
+                  <a:pt x="1139" y="1377"/>
+                </a:lnTo>
+                <a:lnTo>
+                  <a:pt x="1144" y="1377"/>
+                </a:lnTo>
+                <a:lnTo>
+                  <a:pt x="1150" y="1377"/>
+                </a:lnTo>
+                <a:lnTo>
+                  <a:pt x="1155" y="1374"/>
+                </a:lnTo>
+                <a:lnTo>
+                  <a:pt x="1161" y="1371"/>
+                </a:lnTo>
+                <a:lnTo>
+                  <a:pt x="1165" y="1369"/>
+                </a:lnTo>
+                <a:lnTo>
+                  <a:pt x="1345" y="1189"/>
+                </a:lnTo>
+                <a:lnTo>
+                  <a:pt x="5760" y="1189"/>
+                </a:lnTo>
+                <a:lnTo>
+                  <a:pt x="5760" y="0"/>
+                </a:lnTo>
+                <a:close/>
+              </a:path>
+            </a:pathLst>
+          </a:custGeom>
+          <a:ln/>
+          <a:extLst>
+            <a:ext uri="{91240B29-F687-4f45-9708-019B960494DF}">
+              <a14:hiddenLine xmlns="" xmlns:a14="http://schemas.microsoft.com/office/drawing/2010/main" w="9525">
+                <a:solidFill>
+                  <a:srgbClr val="000000"/>
+                </a:solidFill>
+                <a:round/>
+                <a:headEnd/>
+                <a:tailEnd/>
+              </a14:hiddenLine>
+            </a:ext>
+          </a:extLst>
+        </p:spPr>
+        <p:style>
+          <a:lnRef idx="1">
+            <a:schemeClr val="accent1"/>
+          </a:lnRef>
+          <a:fillRef idx="3">
+            <a:schemeClr val="accent1"/>
+          </a:fillRef>
+          <a:effectRef idx="2">
+            <a:schemeClr val="accent1"/>
+          </a:effectRef>
+          <a:fontRef idx="minor">
+            <a:schemeClr val="lt1"/>
+          </a:fontRef>
+        </p:style>
+      </p:sp>
+      <p:sp>
+        <p:nvSpPr>
+          <p:cNvPr id="2" name="Title 1"/>
           <p:cNvSpPr>
             <a:spLocks noGrp="1"/>
           </p:cNvSpPr>
@@ -1131,12 +2992,13 @@
               <a:rPr lang="zh-CN" altLang="en-US"/>
               <a:t>单击此处编辑母版标题样式</a:t>
             </a:r>
-          </a:p>
-        </p:txBody>
-      </p:sp>
-      <p:sp>
-        <p:nvSpPr>
-          <p:cNvPr id="3" name="内容占位符 2"/>
+            <a:endParaRPr lang="en-US" dirty="0"/>
+          </a:p>
+        </p:txBody>
+      </p:sp>
+      <p:sp>
+        <p:nvSpPr>
+          <p:cNvPr id="3" name="Content Placeholder 2"/>
           <p:cNvSpPr>
             <a:spLocks noGrp="1"/>
           </p:cNvSpPr>
@@ -1146,12 +3008,14 @@
         </p:nvSpPr>
         <p:spPr>
           <a:xfrm>
-            <a:off x="838200" y="1825625"/>
-            <a:ext cx="5181600" cy="4351338"/>
+            <a:off x="818712" y="2222287"/>
+            <a:ext cx="5185873" cy="3638763"/>
           </a:xfrm>
         </p:spPr>
         <p:txBody>
-          <a:bodyPr/>
+          <a:bodyPr>
+            <a:normAutofit/>
+          </a:bodyPr>
           <a:lstStyle/>
           <a:p>
             <a:pPr lvl="0"/>
@@ -1187,12 +3051,13 @@
               <a:rPr lang="zh-CN" altLang="en-US"/>
               <a:t>第五级</a:t>
             </a:r>
-          </a:p>
-        </p:txBody>
-      </p:sp>
-      <p:sp>
-        <p:nvSpPr>
-          <p:cNvPr id="4" name="内容占位符 3"/>
+            <a:endParaRPr lang="en-US" dirty="0"/>
+          </a:p>
+        </p:txBody>
+      </p:sp>
+      <p:sp>
+        <p:nvSpPr>
+          <p:cNvPr id="4" name="Content Placeholder 3"/>
           <p:cNvSpPr>
             <a:spLocks noGrp="1"/>
           </p:cNvSpPr>
@@ -1202,12 +3067,14 @@
         </p:nvSpPr>
         <p:spPr>
           <a:xfrm>
-            <a:off x="6172200" y="1825625"/>
-            <a:ext cx="5181600" cy="4351338"/>
+            <a:off x="6187415" y="2222287"/>
+            <a:ext cx="5194583" cy="3638764"/>
           </a:xfrm>
         </p:spPr>
         <p:txBody>
-          <a:bodyPr/>
+          <a:bodyPr>
+            <a:normAutofit/>
+          </a:bodyPr>
           <a:lstStyle/>
           <a:p>
             <a:pPr lvl="0"/>
@@ -1243,12 +3110,13 @@
               <a:rPr lang="zh-CN" altLang="en-US"/>
               <a:t>第五级</a:t>
             </a:r>
-          </a:p>
-        </p:txBody>
-      </p:sp>
-      <p:sp>
-        <p:nvSpPr>
-          <p:cNvPr id="5" name="日期占位符 4"/>
+            <a:endParaRPr lang="en-US" dirty="0"/>
+          </a:p>
+        </p:txBody>
+      </p:sp>
+      <p:sp>
+        <p:nvSpPr>
+          <p:cNvPr id="5" name="Date Placeholder 4"/>
           <p:cNvSpPr>
             <a:spLocks noGrp="1"/>
           </p:cNvSpPr>
@@ -1263,7 +3131,7 @@
           <a:p>
             <a:fld id="{371F0B48-F53C-40B1-B5C5-25DD89E7CD34}" type="datetimeFigureOut">
               <a:rPr lang="zh-CN" altLang="en-US" smtClean="0"/>
-              <a:t>2017/10/29</a:t>
+              <a:t>2017/11/2</a:t>
             </a:fld>
             <a:endParaRPr lang="zh-CN" altLang="en-US"/>
           </a:p>
@@ -1271,7 +3139,7 @@
       </p:sp>
       <p:sp>
         <p:nvSpPr>
-          <p:cNvPr id="6" name="页脚占位符 5"/>
+          <p:cNvPr id="6" name="Footer Placeholder 5"/>
           <p:cNvSpPr>
             <a:spLocks noGrp="1"/>
           </p:cNvSpPr>
@@ -1290,7 +3158,7 @@
       </p:sp>
       <p:sp>
         <p:nvSpPr>
-          <p:cNvPr id="7" name="灯片编号占位符 6"/>
+          <p:cNvPr id="7" name="Slide Number Placeholder 6"/>
           <p:cNvSpPr>
             <a:spLocks noGrp="1"/>
           </p:cNvSpPr>
@@ -1314,7 +3182,7 @@
     </p:spTree>
     <p:extLst>
       <p:ext uri="{BB962C8B-B14F-4D97-AF65-F5344CB8AC3E}">
-        <p14:creationId xmlns:p14="http://schemas.microsoft.com/office/powerpoint/2010/main" val="3125622840"/>
+        <p14:creationId xmlns:p14="http://schemas.microsoft.com/office/powerpoint/2010/main" val="3117492394"/>
       </p:ext>
     </p:extLst>
   </p:cSld>
@@ -1343,53 +3211,158 @@
       </p:grpSpPr>
       <p:sp>
         <p:nvSpPr>
-          <p:cNvPr id="2" name="标题 1"/>
+          <p:cNvPr id="10" name="Freeform 6"/>
+          <p:cNvSpPr/>
+          <p:nvPr/>
+        </p:nvSpPr>
+        <p:spPr bwMode="auto">
+          <a:xfrm>
+            <a:off x="0" y="0"/>
+            <a:ext cx="12192000" cy="2185988"/>
+          </a:xfrm>
+          <a:custGeom>
+            <a:avLst/>
+            <a:gdLst/>
+            <a:ahLst/>
+            <a:cxnLst/>
+            <a:rect l="0" t="0" r="r" b="b"/>
+            <a:pathLst>
+              <a:path w="5760" h="1377">
+                <a:moveTo>
+                  <a:pt x="5760" y="0"/>
+                </a:moveTo>
+                <a:lnTo>
+                  <a:pt x="0" y="0"/>
+                </a:lnTo>
+                <a:lnTo>
+                  <a:pt x="0" y="1189"/>
+                </a:lnTo>
+                <a:lnTo>
+                  <a:pt x="943" y="1189"/>
+                </a:lnTo>
+                <a:lnTo>
+                  <a:pt x="1123" y="1369"/>
+                </a:lnTo>
+                <a:lnTo>
+                  <a:pt x="1123" y="1369"/>
+                </a:lnTo>
+                <a:lnTo>
+                  <a:pt x="1127" y="1371"/>
+                </a:lnTo>
+                <a:lnTo>
+                  <a:pt x="1133" y="1374"/>
+                </a:lnTo>
+                <a:lnTo>
+                  <a:pt x="1139" y="1377"/>
+                </a:lnTo>
+                <a:lnTo>
+                  <a:pt x="1144" y="1377"/>
+                </a:lnTo>
+                <a:lnTo>
+                  <a:pt x="1150" y="1377"/>
+                </a:lnTo>
+                <a:lnTo>
+                  <a:pt x="1155" y="1374"/>
+                </a:lnTo>
+                <a:lnTo>
+                  <a:pt x="1161" y="1371"/>
+                </a:lnTo>
+                <a:lnTo>
+                  <a:pt x="1165" y="1369"/>
+                </a:lnTo>
+                <a:lnTo>
+                  <a:pt x="1345" y="1189"/>
+                </a:lnTo>
+                <a:lnTo>
+                  <a:pt x="5760" y="1189"/>
+                </a:lnTo>
+                <a:lnTo>
+                  <a:pt x="5760" y="0"/>
+                </a:lnTo>
+                <a:close/>
+              </a:path>
+            </a:pathLst>
+          </a:custGeom>
+          <a:ln/>
+          <a:extLst>
+            <a:ext uri="{91240B29-F687-4f45-9708-019B960494DF}">
+              <a14:hiddenLine xmlns="" xmlns:a14="http://schemas.microsoft.com/office/drawing/2010/main" w="9525">
+                <a:solidFill>
+                  <a:srgbClr val="000000"/>
+                </a:solidFill>
+                <a:round/>
+                <a:headEnd/>
+                <a:tailEnd/>
+              </a14:hiddenLine>
+            </a:ext>
+          </a:extLst>
+        </p:spPr>
+        <p:style>
+          <a:lnRef idx="1">
+            <a:schemeClr val="accent1"/>
+          </a:lnRef>
+          <a:fillRef idx="3">
+            <a:schemeClr val="accent1"/>
+          </a:fillRef>
+          <a:effectRef idx="2">
+            <a:schemeClr val="accent1"/>
+          </a:effectRef>
+          <a:fontRef idx="minor">
+            <a:schemeClr val="lt1"/>
+          </a:fontRef>
+        </p:style>
+      </p:sp>
+      <p:sp>
+        <p:nvSpPr>
+          <p:cNvPr id="2" name="Title 1"/>
           <p:cNvSpPr>
             <a:spLocks noGrp="1"/>
           </p:cNvSpPr>
           <p:nvPr>
             <p:ph type="title"/>
+          </p:nvPr>
+        </p:nvSpPr>
+        <p:spPr/>
+        <p:txBody>
+          <a:bodyPr/>
+          <a:lstStyle>
+            <a:lvl1pPr>
+              <a:defRPr/>
+            </a:lvl1pPr>
+          </a:lstStyle>
+          <a:p>
+            <a:r>
+              <a:rPr lang="zh-CN" altLang="en-US"/>
+              <a:t>单击此处编辑母版标题样式</a:t>
+            </a:r>
+            <a:endParaRPr lang="en-US" dirty="0"/>
+          </a:p>
+        </p:txBody>
+      </p:sp>
+      <p:sp>
+        <p:nvSpPr>
+          <p:cNvPr id="3" name="Text Placeholder 2"/>
+          <p:cNvSpPr>
+            <a:spLocks noGrp="1"/>
+          </p:cNvSpPr>
+          <p:nvPr>
+            <p:ph type="body" idx="1"/>
           </p:nvPr>
         </p:nvSpPr>
         <p:spPr>
           <a:xfrm>
-            <a:off x="839788" y="365125"/>
-            <a:ext cx="10515600" cy="1325563"/>
+            <a:off x="814728" y="2174875"/>
+            <a:ext cx="5189857" cy="576262"/>
           </a:xfrm>
         </p:spPr>
         <p:txBody>
-          <a:bodyPr/>
-          <a:lstStyle/>
-          <a:p>
-            <a:r>
-              <a:rPr lang="zh-CN" altLang="en-US"/>
-              <a:t>单击此处编辑母版标题样式</a:t>
-            </a:r>
-          </a:p>
-        </p:txBody>
-      </p:sp>
-      <p:sp>
-        <p:nvSpPr>
-          <p:cNvPr id="3" name="文本占位符 2"/>
-          <p:cNvSpPr>
-            <a:spLocks noGrp="1"/>
-          </p:cNvSpPr>
-          <p:nvPr>
-            <p:ph type="body" idx="1"/>
-          </p:nvPr>
-        </p:nvSpPr>
-        <p:spPr>
-          <a:xfrm>
-            <a:off x="839788" y="1681163"/>
-            <a:ext cx="5157787" cy="823912"/>
-          </a:xfrm>
-        </p:spPr>
-        <p:txBody>
-          <a:bodyPr anchor="b"/>
+          <a:bodyPr anchor="b">
+            <a:noAutofit/>
+          </a:bodyPr>
           <a:lstStyle>
-            <a:lvl1pPr marL="0" indent="0">
+            <a:lvl1pPr marL="0" indent="0" algn="ctr">
               <a:buNone/>
-              <a:defRPr sz="2400" b="1"/>
+              <a:defRPr sz="2000" b="0"/>
             </a:lvl1pPr>
             <a:lvl2pPr marL="457200" indent="0">
               <a:buNone/>
@@ -1435,7 +3408,7 @@
       </p:sp>
       <p:sp>
         <p:nvSpPr>
-          <p:cNvPr id="4" name="内容占位符 3"/>
+          <p:cNvPr id="4" name="Content Placeholder 3"/>
           <p:cNvSpPr>
             <a:spLocks noGrp="1"/>
           </p:cNvSpPr>
@@ -1445,12 +3418,14 @@
         </p:nvSpPr>
         <p:spPr>
           <a:xfrm>
-            <a:off x="839788" y="2505075"/>
-            <a:ext cx="5157787" cy="3684588"/>
+            <a:off x="814729" y="2751138"/>
+            <a:ext cx="5189856" cy="3109913"/>
           </a:xfrm>
         </p:spPr>
         <p:txBody>
-          <a:bodyPr/>
+          <a:bodyPr anchor="t">
+            <a:normAutofit/>
+          </a:bodyPr>
           <a:lstStyle/>
           <a:p>
             <a:pPr lvl="0"/>
@@ -1486,12 +3461,13 @@
               <a:rPr lang="zh-CN" altLang="en-US"/>
               <a:t>第五级</a:t>
             </a:r>
-          </a:p>
-        </p:txBody>
-      </p:sp>
-      <p:sp>
-        <p:nvSpPr>
-          <p:cNvPr id="5" name="文本占位符 4"/>
+            <a:endParaRPr lang="en-US" dirty="0"/>
+          </a:p>
+        </p:txBody>
+      </p:sp>
+      <p:sp>
+        <p:nvSpPr>
+          <p:cNvPr id="5" name="Text Placeholder 4"/>
           <p:cNvSpPr>
             <a:spLocks noGrp="1"/>
           </p:cNvSpPr>
@@ -1501,16 +3477,18 @@
         </p:nvSpPr>
         <p:spPr>
           <a:xfrm>
-            <a:off x="6172200" y="1681163"/>
-            <a:ext cx="5183188" cy="823912"/>
+            <a:off x="6187415" y="2174875"/>
+            <a:ext cx="5194583" cy="576262"/>
           </a:xfrm>
         </p:spPr>
         <p:txBody>
-          <a:bodyPr anchor="b"/>
+          <a:bodyPr anchor="b">
+            <a:noAutofit/>
+          </a:bodyPr>
           <a:lstStyle>
-            <a:lvl1pPr marL="0" indent="0">
+            <a:lvl1pPr marL="0" indent="0" algn="ctr">
               <a:buNone/>
-              <a:defRPr sz="2400" b="1"/>
+              <a:defRPr sz="2000" b="0"/>
             </a:lvl1pPr>
             <a:lvl2pPr marL="457200" indent="0">
               <a:buNone/>
@@ -1556,7 +3534,7 @@
       </p:sp>
       <p:sp>
         <p:nvSpPr>
-          <p:cNvPr id="6" name="内容占位符 5"/>
+          <p:cNvPr id="6" name="Content Placeholder 5"/>
           <p:cNvSpPr>
             <a:spLocks noGrp="1"/>
           </p:cNvSpPr>
@@ -1566,12 +3544,14 @@
         </p:nvSpPr>
         <p:spPr>
           <a:xfrm>
-            <a:off x="6172200" y="2505075"/>
-            <a:ext cx="5183188" cy="3684588"/>
+            <a:off x="6187415" y="2751138"/>
+            <a:ext cx="5194583" cy="3109913"/>
           </a:xfrm>
         </p:spPr>
         <p:txBody>
-          <a:bodyPr/>
+          <a:bodyPr anchor="t">
+            <a:normAutofit/>
+          </a:bodyPr>
           <a:lstStyle/>
           <a:p>
             <a:pPr lvl="0"/>
@@ -1607,12 +3587,13 @@
               <a:rPr lang="zh-CN" altLang="en-US"/>
               <a:t>第五级</a:t>
             </a:r>
-          </a:p>
-        </p:txBody>
-      </p:sp>
-      <p:sp>
-        <p:nvSpPr>
-          <p:cNvPr id="7" name="日期占位符 6"/>
+            <a:endParaRPr lang="en-US" dirty="0"/>
+          </a:p>
+        </p:txBody>
+      </p:sp>
+      <p:sp>
+        <p:nvSpPr>
+          <p:cNvPr id="7" name="Date Placeholder 6"/>
           <p:cNvSpPr>
             <a:spLocks noGrp="1"/>
           </p:cNvSpPr>
@@ -1627,7 +3608,7 @@
           <a:p>
             <a:fld id="{371F0B48-F53C-40B1-B5C5-25DD89E7CD34}" type="datetimeFigureOut">
               <a:rPr lang="zh-CN" altLang="en-US" smtClean="0"/>
-              <a:t>2017/10/29</a:t>
+              <a:t>2017/11/2</a:t>
             </a:fld>
             <a:endParaRPr lang="zh-CN" altLang="en-US"/>
           </a:p>
@@ -1635,7 +3616,7 @@
       </p:sp>
       <p:sp>
         <p:nvSpPr>
-          <p:cNvPr id="8" name="页脚占位符 7"/>
+          <p:cNvPr id="8" name="Footer Placeholder 7"/>
           <p:cNvSpPr>
             <a:spLocks noGrp="1"/>
           </p:cNvSpPr>
@@ -1654,7 +3635,7 @@
       </p:sp>
       <p:sp>
         <p:nvSpPr>
-          <p:cNvPr id="9" name="灯片编号占位符 8"/>
+          <p:cNvPr id="9" name="Slide Number Placeholder 8"/>
           <p:cNvSpPr>
             <a:spLocks noGrp="1"/>
           </p:cNvSpPr>
@@ -1678,7 +3659,7 @@
     </p:spTree>
     <p:extLst>
       <p:ext uri="{BB962C8B-B14F-4D97-AF65-F5344CB8AC3E}">
-        <p14:creationId xmlns:p14="http://schemas.microsoft.com/office/powerpoint/2010/main" val="2657211560"/>
+        <p14:creationId xmlns:p14="http://schemas.microsoft.com/office/powerpoint/2010/main" val="3039754481"/>
       </p:ext>
     </p:extLst>
   </p:cSld>
@@ -1707,7 +3688,110 @@
       </p:grpSpPr>
       <p:sp>
         <p:nvSpPr>
-          <p:cNvPr id="2" name="标题 1"/>
+          <p:cNvPr id="6" name="Freeform 6"/>
+          <p:cNvSpPr/>
+          <p:nvPr/>
+        </p:nvSpPr>
+        <p:spPr bwMode="auto">
+          <a:xfrm>
+            <a:off x="0" y="0"/>
+            <a:ext cx="12192000" cy="2185988"/>
+          </a:xfrm>
+          <a:custGeom>
+            <a:avLst/>
+            <a:gdLst/>
+            <a:ahLst/>
+            <a:cxnLst/>
+            <a:rect l="0" t="0" r="r" b="b"/>
+            <a:pathLst>
+              <a:path w="5760" h="1377">
+                <a:moveTo>
+                  <a:pt x="5760" y="0"/>
+                </a:moveTo>
+                <a:lnTo>
+                  <a:pt x="0" y="0"/>
+                </a:lnTo>
+                <a:lnTo>
+                  <a:pt x="0" y="1189"/>
+                </a:lnTo>
+                <a:lnTo>
+                  <a:pt x="943" y="1189"/>
+                </a:lnTo>
+                <a:lnTo>
+                  <a:pt x="1123" y="1369"/>
+                </a:lnTo>
+                <a:lnTo>
+                  <a:pt x="1123" y="1369"/>
+                </a:lnTo>
+                <a:lnTo>
+                  <a:pt x="1127" y="1371"/>
+                </a:lnTo>
+                <a:lnTo>
+                  <a:pt x="1133" y="1374"/>
+                </a:lnTo>
+                <a:lnTo>
+                  <a:pt x="1139" y="1377"/>
+                </a:lnTo>
+                <a:lnTo>
+                  <a:pt x="1144" y="1377"/>
+                </a:lnTo>
+                <a:lnTo>
+                  <a:pt x="1150" y="1377"/>
+                </a:lnTo>
+                <a:lnTo>
+                  <a:pt x="1155" y="1374"/>
+                </a:lnTo>
+                <a:lnTo>
+                  <a:pt x="1161" y="1371"/>
+                </a:lnTo>
+                <a:lnTo>
+                  <a:pt x="1165" y="1369"/>
+                </a:lnTo>
+                <a:lnTo>
+                  <a:pt x="1345" y="1189"/>
+                </a:lnTo>
+                <a:lnTo>
+                  <a:pt x="5760" y="1189"/>
+                </a:lnTo>
+                <a:lnTo>
+                  <a:pt x="5760" y="0"/>
+                </a:lnTo>
+                <a:close/>
+              </a:path>
+            </a:pathLst>
+          </a:custGeom>
+          <a:ln/>
+          <a:extLst>
+            <a:ext uri="{91240B29-F687-4f45-9708-019B960494DF}">
+              <a14:hiddenLine xmlns="" xmlns:a14="http://schemas.microsoft.com/office/drawing/2010/main" w="9525">
+                <a:solidFill>
+                  <a:srgbClr val="000000"/>
+                </a:solidFill>
+                <a:round/>
+                <a:headEnd/>
+                <a:tailEnd/>
+              </a14:hiddenLine>
+            </a:ext>
+          </a:extLst>
+        </p:spPr>
+        <p:style>
+          <a:lnRef idx="1">
+            <a:schemeClr val="accent1"/>
+          </a:lnRef>
+          <a:fillRef idx="3">
+            <a:schemeClr val="accent1"/>
+          </a:fillRef>
+          <a:effectRef idx="2">
+            <a:schemeClr val="accent1"/>
+          </a:effectRef>
+          <a:fontRef idx="minor">
+            <a:schemeClr val="lt1"/>
+          </a:fontRef>
+        </p:style>
+      </p:sp>
+      <p:sp>
+        <p:nvSpPr>
+          <p:cNvPr id="2" name="Title 1"/>
           <p:cNvSpPr>
             <a:spLocks noGrp="1"/>
           </p:cNvSpPr>
@@ -1724,12 +3808,13 @@
               <a:rPr lang="zh-CN" altLang="en-US"/>
               <a:t>单击此处编辑母版标题样式</a:t>
             </a:r>
-          </a:p>
-        </p:txBody>
-      </p:sp>
-      <p:sp>
-        <p:nvSpPr>
-          <p:cNvPr id="3" name="日期占位符 2"/>
+            <a:endParaRPr lang="en-US" dirty="0"/>
+          </a:p>
+        </p:txBody>
+      </p:sp>
+      <p:sp>
+        <p:nvSpPr>
+          <p:cNvPr id="3" name="Date Placeholder 2"/>
           <p:cNvSpPr>
             <a:spLocks noGrp="1"/>
           </p:cNvSpPr>
@@ -1744,7 +3829,7 @@
           <a:p>
             <a:fld id="{371F0B48-F53C-40B1-B5C5-25DD89E7CD34}" type="datetimeFigureOut">
               <a:rPr lang="zh-CN" altLang="en-US" smtClean="0"/>
-              <a:t>2017/10/29</a:t>
+              <a:t>2017/11/2</a:t>
             </a:fld>
             <a:endParaRPr lang="zh-CN" altLang="en-US"/>
           </a:p>
@@ -1752,7 +3837,7 @@
       </p:sp>
       <p:sp>
         <p:nvSpPr>
-          <p:cNvPr id="4" name="页脚占位符 3"/>
+          <p:cNvPr id="4" name="Footer Placeholder 3"/>
           <p:cNvSpPr>
             <a:spLocks noGrp="1"/>
           </p:cNvSpPr>
@@ -1771,7 +3856,7 @@
       </p:sp>
       <p:sp>
         <p:nvSpPr>
-          <p:cNvPr id="5" name="灯片编号占位符 4"/>
+          <p:cNvPr id="5" name="Slide Number Placeholder 4"/>
           <p:cNvSpPr>
             <a:spLocks noGrp="1"/>
           </p:cNvSpPr>
@@ -1795,7 +3880,7 @@
     </p:spTree>
     <p:extLst>
       <p:ext uri="{BB962C8B-B14F-4D97-AF65-F5344CB8AC3E}">
-        <p14:creationId xmlns:p14="http://schemas.microsoft.com/office/powerpoint/2010/main" val="619011175"/>
+        <p14:creationId xmlns:p14="http://schemas.microsoft.com/office/powerpoint/2010/main" val="1244617999"/>
       </p:ext>
     </p:extLst>
   </p:cSld>
@@ -1824,7 +3909,7 @@
       </p:grpSpPr>
       <p:sp>
         <p:nvSpPr>
-          <p:cNvPr id="2" name="日期占位符 1"/>
+          <p:cNvPr id="2" name="Date Placeholder 1"/>
           <p:cNvSpPr>
             <a:spLocks noGrp="1"/>
           </p:cNvSpPr>
@@ -1839,7 +3924,7 @@
           <a:p>
             <a:fld id="{371F0B48-F53C-40B1-B5C5-25DD89E7CD34}" type="datetimeFigureOut">
               <a:rPr lang="zh-CN" altLang="en-US" smtClean="0"/>
-              <a:t>2017/10/29</a:t>
+              <a:t>2017/11/2</a:t>
             </a:fld>
             <a:endParaRPr lang="zh-CN" altLang="en-US"/>
           </a:p>
@@ -1847,7 +3932,7 @@
       </p:sp>
       <p:sp>
         <p:nvSpPr>
-          <p:cNvPr id="3" name="页脚占位符 2"/>
+          <p:cNvPr id="3" name="Footer Placeholder 2"/>
           <p:cNvSpPr>
             <a:spLocks noGrp="1"/>
           </p:cNvSpPr>
@@ -1866,7 +3951,7 @@
       </p:sp>
       <p:sp>
         <p:nvSpPr>
-          <p:cNvPr id="4" name="灯片编号占位符 3"/>
+          <p:cNvPr id="4" name="Slide Number Placeholder 3"/>
           <p:cNvSpPr>
             <a:spLocks noGrp="1"/>
           </p:cNvSpPr>
@@ -1890,7 +3975,7 @@
     </p:spTree>
     <p:extLst>
       <p:ext uri="{BB962C8B-B14F-4D97-AF65-F5344CB8AC3E}">
-        <p14:creationId xmlns:p14="http://schemas.microsoft.com/office/powerpoint/2010/main" val="2810694165"/>
+        <p14:creationId xmlns:p14="http://schemas.microsoft.com/office/powerpoint/2010/main" val="3259027531"/>
       </p:ext>
     </p:extLst>
   </p:cSld>
@@ -1919,7 +4004,223 @@
       </p:grpSpPr>
       <p:sp>
         <p:nvSpPr>
-          <p:cNvPr id="2" name="标题 1"/>
+          <p:cNvPr id="12" name="Freeform 6"/>
+          <p:cNvSpPr>
+            <a:spLocks noChangeAspect="1"/>
+          </p:cNvSpPr>
+          <p:nvPr/>
+        </p:nvSpPr>
+        <p:spPr bwMode="auto">
+          <a:xfrm>
+            <a:off x="1073151" y="446087"/>
+            <a:ext cx="3547533" cy="1814651"/>
+          </a:xfrm>
+          <a:custGeom>
+            <a:avLst/>
+            <a:gdLst/>
+            <a:ahLst/>
+            <a:cxnLst/>
+            <a:rect l="0" t="0" r="r" b="b"/>
+            <a:pathLst>
+              <a:path w="3384" h="2308">
+                <a:moveTo>
+                  <a:pt x="3340" y="0"/>
+                </a:moveTo>
+                <a:lnTo>
+                  <a:pt x="44" y="0"/>
+                </a:lnTo>
+                <a:lnTo>
+                  <a:pt x="44" y="0"/>
+                </a:lnTo>
+                <a:lnTo>
+                  <a:pt x="34" y="0"/>
+                </a:lnTo>
+                <a:lnTo>
+                  <a:pt x="26" y="4"/>
+                </a:lnTo>
+                <a:lnTo>
+                  <a:pt x="20" y="8"/>
+                </a:lnTo>
+                <a:lnTo>
+                  <a:pt x="12" y="12"/>
+                </a:lnTo>
+                <a:lnTo>
+                  <a:pt x="8" y="20"/>
+                </a:lnTo>
+                <a:lnTo>
+                  <a:pt x="4" y="26"/>
+                </a:lnTo>
+                <a:lnTo>
+                  <a:pt x="0" y="34"/>
+                </a:lnTo>
+                <a:lnTo>
+                  <a:pt x="0" y="44"/>
+                </a:lnTo>
+                <a:lnTo>
+                  <a:pt x="0" y="2076"/>
+                </a:lnTo>
+                <a:lnTo>
+                  <a:pt x="0" y="2076"/>
+                </a:lnTo>
+                <a:lnTo>
+                  <a:pt x="0" y="2086"/>
+                </a:lnTo>
+                <a:lnTo>
+                  <a:pt x="4" y="2094"/>
+                </a:lnTo>
+                <a:lnTo>
+                  <a:pt x="8" y="2100"/>
+                </a:lnTo>
+                <a:lnTo>
+                  <a:pt x="12" y="2108"/>
+                </a:lnTo>
+                <a:lnTo>
+                  <a:pt x="20" y="2112"/>
+                </a:lnTo>
+                <a:lnTo>
+                  <a:pt x="26" y="2116"/>
+                </a:lnTo>
+                <a:lnTo>
+                  <a:pt x="34" y="2120"/>
+                </a:lnTo>
+                <a:lnTo>
+                  <a:pt x="44" y="2120"/>
+                </a:lnTo>
+                <a:lnTo>
+                  <a:pt x="474" y="2120"/>
+                </a:lnTo>
+                <a:lnTo>
+                  <a:pt x="650" y="2296"/>
+                </a:lnTo>
+                <a:lnTo>
+                  <a:pt x="650" y="2296"/>
+                </a:lnTo>
+                <a:lnTo>
+                  <a:pt x="656" y="2300"/>
+                </a:lnTo>
+                <a:lnTo>
+                  <a:pt x="664" y="2304"/>
+                </a:lnTo>
+                <a:lnTo>
+                  <a:pt x="672" y="2308"/>
+                </a:lnTo>
+                <a:lnTo>
+                  <a:pt x="680" y="2308"/>
+                </a:lnTo>
+                <a:lnTo>
+                  <a:pt x="688" y="2308"/>
+                </a:lnTo>
+                <a:lnTo>
+                  <a:pt x="696" y="2304"/>
+                </a:lnTo>
+                <a:lnTo>
+                  <a:pt x="704" y="2300"/>
+                </a:lnTo>
+                <a:lnTo>
+                  <a:pt x="710" y="2296"/>
+                </a:lnTo>
+                <a:lnTo>
+                  <a:pt x="886" y="2120"/>
+                </a:lnTo>
+                <a:lnTo>
+                  <a:pt x="3340" y="2120"/>
+                </a:lnTo>
+                <a:lnTo>
+                  <a:pt x="3340" y="2120"/>
+                </a:lnTo>
+                <a:lnTo>
+                  <a:pt x="3350" y="2120"/>
+                </a:lnTo>
+                <a:lnTo>
+                  <a:pt x="3358" y="2116"/>
+                </a:lnTo>
+                <a:lnTo>
+                  <a:pt x="3364" y="2112"/>
+                </a:lnTo>
+                <a:lnTo>
+                  <a:pt x="3372" y="2108"/>
+                </a:lnTo>
+                <a:lnTo>
+                  <a:pt x="3376" y="2100"/>
+                </a:lnTo>
+                <a:lnTo>
+                  <a:pt x="3380" y="2094"/>
+                </a:lnTo>
+                <a:lnTo>
+                  <a:pt x="3384" y="2086"/>
+                </a:lnTo>
+                <a:lnTo>
+                  <a:pt x="3384" y="2076"/>
+                </a:lnTo>
+                <a:lnTo>
+                  <a:pt x="3384" y="44"/>
+                </a:lnTo>
+                <a:lnTo>
+                  <a:pt x="3384" y="44"/>
+                </a:lnTo>
+                <a:lnTo>
+                  <a:pt x="3384" y="34"/>
+                </a:lnTo>
+                <a:lnTo>
+                  <a:pt x="3380" y="26"/>
+                </a:lnTo>
+                <a:lnTo>
+                  <a:pt x="3376" y="20"/>
+                </a:lnTo>
+                <a:lnTo>
+                  <a:pt x="3372" y="12"/>
+                </a:lnTo>
+                <a:lnTo>
+                  <a:pt x="3364" y="8"/>
+                </a:lnTo>
+                <a:lnTo>
+                  <a:pt x="3358" y="4"/>
+                </a:lnTo>
+                <a:lnTo>
+                  <a:pt x="3350" y="0"/>
+                </a:lnTo>
+                <a:lnTo>
+                  <a:pt x="3340" y="0"/>
+                </a:lnTo>
+                <a:lnTo>
+                  <a:pt x="3340" y="0"/>
+                </a:lnTo>
+                <a:close/>
+              </a:path>
+            </a:pathLst>
+          </a:custGeom>
+          <a:ln/>
+          <a:extLst>
+            <a:ext uri="{91240B29-F687-4f45-9708-019B960494DF}">
+              <a14:hiddenLine xmlns="" xmlns:a14="http://schemas.microsoft.com/office/drawing/2010/main" w="9525">
+                <a:solidFill>
+                  <a:srgbClr val="000000"/>
+                </a:solidFill>
+                <a:round/>
+                <a:headEnd/>
+                <a:tailEnd/>
+              </a14:hiddenLine>
+            </a:ext>
+          </a:extLst>
+        </p:spPr>
+        <p:style>
+          <a:lnRef idx="1">
+            <a:schemeClr val="accent1"/>
+          </a:lnRef>
+          <a:fillRef idx="3">
+            <a:schemeClr val="accent1"/>
+          </a:fillRef>
+          <a:effectRef idx="2">
+            <a:schemeClr val="accent1"/>
+          </a:effectRef>
+          <a:fontRef idx="minor">
+            <a:schemeClr val="lt1"/>
+          </a:fontRef>
+        </p:style>
+      </p:sp>
+      <p:sp>
+        <p:nvSpPr>
+          <p:cNvPr id="2" name="Title 1"/>
           <p:cNvSpPr>
             <a:spLocks noGrp="1"/>
           </p:cNvSpPr>
@@ -1929,15 +4230,15 @@
         </p:nvSpPr>
         <p:spPr>
           <a:xfrm>
-            <a:off x="839788" y="457200"/>
-            <a:ext cx="3932237" cy="1600200"/>
+            <a:off x="1073151" y="446088"/>
+            <a:ext cx="3547533" cy="1618396"/>
           </a:xfrm>
         </p:spPr>
         <p:txBody>
           <a:bodyPr anchor="b"/>
           <a:lstStyle>
-            <a:lvl1pPr>
-              <a:defRPr sz="3200"/>
+            <a:lvl1pPr algn="l">
+              <a:defRPr sz="2000" b="1"/>
             </a:lvl1pPr>
           </a:lstStyle>
           <a:p>
@@ -1945,12 +4246,13 @@
               <a:rPr lang="zh-CN" altLang="en-US"/>
               <a:t>单击此处编辑母版标题样式</a:t>
             </a:r>
-          </a:p>
-        </p:txBody>
-      </p:sp>
-      <p:sp>
-        <p:nvSpPr>
-          <p:cNvPr id="3" name="内容占位符 2"/>
+            <a:endParaRPr lang="en-US" dirty="0"/>
+          </a:p>
+        </p:txBody>
+      </p:sp>
+      <p:sp>
+        <p:nvSpPr>
+          <p:cNvPr id="3" name="Content Placeholder 2"/>
           <p:cNvSpPr>
             <a:spLocks noGrp="1"/>
           </p:cNvSpPr>
@@ -1960,41 +4262,15 @@
         </p:nvSpPr>
         <p:spPr>
           <a:xfrm>
-            <a:off x="5183188" y="987425"/>
-            <a:ext cx="6172200" cy="4873625"/>
+            <a:off x="4855633" y="446088"/>
+            <a:ext cx="6252633" cy="5414963"/>
           </a:xfrm>
         </p:spPr>
         <p:txBody>
-          <a:bodyPr/>
-          <a:lstStyle>
-            <a:lvl1pPr>
-              <a:defRPr sz="3200"/>
-            </a:lvl1pPr>
-            <a:lvl2pPr>
-              <a:defRPr sz="2800"/>
-            </a:lvl2pPr>
-            <a:lvl3pPr>
-              <a:defRPr sz="2400"/>
-            </a:lvl3pPr>
-            <a:lvl4pPr>
-              <a:defRPr sz="2000"/>
-            </a:lvl4pPr>
-            <a:lvl5pPr>
-              <a:defRPr sz="2000"/>
-            </a:lvl5pPr>
-            <a:lvl6pPr>
-              <a:defRPr sz="2000"/>
-            </a:lvl6pPr>
-            <a:lvl7pPr>
-              <a:defRPr sz="2000"/>
-            </a:lvl7pPr>
-            <a:lvl8pPr>
-              <a:defRPr sz="2000"/>
-            </a:lvl8pPr>
-            <a:lvl9pPr>
-              <a:defRPr sz="2000"/>
-            </a:lvl9pPr>
-          </a:lstStyle>
+          <a:bodyPr>
+            <a:normAutofit/>
+          </a:bodyPr>
+          <a:lstStyle/>
           <a:p>
             <a:pPr lvl="0"/>
             <a:r>
@@ -2029,12 +4305,13 @@
               <a:rPr lang="zh-CN" altLang="en-US"/>
               <a:t>第五级</a:t>
             </a:r>
-          </a:p>
-        </p:txBody>
-      </p:sp>
-      <p:sp>
-        <p:nvSpPr>
-          <p:cNvPr id="4" name="文本占位符 3"/>
+            <a:endParaRPr lang="en-US" dirty="0"/>
+          </a:p>
+        </p:txBody>
+      </p:sp>
+      <p:sp>
+        <p:nvSpPr>
+          <p:cNvPr id="4" name="Text Placeholder 3"/>
           <p:cNvSpPr>
             <a:spLocks noGrp="1"/>
           </p:cNvSpPr>
@@ -2044,8 +4321,8 @@
         </p:nvSpPr>
         <p:spPr>
           <a:xfrm>
-            <a:off x="839788" y="2057400"/>
-            <a:ext cx="3932237" cy="3811588"/>
+            <a:off x="1073151" y="2260738"/>
+            <a:ext cx="3547533" cy="3600311"/>
           </a:xfrm>
         </p:spPr>
         <p:txBody>
@@ -2053,39 +4330,39 @@
           <a:lstStyle>
             <a:lvl1pPr marL="0" indent="0">
               <a:buNone/>
-              <a:defRPr sz="1600"/>
+              <a:defRPr sz="1400"/>
             </a:lvl1pPr>
             <a:lvl2pPr marL="457200" indent="0">
               <a:buNone/>
-              <a:defRPr sz="1400"/>
+              <a:defRPr sz="1200"/>
             </a:lvl2pPr>
             <a:lvl3pPr marL="914400" indent="0">
               <a:buNone/>
-              <a:defRPr sz="1200"/>
+              <a:defRPr sz="1000"/>
             </a:lvl3pPr>
             <a:lvl4pPr marL="1371600" indent="0">
               <a:buNone/>
-              <a:defRPr sz="1000"/>
+              <a:defRPr sz="900"/>
             </a:lvl4pPr>
             <a:lvl5pPr marL="1828800" indent="0">
               <a:buNone/>
-              <a:defRPr sz="1000"/>
+              <a:defRPr sz="900"/>
             </a:lvl5pPr>
             <a:lvl6pPr marL="2286000" indent="0">
               <a:buNone/>
-              <a:defRPr sz="1000"/>
+              <a:defRPr sz="900"/>
             </a:lvl6pPr>
             <a:lvl7pPr marL="2743200" indent="0">
               <a:buNone/>
-              <a:defRPr sz="1000"/>
+              <a:defRPr sz="900"/>
             </a:lvl7pPr>
             <a:lvl8pPr marL="3200400" indent="0">
               <a:buNone/>
-              <a:defRPr sz="1000"/>
+              <a:defRPr sz="900"/>
             </a:lvl8pPr>
             <a:lvl9pPr marL="3657600" indent="0">
               <a:buNone/>
-              <a:defRPr sz="1000"/>
+              <a:defRPr sz="900"/>
             </a:lvl9pPr>
           </a:lstStyle>
           <a:p>
@@ -2099,7 +4376,7 @@
       </p:sp>
       <p:sp>
         <p:nvSpPr>
-          <p:cNvPr id="5" name="日期占位符 4"/>
+          <p:cNvPr id="5" name="Date Placeholder 4"/>
           <p:cNvSpPr>
             <a:spLocks noGrp="1"/>
           </p:cNvSpPr>
@@ -2114,7 +4391,7 @@
           <a:p>
             <a:fld id="{371F0B48-F53C-40B1-B5C5-25DD89E7CD34}" type="datetimeFigureOut">
               <a:rPr lang="zh-CN" altLang="en-US" smtClean="0"/>
-              <a:t>2017/10/29</a:t>
+              <a:t>2017/11/2</a:t>
             </a:fld>
             <a:endParaRPr lang="zh-CN" altLang="en-US"/>
           </a:p>
@@ -2122,7 +4399,7 @@
       </p:sp>
       <p:sp>
         <p:nvSpPr>
-          <p:cNvPr id="6" name="页脚占位符 5"/>
+          <p:cNvPr id="6" name="Footer Placeholder 5"/>
           <p:cNvSpPr>
             <a:spLocks noGrp="1"/>
           </p:cNvSpPr>
@@ -2141,7 +4418,7 @@
       </p:sp>
       <p:sp>
         <p:nvSpPr>
-          <p:cNvPr id="7" name="灯片编号占位符 6"/>
+          <p:cNvPr id="7" name="Slide Number Placeholder 6"/>
           <p:cNvSpPr>
             <a:spLocks noGrp="1"/>
           </p:cNvSpPr>
@@ -2165,7 +4442,7 @@
     </p:spTree>
     <p:extLst>
       <p:ext uri="{BB962C8B-B14F-4D97-AF65-F5344CB8AC3E}">
-        <p14:creationId xmlns:p14="http://schemas.microsoft.com/office/powerpoint/2010/main" val="1926305949"/>
+        <p14:creationId xmlns:p14="http://schemas.microsoft.com/office/powerpoint/2010/main" val="1834712879"/>
       </p:ext>
     </p:extLst>
   </p:cSld>
@@ -2194,7 +4471,7 @@
       </p:grpSpPr>
       <p:sp>
         <p:nvSpPr>
-          <p:cNvPr id="2" name="标题 1"/>
+          <p:cNvPr id="2" name="Title 1"/>
           <p:cNvSpPr>
             <a:spLocks noGrp="1"/>
           </p:cNvSpPr>
@@ -2204,15 +4481,17 @@
         </p:nvSpPr>
         <p:spPr>
           <a:xfrm>
-            <a:off x="839788" y="457200"/>
-            <a:ext cx="3932237" cy="1600200"/>
+            <a:off x="814728" y="727522"/>
+            <a:ext cx="4852988" cy="1617163"/>
           </a:xfrm>
         </p:spPr>
         <p:txBody>
-          <a:bodyPr anchor="b"/>
+          <a:bodyPr anchor="b">
+            <a:normAutofit/>
+          </a:bodyPr>
           <a:lstStyle>
-            <a:lvl1pPr>
-              <a:defRPr sz="3200"/>
+            <a:lvl1pPr algn="l">
+              <a:defRPr sz="2400" b="0"/>
             </a:lvl1pPr>
           </a:lstStyle>
           <a:p>
@@ -2220,153 +4499,212 @@
               <a:rPr lang="zh-CN" altLang="en-US"/>
               <a:t>单击此处编辑母版标题样式</a:t>
             </a:r>
-          </a:p>
-        </p:txBody>
-      </p:sp>
-      <p:sp>
-        <p:nvSpPr>
-          <p:cNvPr id="3" name="图片占位符 2"/>
-          <p:cNvSpPr>
-            <a:spLocks noGrp="1"/>
-          </p:cNvSpPr>
-          <p:nvPr>
-            <p:ph type="pic" idx="1"/>
+            <a:endParaRPr lang="en-US" dirty="0"/>
+          </a:p>
+        </p:txBody>
+      </p:sp>
+      <p:sp>
+        <p:nvSpPr>
+          <p:cNvPr id="9" name="Picture Placeholder 11"/>
+          <p:cNvSpPr>
+            <a:spLocks noGrp="1" noChangeAspect="1"/>
+          </p:cNvSpPr>
+          <p:nvPr>
+            <p:ph type="pic" sz="quarter" idx="13"/>
+          </p:nvPr>
+        </p:nvSpPr>
+        <p:spPr bwMode="auto">
+          <a:xfrm>
+            <a:off x="6098117" y="0"/>
+            <a:ext cx="6093883" cy="6858000"/>
+          </a:xfrm>
+          <a:custGeom>
+            <a:avLst/>
+            <a:gdLst/>
+            <a:ahLst/>
+            <a:cxnLst/>
+            <a:rect l="0" t="0" r="r" b="b"/>
+            <a:pathLst>
+              <a:path w="2879" h="4320">
+                <a:moveTo>
+                  <a:pt x="183" y="0"/>
+                </a:moveTo>
+                <a:lnTo>
+                  <a:pt x="183" y="1197"/>
+                </a:lnTo>
+                <a:lnTo>
+                  <a:pt x="8" y="1372"/>
+                </a:lnTo>
+                <a:lnTo>
+                  <a:pt x="8" y="1372"/>
+                </a:lnTo>
+                <a:lnTo>
+                  <a:pt x="6" y="1376"/>
+                </a:lnTo>
+                <a:lnTo>
+                  <a:pt x="3" y="1382"/>
+                </a:lnTo>
+                <a:lnTo>
+                  <a:pt x="0" y="1387"/>
+                </a:lnTo>
+                <a:lnTo>
+                  <a:pt x="0" y="1393"/>
+                </a:lnTo>
+                <a:lnTo>
+                  <a:pt x="0" y="1399"/>
+                </a:lnTo>
+                <a:lnTo>
+                  <a:pt x="3" y="1404"/>
+                </a:lnTo>
+                <a:lnTo>
+                  <a:pt x="6" y="1410"/>
+                </a:lnTo>
+                <a:lnTo>
+                  <a:pt x="8" y="1414"/>
+                </a:lnTo>
+                <a:lnTo>
+                  <a:pt x="183" y="1589"/>
+                </a:lnTo>
+                <a:lnTo>
+                  <a:pt x="183" y="4320"/>
+                </a:lnTo>
+                <a:lnTo>
+                  <a:pt x="2879" y="4320"/>
+                </a:lnTo>
+                <a:lnTo>
+                  <a:pt x="2879" y="0"/>
+                </a:lnTo>
+                <a:lnTo>
+                  <a:pt x="183" y="0"/>
+                </a:lnTo>
+                <a:close/>
+              </a:path>
+            </a:pathLst>
+          </a:custGeom>
+          <a:noFill/>
+          <a:ln w="9525">
+            <a:solidFill>
+              <a:schemeClr val="tx2"/>
+            </a:solidFill>
+            <a:round/>
+            <a:headEnd/>
+            <a:tailEnd/>
+          </a:ln>
+          <a:effectLst/>
+        </p:spPr>
+        <p:txBody>
+          <a:bodyPr wrap="square" numCol="1" anchor="t" anchorCtr="0" compatLnSpc="1">
+            <a:prstTxWarp prst="textNoShape">
+              <a:avLst/>
+            </a:prstTxWarp>
+            <a:normAutofit/>
+          </a:bodyPr>
+          <a:lstStyle>
+            <a:lvl1pPr algn="ctr">
+              <a:buFontTx/>
+              <a:buNone/>
+              <a:defRPr sz="1400"/>
+            </a:lvl1pPr>
+          </a:lstStyle>
+          <a:p>
+            <a:r>
+              <a:rPr lang="zh-CN" altLang="en-US"/>
+              <a:t>单击图标添加图片</a:t>
+            </a:r>
+            <a:endParaRPr lang="en-US" dirty="0"/>
+          </a:p>
+        </p:txBody>
+      </p:sp>
+      <p:sp>
+        <p:nvSpPr>
+          <p:cNvPr id="4" name="Text Placeholder 3"/>
+          <p:cNvSpPr>
+            <a:spLocks noGrp="1"/>
+          </p:cNvSpPr>
+          <p:nvPr>
+            <p:ph type="body" sz="half" idx="2"/>
           </p:nvPr>
         </p:nvSpPr>
         <p:spPr>
           <a:xfrm>
-            <a:off x="5183188" y="987425"/>
-            <a:ext cx="6172200" cy="4873625"/>
+            <a:off x="814728" y="2344684"/>
+            <a:ext cx="4852988" cy="3516365"/>
           </a:xfrm>
         </p:spPr>
         <p:txBody>
-          <a:bodyPr/>
+          <a:bodyPr anchor="t">
+            <a:normAutofit/>
+          </a:bodyPr>
           <a:lstStyle>
             <a:lvl1pPr marL="0" indent="0">
               <a:buNone/>
-              <a:defRPr sz="3200"/>
+              <a:defRPr sz="1200"/>
             </a:lvl1pPr>
             <a:lvl2pPr marL="457200" indent="0">
               <a:buNone/>
-              <a:defRPr sz="2800"/>
+              <a:defRPr sz="1200"/>
             </a:lvl2pPr>
             <a:lvl3pPr marL="914400" indent="0">
               <a:buNone/>
-              <a:defRPr sz="2400"/>
+              <a:defRPr sz="1000"/>
             </a:lvl3pPr>
             <a:lvl4pPr marL="1371600" indent="0">
               <a:buNone/>
-              <a:defRPr sz="2000"/>
+              <a:defRPr sz="900"/>
             </a:lvl4pPr>
             <a:lvl5pPr marL="1828800" indent="0">
               <a:buNone/>
-              <a:defRPr sz="2000"/>
+              <a:defRPr sz="900"/>
             </a:lvl5pPr>
             <a:lvl6pPr marL="2286000" indent="0">
               <a:buNone/>
-              <a:defRPr sz="2000"/>
+              <a:defRPr sz="900"/>
             </a:lvl6pPr>
             <a:lvl7pPr marL="2743200" indent="0">
               <a:buNone/>
-              <a:defRPr sz="2000"/>
+              <a:defRPr sz="900"/>
             </a:lvl7pPr>
             <a:lvl8pPr marL="3200400" indent="0">
               <a:buNone/>
-              <a:defRPr sz="2000"/>
+              <a:defRPr sz="900"/>
             </a:lvl8pPr>
             <a:lvl9pPr marL="3657600" indent="0">
               <a:buNone/>
-              <a:defRPr sz="2000"/>
+              <a:defRPr sz="900"/>
             </a:lvl9pPr>
           </a:lstStyle>
           <a:p>
-            <a:endParaRPr lang="zh-CN" altLang="en-US"/>
-          </a:p>
-        </p:txBody>
-      </p:sp>
-      <p:sp>
-        <p:nvSpPr>
-          <p:cNvPr id="4" name="文本占位符 3"/>
-          <p:cNvSpPr>
-            <a:spLocks noGrp="1"/>
-          </p:cNvSpPr>
-          <p:nvPr>
-            <p:ph type="body" sz="half" idx="2"/>
+            <a:pPr lvl="0"/>
+            <a:r>
+              <a:rPr lang="zh-CN" altLang="en-US"/>
+              <a:t>编辑母版文本样式</a:t>
+            </a:r>
+          </a:p>
+        </p:txBody>
+      </p:sp>
+      <p:sp>
+        <p:nvSpPr>
+          <p:cNvPr id="5" name="Date Placeholder 4"/>
+          <p:cNvSpPr>
+            <a:spLocks noGrp="1"/>
+          </p:cNvSpPr>
+          <p:nvPr>
+            <p:ph type="dt" sz="half" idx="10"/>
           </p:nvPr>
         </p:nvSpPr>
         <p:spPr>
           <a:xfrm>
-            <a:off x="839788" y="2057400"/>
-            <a:ext cx="3932237" cy="3811588"/>
+            <a:off x="3885810" y="6041362"/>
+            <a:ext cx="976879" cy="365125"/>
           </a:xfrm>
         </p:spPr>
         <p:txBody>
           <a:bodyPr/>
-          <a:lstStyle>
-            <a:lvl1pPr marL="0" indent="0">
-              <a:buNone/>
-              <a:defRPr sz="1600"/>
-            </a:lvl1pPr>
-            <a:lvl2pPr marL="457200" indent="0">
-              <a:buNone/>
-              <a:defRPr sz="1400"/>
-            </a:lvl2pPr>
-            <a:lvl3pPr marL="914400" indent="0">
-              <a:buNone/>
-              <a:defRPr sz="1200"/>
-            </a:lvl3pPr>
-            <a:lvl4pPr marL="1371600" indent="0">
-              <a:buNone/>
-              <a:defRPr sz="1000"/>
-            </a:lvl4pPr>
-            <a:lvl5pPr marL="1828800" indent="0">
-              <a:buNone/>
-              <a:defRPr sz="1000"/>
-            </a:lvl5pPr>
-            <a:lvl6pPr marL="2286000" indent="0">
-              <a:buNone/>
-              <a:defRPr sz="1000"/>
-            </a:lvl6pPr>
-            <a:lvl7pPr marL="2743200" indent="0">
-              <a:buNone/>
-              <a:defRPr sz="1000"/>
-            </a:lvl7pPr>
-            <a:lvl8pPr marL="3200400" indent="0">
-              <a:buNone/>
-              <a:defRPr sz="1000"/>
-            </a:lvl8pPr>
-            <a:lvl9pPr marL="3657600" indent="0">
-              <a:buNone/>
-              <a:defRPr sz="1000"/>
-            </a:lvl9pPr>
-          </a:lstStyle>
-          <a:p>
-            <a:pPr lvl="0"/>
-            <a:r>
-              <a:rPr lang="zh-CN" altLang="en-US"/>
-              <a:t>编辑母版文本样式</a:t>
-            </a:r>
-          </a:p>
-        </p:txBody>
-      </p:sp>
-      <p:sp>
-        <p:nvSpPr>
-          <p:cNvPr id="5" name="日期占位符 4"/>
-          <p:cNvSpPr>
-            <a:spLocks noGrp="1"/>
-          </p:cNvSpPr>
-          <p:nvPr>
-            <p:ph type="dt" sz="half" idx="10"/>
-          </p:nvPr>
-        </p:nvSpPr>
-        <p:spPr/>
-        <p:txBody>
-          <a:bodyPr/>
           <a:lstStyle/>
           <a:p>
             <a:fld id="{371F0B48-F53C-40B1-B5C5-25DD89E7CD34}" type="datetimeFigureOut">
               <a:rPr lang="zh-CN" altLang="en-US" smtClean="0"/>
-              <a:t>2017/10/29</a:t>
+              <a:t>2017/11/2</a:t>
             </a:fld>
             <a:endParaRPr lang="zh-CN" altLang="en-US"/>
           </a:p>
@@ -2374,7 +4712,7 @@
       </p:sp>
       <p:sp>
         <p:nvSpPr>
-          <p:cNvPr id="6" name="页脚占位符 5"/>
+          <p:cNvPr id="6" name="Footer Placeholder 5"/>
           <p:cNvSpPr>
             <a:spLocks noGrp="1"/>
           </p:cNvSpPr>
@@ -2382,7 +4720,12 @@
             <p:ph type="ftr" sz="quarter" idx="11"/>
           </p:nvPr>
         </p:nvSpPr>
-        <p:spPr/>
+        <p:spPr>
+          <a:xfrm>
+            <a:off x="590396" y="6041362"/>
+            <a:ext cx="3295413" cy="365125"/>
+          </a:xfrm>
+        </p:spPr>
         <p:txBody>
           <a:bodyPr/>
           <a:lstStyle/>
@@ -2393,7 +4736,7 @@
       </p:sp>
       <p:sp>
         <p:nvSpPr>
-          <p:cNvPr id="7" name="灯片编号占位符 6"/>
+          <p:cNvPr id="7" name="Slide Number Placeholder 6"/>
           <p:cNvSpPr>
             <a:spLocks noGrp="1"/>
           </p:cNvSpPr>
@@ -2401,7 +4744,12 @@
             <p:ph type="sldNum" sz="quarter" idx="12"/>
           </p:nvPr>
         </p:nvSpPr>
-        <p:spPr/>
+        <p:spPr>
+          <a:xfrm>
+            <a:off x="4862689" y="5915888"/>
+            <a:ext cx="1062155" cy="490599"/>
+          </a:xfrm>
+        </p:spPr>
         <p:txBody>
           <a:bodyPr/>
           <a:lstStyle/>
@@ -2417,7 +4765,7 @@
     </p:spTree>
     <p:extLst>
       <p:ext uri="{BB962C8B-B14F-4D97-AF65-F5344CB8AC3E}">
-        <p14:creationId xmlns:p14="http://schemas.microsoft.com/office/powerpoint/2010/main" val="3719307257"/>
+        <p14:creationId xmlns:p14="http://schemas.microsoft.com/office/powerpoint/2010/main" val="216802282"/>
       </p:ext>
     </p:extLst>
   </p:cSld>
@@ -2432,7 +4780,7 @@
   <p:cSld>
     <p:bg>
       <p:bgRef idx="1001">
-        <a:schemeClr val="bg1"/>
+        <a:schemeClr val="bg2"/>
       </p:bgRef>
     </p:bg>
     <p:spTree>
@@ -2451,7 +4799,7 @@
       </p:grpSpPr>
       <p:sp>
         <p:nvSpPr>
-          <p:cNvPr id="2" name="标题占位符 1"/>
+          <p:cNvPr id="2" name="Title Placeholder 1"/>
           <p:cNvSpPr>
             <a:spLocks noGrp="1"/>
           </p:cNvSpPr>
@@ -2461,193 +4809,203 @@
         </p:nvSpPr>
         <p:spPr>
           <a:xfrm>
-            <a:off x="838200" y="365125"/>
-            <a:ext cx="10515600" cy="1325563"/>
+            <a:off x="810000" y="447188"/>
+            <a:ext cx="10571998" cy="970450"/>
+          </a:xfrm>
+          <a:prstGeom prst="rect">
+            <a:avLst/>
+          </a:prstGeom>
+          <a:effectLst>
+            <a:outerShdw blurRad="50800" dir="14400000">
+              <a:srgbClr val="000000">
+                <a:alpha val="60000"/>
+              </a:srgbClr>
+            </a:outerShdw>
+          </a:effectLst>
+        </p:spPr>
+        <p:txBody>
+          <a:bodyPr vert="horz" lIns="91440" tIns="45720" rIns="91440" bIns="45720" rtlCol="0" anchor="b">
+            <a:noAutofit/>
+          </a:bodyPr>
+          <a:lstStyle/>
+          <a:p>
+            <a:r>
+              <a:rPr lang="zh-CN" altLang="en-US"/>
+              <a:t>单击此处编辑母版标题样式</a:t>
+            </a:r>
+            <a:endParaRPr lang="en-US" dirty="0"/>
+          </a:p>
+        </p:txBody>
+      </p:sp>
+      <p:sp>
+        <p:nvSpPr>
+          <p:cNvPr id="3" name="Text Placeholder 2"/>
+          <p:cNvSpPr>
+            <a:spLocks noGrp="1"/>
+          </p:cNvSpPr>
+          <p:nvPr>
+            <p:ph type="body" idx="1"/>
+          </p:nvPr>
+        </p:nvSpPr>
+        <p:spPr>
+          <a:xfrm>
+            <a:off x="810000" y="2184401"/>
+            <a:ext cx="10563285" cy="3674397"/>
+          </a:xfrm>
+          <a:prstGeom prst="rect">
+            <a:avLst/>
+          </a:prstGeom>
+          <a:effectLst>
+            <a:outerShdw blurRad="50800" dir="14400000">
+              <a:srgbClr val="000000">
+                <a:alpha val="40000"/>
+              </a:srgbClr>
+            </a:outerShdw>
+          </a:effectLst>
+        </p:spPr>
+        <p:txBody>
+          <a:bodyPr vert="horz" lIns="91440" tIns="45720" rIns="91440" bIns="45720" rtlCol="0" anchor="ctr">
+            <a:normAutofit/>
+          </a:bodyPr>
+          <a:lstStyle/>
+          <a:p>
+            <a:pPr lvl="0"/>
+            <a:r>
+              <a:rPr lang="zh-CN" altLang="en-US"/>
+              <a:t>编辑母版文本样式</a:t>
+            </a:r>
+          </a:p>
+          <a:p>
+            <a:pPr lvl="1"/>
+            <a:r>
+              <a:rPr lang="zh-CN" altLang="en-US"/>
+              <a:t>第二级</a:t>
+            </a:r>
+          </a:p>
+          <a:p>
+            <a:pPr lvl="2"/>
+            <a:r>
+              <a:rPr lang="zh-CN" altLang="en-US"/>
+              <a:t>第三级</a:t>
+            </a:r>
+          </a:p>
+          <a:p>
+            <a:pPr lvl="3"/>
+            <a:r>
+              <a:rPr lang="zh-CN" altLang="en-US"/>
+              <a:t>第四级</a:t>
+            </a:r>
+          </a:p>
+          <a:p>
+            <a:pPr lvl="4"/>
+            <a:r>
+              <a:rPr lang="zh-CN" altLang="en-US"/>
+              <a:t>第五级</a:t>
+            </a:r>
+            <a:endParaRPr lang="en-US" dirty="0"/>
+          </a:p>
+        </p:txBody>
+      </p:sp>
+      <p:sp>
+        <p:nvSpPr>
+          <p:cNvPr id="5" name="Footer Placeholder 4"/>
+          <p:cNvSpPr>
+            <a:spLocks noGrp="1"/>
+          </p:cNvSpPr>
+          <p:nvPr>
+            <p:ph type="ftr" sz="quarter" idx="3"/>
+          </p:nvPr>
+        </p:nvSpPr>
+        <p:spPr>
+          <a:xfrm>
+            <a:off x="451514" y="6041362"/>
+            <a:ext cx="8644320" cy="365125"/>
           </a:xfrm>
           <a:prstGeom prst="rect">
             <a:avLst/>
           </a:prstGeom>
         </p:spPr>
         <p:txBody>
-          <a:bodyPr vert="horz" lIns="91440" tIns="45720" rIns="91440" bIns="45720" rtlCol="0" anchor="ctr">
-            <a:normAutofit/>
-          </a:bodyPr>
-          <a:lstStyle/>
-          <a:p>
-            <a:r>
-              <a:rPr lang="zh-CN" altLang="en-US"/>
-              <a:t>单击此处编辑母版标题样式</a:t>
-            </a:r>
-          </a:p>
-        </p:txBody>
-      </p:sp>
-      <p:sp>
-        <p:nvSpPr>
-          <p:cNvPr id="3" name="文本占位符 2"/>
-          <p:cNvSpPr>
-            <a:spLocks noGrp="1"/>
-          </p:cNvSpPr>
-          <p:nvPr>
-            <p:ph type="body" idx="1"/>
+          <a:bodyPr vert="horz" lIns="91440" tIns="45720" rIns="91440" bIns="45720" rtlCol="0" anchor="b"/>
+          <a:lstStyle>
+            <a:lvl1pPr algn="l">
+              <a:defRPr sz="900">
+                <a:solidFill>
+                  <a:schemeClr val="tx1"/>
+                </a:solidFill>
+              </a:defRPr>
+            </a:lvl1pPr>
+          </a:lstStyle>
+          <a:p>
+            <a:endParaRPr lang="zh-CN" altLang="en-US"/>
+          </a:p>
+        </p:txBody>
+      </p:sp>
+      <p:sp>
+        <p:nvSpPr>
+          <p:cNvPr id="4" name="Date Placeholder 3"/>
+          <p:cNvSpPr>
+            <a:spLocks noGrp="1"/>
+          </p:cNvSpPr>
+          <p:nvPr>
+            <p:ph type="dt" sz="half" idx="2"/>
           </p:nvPr>
         </p:nvSpPr>
         <p:spPr>
           <a:xfrm>
-            <a:off x="838200" y="1825625"/>
-            <a:ext cx="10515600" cy="4351338"/>
+            <a:off x="9334626" y="6041362"/>
+            <a:ext cx="1343706" cy="365125"/>
           </a:xfrm>
           <a:prstGeom prst="rect">
             <a:avLst/>
           </a:prstGeom>
         </p:spPr>
         <p:txBody>
-          <a:bodyPr vert="horz" lIns="91440" tIns="45720" rIns="91440" bIns="45720" rtlCol="0">
-            <a:normAutofit/>
-          </a:bodyPr>
-          <a:lstStyle/>
-          <a:p>
-            <a:pPr lvl="0"/>
-            <a:r>
-              <a:rPr lang="zh-CN" altLang="en-US"/>
-              <a:t>编辑母版文本样式</a:t>
-            </a:r>
-          </a:p>
-          <a:p>
-            <a:pPr lvl="1"/>
-            <a:r>
-              <a:rPr lang="zh-CN" altLang="en-US"/>
-              <a:t>第二级</a:t>
-            </a:r>
-          </a:p>
-          <a:p>
-            <a:pPr lvl="2"/>
-            <a:r>
-              <a:rPr lang="zh-CN" altLang="en-US"/>
-              <a:t>第三级</a:t>
-            </a:r>
-          </a:p>
-          <a:p>
-            <a:pPr lvl="3"/>
-            <a:r>
-              <a:rPr lang="zh-CN" altLang="en-US"/>
-              <a:t>第四级</a:t>
-            </a:r>
-          </a:p>
-          <a:p>
-            <a:pPr lvl="4"/>
-            <a:r>
-              <a:rPr lang="zh-CN" altLang="en-US"/>
-              <a:t>第五级</a:t>
-            </a:r>
-          </a:p>
-        </p:txBody>
-      </p:sp>
-      <p:sp>
-        <p:nvSpPr>
-          <p:cNvPr id="4" name="日期占位符 3"/>
-          <p:cNvSpPr>
-            <a:spLocks noGrp="1"/>
-          </p:cNvSpPr>
-          <p:nvPr>
-            <p:ph type="dt" sz="half" idx="2"/>
+          <a:bodyPr vert="horz" lIns="91440" tIns="45720" rIns="91440" bIns="45720" rtlCol="0" anchor="b"/>
+          <a:lstStyle>
+            <a:lvl1pPr algn="r">
+              <a:defRPr sz="900">
+                <a:solidFill>
+                  <a:schemeClr val="tx1"/>
+                </a:solidFill>
+              </a:defRPr>
+            </a:lvl1pPr>
+          </a:lstStyle>
+          <a:p>
+            <a:fld id="{371F0B48-F53C-40B1-B5C5-25DD89E7CD34}" type="datetimeFigureOut">
+              <a:rPr lang="zh-CN" altLang="en-US" smtClean="0"/>
+              <a:t>2017/11/2</a:t>
+            </a:fld>
+            <a:endParaRPr lang="zh-CN" altLang="en-US"/>
+          </a:p>
+        </p:txBody>
+      </p:sp>
+      <p:sp>
+        <p:nvSpPr>
+          <p:cNvPr id="6" name="Slide Number Placeholder 5"/>
+          <p:cNvSpPr>
+            <a:spLocks noGrp="1"/>
+          </p:cNvSpPr>
+          <p:nvPr>
+            <p:ph type="sldNum" sz="quarter" idx="4"/>
           </p:nvPr>
         </p:nvSpPr>
         <p:spPr>
           <a:xfrm>
-            <a:off x="838200" y="6356350"/>
-            <a:ext cx="2743200" cy="365125"/>
+            <a:off x="10678331" y="5915888"/>
+            <a:ext cx="1062155" cy="490599"/>
           </a:xfrm>
           <a:prstGeom prst="rect">
             <a:avLst/>
           </a:prstGeom>
         </p:spPr>
         <p:txBody>
-          <a:bodyPr vert="horz" lIns="91440" tIns="45720" rIns="91440" bIns="45720" rtlCol="0" anchor="ctr"/>
-          <a:lstStyle>
-            <a:lvl1pPr algn="l">
-              <a:defRPr sz="1200">
-                <a:solidFill>
-                  <a:schemeClr val="tx1">
-                    <a:tint val="75000"/>
-                  </a:schemeClr>
-                </a:solidFill>
-              </a:defRPr>
-            </a:lvl1pPr>
-          </a:lstStyle>
-          <a:p>
-            <a:fld id="{371F0B48-F53C-40B1-B5C5-25DD89E7CD34}" type="datetimeFigureOut">
-              <a:rPr lang="zh-CN" altLang="en-US" smtClean="0"/>
-              <a:t>2017/10/29</a:t>
-            </a:fld>
-            <a:endParaRPr lang="zh-CN" altLang="en-US"/>
-          </a:p>
-        </p:txBody>
-      </p:sp>
-      <p:sp>
-        <p:nvSpPr>
-          <p:cNvPr id="5" name="页脚占位符 4"/>
-          <p:cNvSpPr>
-            <a:spLocks noGrp="1"/>
-          </p:cNvSpPr>
-          <p:nvPr>
-            <p:ph type="ftr" sz="quarter" idx="3"/>
-          </p:nvPr>
-        </p:nvSpPr>
-        <p:spPr>
-          <a:xfrm>
-            <a:off x="4038600" y="6356350"/>
-            <a:ext cx="4114800" cy="365125"/>
-          </a:xfrm>
-          <a:prstGeom prst="rect">
-            <a:avLst/>
-          </a:prstGeom>
-        </p:spPr>
-        <p:txBody>
-          <a:bodyPr vert="horz" lIns="91440" tIns="45720" rIns="91440" bIns="45720" rtlCol="0" anchor="ctr"/>
-          <a:lstStyle>
-            <a:lvl1pPr algn="ctr">
-              <a:defRPr sz="1200">
-                <a:solidFill>
-                  <a:schemeClr val="tx1">
-                    <a:tint val="75000"/>
-                  </a:schemeClr>
-                </a:solidFill>
-              </a:defRPr>
-            </a:lvl1pPr>
-          </a:lstStyle>
-          <a:p>
-            <a:endParaRPr lang="zh-CN" altLang="en-US"/>
-          </a:p>
-        </p:txBody>
-      </p:sp>
-      <p:sp>
-        <p:nvSpPr>
-          <p:cNvPr id="6" name="灯片编号占位符 5"/>
-          <p:cNvSpPr>
-            <a:spLocks noGrp="1"/>
-          </p:cNvSpPr>
-          <p:nvPr>
-            <p:ph type="sldNum" sz="quarter" idx="4"/>
-          </p:nvPr>
-        </p:nvSpPr>
-        <p:spPr>
-          <a:xfrm>
-            <a:off x="8610600" y="6356350"/>
-            <a:ext cx="2743200" cy="365125"/>
-          </a:xfrm>
-          <a:prstGeom prst="rect">
-            <a:avLst/>
-          </a:prstGeom>
-        </p:spPr>
-        <p:txBody>
-          <a:bodyPr vert="horz" lIns="91440" tIns="45720" rIns="91440" bIns="45720" rtlCol="0" anchor="ctr"/>
+          <a:bodyPr vert="horz" lIns="91440" tIns="45720" rIns="91440" bIns="10800" rtlCol="0" anchor="b"/>
           <a:lstStyle>
             <a:lvl1pPr algn="r">
-              <a:defRPr sz="1200">
+              <a:defRPr sz="2000">
                 <a:solidFill>
-                  <a:schemeClr val="tx1">
-                    <a:tint val="75000"/>
-                  </a:schemeClr>
+                  <a:schemeClr val="accent1"/>
                 </a:solidFill>
               </a:defRPr>
             </a:lvl1pPr>
@@ -2664,55 +5022,114 @@
     </p:spTree>
     <p:extLst>
       <p:ext uri="{BB962C8B-B14F-4D97-AF65-F5344CB8AC3E}">
-        <p14:creationId xmlns:p14="http://schemas.microsoft.com/office/powerpoint/2010/main" val="2877003212"/>
+        <p14:creationId xmlns:p14="http://schemas.microsoft.com/office/powerpoint/2010/main" val="912446493"/>
       </p:ext>
     </p:extLst>
   </p:cSld>
-  <p:clrMap bg1="lt1" tx1="dk1" bg2="lt2" tx2="dk2" accent1="accent1" accent2="accent2" accent3="accent3" accent4="accent4" accent5="accent5" accent6="accent6" hlink="hlink" folHlink="folHlink"/>
+  <p:clrMap bg1="dk1" tx1="lt1" bg2="dk2" tx2="lt2" accent1="accent1" accent2="accent2" accent3="accent3" accent4="accent4" accent5="accent5" accent6="accent6" hlink="hlink" folHlink="folHlink"/>
   <p:sldLayoutIdLst>
-    <p:sldLayoutId id="2147483649" r:id="rId1"/>
-    <p:sldLayoutId id="2147483650" r:id="rId2"/>
-    <p:sldLayoutId id="2147483651" r:id="rId3"/>
-    <p:sldLayoutId id="2147483652" r:id="rId4"/>
-    <p:sldLayoutId id="2147483653" r:id="rId5"/>
-    <p:sldLayoutId id="2147483654" r:id="rId6"/>
-    <p:sldLayoutId id="2147483655" r:id="rId7"/>
-    <p:sldLayoutId id="2147483656" r:id="rId8"/>
-    <p:sldLayoutId id="2147483657" r:id="rId9"/>
-    <p:sldLayoutId id="2147483658" r:id="rId10"/>
-    <p:sldLayoutId id="2147483659" r:id="rId11"/>
+    <p:sldLayoutId id="2147483661" r:id="rId1"/>
+    <p:sldLayoutId id="2147483662" r:id="rId2"/>
+    <p:sldLayoutId id="2147483663" r:id="rId3"/>
+    <p:sldLayoutId id="2147483664" r:id="rId4"/>
+    <p:sldLayoutId id="2147483665" r:id="rId5"/>
+    <p:sldLayoutId id="2147483666" r:id="rId6"/>
+    <p:sldLayoutId id="2147483667" r:id="rId7"/>
+    <p:sldLayoutId id="2147483668" r:id="rId8"/>
+    <p:sldLayoutId id="2147483669" r:id="rId9"/>
+    <p:sldLayoutId id="2147483670" r:id="rId10"/>
+    <p:sldLayoutId id="2147483671" r:id="rId11"/>
+    <p:sldLayoutId id="2147483672" r:id="rId12"/>
+    <p:sldLayoutId id="2147483673" r:id="rId13"/>
+    <p:sldLayoutId id="2147483674" r:id="rId14"/>
   </p:sldLayoutIdLst>
   <p:txStyles>
     <p:titleStyle>
-      <a:lvl1pPr algn="l" defTabSz="914400" rtl="0" eaLnBrk="1" latinLnBrk="0" hangingPunct="1">
-        <a:lnSpc>
-          <a:spcPct val="90000"/>
-        </a:lnSpc>
+      <a:lvl1pPr algn="l" defTabSz="457200" rtl="0" eaLnBrk="1" latinLnBrk="0" hangingPunct="1">
         <a:spcBef>
           <a:spcPct val="0"/>
         </a:spcBef>
         <a:buNone/>
-        <a:defRPr sz="4400" kern="1200">
+        <a:defRPr sz="4000" b="1" kern="1200">
           <a:solidFill>
-            <a:schemeClr val="tx1"/>
+            <a:srgbClr val="FEFEFE"/>
           </a:solidFill>
           <a:latin typeface="+mj-lt"/>
           <a:ea typeface="+mj-ea"/>
           <a:cs typeface="+mj-cs"/>
         </a:defRPr>
       </a:lvl1pPr>
+      <a:lvl2pPr eaLnBrk="1" hangingPunct="1">
+        <a:defRPr>
+          <a:solidFill>
+            <a:schemeClr val="tx2"/>
+          </a:solidFill>
+        </a:defRPr>
+      </a:lvl2pPr>
+      <a:lvl3pPr eaLnBrk="1" hangingPunct="1">
+        <a:defRPr>
+          <a:solidFill>
+            <a:schemeClr val="tx2"/>
+          </a:solidFill>
+        </a:defRPr>
+      </a:lvl3pPr>
+      <a:lvl4pPr eaLnBrk="1" hangingPunct="1">
+        <a:defRPr>
+          <a:solidFill>
+            <a:schemeClr val="tx2"/>
+          </a:solidFill>
+        </a:defRPr>
+      </a:lvl4pPr>
+      <a:lvl5pPr eaLnBrk="1" hangingPunct="1">
+        <a:defRPr>
+          <a:solidFill>
+            <a:schemeClr val="tx2"/>
+          </a:solidFill>
+        </a:defRPr>
+      </a:lvl5pPr>
+      <a:lvl6pPr eaLnBrk="1" hangingPunct="1">
+        <a:defRPr>
+          <a:solidFill>
+            <a:schemeClr val="tx2"/>
+          </a:solidFill>
+        </a:defRPr>
+      </a:lvl6pPr>
+      <a:lvl7pPr eaLnBrk="1" hangingPunct="1">
+        <a:defRPr>
+          <a:solidFill>
+            <a:schemeClr val="tx2"/>
+          </a:solidFill>
+        </a:defRPr>
+      </a:lvl7pPr>
+      <a:lvl8pPr eaLnBrk="1" hangingPunct="1">
+        <a:defRPr>
+          <a:solidFill>
+            <a:schemeClr val="tx2"/>
+          </a:solidFill>
+        </a:defRPr>
+      </a:lvl8pPr>
+      <a:lvl9pPr eaLnBrk="1" hangingPunct="1">
+        <a:defRPr>
+          <a:solidFill>
+            <a:schemeClr val="tx2"/>
+          </a:solidFill>
+        </a:defRPr>
+      </a:lvl9pPr>
     </p:titleStyle>
     <p:bodyStyle>
-      <a:lvl1pPr marL="228600" indent="-228600" algn="l" defTabSz="914400" rtl="0" eaLnBrk="1" latinLnBrk="0" hangingPunct="1">
-        <a:lnSpc>
-          <a:spcPct val="90000"/>
-        </a:lnSpc>
+      <a:lvl1pPr marL="342900" indent="-342900" algn="l" defTabSz="457200" rtl="0" eaLnBrk="1" latinLnBrk="0" hangingPunct="1">
         <a:spcBef>
-          <a:spcPts val="1000"/>
+          <a:spcPct val="20000"/>
         </a:spcBef>
-        <a:buFont typeface="Arial" panose="020B0604020202020204" pitchFamily="34" charset="0"/>
-        <a:buChar char="•"/>
-        <a:defRPr sz="2800" kern="1200">
+        <a:spcAft>
+          <a:spcPts val="600"/>
+        </a:spcAft>
+        <a:buClr>
+          <a:schemeClr val="accent1"/>
+        </a:buClr>
+        <a:buFont typeface="Wingdings 2" charset="2"/>
+        <a:buChar char=""/>
+        <a:defRPr sz="1800" kern="1200">
           <a:solidFill>
             <a:schemeClr val="tx1"/>
           </a:solidFill>
@@ -2721,16 +5138,19 @@
           <a:cs typeface="+mn-cs"/>
         </a:defRPr>
       </a:lvl1pPr>
-      <a:lvl2pPr marL="685800" indent="-228600" algn="l" defTabSz="914400" rtl="0" eaLnBrk="1" latinLnBrk="0" hangingPunct="1">
-        <a:lnSpc>
-          <a:spcPct val="90000"/>
-        </a:lnSpc>
+      <a:lvl2pPr marL="742950" indent="-285750" algn="l" defTabSz="457200" rtl="0" eaLnBrk="1" latinLnBrk="0" hangingPunct="1">
         <a:spcBef>
-          <a:spcPts val="500"/>
+          <a:spcPct val="20000"/>
         </a:spcBef>
-        <a:buFont typeface="Arial" panose="020B0604020202020204" pitchFamily="34" charset="0"/>
-        <a:buChar char="•"/>
-        <a:defRPr sz="2400" kern="1200">
+        <a:spcAft>
+          <a:spcPts val="600"/>
+        </a:spcAft>
+        <a:buClr>
+          <a:schemeClr val="accent1"/>
+        </a:buClr>
+        <a:buFont typeface="Wingdings 2" charset="2"/>
+        <a:buChar char=""/>
+        <a:defRPr sz="1600" kern="1200">
           <a:solidFill>
             <a:schemeClr val="tx1"/>
           </a:solidFill>
@@ -2739,16 +5159,19 @@
           <a:cs typeface="+mn-cs"/>
         </a:defRPr>
       </a:lvl2pPr>
-      <a:lvl3pPr marL="1143000" indent="-228600" algn="l" defTabSz="914400" rtl="0" eaLnBrk="1" latinLnBrk="0" hangingPunct="1">
-        <a:lnSpc>
-          <a:spcPct val="90000"/>
-        </a:lnSpc>
+      <a:lvl3pPr marL="1143000" indent="-228600" algn="l" defTabSz="457200" rtl="0" eaLnBrk="1" latinLnBrk="0" hangingPunct="1">
         <a:spcBef>
-          <a:spcPts val="500"/>
+          <a:spcPct val="20000"/>
         </a:spcBef>
-        <a:buFont typeface="Arial" panose="020B0604020202020204" pitchFamily="34" charset="0"/>
-        <a:buChar char="•"/>
-        <a:defRPr sz="2000" kern="1200">
+        <a:spcAft>
+          <a:spcPts val="600"/>
+        </a:spcAft>
+        <a:buClr>
+          <a:schemeClr val="accent1"/>
+        </a:buClr>
+        <a:buFont typeface="Wingdings 2" charset="2"/>
+        <a:buChar char=""/>
+        <a:defRPr sz="1400" kern="1200">
           <a:solidFill>
             <a:schemeClr val="tx1"/>
           </a:solidFill>
@@ -2757,16 +5180,19 @@
           <a:cs typeface="+mn-cs"/>
         </a:defRPr>
       </a:lvl3pPr>
-      <a:lvl4pPr marL="1600200" indent="-228600" algn="l" defTabSz="914400" rtl="0" eaLnBrk="1" latinLnBrk="0" hangingPunct="1">
-        <a:lnSpc>
-          <a:spcPct val="90000"/>
-        </a:lnSpc>
+      <a:lvl4pPr marL="1600200" indent="-228600" algn="l" defTabSz="457200" rtl="0" eaLnBrk="1" latinLnBrk="0" hangingPunct="1">
         <a:spcBef>
-          <a:spcPts val="500"/>
+          <a:spcPct val="20000"/>
         </a:spcBef>
-        <a:buFont typeface="Arial" panose="020B0604020202020204" pitchFamily="34" charset="0"/>
-        <a:buChar char="•"/>
-        <a:defRPr sz="1800" kern="1200">
+        <a:spcAft>
+          <a:spcPts val="600"/>
+        </a:spcAft>
+        <a:buClr>
+          <a:schemeClr val="accent1"/>
+        </a:buClr>
+        <a:buFont typeface="Wingdings 2" charset="2"/>
+        <a:buChar char=""/>
+        <a:defRPr sz="1200" kern="1200">
           <a:solidFill>
             <a:schemeClr val="tx1"/>
           </a:solidFill>
@@ -2775,16 +5201,19 @@
           <a:cs typeface="+mn-cs"/>
         </a:defRPr>
       </a:lvl4pPr>
-      <a:lvl5pPr marL="2057400" indent="-228600" algn="l" defTabSz="914400" rtl="0" eaLnBrk="1" latinLnBrk="0" hangingPunct="1">
-        <a:lnSpc>
-          <a:spcPct val="90000"/>
-        </a:lnSpc>
+      <a:lvl5pPr marL="2057400" indent="-228600" algn="l" defTabSz="457200" rtl="0" eaLnBrk="1" latinLnBrk="0" hangingPunct="1">
         <a:spcBef>
-          <a:spcPts val="500"/>
+          <a:spcPct val="20000"/>
         </a:spcBef>
-        <a:buFont typeface="Arial" panose="020B0604020202020204" pitchFamily="34" charset="0"/>
-        <a:buChar char="•"/>
-        <a:defRPr sz="1800" kern="1200">
+        <a:spcAft>
+          <a:spcPts val="600"/>
+        </a:spcAft>
+        <a:buClr>
+          <a:schemeClr val="accent1"/>
+        </a:buClr>
+        <a:buFont typeface="Wingdings 2" charset="2"/>
+        <a:buChar char=""/>
+        <a:defRPr sz="1200" kern="1200">
           <a:solidFill>
             <a:schemeClr val="tx1"/>
           </a:solidFill>
@@ -2793,16 +5222,19 @@
           <a:cs typeface="+mn-cs"/>
         </a:defRPr>
       </a:lvl5pPr>
-      <a:lvl6pPr marL="2514600" indent="-228600" algn="l" defTabSz="914400" rtl="0" eaLnBrk="1" latinLnBrk="0" hangingPunct="1">
-        <a:lnSpc>
-          <a:spcPct val="90000"/>
-        </a:lnSpc>
+      <a:lvl6pPr marL="2400000" indent="-228600" algn="l" defTabSz="457200" rtl="0" eaLnBrk="1" latinLnBrk="0" hangingPunct="1">
         <a:spcBef>
-          <a:spcPts val="500"/>
+          <a:spcPct val="20000"/>
         </a:spcBef>
-        <a:buFont typeface="Arial" panose="020B0604020202020204" pitchFamily="34" charset="0"/>
-        <a:buChar char="•"/>
-        <a:defRPr sz="1800" kern="1200">
+        <a:spcAft>
+          <a:spcPts val="600"/>
+        </a:spcAft>
+        <a:buClr>
+          <a:schemeClr val="accent1"/>
+        </a:buClr>
+        <a:buFont typeface="Wingdings 2" charset="2"/>
+        <a:buChar char=""/>
+        <a:defRPr sz="1200" kern="1200">
           <a:solidFill>
             <a:schemeClr val="tx1"/>
           </a:solidFill>
@@ -2811,16 +5243,19 @@
           <a:cs typeface="+mn-cs"/>
         </a:defRPr>
       </a:lvl6pPr>
-      <a:lvl7pPr marL="2971800" indent="-228600" algn="l" defTabSz="914400" rtl="0" eaLnBrk="1" latinLnBrk="0" hangingPunct="1">
-        <a:lnSpc>
-          <a:spcPct val="90000"/>
-        </a:lnSpc>
+      <a:lvl7pPr marL="2800000" indent="-228600" algn="l" defTabSz="457200" rtl="0" eaLnBrk="1" latinLnBrk="0" hangingPunct="1">
         <a:spcBef>
-          <a:spcPts val="500"/>
+          <a:spcPct val="20000"/>
         </a:spcBef>
-        <a:buFont typeface="Arial" panose="020B0604020202020204" pitchFamily="34" charset="0"/>
-        <a:buChar char="•"/>
-        <a:defRPr sz="1800" kern="1200">
+        <a:spcAft>
+          <a:spcPts val="600"/>
+        </a:spcAft>
+        <a:buClr>
+          <a:schemeClr val="accent1"/>
+        </a:buClr>
+        <a:buFont typeface="Wingdings 2" charset="2"/>
+        <a:buChar char=""/>
+        <a:defRPr sz="1200" kern="1200">
           <a:solidFill>
             <a:schemeClr val="tx1"/>
           </a:solidFill>
@@ -2829,16 +5264,19 @@
           <a:cs typeface="+mn-cs"/>
         </a:defRPr>
       </a:lvl7pPr>
-      <a:lvl8pPr marL="3429000" indent="-228600" algn="l" defTabSz="914400" rtl="0" eaLnBrk="1" latinLnBrk="0" hangingPunct="1">
-        <a:lnSpc>
-          <a:spcPct val="90000"/>
-        </a:lnSpc>
+      <a:lvl8pPr marL="3200000" indent="-228600" algn="l" defTabSz="457200" rtl="0" eaLnBrk="1" latinLnBrk="0" hangingPunct="1">
         <a:spcBef>
-          <a:spcPts val="500"/>
+          <a:spcPct val="20000"/>
         </a:spcBef>
-        <a:buFont typeface="Arial" panose="020B0604020202020204" pitchFamily="34" charset="0"/>
-        <a:buChar char="•"/>
-        <a:defRPr sz="1800" kern="1200">
+        <a:spcAft>
+          <a:spcPts val="600"/>
+        </a:spcAft>
+        <a:buClr>
+          <a:schemeClr val="accent1"/>
+        </a:buClr>
+        <a:buFont typeface="Wingdings 2" charset="2"/>
+        <a:buChar char=""/>
+        <a:defRPr sz="1200" kern="1200">
           <a:solidFill>
             <a:schemeClr val="tx1"/>
           </a:solidFill>
@@ -2847,16 +5285,19 @@
           <a:cs typeface="+mn-cs"/>
         </a:defRPr>
       </a:lvl8pPr>
-      <a:lvl9pPr marL="3886200" indent="-228600" algn="l" defTabSz="914400" rtl="0" eaLnBrk="1" latinLnBrk="0" hangingPunct="1">
-        <a:lnSpc>
-          <a:spcPct val="90000"/>
-        </a:lnSpc>
+      <a:lvl9pPr marL="3600000" indent="-228600" algn="l" defTabSz="457200" rtl="0" eaLnBrk="1" latinLnBrk="0" hangingPunct="1">
         <a:spcBef>
-          <a:spcPts val="500"/>
+          <a:spcPct val="20000"/>
         </a:spcBef>
-        <a:buFont typeface="Arial" panose="020B0604020202020204" pitchFamily="34" charset="0"/>
-        <a:buChar char="•"/>
-        <a:defRPr sz="1800" kern="1200">
+        <a:spcAft>
+          <a:spcPts val="600"/>
+        </a:spcAft>
+        <a:buClr>
+          <a:schemeClr val="accent1"/>
+        </a:buClr>
+        <a:buFont typeface="Wingdings 2" charset="2"/>
+        <a:buChar char=""/>
+        <a:defRPr sz="1200" kern="1200">
           <a:solidFill>
             <a:schemeClr val="tx1"/>
           </a:solidFill>
@@ -2868,9 +5309,9 @@
     </p:bodyStyle>
     <p:otherStyle>
       <a:defPPr>
-        <a:defRPr lang="zh-CN"/>
+        <a:defRPr lang="en-US"/>
       </a:defPPr>
-      <a:lvl1pPr marL="0" algn="l" defTabSz="914400" rtl="0" eaLnBrk="1" latinLnBrk="0" hangingPunct="1">
+      <a:lvl1pPr marL="0" algn="l" defTabSz="457200" rtl="0" eaLnBrk="1" latinLnBrk="0" hangingPunct="1">
         <a:defRPr sz="1800" kern="1200">
           <a:solidFill>
             <a:schemeClr val="tx1"/>
@@ -2880,7 +5321,7 @@
           <a:cs typeface="+mn-cs"/>
         </a:defRPr>
       </a:lvl1pPr>
-      <a:lvl2pPr marL="457200" algn="l" defTabSz="914400" rtl="0" eaLnBrk="1" latinLnBrk="0" hangingPunct="1">
+      <a:lvl2pPr marL="457200" algn="l" defTabSz="457200" rtl="0" eaLnBrk="1" latinLnBrk="0" hangingPunct="1">
         <a:defRPr sz="1800" kern="1200">
           <a:solidFill>
             <a:schemeClr val="tx1"/>
@@ -2890,7 +5331,7 @@
           <a:cs typeface="+mn-cs"/>
         </a:defRPr>
       </a:lvl2pPr>
-      <a:lvl3pPr marL="914400" algn="l" defTabSz="914400" rtl="0" eaLnBrk="1" latinLnBrk="0" hangingPunct="1">
+      <a:lvl3pPr marL="914400" algn="l" defTabSz="457200" rtl="0" eaLnBrk="1" latinLnBrk="0" hangingPunct="1">
         <a:defRPr sz="1800" kern="1200">
           <a:solidFill>
             <a:schemeClr val="tx1"/>
@@ -2900,7 +5341,7 @@
           <a:cs typeface="+mn-cs"/>
         </a:defRPr>
       </a:lvl3pPr>
-      <a:lvl4pPr marL="1371600" algn="l" defTabSz="914400" rtl="0" eaLnBrk="1" latinLnBrk="0" hangingPunct="1">
+      <a:lvl4pPr marL="1371600" algn="l" defTabSz="457200" rtl="0" eaLnBrk="1" latinLnBrk="0" hangingPunct="1">
         <a:defRPr sz="1800" kern="1200">
           <a:solidFill>
             <a:schemeClr val="tx1"/>
@@ -2910,7 +5351,7 @@
           <a:cs typeface="+mn-cs"/>
         </a:defRPr>
       </a:lvl4pPr>
-      <a:lvl5pPr marL="1828800" algn="l" defTabSz="914400" rtl="0" eaLnBrk="1" latinLnBrk="0" hangingPunct="1">
+      <a:lvl5pPr marL="1828800" algn="l" defTabSz="457200" rtl="0" eaLnBrk="1" latinLnBrk="0" hangingPunct="1">
         <a:defRPr sz="1800" kern="1200">
           <a:solidFill>
             <a:schemeClr val="tx1"/>
@@ -2920,7 +5361,7 @@
           <a:cs typeface="+mn-cs"/>
         </a:defRPr>
       </a:lvl5pPr>
-      <a:lvl6pPr marL="2286000" algn="l" defTabSz="914400" rtl="0" eaLnBrk="1" latinLnBrk="0" hangingPunct="1">
+      <a:lvl6pPr marL="2286000" algn="l" defTabSz="457200" rtl="0" eaLnBrk="1" latinLnBrk="0" hangingPunct="1">
         <a:defRPr sz="1800" kern="1200">
           <a:solidFill>
             <a:schemeClr val="tx1"/>
@@ -2930,7 +5371,7 @@
           <a:cs typeface="+mn-cs"/>
         </a:defRPr>
       </a:lvl6pPr>
-      <a:lvl7pPr marL="2743200" algn="l" defTabSz="914400" rtl="0" eaLnBrk="1" latinLnBrk="0" hangingPunct="1">
+      <a:lvl7pPr marL="2743200" algn="l" defTabSz="457200" rtl="0" eaLnBrk="1" latinLnBrk="0" hangingPunct="1">
         <a:defRPr sz="1800" kern="1200">
           <a:solidFill>
             <a:schemeClr val="tx1"/>
@@ -2940,7 +5381,7 @@
           <a:cs typeface="+mn-cs"/>
         </a:defRPr>
       </a:lvl7pPr>
-      <a:lvl8pPr marL="3200400" algn="l" defTabSz="914400" rtl="0" eaLnBrk="1" latinLnBrk="0" hangingPunct="1">
+      <a:lvl8pPr marL="3200400" algn="l" defTabSz="457200" rtl="0" eaLnBrk="1" latinLnBrk="0" hangingPunct="1">
         <a:defRPr sz="1800" kern="1200">
           <a:solidFill>
             <a:schemeClr val="tx1"/>
@@ -2950,7 +5391,7 @@
           <a:cs typeface="+mn-cs"/>
         </a:defRPr>
       </a:lvl8pPr>
-      <a:lvl9pPr marL="3657600" algn="l" defTabSz="914400" rtl="0" eaLnBrk="1" latinLnBrk="0" hangingPunct="1">
+      <a:lvl9pPr marL="3657600" algn="l" defTabSz="457200" rtl="0" eaLnBrk="1" latinLnBrk="0" hangingPunct="1">
         <a:defRPr sz="1800" kern="1200">
           <a:solidFill>
             <a:schemeClr val="tx1"/>
@@ -2984,7 +5425,13 @@
       </p:grpSpPr>
       <p:sp>
         <p:nvSpPr>
-          <p:cNvPr id="2" name="标题 1"/>
+          <p:cNvPr id="2" name="标题 1">
+            <a:extLst>
+              <a:ext uri="{FF2B5EF4-FFF2-40B4-BE49-F238E27FC236}">
+                <a16:creationId xmlns:a16="http://schemas.microsoft.com/office/drawing/2014/main" id="{517CBC26-BCC2-4455-AAF6-E0DADAD90334}"/>
+              </a:ext>
+            </a:extLst>
+          </p:cNvPr>
           <p:cNvSpPr>
             <a:spLocks noGrp="1"/>
           </p:cNvSpPr>
@@ -2992,74 +5439,215 @@
             <p:ph type="ctrTitle"/>
           </p:nvPr>
         </p:nvSpPr>
-        <p:spPr/>
+        <p:spPr>
+          <a:xfrm>
+            <a:off x="710763" y="864973"/>
+            <a:ext cx="10572000" cy="2971051"/>
+          </a:xfrm>
+        </p:spPr>
+        <p:txBody>
+          <a:bodyPr/>
+          <a:lstStyle/>
+          <a:p>
+            <a:pPr algn="ctr"/>
+            <a:r>
+              <a:rPr lang="zh-CN" altLang="en-US" sz="9600" dirty="0"/>
+              <a:t>总体项目计划</a:t>
+            </a:r>
+            <a:br>
+              <a:rPr lang="en-US" altLang="zh-CN" sz="9600" dirty="0"/>
+            </a:br>
+            <a:r>
+              <a:rPr lang="zh-CN" altLang="zh-CN" sz="3200" dirty="0"/>
+              <a:t>软件工程系列课程教学辅助网站</a:t>
+            </a:r>
+            <a:r>
+              <a:rPr lang="en-US" altLang="zh-CN" dirty="0"/>
+              <a:t>	</a:t>
+            </a:r>
+            <a:endParaRPr lang="zh-CN" altLang="en-US" dirty="0"/>
+          </a:p>
+        </p:txBody>
+      </p:sp>
+      <p:sp>
+        <p:nvSpPr>
+          <p:cNvPr id="3" name="副标题 2">
+            <a:extLst>
+              <a:ext uri="{FF2B5EF4-FFF2-40B4-BE49-F238E27FC236}">
+                <a16:creationId xmlns:a16="http://schemas.microsoft.com/office/drawing/2014/main" id="{F79290E5-D6EA-4C55-91E4-864E78CD1D53}"/>
+              </a:ext>
+            </a:extLst>
+          </p:cNvPr>
+          <p:cNvSpPr>
+            <a:spLocks noGrp="1"/>
+          </p:cNvSpPr>
+          <p:nvPr>
+            <p:ph type="subTitle" idx="1"/>
+          </p:nvPr>
+        </p:nvSpPr>
+        <p:spPr>
+          <a:xfrm>
+            <a:off x="2573080" y="5220586"/>
+            <a:ext cx="6847366" cy="1267552"/>
+          </a:xfrm>
+        </p:spPr>
         <p:txBody>
           <a:bodyPr>
             <a:normAutofit/>
           </a:bodyPr>
           <a:lstStyle/>
           <a:p>
-            <a:r>
-              <a:rPr lang="zh-CN" altLang="en-US" sz="7200" dirty="0"/>
-              <a:t>总体项目计划</a:t>
-            </a:r>
-            <a:br>
-              <a:rPr lang="en-US" altLang="zh-CN" sz="2800" dirty="0"/>
-            </a:br>
-            <a:r>
-              <a:rPr lang="zh-CN" altLang="en-US" sz="2400" dirty="0"/>
-              <a:t>软件工程系列课程辅助教学网站</a:t>
-            </a:r>
-            <a:endParaRPr lang="zh-CN" altLang="en-US" sz="2800" dirty="0"/>
-          </a:p>
-        </p:txBody>
-      </p:sp>
-      <p:sp>
-        <p:nvSpPr>
-          <p:cNvPr id="3" name="副标题 2"/>
-          <p:cNvSpPr>
-            <a:spLocks noGrp="1"/>
-          </p:cNvSpPr>
-          <p:nvPr>
-            <p:ph type="subTitle" idx="1"/>
-          </p:nvPr>
-        </p:nvSpPr>
-        <p:spPr>
+            <a:pPr algn="ctr"/>
+            <a:r>
+              <a:rPr lang="zh-CN" altLang="en-US" sz="2000" dirty="0">
+                <a:latin typeface="+mn-ea"/>
+              </a:rPr>
+              <a:t>小组：</a:t>
+            </a:r>
+            <a:r>
+              <a:rPr lang="en-US" altLang="zh-CN" sz="2000" dirty="0">
+                <a:latin typeface="+mn-ea"/>
+              </a:rPr>
+              <a:t>PRD-G24</a:t>
+            </a:r>
+          </a:p>
+          <a:p>
+            <a:pPr algn="ctr"/>
+            <a:r>
+              <a:rPr lang="zh-CN" altLang="en-US" sz="2000" dirty="0">
+                <a:latin typeface="+mn-ea"/>
+              </a:rPr>
+              <a:t>小组成员：童威男（组长）、黄栋材、冯涛、徐鹏、陈泓见</a:t>
+            </a:r>
+            <a:endParaRPr lang="en-US" altLang="zh-CN" sz="2000" dirty="0">
+              <a:latin typeface="+mn-ea"/>
+            </a:endParaRPr>
+          </a:p>
+          <a:p>
+            <a:pPr algn="ctr"/>
+            <a:endParaRPr lang="zh-CN" altLang="en-US" dirty="0"/>
+          </a:p>
+        </p:txBody>
+      </p:sp>
+      <p:pic>
+        <p:nvPicPr>
+          <p:cNvPr id="2050" name="Picture 2" descr="C:\Users\Administrator\Desktop\d\软件需求分析\logoG24_副本.png"/>
+          <p:cNvPicPr>
+            <a:picLocks noChangeAspect="1" noChangeArrowheads="1"/>
+          </p:cNvPicPr>
+          <p:nvPr/>
+        </p:nvPicPr>
+        <p:blipFill>
+          <a:blip r:embed="rId2"/>
+          <a:srcRect/>
+          <a:stretch>
+            <a:fillRect/>
+          </a:stretch>
+        </p:blipFill>
+        <p:spPr bwMode="auto">
           <a:xfrm>
-            <a:off x="1524000" y="4360574"/>
-            <a:ext cx="9144000" cy="1655762"/>
+            <a:off x="10575582" y="1"/>
+            <a:ext cx="1616418" cy="1729945"/>
           </a:xfrm>
+          <a:prstGeom prst="rect">
+            <a:avLst/>
+          </a:prstGeom>
+          <a:noFill/>
         </p:spPr>
-        <p:txBody>
-          <a:bodyPr/>
-          <a:lstStyle/>
-          <a:p>
-            <a:pPr lvl="1"/>
-            <a:r>
-              <a:rPr lang="en-US" altLang="zh-CN" dirty="0"/>
-              <a:t>G24</a:t>
-            </a:r>
-          </a:p>
-          <a:p>
-            <a:pPr lvl="1"/>
-            <a:r>
-              <a:rPr lang="zh-CN" altLang="en-US" dirty="0"/>
-              <a:t>童威男 陈泓见 黄栋材 冯涛 徐鹏</a:t>
-            </a:r>
-            <a:endParaRPr lang="en-US" altLang="zh-CN" dirty="0"/>
-          </a:p>
-        </p:txBody>
-      </p:sp>
+      </p:pic>
     </p:spTree>
     <p:extLst>
       <p:ext uri="{BB962C8B-B14F-4D97-AF65-F5344CB8AC3E}">
-        <p14:creationId xmlns:p14="http://schemas.microsoft.com/office/powerpoint/2010/main" val="2953339274"/>
+        <p14:creationId xmlns:p14="http://schemas.microsoft.com/office/powerpoint/2010/main" val="1806236602"/>
       </p:ext>
     </p:extLst>
   </p:cSld>
   <p:clrMapOvr>
     <a:masterClrMapping/>
   </p:clrMapOvr>
+  <p:timing>
+    <p:tnLst>
+      <p:par>
+        <p:cTn id="1" dur="indefinite" restart="never" nodeType="tmRoot">
+          <p:childTnLst>
+            <p:seq concurrent="1" nextAc="seek">
+              <p:cTn id="2" dur="indefinite" nodeType="mainSeq">
+                <p:childTnLst>
+                  <p:par>
+                    <p:cTn id="3" fill="hold">
+                      <p:stCondLst>
+                        <p:cond delay="indefinite"/>
+                      </p:stCondLst>
+                      <p:childTnLst>
+                        <p:par>
+                          <p:cTn id="4" fill="hold">
+                            <p:stCondLst>
+                              <p:cond delay="0"/>
+                            </p:stCondLst>
+                            <p:childTnLst>
+                              <p:par>
+                                <p:cTn id="5" presetID="14" presetClass="entr" presetSubtype="10" fill="hold" nodeType="clickEffect">
+                                  <p:stCondLst>
+                                    <p:cond delay="0"/>
+                                  </p:stCondLst>
+                                  <p:childTnLst>
+                                    <p:set>
+                                      <p:cBhvr>
+                                        <p:cTn id="6" dur="1" fill="hold">
+                                          <p:stCondLst>
+                                            <p:cond delay="0"/>
+                                          </p:stCondLst>
+                                        </p:cTn>
+                                        <p:tgtEl>
+                                          <p:spTgt spid="2050"/>
+                                        </p:tgtEl>
+                                        <p:attrNameLst>
+                                          <p:attrName>style.visibility</p:attrName>
+                                        </p:attrNameLst>
+                                      </p:cBhvr>
+                                      <p:to>
+                                        <p:strVal val="visible"/>
+                                      </p:to>
+                                    </p:set>
+                                    <p:animEffect transition="in" filter="randombar(horizontal)">
+                                      <p:cBhvr>
+                                        <p:cTn id="7" dur="500"/>
+                                        <p:tgtEl>
+                                          <p:spTgt spid="2050"/>
+                                        </p:tgtEl>
+                                      </p:cBhvr>
+                                    </p:animEffect>
+                                  </p:childTnLst>
+                                </p:cTn>
+                              </p:par>
+                            </p:childTnLst>
+                          </p:cTn>
+                        </p:par>
+                      </p:childTnLst>
+                    </p:cTn>
+                  </p:par>
+                </p:childTnLst>
+              </p:cTn>
+              <p:prevCondLst>
+                <p:cond evt="onPrev" delay="0">
+                  <p:tgtEl>
+                    <p:sldTgt/>
+                  </p:tgtEl>
+                </p:cond>
+              </p:prevCondLst>
+              <p:nextCondLst>
+                <p:cond evt="onNext" delay="0">
+                  <p:tgtEl>
+                    <p:sldTgt/>
+                  </p:tgtEl>
+                </p:cond>
+              </p:nextCondLst>
+            </p:seq>
+          </p:childTnLst>
+        </p:cTn>
+      </p:par>
+    </p:tnLst>
+  </p:timing>
 </p:sld>
 </file>
 
@@ -3112,48 +5700,52 @@
             <p:ph idx="1"/>
           </p:nvPr>
         </p:nvSpPr>
-        <p:spPr/>
+        <p:spPr>
+          <a:xfrm>
+            <a:off x="652458" y="1702741"/>
+            <a:ext cx="10554574" cy="3636511"/>
+          </a:xfrm>
+        </p:spPr>
         <p:txBody>
           <a:bodyPr/>
           <a:lstStyle/>
           <a:p>
             <a:r>
-              <a:rPr lang="en-US" altLang="zh-CN" u="sng" dirty="0">
-                <a:hlinkClick r:id="rId2"/>
-              </a:rPr>
+              <a:rPr lang="en-US" altLang="zh-CN" sz="2400" u="sng" dirty="0"/>
               <a:t>http://bb.zucc.edu.cn</a:t>
             </a:r>
             <a:r>
-              <a:rPr lang="zh-CN" altLang="zh-CN" dirty="0"/>
+              <a:rPr lang="zh-CN" altLang="en-US" sz="2400" u="sng" dirty="0"/>
               <a:t>网站</a:t>
             </a:r>
           </a:p>
           <a:p>
             <a:r>
-              <a:rPr lang="en-US" altLang="zh-CN" u="sng" dirty="0">
-                <a:hlinkClick r:id="rId3"/>
-              </a:rPr>
-              <a:t>C2-PRD-项目描述-2017.doc</a:t>
-            </a:r>
-            <a:r>
-              <a:rPr lang="zh-CN" altLang="zh-CN" dirty="0"/>
+              <a:rPr lang="en-US" altLang="zh-CN" sz="2400" u="sng" dirty="0"/>
+              <a:t>C2-PRD-</a:t>
+            </a:r>
+            <a:r>
+              <a:rPr lang="zh-CN" altLang="en-US" sz="2400" u="sng" dirty="0"/>
+              <a:t>项目描述</a:t>
+            </a:r>
+            <a:r>
+              <a:rPr lang="en-US" altLang="zh-CN" sz="2400" u="sng" dirty="0"/>
+              <a:t>-2017.doc</a:t>
+            </a:r>
+            <a:r>
+              <a:rPr lang="zh-CN" altLang="en-US" sz="2400" u="sng" dirty="0"/>
               <a:t>文档</a:t>
             </a:r>
           </a:p>
           <a:p>
             <a:r>
-              <a:rPr lang="en-US" altLang="zh-CN" u="sng" dirty="0">
-                <a:hlinkClick r:id="rId4"/>
-              </a:rPr>
+              <a:rPr lang="en-US" altLang="zh-CN" sz="2400" u="sng" dirty="0"/>
               <a:t>GB-T 8567-2006 </a:t>
             </a:r>
             <a:r>
-              <a:rPr lang="en-US" altLang="zh-CN" u="sng" dirty="0" err="1">
-                <a:hlinkClick r:id="rId4"/>
-              </a:rPr>
+              <a:rPr lang="zh-CN" altLang="en-US" sz="2400" u="sng" dirty="0"/>
               <a:t>计算机软件文档编制规范</a:t>
             </a:r>
-            <a:endParaRPr lang="zh-CN" altLang="zh-CN" dirty="0"/>
           </a:p>
           <a:p>
             <a:pPr marL="0" indent="0">
@@ -3212,6 +5804,19 @@
               <a:rPr lang="zh-CN" altLang="en-US" dirty="0"/>
               <a:t>项目概述</a:t>
             </a:r>
+            <a:r>
+              <a:rPr lang="en-US" altLang="zh-CN" dirty="0"/>
+              <a:t>(</a:t>
+            </a:r>
+            <a:r>
+              <a:rPr lang="zh-CN" altLang="en-US" dirty="0"/>
+              <a:t>子目录</a:t>
+            </a:r>
+            <a:r>
+              <a:rPr lang="en-US" altLang="zh-CN" dirty="0"/>
+              <a:t>)</a:t>
+            </a:r>
+            <a:endParaRPr lang="zh-CN" altLang="en-US" dirty="0"/>
           </a:p>
         </p:txBody>
       </p:sp>
@@ -3227,63 +5832,32 @@
         </p:nvSpPr>
         <p:spPr/>
         <p:txBody>
-          <a:bodyPr/>
-          <a:lstStyle/>
-          <a:p>
-            <a:r>
-              <a:rPr lang="zh-CN" altLang="en-US" dirty="0">
-                <a:hlinkClick r:id="rId2" action="ppaction://hlinksldjump"/>
-              </a:rPr>
+          <a:bodyPr>
+            <a:normAutofit/>
+          </a:bodyPr>
+          <a:lstStyle/>
+          <a:p>
+            <a:r>
+              <a:rPr lang="zh-CN" altLang="en-US" sz="3200" dirty="0"/>
               <a:t>项目目的</a:t>
             </a:r>
-            <a:endParaRPr lang="en-US" altLang="zh-CN" dirty="0">
-              <a:hlinkClick r:id="rId2" action="ppaction://hlinksldjump"/>
-            </a:endParaRPr>
-          </a:p>
-          <a:p>
-            <a:r>
-              <a:rPr lang="zh-CN" altLang="en-US" dirty="0">
-                <a:hlinkClick r:id="rId2" action="ppaction://hlinksldjump"/>
-              </a:rPr>
+          </a:p>
+          <a:p>
+            <a:r>
+              <a:rPr lang="zh-CN" altLang="en-US" sz="3200" dirty="0"/>
               <a:t>项目所需软件</a:t>
             </a:r>
-            <a:endParaRPr lang="en-US" altLang="zh-CN" dirty="0"/>
-          </a:p>
-          <a:p>
-            <a:r>
-              <a:rPr lang="zh-CN" altLang="en-US" dirty="0">
-                <a:hlinkClick r:id="rId3" action="ppaction://hlinksldjump"/>
-              </a:rPr>
+          </a:p>
+          <a:p>
+            <a:r>
+              <a:rPr lang="zh-CN" altLang="en-US" sz="3200" dirty="0"/>
               <a:t>系统运行环境</a:t>
             </a:r>
-            <a:endParaRPr lang="en-US" altLang="zh-CN" dirty="0"/>
-          </a:p>
-          <a:p>
-            <a:r>
-              <a:rPr lang="zh-CN" altLang="en-US" dirty="0">
-                <a:hlinkClick r:id="rId4" action="ppaction://hlinksldjump"/>
-              </a:rPr>
-              <a:t>人</a:t>
-            </a:r>
-            <a:r>
-              <a:rPr lang="zh-CN" altLang="en-US" dirty="0">
-                <a:hlinkClick r:id="rId5" action="ppaction://hlinksldjump"/>
-              </a:rPr>
-              <a:t>员</a:t>
-            </a:r>
-            <a:r>
-              <a:rPr lang="zh-CN" altLang="en-US" dirty="0"/>
-              <a:t>、</a:t>
-            </a:r>
-            <a:r>
-              <a:rPr lang="zh-CN" altLang="en-US" dirty="0">
-                <a:hlinkClick r:id="rId4" action="ppaction://hlinksldjump"/>
-              </a:rPr>
-              <a:t>分工</a:t>
-            </a:r>
-            <a:r>
-              <a:rPr lang="zh-CN" altLang="en-US" dirty="0"/>
-              <a:t>、说明</a:t>
+          </a:p>
+          <a:p>
+            <a:r>
+              <a:rPr lang="zh-CN" altLang="en-US" sz="3200" dirty="0"/>
+              <a:t>人员、分工、说明</a:t>
             </a:r>
           </a:p>
         </p:txBody>
@@ -3356,7 +5930,7 @@
           <a:lstStyle/>
           <a:p>
             <a:r>
-              <a:rPr lang="zh-CN" altLang="zh-CN" dirty="0"/>
+              <a:rPr lang="zh-CN" altLang="zh-CN" sz="2800" dirty="0"/>
               <a:t>开发一个有利于教师的教学和学生的学习的辅助网站；也为软件工程系列课程的成熟记录下足迹。</a:t>
             </a:r>
           </a:p>
@@ -3433,73 +6007,73 @@
           <a:lstStyle/>
           <a:p>
             <a:r>
-              <a:rPr lang="en-US" altLang="zh-CN" dirty="0"/>
+              <a:rPr lang="en-US" altLang="zh-CN" sz="2400" dirty="0"/>
               <a:t>IBM Rational Rose</a:t>
             </a:r>
             <a:r>
-              <a:rPr lang="zh-CN" altLang="zh-CN" dirty="0"/>
+              <a:rPr lang="zh-CN" altLang="zh-CN" sz="2400" dirty="0"/>
               <a:t>——</a:t>
             </a:r>
             <a:r>
-              <a:rPr lang="en-US" altLang="zh-CN" dirty="0"/>
+              <a:rPr lang="en-US" altLang="zh-CN" sz="2400" dirty="0"/>
               <a:t>UML</a:t>
             </a:r>
             <a:r>
-              <a:rPr lang="zh-CN" altLang="zh-CN" dirty="0"/>
+              <a:rPr lang="zh-CN" altLang="zh-CN" sz="2400" dirty="0"/>
               <a:t>分析与建模工具</a:t>
             </a:r>
           </a:p>
           <a:p>
             <a:r>
-              <a:rPr lang="en-US" altLang="zh-CN" dirty="0"/>
+              <a:rPr lang="en-US" altLang="zh-CN" sz="2400" dirty="0"/>
               <a:t>IBM Rational DOORS Next Generation</a:t>
             </a:r>
             <a:r>
-              <a:rPr lang="zh-CN" altLang="zh-CN" dirty="0"/>
+              <a:rPr lang="zh-CN" altLang="zh-CN" sz="2400" dirty="0"/>
               <a:t>——软件需求管理工具</a:t>
             </a:r>
           </a:p>
           <a:p>
             <a:r>
-              <a:rPr lang="en-US" altLang="zh-CN" dirty="0"/>
+              <a:rPr lang="en-US" altLang="zh-CN" sz="2400" dirty="0"/>
               <a:t>Microsoft Project</a:t>
             </a:r>
             <a:r>
-              <a:rPr lang="zh-CN" altLang="zh-CN" dirty="0"/>
+              <a:rPr lang="zh-CN" altLang="zh-CN" sz="2400" dirty="0"/>
               <a:t>——项目管理工具</a:t>
             </a:r>
           </a:p>
           <a:p>
             <a:r>
-              <a:rPr lang="en-US" altLang="zh-CN" dirty="0"/>
+              <a:rPr lang="en-US" altLang="zh-CN" sz="2400" dirty="0"/>
               <a:t>Microsoft Office</a:t>
             </a:r>
             <a:r>
-              <a:rPr lang="zh-CN" altLang="zh-CN" dirty="0"/>
+              <a:rPr lang="zh-CN" altLang="zh-CN" sz="2400" dirty="0"/>
               <a:t>——文档编写工具</a:t>
             </a:r>
           </a:p>
           <a:p>
             <a:r>
-              <a:rPr lang="en-US" altLang="zh-CN" dirty="0" err="1"/>
+              <a:rPr lang="en-US" altLang="zh-CN" sz="2400" dirty="0" err="1"/>
               <a:t>Git</a:t>
             </a:r>
             <a:r>
-              <a:rPr lang="zh-CN" altLang="zh-CN" dirty="0"/>
+              <a:rPr lang="zh-CN" altLang="zh-CN" sz="2400" dirty="0"/>
               <a:t>——配置管理工具</a:t>
             </a:r>
           </a:p>
           <a:p>
             <a:r>
-              <a:rPr lang="en-US" altLang="zh-CN" dirty="0" err="1"/>
+              <a:rPr lang="en-US" altLang="zh-CN" sz="2400" dirty="0" err="1"/>
               <a:t>Axure</a:t>
             </a:r>
             <a:r>
-              <a:rPr lang="en-US" altLang="zh-CN" dirty="0"/>
+              <a:rPr lang="en-US" altLang="zh-CN" sz="2400" dirty="0"/>
               <a:t> RP</a:t>
             </a:r>
             <a:r>
-              <a:rPr lang="zh-CN" altLang="zh-CN" dirty="0"/>
+              <a:rPr lang="zh-CN" altLang="zh-CN" sz="2400" dirty="0"/>
               <a:t>——交互概念原型设计工具</a:t>
             </a:r>
           </a:p>
@@ -3570,82 +6144,89 @@
             <p:ph idx="1"/>
           </p:nvPr>
         </p:nvSpPr>
-        <p:spPr/>
-        <p:txBody>
-          <a:bodyPr/>
-          <a:lstStyle/>
-          <a:p>
-            <a:r>
-              <a:rPr lang="zh-CN" altLang="zh-CN" dirty="0"/>
+        <p:spPr>
+          <a:xfrm>
+            <a:off x="810000" y="1920950"/>
+            <a:ext cx="10554574" cy="3636511"/>
+          </a:xfrm>
+        </p:spPr>
+        <p:txBody>
+          <a:bodyPr>
+            <a:normAutofit/>
+          </a:bodyPr>
+          <a:lstStyle/>
+          <a:p>
+            <a:r>
+              <a:rPr lang="zh-CN" altLang="zh-CN" sz="2800" dirty="0"/>
               <a:t>本网站要求提供对外服务的能力</a:t>
             </a:r>
             <a:r>
-              <a:rPr lang="en-US" altLang="zh-CN" dirty="0"/>
+              <a:rPr lang="en-US" altLang="zh-CN" sz="2800" dirty="0"/>
               <a:t>,</a:t>
             </a:r>
             <a:r>
-              <a:rPr lang="zh-CN" altLang="zh-CN" dirty="0"/>
+              <a:rPr lang="zh-CN" altLang="zh-CN" sz="2800" dirty="0"/>
               <a:t>保证至少</a:t>
             </a:r>
             <a:r>
-              <a:rPr lang="en-US" altLang="zh-CN" dirty="0"/>
+              <a:rPr lang="en-US" altLang="zh-CN" sz="2800" dirty="0"/>
               <a:t>300</a:t>
             </a:r>
             <a:r>
-              <a:rPr lang="zh-CN" altLang="zh-CN" dirty="0"/>
+              <a:rPr lang="zh-CN" altLang="zh-CN" sz="2800" dirty="0"/>
               <a:t>名同学上课辅助服务的要求</a:t>
             </a:r>
             <a:r>
-              <a:rPr lang="en-US" altLang="zh-CN" dirty="0"/>
+              <a:rPr lang="en-US" altLang="zh-CN" sz="2800" dirty="0"/>
               <a:t>.</a:t>
             </a:r>
             <a:r>
-              <a:rPr lang="zh-CN" altLang="zh-CN" dirty="0"/>
+              <a:rPr lang="zh-CN" altLang="zh-CN" sz="2800" dirty="0"/>
               <a:t>包括数据存储能力</a:t>
             </a:r>
             <a:r>
-              <a:rPr lang="en-US" altLang="zh-CN" dirty="0"/>
+              <a:rPr lang="en-US" altLang="zh-CN" sz="2800" dirty="0"/>
               <a:t>,</a:t>
             </a:r>
             <a:r>
-              <a:rPr lang="zh-CN" altLang="zh-CN" dirty="0"/>
+              <a:rPr lang="zh-CN" altLang="zh-CN" sz="2800" dirty="0"/>
               <a:t>网络服务吞吐能力</a:t>
             </a:r>
             <a:r>
-              <a:rPr lang="en-US" altLang="zh-CN" dirty="0"/>
+              <a:rPr lang="en-US" altLang="zh-CN" sz="2800" dirty="0"/>
               <a:t>,</a:t>
             </a:r>
             <a:r>
-              <a:rPr lang="zh-CN" altLang="zh-CN" dirty="0"/>
+              <a:rPr lang="zh-CN" altLang="zh-CN" sz="2800" dirty="0"/>
               <a:t>数据安全特性等</a:t>
             </a:r>
             <a:r>
-              <a:rPr lang="en-US" altLang="zh-CN" dirty="0"/>
+              <a:rPr lang="en-US" altLang="zh-CN" sz="2800" dirty="0"/>
               <a:t>.</a:t>
             </a:r>
-            <a:endParaRPr lang="zh-CN" altLang="zh-CN" dirty="0"/>
-          </a:p>
-          <a:p>
-            <a:r>
-              <a:rPr lang="zh-CN" altLang="zh-CN" dirty="0"/>
+            <a:endParaRPr lang="zh-CN" altLang="zh-CN" sz="2800" dirty="0"/>
+          </a:p>
+          <a:p>
+            <a:r>
+              <a:rPr lang="zh-CN" altLang="zh-CN" sz="2800" dirty="0"/>
               <a:t>服务器运行在</a:t>
             </a:r>
             <a:r>
-              <a:rPr lang="en-US" altLang="zh-CN" dirty="0"/>
+              <a:rPr lang="en-US" altLang="zh-CN" sz="2800" dirty="0"/>
               <a:t>windows</a:t>
             </a:r>
-            <a:endParaRPr lang="zh-CN" altLang="zh-CN" dirty="0"/>
-          </a:p>
-          <a:p>
-            <a:r>
-              <a:rPr lang="zh-CN" altLang="zh-CN" dirty="0"/>
+            <a:endParaRPr lang="zh-CN" altLang="zh-CN" sz="2800" dirty="0"/>
+          </a:p>
+          <a:p>
+            <a:r>
+              <a:rPr lang="zh-CN" altLang="zh-CN" sz="2800" dirty="0"/>
               <a:t>开发平台</a:t>
             </a:r>
             <a:r>
-              <a:rPr lang="en-US" altLang="zh-CN" dirty="0"/>
+              <a:rPr lang="en-US" altLang="zh-CN" sz="2800" dirty="0"/>
               <a:t>IIS.NET</a:t>
             </a:r>
-            <a:endParaRPr lang="zh-CN" altLang="zh-CN" dirty="0"/>
+            <a:endParaRPr lang="zh-CN" altLang="zh-CN" sz="2800" dirty="0"/>
           </a:p>
         </p:txBody>
       </p:sp>
@@ -3716,14 +6297,14 @@
           <p:nvPr>
             <p:extLst>
               <p:ext uri="{D42A27DB-BD31-4B8C-83A1-F6EECF244321}">
-                <p14:modId xmlns:p14="http://schemas.microsoft.com/office/powerpoint/2010/main" val="632811609"/>
+                <p14:modId xmlns:p14="http://schemas.microsoft.com/office/powerpoint/2010/main" val="3325075597"/>
               </p:ext>
             </p:extLst>
           </p:nvPr>
         </p:nvGraphicFramePr>
         <p:xfrm>
-          <a:off x="361507" y="1690688"/>
-          <a:ext cx="10992294" cy="4540000"/>
+          <a:off x="675409" y="2306782"/>
+          <a:ext cx="10678392" cy="3923912"/>
         </p:xfrm>
         <a:graphic>
           <a:graphicData uri="http://schemas.openxmlformats.org/drawingml/2006/table">
@@ -3732,14 +6313,14 @@
                 <a:tableStyleId>{5C22544A-7EE6-4342-B048-85BDC9FD1C3A}</a:tableStyleId>
               </a:tblPr>
               <a:tblGrid>
-                <a:gridCol w="5496147">
+                <a:gridCol w="5339196">
                   <a:extLst>
                     <a:ext uri="{9D8B030D-6E8A-4147-A177-3AD203B41FA5}">
                       <a16:colId xmlns:a16="http://schemas.microsoft.com/office/drawing/2014/main" val="1006740294"/>
                     </a:ext>
                   </a:extLst>
                 </a:gridCol>
-                <a:gridCol w="5496147">
+                <a:gridCol w="5339196">
                   <a:extLst>
                     <a:ext uri="{9D8B030D-6E8A-4147-A177-3AD203B41FA5}">
                       <a16:colId xmlns:a16="http://schemas.microsoft.com/office/drawing/2014/main" val="3920299134"/>
@@ -3747,7 +6328,7 @@
                   </a:extLst>
                 </a:gridCol>
               </a:tblGrid>
-              <a:tr h="567500">
+              <a:tr h="490489">
                 <a:tc>
                   <a:txBody>
                     <a:bodyPr/>
@@ -3812,7 +6393,7 @@
                   </a:ext>
                 </a:extLst>
               </a:tr>
-              <a:tr h="567500">
+              <a:tr h="490489">
                 <a:tc>
                   <a:txBody>
                     <a:bodyPr/>
@@ -3877,7 +6458,7 @@
                   </a:ext>
                 </a:extLst>
               </a:tr>
-              <a:tr h="567500">
+              <a:tr h="490489">
                 <a:tc>
                   <a:txBody>
                     <a:bodyPr/>
@@ -3942,7 +6523,7 @@
                   </a:ext>
                 </a:extLst>
               </a:tr>
-              <a:tr h="567500">
+              <a:tr h="490489">
                 <a:tc>
                   <a:txBody>
                     <a:bodyPr/>
@@ -4007,7 +6588,7 @@
                   </a:ext>
                 </a:extLst>
               </a:tr>
-              <a:tr h="567500">
+              <a:tr h="490489">
                 <a:tc>
                   <a:txBody>
                     <a:bodyPr/>
@@ -4072,7 +6653,7 @@
                   </a:ext>
                 </a:extLst>
               </a:tr>
-              <a:tr h="567500">
+              <a:tr h="490489">
                 <a:tc>
                   <a:txBody>
                     <a:bodyPr/>
@@ -4137,7 +6718,7 @@
                   </a:ext>
                 </a:extLst>
               </a:tr>
-              <a:tr h="567500">
+              <a:tr h="490489">
                 <a:tc>
                   <a:txBody>
                     <a:bodyPr/>
@@ -4152,12 +6733,18 @@
                         </a:spcAft>
                       </a:pPr>
                       <a:r>
-                        <a:rPr lang="zh-CN" sz="2400" cap="all">
+                        <a:rPr lang="zh-CN" sz="2400" cap="all" dirty="0">
                           <a:effectLst/>
                         </a:rPr>
-                        <a:t>侯宏伦</a:t>
+                        <a:t>侯宏</a:t>
                       </a:r>
-                      <a:endParaRPr lang="zh-CN" sz="2000">
+                      <a:r>
+                        <a:rPr lang="zh-CN" altLang="en-US" sz="2400" cap="all" dirty="0">
+                          <a:effectLst/>
+                        </a:rPr>
+                        <a:t>仑</a:t>
+                      </a:r>
+                      <a:endParaRPr lang="zh-CN" sz="2000" dirty="0">
                         <a:effectLst/>
                         <a:latin typeface="Calibri" panose="020F0502020204030204" pitchFamily="34" charset="0"/>
                         <a:ea typeface="宋体" panose="02010600030101010101" pitchFamily="2" charset="-122"/>
@@ -4202,7 +6789,7 @@
                   </a:ext>
                 </a:extLst>
               </a:tr>
-              <a:tr h="567500">
+              <a:tr h="490489">
                 <a:tc>
                   <a:txBody>
                     <a:bodyPr/>
@@ -4326,6 +6913,15 @@
               <a:rPr lang="zh-CN" altLang="en-US" dirty="0"/>
               <a:t>人员、分工、说明</a:t>
             </a:r>
+            <a:r>
+              <a:rPr lang="en-US" altLang="zh-CN" dirty="0"/>
+              <a:t>——</a:t>
+            </a:r>
+            <a:r>
+              <a:rPr lang="zh-CN" altLang="zh-CN" dirty="0"/>
+              <a:t>分析</a:t>
+            </a:r>
+            <a:endParaRPr lang="zh-CN" altLang="en-US" dirty="0"/>
           </a:p>
         </p:txBody>
       </p:sp>
@@ -4345,35 +6941,34 @@
             <p:ph idx="1"/>
           </p:nvPr>
         </p:nvSpPr>
-        <p:spPr/>
+        <p:spPr>
+          <a:xfrm>
+            <a:off x="810000" y="2409323"/>
+            <a:ext cx="10554574" cy="3636511"/>
+          </a:xfrm>
+        </p:spPr>
         <p:txBody>
           <a:bodyPr>
             <a:normAutofit lnSpcReduction="10000"/>
           </a:bodyPr>
           <a:lstStyle/>
           <a:p>
-            <a:r>
-              <a:rPr lang="zh-CN" altLang="zh-CN" b="1" dirty="0"/>
-              <a:t>分析</a:t>
-            </a:r>
-          </a:p>
-          <a:p>
             <a:pPr lvl="0"/>
             <a:r>
-              <a:rPr lang="zh-CN" altLang="zh-CN" dirty="0"/>
+              <a:rPr lang="zh-CN" altLang="zh-CN" sz="2400" dirty="0"/>
               <a:t>客户代表向我们提出需求，如果需求合理，我们应该满足他们。他们影响着这个项目的进展，同时决定了这个项目是否成功。他们也对这个项目很有兴趣想清楚开发的进度和内容。</a:t>
             </a:r>
           </a:p>
           <a:p>
             <a:pPr lvl="0"/>
             <a:r>
-              <a:rPr lang="zh-CN" altLang="zh-CN" dirty="0"/>
+              <a:rPr lang="zh-CN" altLang="zh-CN" sz="2400" dirty="0"/>
               <a:t>项目下达人是批准、监督项目实施的人，他们需要知道我们项目开展得如何，有没有出现偏差，困难的地方，如果我们拟出一个计划，需要经过下达人的批准才能执行同时他还要知道项目每个阶段的成果。</a:t>
             </a:r>
           </a:p>
           <a:p>
             <a:r>
-              <a:rPr lang="zh-CN" altLang="zh-CN" dirty="0"/>
+              <a:rPr lang="zh-CN" altLang="zh-CN" sz="2400" dirty="0"/>
               <a:t>开发组员和组长负责开发产品，他们需要通力合作才能达到目标，所有的活动，进展和问题必须第一时间互相沟通，保持消息流通，这样才能避免沟通不足产生的误解和错误。</a:t>
             </a:r>
           </a:p>
@@ -4456,30 +7051,37 @@
             <p:ph idx="1"/>
           </p:nvPr>
         </p:nvSpPr>
-        <p:spPr/>
-        <p:txBody>
-          <a:bodyPr/>
-          <a:lstStyle/>
-          <a:p>
-            <a:r>
-              <a:rPr lang="zh-CN" altLang="zh-CN" dirty="0"/>
+        <p:spPr>
+          <a:xfrm>
+            <a:off x="810000" y="1941732"/>
+            <a:ext cx="10554574" cy="3636511"/>
+          </a:xfrm>
+        </p:spPr>
+        <p:txBody>
+          <a:bodyPr>
+            <a:normAutofit/>
+          </a:bodyPr>
+          <a:lstStyle/>
+          <a:p>
+            <a:r>
+              <a:rPr lang="zh-CN" altLang="zh-CN" sz="3200" dirty="0"/>
               <a:t>生命周期模型</a:t>
             </a:r>
-            <a:endParaRPr lang="en-US" altLang="zh-CN" dirty="0"/>
-          </a:p>
-          <a:p>
-            <a:r>
-              <a:rPr lang="zh-CN" altLang="zh-CN" dirty="0"/>
+            <a:endParaRPr lang="en-US" altLang="zh-CN" sz="3200" dirty="0"/>
+          </a:p>
+          <a:p>
+            <a:r>
+              <a:rPr lang="zh-CN" altLang="zh-CN" sz="3200" dirty="0"/>
               <a:t>过程定义</a:t>
             </a:r>
-            <a:endParaRPr lang="en-US" altLang="zh-CN" dirty="0"/>
-          </a:p>
-          <a:p>
-            <a:r>
-              <a:rPr lang="zh-CN" altLang="zh-CN" dirty="0"/>
+            <a:endParaRPr lang="en-US" altLang="zh-CN" sz="3200" dirty="0"/>
+          </a:p>
+          <a:p>
+            <a:r>
+              <a:rPr lang="zh-CN" altLang="zh-CN" sz="3200" dirty="0"/>
               <a:t>数据收集和分析</a:t>
             </a:r>
-            <a:endParaRPr lang="zh-CN" altLang="en-US" dirty="0"/>
+            <a:endParaRPr lang="zh-CN" altLang="en-US" sz="3200" dirty="0"/>
           </a:p>
         </p:txBody>
       </p:sp>
@@ -4558,19 +7160,24 @@
             <p:ph idx="1"/>
           </p:nvPr>
         </p:nvSpPr>
-        <p:spPr/>
+        <p:spPr>
+          <a:xfrm>
+            <a:off x="810000" y="2180724"/>
+            <a:ext cx="10554574" cy="3636511"/>
+          </a:xfrm>
+        </p:spPr>
         <p:txBody>
           <a:bodyPr/>
           <a:lstStyle/>
           <a:p>
             <a:r>
-              <a:rPr lang="zh-CN" altLang="zh-CN" dirty="0"/>
+              <a:rPr lang="zh-CN" altLang="zh-CN" sz="2800" dirty="0"/>
               <a:t>选择用瀑布模型。</a:t>
             </a:r>
           </a:p>
           <a:p>
             <a:r>
-              <a:rPr lang="zh-CN" altLang="zh-CN" dirty="0"/>
+              <a:rPr lang="zh-CN" altLang="zh-CN" sz="2800" dirty="0"/>
               <a:t>因为瀑布模型将软件生命周期划分为制定计划、需求分析、软件设计、程序编写、软件测试和运行维护等六个基本活动，基本符合该项目的活动。</a:t>
             </a:r>
           </a:p>
@@ -4660,7 +7267,7 @@
           <a:lstStyle/>
           <a:p>
             <a:r>
-              <a:rPr lang="zh-CN" altLang="zh-CN" dirty="0"/>
+              <a:rPr lang="zh-CN" altLang="zh-CN" sz="2400" dirty="0"/>
               <a:t>制定计划、需求分析、软件设计、程序编写、软件测试和运行维护</a:t>
             </a:r>
           </a:p>
@@ -4851,14 +7458,14 @@
             <p:ph idx="1"/>
             <p:extLst>
               <p:ext uri="{D42A27DB-BD31-4B8C-83A1-F6EECF244321}">
-                <p14:modId xmlns:p14="http://schemas.microsoft.com/office/powerpoint/2010/main" val="1711837567"/>
+                <p14:modId xmlns:p14="http://schemas.microsoft.com/office/powerpoint/2010/main" val="2757846629"/>
               </p:ext>
             </p:extLst>
           </p:nvPr>
         </p:nvGraphicFramePr>
         <p:xfrm>
-          <a:off x="997527" y="1589809"/>
-          <a:ext cx="10224657" cy="4478477"/>
+          <a:off x="529936" y="2389909"/>
+          <a:ext cx="11003976" cy="4125190"/>
         </p:xfrm>
         <a:graphic>
           <a:graphicData uri="http://schemas.openxmlformats.org/drawingml/2006/table">
@@ -4867,35 +7474,35 @@
                 <a:tableStyleId>{5C22544A-7EE6-4342-B048-85BDC9FD1C3A}</a:tableStyleId>
               </a:tblPr>
               <a:tblGrid>
-                <a:gridCol w="2044685">
+                <a:gridCol w="2200530">
                   <a:extLst>
                     <a:ext uri="{9D8B030D-6E8A-4147-A177-3AD203B41FA5}">
                       <a16:colId xmlns:a16="http://schemas.microsoft.com/office/drawing/2014/main" val="1787911359"/>
                     </a:ext>
                   </a:extLst>
                 </a:gridCol>
-                <a:gridCol w="2044685">
+                <a:gridCol w="2200530">
                   <a:extLst>
                     <a:ext uri="{9D8B030D-6E8A-4147-A177-3AD203B41FA5}">
                       <a16:colId xmlns:a16="http://schemas.microsoft.com/office/drawing/2014/main" val="2004110280"/>
                     </a:ext>
                   </a:extLst>
                 </a:gridCol>
-                <a:gridCol w="2044685">
+                <a:gridCol w="2200530">
                   <a:extLst>
                     <a:ext uri="{9D8B030D-6E8A-4147-A177-3AD203B41FA5}">
                       <a16:colId xmlns:a16="http://schemas.microsoft.com/office/drawing/2014/main" val="3601887718"/>
                     </a:ext>
                   </a:extLst>
                 </a:gridCol>
-                <a:gridCol w="2044685">
+                <a:gridCol w="2200530">
                   <a:extLst>
                     <a:ext uri="{9D8B030D-6E8A-4147-A177-3AD203B41FA5}">
                       <a16:colId xmlns:a16="http://schemas.microsoft.com/office/drawing/2014/main" val="2818698644"/>
                     </a:ext>
                   </a:extLst>
                 </a:gridCol>
-                <a:gridCol w="2045917">
+                <a:gridCol w="2201856">
                   <a:extLst>
                     <a:ext uri="{9D8B030D-6E8A-4147-A177-3AD203B41FA5}">
                       <a16:colId xmlns:a16="http://schemas.microsoft.com/office/drawing/2014/main" val="3218604639"/>
@@ -4903,7 +7510,7 @@
                   </a:extLst>
                 </a:gridCol>
               </a:tblGrid>
-              <a:tr h="593741">
+              <a:tr h="546903">
                 <a:tc>
                   <a:txBody>
                     <a:bodyPr/>
@@ -5055,7 +7662,7 @@
                   </a:ext>
                 </a:extLst>
               </a:tr>
-              <a:tr h="548844">
+              <a:tr h="505548">
                 <a:tc>
                   <a:txBody>
                     <a:bodyPr/>
@@ -5207,7 +7814,7 @@
                   </a:ext>
                 </a:extLst>
               </a:tr>
-              <a:tr h="548844">
+              <a:tr h="505548">
                 <a:tc>
                   <a:txBody>
                     <a:bodyPr/>
@@ -5222,12 +7829,12 @@
                         </a:spcAft>
                       </a:pPr>
                       <a:r>
-                        <a:rPr lang="zh-CN" sz="2000">
+                        <a:rPr lang="zh-CN" sz="2000" dirty="0">
                           <a:effectLst/>
                         </a:rPr>
                         <a:t>项目下达者</a:t>
                       </a:r>
-                      <a:endParaRPr lang="zh-CN" sz="2000">
+                      <a:endParaRPr lang="zh-CN" sz="2000" dirty="0">
                         <a:effectLst/>
                         <a:latin typeface="Calibri" panose="020F0502020204030204" pitchFamily="34" charset="0"/>
                         <a:ea typeface="宋体" panose="02010600030101010101" pitchFamily="2" charset="-122"/>
@@ -5359,7 +7966,7 @@
                   </a:ext>
                 </a:extLst>
               </a:tr>
-              <a:tr h="548844">
+              <a:tr h="505548">
                 <a:tc>
                   <a:txBody>
                     <a:bodyPr/>
@@ -5511,7 +8118,7 @@
                   </a:ext>
                 </a:extLst>
               </a:tr>
-              <a:tr h="548844">
+              <a:tr h="505548">
                 <a:tc>
                   <a:txBody>
                     <a:bodyPr/>
@@ -5663,7 +8270,7 @@
                   </a:ext>
                 </a:extLst>
               </a:tr>
-              <a:tr h="1140516">
+              <a:tr h="1050547">
                 <a:tc>
                   <a:txBody>
                     <a:bodyPr/>
@@ -5815,7 +8422,7 @@
                   </a:ext>
                 </a:extLst>
               </a:tr>
-              <a:tr h="548844">
+              <a:tr h="505548">
                 <a:tc>
                   <a:txBody>
                     <a:bodyPr/>
@@ -6018,7 +8625,7 @@
           <a:p>
             <a:r>
               <a:rPr lang="zh-CN" altLang="en-US" dirty="0"/>
-              <a:t>实施计划</a:t>
+              <a:t>实施计划（子目录）</a:t>
             </a:r>
           </a:p>
         </p:txBody>
@@ -6033,66 +8640,62 @@
             <p:ph idx="1"/>
           </p:nvPr>
         </p:nvSpPr>
-        <p:spPr/>
-        <p:txBody>
-          <a:bodyPr/>
-          <a:lstStyle/>
-          <a:p>
-            <a:r>
-              <a:rPr lang="zh-CN" altLang="en-US" dirty="0">
-                <a:hlinkClick r:id="rId2" action="ppaction://hlinksldjump"/>
-              </a:rPr>
+        <p:spPr>
+          <a:xfrm>
+            <a:off x="810000" y="2274241"/>
+            <a:ext cx="10554574" cy="3636511"/>
+          </a:xfrm>
+        </p:spPr>
+        <p:txBody>
+          <a:bodyPr>
+            <a:normAutofit/>
+          </a:bodyPr>
+          <a:lstStyle/>
+          <a:p>
+            <a:r>
+              <a:rPr lang="zh-CN" altLang="en-US" sz="2800" dirty="0"/>
               <a:t>风险识别及应对</a:t>
             </a:r>
-            <a:endParaRPr lang="en-US" altLang="zh-CN" dirty="0"/>
-          </a:p>
-          <a:p>
-            <a:r>
-              <a:rPr lang="zh-CN" altLang="en-US" dirty="0"/>
+          </a:p>
+          <a:p>
+            <a:r>
+              <a:rPr lang="zh-CN" altLang="en-US" sz="2800" dirty="0"/>
               <a:t>沟通计划</a:t>
             </a:r>
-            <a:endParaRPr lang="en-US" altLang="zh-CN" dirty="0"/>
-          </a:p>
-          <a:p>
-            <a:r>
-              <a:rPr lang="en-US" altLang="zh-CN" dirty="0">
-                <a:hlinkClick r:id="rId3" action="ppaction://hlinksldjump"/>
-              </a:rPr>
+          </a:p>
+          <a:p>
+            <a:r>
+              <a:rPr lang="en-US" altLang="zh-CN" sz="2800" dirty="0"/>
               <a:t>OBS</a:t>
             </a:r>
             <a:r>
-              <a:rPr lang="zh-CN" altLang="en-US" dirty="0">
-                <a:hlinkClick r:id="rId3" action="ppaction://hlinksldjump"/>
-              </a:rPr>
+              <a:rPr lang="zh-CN" altLang="en-US" sz="2800" dirty="0"/>
               <a:t>图</a:t>
             </a:r>
-            <a:endParaRPr lang="en-US" altLang="zh-CN" dirty="0"/>
-          </a:p>
-          <a:p>
-            <a:r>
-              <a:rPr lang="en-US" altLang="zh-CN" dirty="0"/>
+          </a:p>
+          <a:p>
+            <a:r>
+              <a:rPr lang="en-US" altLang="zh-CN" sz="2800" dirty="0"/>
               <a:t>WBS</a:t>
             </a:r>
             <a:r>
-              <a:rPr lang="zh-CN" altLang="en-US" dirty="0"/>
+              <a:rPr lang="zh-CN" altLang="en-US" sz="2800" dirty="0"/>
               <a:t>树状图</a:t>
             </a:r>
-            <a:endParaRPr lang="en-US" altLang="zh-CN" dirty="0"/>
-          </a:p>
-          <a:p>
-            <a:r>
-              <a:rPr lang="en-US" altLang="zh-CN" dirty="0"/>
+          </a:p>
+          <a:p>
+            <a:r>
+              <a:rPr lang="en-US" altLang="zh-CN" sz="2800" dirty="0"/>
               <a:t>LRC</a:t>
             </a:r>
             <a:r>
-              <a:rPr lang="zh-CN" altLang="en-US" dirty="0"/>
+              <a:rPr lang="zh-CN" altLang="en-US" sz="2800" dirty="0"/>
               <a:t>表</a:t>
             </a:r>
-            <a:endParaRPr lang="en-US" altLang="zh-CN" dirty="0"/>
-          </a:p>
-          <a:p>
-            <a:r>
-              <a:rPr lang="zh-CN" altLang="en-US" dirty="0"/>
+          </a:p>
+          <a:p>
+            <a:r>
+              <a:rPr lang="zh-CN" altLang="en-US" sz="2800" dirty="0"/>
               <a:t>甘特图</a:t>
             </a:r>
           </a:p>
@@ -6166,18 +8769,25 @@
             <p:ph idx="1"/>
           </p:nvPr>
         </p:nvSpPr>
-        <p:spPr/>
-        <p:txBody>
-          <a:bodyPr/>
-          <a:lstStyle/>
-          <a:p>
-            <a:r>
-              <a:rPr lang="zh-CN" altLang="en-US" dirty="0">
+        <p:spPr>
+          <a:xfrm>
+            <a:off x="810000" y="1681960"/>
+            <a:ext cx="10554574" cy="3636511"/>
+          </a:xfrm>
+        </p:spPr>
+        <p:txBody>
+          <a:bodyPr>
+            <a:normAutofit/>
+          </a:bodyPr>
+          <a:lstStyle/>
+          <a:p>
+            <a:r>
+              <a:rPr lang="zh-CN" altLang="en-US" sz="2800" dirty="0">
                 <a:hlinkClick r:id="rId2" action="ppaction://hlinkfile"/>
               </a:rPr>
               <a:t>风险计划总表</a:t>
             </a:r>
-            <a:endParaRPr lang="zh-CN" altLang="en-US" dirty="0"/>
+            <a:endParaRPr lang="zh-CN" altLang="en-US" sz="2800" dirty="0"/>
           </a:p>
         </p:txBody>
       </p:sp>
@@ -6255,18 +8865,25 @@
             <p:ph idx="1"/>
           </p:nvPr>
         </p:nvSpPr>
-        <p:spPr/>
-        <p:txBody>
-          <a:bodyPr/>
-          <a:lstStyle/>
-          <a:p>
-            <a:r>
-              <a:rPr lang="zh-CN" altLang="en-US" dirty="0">
+        <p:spPr>
+          <a:xfrm>
+            <a:off x="810000" y="1744305"/>
+            <a:ext cx="10554574" cy="3636511"/>
+          </a:xfrm>
+        </p:spPr>
+        <p:txBody>
+          <a:bodyPr>
+            <a:normAutofit/>
+          </a:bodyPr>
+          <a:lstStyle/>
+          <a:p>
+            <a:r>
+              <a:rPr lang="zh-CN" altLang="en-US" sz="2800" dirty="0">
                 <a:hlinkClick r:id="rId2" action="ppaction://hlinkfile"/>
               </a:rPr>
               <a:t>沟通计划</a:t>
             </a:r>
-            <a:endParaRPr lang="zh-CN" altLang="en-US" dirty="0"/>
+            <a:endParaRPr lang="zh-CN" altLang="en-US" sz="2800" dirty="0"/>
           </a:p>
         </p:txBody>
       </p:sp>
@@ -6419,51 +9036,58 @@
             <p:ph idx="1"/>
           </p:nvPr>
         </p:nvSpPr>
-        <p:spPr/>
-        <p:txBody>
-          <a:bodyPr/>
-          <a:lstStyle/>
-          <a:p>
-            <a:r>
-              <a:rPr lang="en-US" altLang="zh-CN" dirty="0">
+        <p:spPr>
+          <a:xfrm>
+            <a:off x="810000" y="1526097"/>
+            <a:ext cx="10554574" cy="3636511"/>
+          </a:xfrm>
+        </p:spPr>
+        <p:txBody>
+          <a:bodyPr>
+            <a:normAutofit/>
+          </a:bodyPr>
+          <a:lstStyle/>
+          <a:p>
+            <a:r>
+              <a:rPr lang="en-US" altLang="zh-CN" sz="2400" dirty="0">
                 <a:hlinkClick r:id="rId2" action="ppaction://hlinkfile"/>
               </a:rPr>
               <a:t> WBS</a:t>
             </a:r>
             <a:r>
-              <a:rPr lang="zh-CN" altLang="en-US" dirty="0">
+              <a:rPr lang="zh-CN" altLang="en-US" sz="2400" dirty="0">
                 <a:hlinkClick r:id="rId2" action="ppaction://hlinkfile"/>
               </a:rPr>
               <a:t>树状图</a:t>
             </a:r>
             <a:r>
-              <a:rPr lang="en-US" altLang="zh-CN" dirty="0">
+              <a:rPr lang="en-US" altLang="zh-CN" sz="2400" dirty="0">
                 <a:hlinkClick r:id="rId2" action="ppaction://hlinkfile"/>
               </a:rPr>
               <a:t>1</a:t>
             </a:r>
-            <a:endParaRPr lang="en-US" altLang="zh-CN" dirty="0"/>
-          </a:p>
-          <a:p>
-            <a:r>
-              <a:rPr lang="en-US" altLang="zh-CN" dirty="0">
+            <a:endParaRPr lang="en-US" altLang="zh-CN" sz="2400" dirty="0"/>
+          </a:p>
+          <a:p>
+            <a:r>
+              <a:rPr lang="en-US" altLang="zh-CN" sz="2400" dirty="0">
                 <a:hlinkClick r:id="rId3" action="ppaction://hlinkfile"/>
               </a:rPr>
               <a:t>WBS</a:t>
             </a:r>
             <a:r>
-              <a:rPr lang="zh-CN" altLang="en-US" dirty="0">
+              <a:rPr lang="zh-CN" altLang="en-US" sz="2400" dirty="0">
                 <a:hlinkClick r:id="rId3" action="ppaction://hlinkfile"/>
               </a:rPr>
               <a:t>树状图</a:t>
             </a:r>
             <a:r>
-              <a:rPr lang="en-US" altLang="zh-CN" dirty="0">
+              <a:rPr lang="en-US" altLang="zh-CN" sz="2400" dirty="0">
                 <a:hlinkClick r:id="rId3" action="ppaction://hlinkfile"/>
               </a:rPr>
               <a:t>2</a:t>
             </a:r>
-            <a:endParaRPr lang="zh-CN" altLang="en-US" dirty="0"/>
+            <a:endParaRPr lang="zh-CN" altLang="en-US" sz="2400" dirty="0"/>
           </a:p>
         </p:txBody>
       </p:sp>
@@ -6545,24 +9169,31 @@
             <p:ph idx="1"/>
           </p:nvPr>
         </p:nvSpPr>
-        <p:spPr/>
-        <p:txBody>
-          <a:bodyPr/>
-          <a:lstStyle/>
-          <a:p>
-            <a:r>
-              <a:rPr lang="en-US" altLang="zh-CN" dirty="0">
+        <p:spPr>
+          <a:xfrm>
+            <a:off x="810000" y="1837823"/>
+            <a:ext cx="10554574" cy="3636511"/>
+          </a:xfrm>
+        </p:spPr>
+        <p:txBody>
+          <a:bodyPr>
+            <a:normAutofit/>
+          </a:bodyPr>
+          <a:lstStyle/>
+          <a:p>
+            <a:r>
+              <a:rPr lang="en-US" altLang="zh-CN" sz="2400" dirty="0">
                 <a:hlinkClick r:id="rId2" action="ppaction://hlinkfile"/>
               </a:rPr>
               <a:t>LRC</a:t>
             </a:r>
             <a:r>
-              <a:rPr lang="zh-CN" altLang="en-US" dirty="0">
+              <a:rPr lang="zh-CN" altLang="en-US" sz="2400" dirty="0">
                 <a:hlinkClick r:id="rId2" action="ppaction://hlinkfile"/>
               </a:rPr>
               <a:t>线性责任表</a:t>
             </a:r>
-            <a:endParaRPr lang="zh-CN" altLang="en-US" dirty="0"/>
+            <a:endParaRPr lang="zh-CN" altLang="en-US" sz="2400" dirty="0"/>
           </a:p>
         </p:txBody>
       </p:sp>
@@ -6628,18 +9259,25 @@
             <p:ph idx="1"/>
           </p:nvPr>
         </p:nvSpPr>
-        <p:spPr/>
-        <p:txBody>
-          <a:bodyPr/>
-          <a:lstStyle/>
-          <a:p>
-            <a:r>
-              <a:rPr lang="zh-CN" altLang="en-US" dirty="0">
+        <p:spPr>
+          <a:xfrm>
+            <a:off x="810000" y="1567660"/>
+            <a:ext cx="10554574" cy="3636511"/>
+          </a:xfrm>
+        </p:spPr>
+        <p:txBody>
+          <a:bodyPr>
+            <a:normAutofit/>
+          </a:bodyPr>
+          <a:lstStyle/>
+          <a:p>
+            <a:r>
+              <a:rPr lang="zh-CN" altLang="en-US" sz="2400" dirty="0">
                 <a:hlinkClick r:id="rId2" action="ppaction://hlinkfile"/>
               </a:rPr>
               <a:t>项目总体计划甘特图</a:t>
             </a:r>
-            <a:endParaRPr lang="zh-CN" altLang="en-US" dirty="0"/>
+            <a:endParaRPr lang="zh-CN" altLang="en-US" sz="2400" dirty="0"/>
           </a:p>
         </p:txBody>
       </p:sp>
@@ -6720,86 +9358,87 @@
         </p:nvSpPr>
         <p:spPr/>
         <p:txBody>
-          <a:bodyPr/>
-          <a:lstStyle/>
-          <a:p>
-            <a:r>
-              <a:rPr lang="zh-CN" altLang="en-US" dirty="0"/>
+          <a:bodyPr>
+            <a:normAutofit/>
+          </a:bodyPr>
+          <a:lstStyle/>
+          <a:p>
+            <a:r>
+              <a:rPr lang="zh-CN" altLang="en-US" sz="2800" dirty="0"/>
               <a:t>配置标识</a:t>
             </a:r>
             <a:r>
-              <a:rPr lang="en-US" altLang="zh-CN" dirty="0"/>
+              <a:rPr lang="en-US" altLang="zh-CN" sz="2800" dirty="0"/>
               <a:t>——</a:t>
             </a:r>
             <a:r>
-              <a:rPr lang="zh-CN" altLang="en-US" dirty="0"/>
+              <a:rPr lang="zh-CN" altLang="en-US" sz="2800" dirty="0"/>
               <a:t>由项目经理发布</a:t>
             </a:r>
             <a:r>
-              <a:rPr lang="zh-CN" altLang="zh-CN" dirty="0"/>
+              <a:rPr lang="zh-CN" altLang="zh-CN" sz="2800" dirty="0"/>
               <a:t>标识</a:t>
             </a:r>
-            <a:endParaRPr lang="en-US" altLang="zh-CN" dirty="0"/>
-          </a:p>
-          <a:p>
-            <a:r>
-              <a:rPr lang="zh-CN" altLang="zh-CN" dirty="0"/>
+            <a:endParaRPr lang="en-US" altLang="zh-CN" sz="2800" dirty="0"/>
+          </a:p>
+          <a:p>
+            <a:r>
+              <a:rPr lang="zh-CN" altLang="zh-CN" sz="2800" dirty="0"/>
               <a:t>版本管理</a:t>
             </a:r>
             <a:r>
-              <a:rPr lang="en-US" altLang="zh-CN" dirty="0"/>
+              <a:rPr lang="en-US" altLang="zh-CN" sz="2800" dirty="0"/>
               <a:t>——git</a:t>
             </a:r>
             <a:r>
-              <a:rPr lang="zh-CN" altLang="en-US" dirty="0"/>
+              <a:rPr lang="zh-CN" altLang="en-US" sz="2800" dirty="0"/>
               <a:t>管理员完成相关工作</a:t>
             </a:r>
-            <a:endParaRPr lang="en-US" altLang="zh-CN" dirty="0"/>
-          </a:p>
-          <a:p>
-            <a:r>
-              <a:rPr lang="zh-CN" altLang="zh-CN" dirty="0"/>
+            <a:endParaRPr lang="en-US" altLang="zh-CN" sz="2800" dirty="0"/>
+          </a:p>
+          <a:p>
+            <a:r>
+              <a:rPr lang="zh-CN" altLang="zh-CN" sz="2800" dirty="0"/>
               <a:t>变更控制</a:t>
             </a:r>
             <a:r>
-              <a:rPr lang="en-US" altLang="zh-CN" dirty="0"/>
+              <a:rPr lang="en-US" altLang="zh-CN" sz="2800" dirty="0"/>
               <a:t>——</a:t>
             </a:r>
             <a:r>
-              <a:rPr lang="zh-CN" altLang="en-US" dirty="0"/>
+              <a:rPr lang="zh-CN" altLang="en-US" sz="2800" dirty="0"/>
               <a:t>小问题微信聊，大问题在文档里写上修改记录</a:t>
             </a:r>
-            <a:endParaRPr lang="en-US" altLang="zh-CN" dirty="0"/>
-          </a:p>
-          <a:p>
-            <a:r>
-              <a:rPr lang="zh-CN" altLang="zh-CN" dirty="0"/>
+            <a:endParaRPr lang="en-US" altLang="zh-CN" sz="2800" dirty="0"/>
+          </a:p>
+          <a:p>
+            <a:r>
+              <a:rPr lang="zh-CN" altLang="zh-CN" sz="2800" dirty="0"/>
               <a:t>配置状态报告</a:t>
             </a:r>
             <a:r>
-              <a:rPr lang="en-US" altLang="zh-CN" dirty="0"/>
+              <a:rPr lang="en-US" altLang="zh-CN" sz="2800" dirty="0"/>
               <a:t>——</a:t>
             </a:r>
             <a:r>
-              <a:rPr lang="zh-CN" altLang="en-US" dirty="0"/>
+              <a:rPr lang="zh-CN" altLang="en-US" sz="2800" dirty="0"/>
               <a:t>每周三发送最新状态，周三周四停更</a:t>
             </a:r>
-            <a:endParaRPr lang="en-US" altLang="zh-CN" dirty="0"/>
-          </a:p>
-          <a:p>
-            <a:r>
-              <a:rPr lang="zh-CN" altLang="zh-CN" dirty="0"/>
+            <a:endParaRPr lang="en-US" altLang="zh-CN" sz="2800" dirty="0"/>
+          </a:p>
+          <a:p>
+            <a:r>
+              <a:rPr lang="zh-CN" altLang="zh-CN" sz="2800" dirty="0"/>
               <a:t>配置审核</a:t>
             </a:r>
             <a:r>
-              <a:rPr lang="en-US" altLang="zh-CN" dirty="0"/>
+              <a:rPr lang="en-US" altLang="zh-CN" sz="2800" dirty="0"/>
               <a:t>——</a:t>
             </a:r>
             <a:r>
-              <a:rPr lang="zh-CN" altLang="en-US"/>
+              <a:rPr lang="zh-CN" altLang="en-US" sz="2800" dirty="0"/>
               <a:t>项目经理对每一项配置每周三进行审核</a:t>
             </a:r>
-            <a:endParaRPr lang="zh-CN" altLang="en-US" dirty="0"/>
           </a:p>
         </p:txBody>
       </p:sp>
@@ -6835,6 +9474,50 @@
       </p:grpSpPr>
       <p:sp>
         <p:nvSpPr>
+          <p:cNvPr id="4" name="标题 1">
+            <a:extLst>
+              <a:ext uri="{FF2B5EF4-FFF2-40B4-BE49-F238E27FC236}">
+                <a16:creationId xmlns:a16="http://schemas.microsoft.com/office/drawing/2014/main" id="{687C9F6B-3390-4F17-987F-35579B481624}"/>
+              </a:ext>
+            </a:extLst>
+          </p:cNvPr>
+          <p:cNvSpPr>
+            <a:spLocks noGrp="1"/>
+          </p:cNvSpPr>
+          <p:nvPr>
+            <p:ph type="title"/>
+          </p:nvPr>
+        </p:nvSpPr>
+        <p:spPr/>
+        <p:txBody>
+          <a:bodyPr/>
+          <a:lstStyle/>
+          <a:p>
+            <a:r>
+              <a:rPr lang="zh-CN" altLang="en-US" dirty="0"/>
+              <a:t>小组成员分工与评价</a:t>
+            </a:r>
+            <a:r>
+              <a:rPr lang="en-US" altLang="zh-CN" dirty="0"/>
+              <a:t>(</a:t>
+            </a:r>
+            <a:r>
+              <a:rPr lang="zh-CN" altLang="en-US" dirty="0"/>
+              <a:t>总分</a:t>
+            </a:r>
+            <a:r>
+              <a:rPr lang="en-US" altLang="zh-CN" dirty="0"/>
+              <a:t>5</a:t>
+            </a:r>
+            <a:r>
+              <a:rPr lang="zh-CN" altLang="en-US" dirty="0"/>
+              <a:t>分）</a:t>
+            </a:r>
+          </a:p>
+        </p:txBody>
+      </p:sp>
+      <p:sp>
+        <p:nvSpPr>
           <p:cNvPr id="3" name="内容占位符 2">
             <a:extLst>
               <a:ext uri="{FF2B5EF4-FFF2-40B4-BE49-F238E27FC236}">
@@ -6876,7 +9559,7 @@
             </a:r>
             <a:r>
               <a:rPr lang="en-US" altLang="zh-CN" dirty="0"/>
-              <a:t>——4</a:t>
+              <a:t>——5</a:t>
             </a:r>
             <a:r>
               <a:rPr lang="zh-CN" altLang="en-US" dirty="0"/>
@@ -6914,7 +9597,7 @@
             </a:r>
             <a:r>
               <a:rPr lang="en-US" altLang="zh-CN" dirty="0"/>
-              <a:t>——3</a:t>
+              <a:t>——1</a:t>
             </a:r>
             <a:r>
               <a:rPr lang="zh-CN" altLang="en-US" dirty="0"/>
@@ -6929,7 +9612,7 @@
             </a:r>
             <a:r>
               <a:rPr lang="en-US" altLang="zh-CN" dirty="0"/>
-              <a:t>WBS——3</a:t>
+              <a:t>WBS——4</a:t>
             </a:r>
             <a:r>
               <a:rPr lang="zh-CN" altLang="en-US" dirty="0"/>
@@ -6952,55 +9635,11 @@
             </a:r>
             <a:r>
               <a:rPr lang="en-US" altLang="zh-CN" dirty="0"/>
-              <a:t>——3</a:t>
+              <a:t>——2</a:t>
             </a:r>
             <a:r>
               <a:rPr lang="zh-CN" altLang="en-US" dirty="0"/>
               <a:t>分</a:t>
-            </a:r>
-          </a:p>
-        </p:txBody>
-      </p:sp>
-      <p:sp>
-        <p:nvSpPr>
-          <p:cNvPr id="4" name="标题 1">
-            <a:extLst>
-              <a:ext uri="{FF2B5EF4-FFF2-40B4-BE49-F238E27FC236}">
-                <a16:creationId xmlns:a16="http://schemas.microsoft.com/office/drawing/2014/main" id="{687C9F6B-3390-4F17-987F-35579B481624}"/>
-              </a:ext>
-            </a:extLst>
-          </p:cNvPr>
-          <p:cNvSpPr>
-            <a:spLocks noGrp="1"/>
-          </p:cNvSpPr>
-          <p:nvPr>
-            <p:ph type="title"/>
-          </p:nvPr>
-        </p:nvSpPr>
-        <p:spPr/>
-        <p:txBody>
-          <a:bodyPr/>
-          <a:lstStyle/>
-          <a:p>
-            <a:r>
-              <a:rPr lang="zh-CN" altLang="en-US" dirty="0"/>
-              <a:t>小组成员分工与评价</a:t>
-            </a:r>
-            <a:r>
-              <a:rPr lang="en-US" altLang="zh-CN" dirty="0"/>
-              <a:t>(</a:t>
-            </a:r>
-            <a:r>
-              <a:rPr lang="zh-CN" altLang="en-US" dirty="0"/>
-              <a:t>总分</a:t>
-            </a:r>
-            <a:r>
-              <a:rPr lang="en-US" altLang="zh-CN" dirty="0"/>
-              <a:t>5</a:t>
-            </a:r>
-            <a:r>
-              <a:rPr lang="zh-CN" altLang="en-US" dirty="0"/>
-              <a:t>分）</a:t>
             </a:r>
           </a:p>
         </p:txBody>
@@ -7054,6 +9693,19 @@
               <a:rPr lang="zh-CN" altLang="en-US" dirty="0"/>
               <a:t>引言</a:t>
             </a:r>
+            <a:r>
+              <a:rPr lang="en-US" altLang="zh-CN" dirty="0"/>
+              <a:t>(</a:t>
+            </a:r>
+            <a:r>
+              <a:rPr lang="zh-CN" altLang="en-US" dirty="0"/>
+              <a:t>子目录</a:t>
+            </a:r>
+            <a:r>
+              <a:rPr lang="en-US" altLang="zh-CN" dirty="0"/>
+              <a:t>)</a:t>
+            </a:r>
+            <a:endParaRPr lang="zh-CN" altLang="en-US" dirty="0"/>
           </a:p>
         </p:txBody>
       </p:sp>
@@ -7069,59 +9721,46 @@
         </p:nvSpPr>
         <p:spPr/>
         <p:txBody>
-          <a:bodyPr/>
-          <a:lstStyle/>
-          <a:p>
-            <a:r>
-              <a:rPr lang="zh-CN" altLang="en-US" dirty="0">
-                <a:hlinkClick r:id="rId2" action="ppaction://hlinksldjump"/>
-              </a:rPr>
+          <a:bodyPr>
+            <a:normAutofit/>
+          </a:bodyPr>
+          <a:lstStyle/>
+          <a:p>
+            <a:r>
+              <a:rPr lang="zh-CN" altLang="en-US" sz="2800" dirty="0"/>
+              <a:t>项目名称</a:t>
+            </a:r>
+            <a:endParaRPr lang="en-US" altLang="zh-CN" sz="2800" dirty="0"/>
+          </a:p>
+          <a:p>
+            <a:r>
+              <a:rPr lang="zh-CN" altLang="en-US" sz="2800" dirty="0"/>
+              <a:t>项目负责小组</a:t>
+            </a:r>
+          </a:p>
+          <a:p>
+            <a:r>
+              <a:rPr lang="zh-CN" altLang="en-US" sz="2800" dirty="0"/>
               <a:t>背景</a:t>
             </a:r>
-            <a:endParaRPr lang="en-US" altLang="zh-CN" dirty="0"/>
-          </a:p>
-          <a:p>
-            <a:r>
-              <a:rPr lang="zh-CN" altLang="en-US" dirty="0">
-                <a:hlinkClick r:id="rId3" action="ppaction://hlinksldjump"/>
-              </a:rPr>
+          </a:p>
+          <a:p>
+            <a:r>
+              <a:rPr lang="zh-CN" altLang="en-US" sz="2800" dirty="0"/>
               <a:t>业务机遇</a:t>
             </a:r>
-            <a:endParaRPr lang="en-US" altLang="zh-CN" dirty="0"/>
-          </a:p>
-          <a:p>
-            <a:r>
-              <a:rPr lang="zh-CN" altLang="en-US" dirty="0">
-                <a:hlinkClick r:id="rId4" action="ppaction://hlinksldjump"/>
-              </a:rPr>
+          </a:p>
+          <a:p>
+            <a:r>
+              <a:rPr lang="zh-CN" altLang="en-US" sz="2800" dirty="0"/>
               <a:t>业务目标</a:t>
             </a:r>
-            <a:endParaRPr lang="en-US" altLang="zh-CN" dirty="0"/>
-          </a:p>
-          <a:p>
-            <a:r>
-              <a:rPr lang="zh-CN" altLang="en-US" dirty="0"/>
+          </a:p>
+          <a:p>
+            <a:r>
+              <a:rPr lang="zh-CN" altLang="en-US" sz="2800" dirty="0"/>
               <a:t>项目范围</a:t>
             </a:r>
-            <a:endParaRPr lang="en-US" altLang="zh-CN" dirty="0"/>
-          </a:p>
-          <a:p>
-            <a:r>
-              <a:rPr lang="zh-CN" altLang="en-US" dirty="0">
-                <a:hlinkClick r:id="rId5" action="ppaction://hlinksldjump"/>
-              </a:rPr>
-              <a:t>项目名称</a:t>
-            </a:r>
-            <a:endParaRPr lang="en-US" altLang="zh-CN" dirty="0"/>
-          </a:p>
-          <a:p>
-            <a:r>
-              <a:rPr lang="zh-CN" altLang="en-US" dirty="0">
-                <a:hlinkClick r:id="rId6" action="ppaction://hlinksldjump"/>
-              </a:rPr>
-              <a:t>项目负责小组</a:t>
-            </a:r>
-            <a:endParaRPr lang="zh-CN" altLang="en-US" dirty="0"/>
           </a:p>
         </p:txBody>
       </p:sp>
@@ -7201,48 +9840,50 @@
         </p:nvSpPr>
         <p:spPr/>
         <p:txBody>
-          <a:bodyPr/>
-          <a:lstStyle/>
-          <a:p>
-            <a:r>
-              <a:rPr lang="en-US" altLang="zh-CN" dirty="0"/>
+          <a:bodyPr>
+            <a:normAutofit/>
+          </a:bodyPr>
+          <a:lstStyle/>
+          <a:p>
+            <a:r>
+              <a:rPr lang="en-US" altLang="zh-CN" sz="2400" dirty="0"/>
               <a:t>GB-T 8567-2006 </a:t>
             </a:r>
             <a:r>
-              <a:rPr lang="zh-CN" altLang="en-US" dirty="0"/>
+              <a:rPr lang="zh-CN" altLang="en-US" sz="2400" dirty="0"/>
               <a:t>计算机软件文档编制规范</a:t>
             </a:r>
-            <a:endParaRPr lang="en-US" altLang="zh-CN" dirty="0"/>
-          </a:p>
-          <a:p>
-            <a:r>
-              <a:rPr lang="en-US" altLang="zh-CN" dirty="0"/>
+            <a:endParaRPr lang="en-US" altLang="zh-CN" sz="2400" dirty="0"/>
+          </a:p>
+          <a:p>
+            <a:r>
+              <a:rPr lang="en-US" altLang="zh-CN" sz="2400" dirty="0"/>
               <a:t>C2-PRD-</a:t>
             </a:r>
             <a:r>
-              <a:rPr lang="zh-CN" altLang="zh-CN" dirty="0"/>
+              <a:rPr lang="zh-CN" altLang="zh-CN" sz="2400" dirty="0"/>
               <a:t>项目描述</a:t>
             </a:r>
             <a:r>
-              <a:rPr lang="en-US" altLang="zh-CN" dirty="0"/>
+              <a:rPr lang="en-US" altLang="zh-CN" sz="2400" dirty="0"/>
               <a:t>-2017</a:t>
             </a:r>
           </a:p>
           <a:p>
             <a:r>
-              <a:rPr lang="en-US" altLang="zh-CN" dirty="0"/>
+              <a:rPr lang="en-US" altLang="zh-CN" sz="2400" dirty="0"/>
               <a:t>《</a:t>
             </a:r>
             <a:r>
-              <a:rPr lang="zh-CN" altLang="en-US" dirty="0"/>
+              <a:rPr lang="zh-CN" altLang="en-US" sz="2400" dirty="0"/>
               <a:t>软件项目管理</a:t>
             </a:r>
             <a:r>
-              <a:rPr lang="en-US" altLang="zh-CN" dirty="0"/>
+              <a:rPr lang="en-US" altLang="zh-CN" sz="2400" dirty="0"/>
               <a:t>》</a:t>
             </a:r>
             <a:r>
-              <a:rPr lang="zh-CN" altLang="en-US" dirty="0"/>
+              <a:rPr lang="zh-CN" altLang="en-US" sz="2400" dirty="0"/>
               <a:t>第五版</a:t>
             </a:r>
           </a:p>
@@ -7322,20 +9963,27 @@
             <p:ph idx="1"/>
           </p:nvPr>
         </p:nvSpPr>
-        <p:spPr/>
-        <p:txBody>
-          <a:bodyPr/>
-          <a:lstStyle/>
-          <a:p>
-            <a:r>
-              <a:rPr lang="zh-CN" altLang="en-US" dirty="0"/>
-              <a:t>普遍没主意</a:t>
-            </a:r>
-            <a:endParaRPr lang="en-US" altLang="zh-CN" dirty="0"/>
-          </a:p>
-          <a:p>
-            <a:r>
-              <a:rPr lang="zh-CN" altLang="en-US" dirty="0"/>
+        <p:spPr>
+          <a:xfrm>
+            <a:off x="810000" y="1837823"/>
+            <a:ext cx="10554574" cy="3636511"/>
+          </a:xfrm>
+        </p:spPr>
+        <p:txBody>
+          <a:bodyPr>
+            <a:normAutofit/>
+          </a:bodyPr>
+          <a:lstStyle/>
+          <a:p>
+            <a:r>
+              <a:rPr lang="zh-CN" altLang="en-US" sz="2800" dirty="0"/>
+              <a:t>普遍没注意任务具体安排导致任务没能按时完成</a:t>
+            </a:r>
+            <a:endParaRPr lang="en-US" altLang="zh-CN" sz="2800" dirty="0"/>
+          </a:p>
+          <a:p>
+            <a:r>
+              <a:rPr lang="zh-CN" altLang="en-US" sz="2800" dirty="0"/>
               <a:t>任务安排时间过于紧密</a:t>
             </a:r>
           </a:p>
@@ -7388,7 +10036,7 @@
           <a:p>
             <a:r>
               <a:rPr lang="zh-CN" altLang="en-US" dirty="0"/>
-              <a:t>背景</a:t>
+              <a:t>项目名称</a:t>
             </a:r>
           </a:p>
         </p:txBody>
@@ -7403,31 +10051,29 @@
             <p:ph idx="1"/>
           </p:nvPr>
         </p:nvSpPr>
-        <p:spPr/>
-        <p:txBody>
-          <a:bodyPr/>
-          <a:lstStyle/>
-          <a:p>
-            <a:pPr marL="0" indent="0">
-              <a:buNone/>
-            </a:pPr>
-            <a:r>
-              <a:rPr lang="zh-CN" altLang="zh-CN" dirty="0"/>
-              <a:t>为了使学生能够获得最多的资料，使学生及时的了解世界需求工程的最新动态，以及学生和教师的有效地沟通，老师提出了这么一个设想；作为他的学生也需要一个与教师及同学之间相互交流，及获取资料的平台；还有一些同学并没有选这几门课，但是也想了解项目管理，需求工程，统一建模的相关知识，以备到时决定该选不选这门课程。通过这三方提出的需求考虑，我们构思做一个软件工程教学、学习、交流的网站。</a:t>
-            </a:r>
-          </a:p>
-          <a:p>
-            <a:pPr marL="0" indent="0">
-              <a:buNone/>
-            </a:pPr>
-            <a:endParaRPr lang="zh-CN" altLang="en-US" dirty="0"/>
+        <p:spPr>
+          <a:xfrm>
+            <a:off x="810000" y="1417638"/>
+            <a:ext cx="10554574" cy="3636511"/>
+          </a:xfrm>
+        </p:spPr>
+        <p:txBody>
+          <a:bodyPr>
+            <a:normAutofit/>
+          </a:bodyPr>
+          <a:lstStyle/>
+          <a:p>
+            <a:r>
+              <a:rPr lang="zh-CN" altLang="zh-CN" sz="2800" dirty="0"/>
+              <a:t>软件工程系列课程教学辅助网站</a:t>
+            </a:r>
           </a:p>
         </p:txBody>
       </p:sp>
     </p:spTree>
     <p:extLst>
       <p:ext uri="{BB962C8B-B14F-4D97-AF65-F5344CB8AC3E}">
-        <p14:creationId xmlns:p14="http://schemas.microsoft.com/office/powerpoint/2010/main" val="4151531217"/>
+        <p14:creationId xmlns:p14="http://schemas.microsoft.com/office/powerpoint/2010/main" val="2185945724"/>
       </p:ext>
     </p:extLst>
   </p:cSld>
@@ -7471,7 +10117,7 @@
           <a:p>
             <a:r>
               <a:rPr lang="zh-CN" altLang="en-US" dirty="0"/>
-              <a:t>业务机遇</a:t>
+              <a:t>项目负责小组</a:t>
             </a:r>
           </a:p>
         </p:txBody>
@@ -7486,98 +10132,30 @@
             <p:ph idx="1"/>
           </p:nvPr>
         </p:nvSpPr>
-        <p:spPr/>
+        <p:spPr>
+          <a:xfrm>
+            <a:off x="810000" y="1152024"/>
+            <a:ext cx="10554574" cy="3636511"/>
+          </a:xfrm>
+        </p:spPr>
         <p:txBody>
           <a:bodyPr>
-            <a:normAutofit fontScale="92500"/>
+            <a:normAutofit/>
           </a:bodyPr>
           <a:lstStyle/>
           <a:p>
             <a:r>
-              <a:rPr lang="en-US" altLang="zh-CN" sz="2400" dirty="0"/>
-              <a:t>21</a:t>
-            </a:r>
-            <a:r>
-              <a:rPr lang="zh-CN" altLang="zh-CN" sz="2400" dirty="0"/>
-              <a:t>世纪是以网络的全面深入运用为特征的世纪。网络环境下的教育不仅是教育信息化的必然产物，也是教育改革发展的必然走向。通过因特网或其他数字化内容进行学习交流与教学的活动即网络化学习（</a:t>
-            </a:r>
-            <a:r>
-              <a:rPr lang="en-US" altLang="zh-CN" sz="2400" dirty="0"/>
-              <a:t>e-learning</a:t>
-            </a:r>
-            <a:r>
-              <a:rPr lang="zh-CN" altLang="zh-CN" sz="2400" dirty="0"/>
-              <a:t>），可以充分利用现代信息技术所提供的、具有全新沟通机制与丰富资源的学习环境，实现一种全新的学习交流方式；这种学习交流方式将改变传统教学中教师的作用和师生之间的关系，从而根本改变教学结构和教育本质</a:t>
-            </a:r>
-            <a:r>
-              <a:rPr lang="en-US" altLang="zh-CN" sz="2400" dirty="0"/>
-              <a:t>[1]</a:t>
-            </a:r>
-            <a:r>
-              <a:rPr lang="zh-CN" altLang="zh-CN" sz="2400" dirty="0"/>
-              <a:t>。美国教育部</a:t>
-            </a:r>
-            <a:r>
-              <a:rPr lang="en-US" altLang="zh-CN" sz="2400" dirty="0"/>
-              <a:t>2000</a:t>
-            </a:r>
-            <a:r>
-              <a:rPr lang="zh-CN" altLang="zh-CN" sz="2400" dirty="0"/>
-              <a:t>年</a:t>
-            </a:r>
-            <a:r>
-              <a:rPr lang="en-US" altLang="zh-CN" sz="2400" dirty="0"/>
-              <a:t>12</a:t>
-            </a:r>
-            <a:r>
-              <a:rPr lang="zh-CN" altLang="zh-CN" sz="2400" dirty="0"/>
-              <a:t>月向国会递交的</a:t>
-            </a:r>
-            <a:r>
-              <a:rPr lang="en-US" altLang="zh-CN" sz="2400" dirty="0"/>
-              <a:t>"</a:t>
-            </a:r>
-            <a:r>
-              <a:rPr lang="zh-CN" altLang="zh-CN" sz="2400" dirty="0"/>
-              <a:t>国家教育技术计划</a:t>
-            </a:r>
-            <a:r>
-              <a:rPr lang="en-US" altLang="zh-CN" sz="2400" dirty="0"/>
-              <a:t>"</a:t>
-            </a:r>
-            <a:r>
-              <a:rPr lang="zh-CN" altLang="zh-CN" sz="2400" dirty="0"/>
-              <a:t>中打算以网络化学习作为提高年青一代</a:t>
-            </a:r>
-            <a:r>
-              <a:rPr lang="en-US" altLang="zh-CN" sz="2400" dirty="0"/>
-              <a:t>"21</a:t>
-            </a:r>
-            <a:r>
-              <a:rPr lang="zh-CN" altLang="zh-CN" sz="2400" dirty="0"/>
-              <a:t>世纪能力素质</a:t>
-            </a:r>
-            <a:r>
-              <a:rPr lang="en-US" altLang="zh-CN" sz="2400" dirty="0"/>
-              <a:t>"</a:t>
-            </a:r>
-            <a:r>
-              <a:rPr lang="zh-CN" altLang="zh-CN" sz="2400" dirty="0"/>
-              <a:t>的根本措施。技术的教育应用成为教育改革和人才培养的重要途径之一。</a:t>
-            </a:r>
-          </a:p>
-          <a:p>
-            <a:r>
-              <a:rPr lang="zh-CN" altLang="zh-CN" sz="2400" dirty="0"/>
-              <a:t>在这一大背景下教学、学习、交流网站应运而生。超文本特性可实现对教学信息最有效的组织与管理。网络化的学习有利于充分实现交互与共享，有利于激发学生的学习兴趣和充分体现学习主体作用，有利于培养学习者的信息素养和信息能力。另一方面教师利用教学、学习、交流网站可以充分发挥网络特性，对学生，教学进行更为有效的管理，同时也有了更为便利的信息发布手段。</a:t>
-            </a:r>
+              <a:rPr lang="en-US" altLang="zh-CN" sz="3200" dirty="0"/>
+              <a:t>PRD-2017-G24</a:t>
+            </a:r>
+            <a:endParaRPr lang="zh-CN" altLang="zh-CN" sz="3200" dirty="0"/>
           </a:p>
         </p:txBody>
       </p:sp>
     </p:spTree>
     <p:extLst>
       <p:ext uri="{BB962C8B-B14F-4D97-AF65-F5344CB8AC3E}">
-        <p14:creationId xmlns:p14="http://schemas.microsoft.com/office/powerpoint/2010/main" val="2177991382"/>
+        <p14:creationId xmlns:p14="http://schemas.microsoft.com/office/powerpoint/2010/main" val="1384748916"/>
       </p:ext>
     </p:extLst>
   </p:cSld>
@@ -7621,7 +10199,7 @@
           <a:p>
             <a:r>
               <a:rPr lang="zh-CN" altLang="en-US" dirty="0"/>
-              <a:t>业务目标</a:t>
+              <a:t>背景</a:t>
             </a:r>
           </a:p>
         </p:txBody>
@@ -7636,22 +10214,38 @@
             <p:ph idx="1"/>
           </p:nvPr>
         </p:nvSpPr>
-        <p:spPr/>
-        <p:txBody>
-          <a:bodyPr/>
-          <a:lstStyle/>
-          <a:p>
-            <a:r>
-              <a:rPr lang="zh-CN" altLang="zh-CN" dirty="0"/>
-              <a:t>虽然如今有很多教学网站，但是专门针对一门新开的大学课程和一位专门的教师；又为学生之间提供交流平台的网站为数不多。这个网站作为一个开课的辅助工具，将有利于教师的教学和学生的学习；也为软件工程系列课程的成熟记录下足迹。</a:t>
-            </a:r>
+        <p:spPr>
+          <a:xfrm>
+            <a:off x="810000" y="2318539"/>
+            <a:ext cx="10554574" cy="3636511"/>
+          </a:xfrm>
+        </p:spPr>
+        <p:txBody>
+          <a:bodyPr>
+            <a:normAutofit fontScale="92500"/>
+          </a:bodyPr>
+          <a:lstStyle/>
+          <a:p>
+            <a:pPr marL="0" indent="0">
+              <a:buNone/>
+            </a:pPr>
+            <a:r>
+              <a:rPr lang="zh-CN" altLang="zh-CN" sz="3200" dirty="0"/>
+              <a:t>为了使学生能够获得最多的资料，使学生及时的了解世界需求工程的最新动态，以及学生和教师的有效地沟通，老师提出了这么一个设想；作为他的学生也需要一个与教师及同学之间相互交流，及获取资料的平台；还有一些同学并没有选这几门课，但是也想了解项目管理，需求工程，统一建模的相关知识，以备到时决定该选不选这门课程。通过这三方提出的需求考虑，我们构思做一个软件工程教学、学习、交流的网站。</a:t>
+            </a:r>
+          </a:p>
+          <a:p>
+            <a:pPr marL="0" indent="0">
+              <a:buNone/>
+            </a:pPr>
+            <a:endParaRPr lang="zh-CN" altLang="en-US" dirty="0"/>
           </a:p>
         </p:txBody>
       </p:sp>
     </p:spTree>
     <p:extLst>
       <p:ext uri="{BB962C8B-B14F-4D97-AF65-F5344CB8AC3E}">
-        <p14:creationId xmlns:p14="http://schemas.microsoft.com/office/powerpoint/2010/main" val="671015404"/>
+        <p14:creationId xmlns:p14="http://schemas.microsoft.com/office/powerpoint/2010/main" val="4151531217"/>
       </p:ext>
     </p:extLst>
   </p:cSld>
@@ -7680,13 +10274,7 @@
       </p:grpSpPr>
       <p:sp>
         <p:nvSpPr>
-          <p:cNvPr id="2" name="标题 1">
-            <a:extLst>
-              <a:ext uri="{FF2B5EF4-FFF2-40B4-BE49-F238E27FC236}">
-                <a16:creationId xmlns:a16="http://schemas.microsoft.com/office/drawing/2014/main" id="{25939283-4EA9-4651-BAED-597A5E725563}"/>
-              </a:ext>
-            </a:extLst>
-          </p:cNvPr>
+          <p:cNvPr id="2" name="标题 1"/>
           <p:cNvSpPr>
             <a:spLocks noGrp="1"/>
           </p:cNvSpPr>
@@ -7701,20 +10289,14 @@
           <a:p>
             <a:r>
               <a:rPr lang="zh-CN" altLang="en-US" dirty="0"/>
-              <a:t>项目范围</a:t>
-            </a:r>
-          </a:p>
-        </p:txBody>
-      </p:sp>
-      <p:sp>
-        <p:nvSpPr>
-          <p:cNvPr id="3" name="内容占位符 2">
-            <a:extLst>
-              <a:ext uri="{FF2B5EF4-FFF2-40B4-BE49-F238E27FC236}">
-                <a16:creationId xmlns:a16="http://schemas.microsoft.com/office/drawing/2014/main" id="{01A92CC7-98EA-4679-AC7A-C514A4A3BB63}"/>
-              </a:ext>
-            </a:extLst>
-          </p:cNvPr>
+              <a:t>业务机遇</a:t>
+            </a:r>
+          </a:p>
+        </p:txBody>
+      </p:sp>
+      <p:sp>
+        <p:nvSpPr>
+          <p:cNvPr id="3" name="内容占位符 2"/>
           <p:cNvSpPr>
             <a:spLocks noGrp="1"/>
           </p:cNvSpPr>
@@ -7722,41 +10304,103 @@
             <p:ph idx="1"/>
           </p:nvPr>
         </p:nvSpPr>
-        <p:spPr/>
-        <p:txBody>
-          <a:bodyPr/>
-          <a:lstStyle/>
-          <a:p>
-            <a:r>
-              <a:rPr lang="zh-CN" altLang="zh-CN" dirty="0"/>
-              <a:t>完成软件工程系列课程教学辅助网站的研发、交付、维护等一系列相关过程。项目工程中主要产生的文档有《项目可行性报告》；《项目章程》；《项目总体计划》；《需求工程计划</a:t>
-            </a:r>
-            <a:r>
-              <a:rPr lang="en-US" altLang="zh-CN" dirty="0"/>
-              <a:t>-</a:t>
-            </a:r>
-            <a:r>
-              <a:rPr lang="zh-CN" altLang="zh-CN" dirty="0"/>
-              <a:t>初步》；《</a:t>
-            </a:r>
-            <a:r>
-              <a:rPr lang="en-US" altLang="zh-CN" dirty="0"/>
-              <a:t>QA</a:t>
-            </a:r>
-            <a:r>
-              <a:rPr lang="zh-CN" altLang="zh-CN" dirty="0"/>
-              <a:t>计划》；《需求工程计划》；《软件需求规格说明书》；《软件需求变更文档》；《系统设计与实现计划》；《软件概要设计说明》；《测试计划》；《安装部署计划》；《培训计划》；《系统维护计划》；《项目总结报告》。</a:t>
-            </a:r>
-          </a:p>
-          <a:p>
-            <a:endParaRPr lang="zh-CN" altLang="en-US" dirty="0"/>
+        <p:spPr>
+          <a:xfrm>
+            <a:off x="409355" y="2158118"/>
+            <a:ext cx="10885563" cy="3868609"/>
+          </a:xfrm>
+        </p:spPr>
+        <p:txBody>
+          <a:bodyPr>
+            <a:noAutofit/>
+          </a:bodyPr>
+          <a:lstStyle/>
+          <a:p>
+            <a:r>
+              <a:rPr lang="en-US" altLang="zh-CN" sz="2000" dirty="0"/>
+              <a:t>21</a:t>
+            </a:r>
+            <a:r>
+              <a:rPr lang="zh-CN" altLang="zh-CN" sz="2000" dirty="0"/>
+              <a:t>世纪是以网络的全面深入运用为特征的世纪。网络环境下的教育不仅是教育信息化的必然产物，也是教育改革发展的必然走向。通过因特网或其他数字化内容进行学习交流与教学的活动即网络化学习（</a:t>
+            </a:r>
+            <a:r>
+              <a:rPr lang="en-US" altLang="zh-CN" sz="2000" dirty="0"/>
+              <a:t>e-learning</a:t>
+            </a:r>
+            <a:r>
+              <a:rPr lang="zh-CN" altLang="zh-CN" sz="2000" dirty="0"/>
+              <a:t>），可以充分利用现代信息技术所提供的、具有全新沟通机制与丰富资源的学习环境，实现一种全新的学习交流方式；这种学习交流方式将改变传统教学中教师的作用和师生之间的关系，从而根本改变教学结构和教育本质</a:t>
+            </a:r>
+            <a:r>
+              <a:rPr lang="en-US" altLang="zh-CN" sz="2000" dirty="0"/>
+              <a:t>[1]</a:t>
+            </a:r>
+            <a:r>
+              <a:rPr lang="zh-CN" altLang="zh-CN" sz="2000" dirty="0"/>
+              <a:t>。美国教育部</a:t>
+            </a:r>
+            <a:r>
+              <a:rPr lang="en-US" altLang="zh-CN" sz="2000" dirty="0"/>
+              <a:t>2000</a:t>
+            </a:r>
+            <a:r>
+              <a:rPr lang="zh-CN" altLang="zh-CN" sz="2000" dirty="0"/>
+              <a:t>年</a:t>
+            </a:r>
+            <a:r>
+              <a:rPr lang="en-US" altLang="zh-CN" sz="2000" dirty="0"/>
+              <a:t>12</a:t>
+            </a:r>
+            <a:r>
+              <a:rPr lang="zh-CN" altLang="zh-CN" sz="2000" dirty="0"/>
+              <a:t>月向国会递交的</a:t>
+            </a:r>
+            <a:r>
+              <a:rPr lang="en-US" altLang="zh-CN" sz="2000" dirty="0"/>
+              <a:t>"</a:t>
+            </a:r>
+            <a:r>
+              <a:rPr lang="zh-CN" altLang="zh-CN" sz="2000" dirty="0"/>
+              <a:t>国家教育技术计划</a:t>
+            </a:r>
+            <a:r>
+              <a:rPr lang="en-US" altLang="zh-CN" sz="2000" dirty="0"/>
+              <a:t>"</a:t>
+            </a:r>
+            <a:r>
+              <a:rPr lang="zh-CN" altLang="zh-CN" sz="2000" dirty="0"/>
+              <a:t>中打算以网络化学习作为提高年青一代</a:t>
+            </a:r>
+            <a:r>
+              <a:rPr lang="en-US" altLang="zh-CN" sz="2000" dirty="0"/>
+              <a:t>"21</a:t>
+            </a:r>
+            <a:r>
+              <a:rPr lang="zh-CN" altLang="zh-CN" sz="2000" dirty="0"/>
+              <a:t>世纪能力素质</a:t>
+            </a:r>
+            <a:r>
+              <a:rPr lang="en-US" altLang="zh-CN" sz="2000" dirty="0"/>
+              <a:t>"</a:t>
+            </a:r>
+            <a:r>
+              <a:rPr lang="zh-CN" altLang="zh-CN" sz="2000" dirty="0"/>
+              <a:t>的根本措施。技术的教育应用成为教育改革和人才培养的重要途径之一。</a:t>
+            </a:r>
+          </a:p>
+          <a:p>
+            <a:r>
+              <a:rPr lang="zh-CN" altLang="zh-CN" sz="2000" dirty="0"/>
+              <a:t>在这一大背景下教学、学习、交流网站应运而生。超文本特性可实现对教学信息最有效的组织与管理。网络化的学习有利于充分实现交互与共享，有利于激发学生的学习兴趣和充分体现学习主体作用，有利于培养学习者的信息素养和信息能力。另一方面教师利用教学、学习、交流网站可以充分发挥网络特性，对学生，教学进行更为有效的管理，同时也有了更为便利的信息发布手段。</a:t>
+            </a:r>
           </a:p>
         </p:txBody>
       </p:sp>
     </p:spTree>
     <p:extLst>
       <p:ext uri="{BB962C8B-B14F-4D97-AF65-F5344CB8AC3E}">
-        <p14:creationId xmlns:p14="http://schemas.microsoft.com/office/powerpoint/2010/main" val="1838172177"/>
+        <p14:creationId xmlns:p14="http://schemas.microsoft.com/office/powerpoint/2010/main" val="2177991382"/>
       </p:ext>
     </p:extLst>
   </p:cSld>
@@ -7800,7 +10444,7 @@
           <a:p>
             <a:r>
               <a:rPr lang="zh-CN" altLang="en-US" dirty="0"/>
-              <a:t>项目名称</a:t>
+              <a:t>业务目标</a:t>
             </a:r>
           </a:p>
         </p:txBody>
@@ -7817,12 +10461,14 @@
         </p:nvSpPr>
         <p:spPr/>
         <p:txBody>
-          <a:bodyPr/>
-          <a:lstStyle/>
-          <a:p>
-            <a:r>
-              <a:rPr lang="zh-CN" altLang="zh-CN" dirty="0"/>
-              <a:t>软件工程系列课程教学辅助网站</a:t>
+          <a:bodyPr>
+            <a:normAutofit/>
+          </a:bodyPr>
+          <a:lstStyle/>
+          <a:p>
+            <a:r>
+              <a:rPr lang="zh-CN" altLang="zh-CN" sz="2800" dirty="0"/>
+              <a:t>虽然如今有很多教学网站，但是专门针对一门新开的大学课程和一位专门的教师；又为学生之间提供交流平台的网站为数不多。这个网站作为一个开课的辅助工具，将有利于教师的教学和学生的学习；也为软件工程系列课程的成熟记录下足迹。</a:t>
             </a:r>
           </a:p>
         </p:txBody>
@@ -7830,7 +10476,7 @@
     </p:spTree>
     <p:extLst>
       <p:ext uri="{BB962C8B-B14F-4D97-AF65-F5344CB8AC3E}">
-        <p14:creationId xmlns:p14="http://schemas.microsoft.com/office/powerpoint/2010/main" val="2185945724"/>
+        <p14:creationId xmlns:p14="http://schemas.microsoft.com/office/powerpoint/2010/main" val="671015404"/>
       </p:ext>
     </p:extLst>
   </p:cSld>
@@ -7859,7 +10505,13 @@
       </p:grpSpPr>
       <p:sp>
         <p:nvSpPr>
-          <p:cNvPr id="2" name="标题 1"/>
+          <p:cNvPr id="2" name="标题 1">
+            <a:extLst>
+              <a:ext uri="{FF2B5EF4-FFF2-40B4-BE49-F238E27FC236}">
+                <a16:creationId xmlns:a16="http://schemas.microsoft.com/office/drawing/2014/main" id="{25939283-4EA9-4651-BAED-597A5E725563}"/>
+              </a:ext>
+            </a:extLst>
+          </p:cNvPr>
           <p:cNvSpPr>
             <a:spLocks noGrp="1"/>
           </p:cNvSpPr>
@@ -7874,14 +10526,20 @@
           <a:p>
             <a:r>
               <a:rPr lang="zh-CN" altLang="en-US" dirty="0"/>
-              <a:t>项目负责小组</a:t>
-            </a:r>
-          </a:p>
-        </p:txBody>
-      </p:sp>
-      <p:sp>
-        <p:nvSpPr>
-          <p:cNvPr id="3" name="内容占位符 2"/>
+              <a:t>项目范围</a:t>
+            </a:r>
+          </a:p>
+        </p:txBody>
+      </p:sp>
+      <p:sp>
+        <p:nvSpPr>
+          <p:cNvPr id="3" name="内容占位符 2">
+            <a:extLst>
+              <a:ext uri="{FF2B5EF4-FFF2-40B4-BE49-F238E27FC236}">
+                <a16:creationId xmlns:a16="http://schemas.microsoft.com/office/drawing/2014/main" id="{01A92CC7-98EA-4679-AC7A-C514A4A3BB63}"/>
+              </a:ext>
+            </a:extLst>
+          </p:cNvPr>
           <p:cNvSpPr>
             <a:spLocks noGrp="1"/>
           </p:cNvSpPr>
@@ -7895,17 +10553,35 @@
           <a:lstStyle/>
           <a:p>
             <a:r>
-              <a:rPr lang="en-US" altLang="zh-CN" dirty="0"/>
-              <a:t>PRD-2017-G24</a:t>
-            </a:r>
-            <a:endParaRPr lang="zh-CN" altLang="zh-CN" dirty="0"/>
+              <a:rPr lang="zh-CN" altLang="zh-CN" sz="2400" dirty="0"/>
+              <a:t>完成软件工程系列课程教学辅助网站的研发、交付、维护等一系列相关过程。项目工程中主要产生的文档有《项目可行性报告》；《项目章程》；《项目总体计划》；《需求工程计划</a:t>
+            </a:r>
+            <a:r>
+              <a:rPr lang="en-US" altLang="zh-CN" sz="2400" dirty="0"/>
+              <a:t>-</a:t>
+            </a:r>
+            <a:r>
+              <a:rPr lang="zh-CN" altLang="zh-CN" sz="2400" dirty="0"/>
+              <a:t>初步》；《</a:t>
+            </a:r>
+            <a:r>
+              <a:rPr lang="en-US" altLang="zh-CN" sz="2400" dirty="0"/>
+              <a:t>QA</a:t>
+            </a:r>
+            <a:r>
+              <a:rPr lang="zh-CN" altLang="zh-CN" sz="2400" dirty="0"/>
+              <a:t>计划》；《需求工程计划》；《软件需求规格说明书》；《软件需求变更文档》；《系统设计与实现计划》；《软件概要设计说明》；《测试计划》；《安装部署计划》；《培训计划》；《系统维护计划》；《项目总结报告》。</a:t>
+            </a:r>
+          </a:p>
+          <a:p>
+            <a:endParaRPr lang="zh-CN" altLang="en-US" dirty="0"/>
           </a:p>
         </p:txBody>
       </p:sp>
     </p:spTree>
     <p:extLst>
       <p:ext uri="{BB962C8B-B14F-4D97-AF65-F5344CB8AC3E}">
-        <p14:creationId xmlns:p14="http://schemas.microsoft.com/office/powerpoint/2010/main" val="1384748916"/>
+        <p14:creationId xmlns:p14="http://schemas.microsoft.com/office/powerpoint/2010/main" val="1838172177"/>
       </p:ext>
     </p:extLst>
   </p:cSld>
@@ -7916,9 +10592,9 @@
 </file>
 
 <file path=ppt/theme/theme1.xml><?xml version="1.0" encoding="utf-8"?>
-<a:theme xmlns:a="http://schemas.openxmlformats.org/drawingml/2006/main" name="Office 主题​​">
+<a:theme xmlns:a="http://schemas.openxmlformats.org/drawingml/2006/main" name="引用">
   <a:themeElements>
-    <a:clrScheme name="Office">
+    <a:clrScheme name="引用">
       <a:dk1>
         <a:sysClr val="windowText" lastClr="000000"/>
       </a:dk1>
@@ -7926,83 +10602,48 @@
         <a:sysClr val="window" lastClr="FFFFFF"/>
       </a:lt1>
       <a:dk2>
-        <a:srgbClr val="44546A"/>
+        <a:srgbClr val="212121"/>
       </a:dk2>
       <a:lt2>
-        <a:srgbClr val="E7E6E6"/>
+        <a:srgbClr val="636363"/>
       </a:lt2>
       <a:accent1>
-        <a:srgbClr val="5B9BD5"/>
+        <a:srgbClr val="00C6BB"/>
       </a:accent1>
       <a:accent2>
-        <a:srgbClr val="ED7D31"/>
+        <a:srgbClr val="6FEBA0"/>
       </a:accent2>
       <a:accent3>
-        <a:srgbClr val="A5A5A5"/>
+        <a:srgbClr val="B6DF5E"/>
       </a:accent3>
       <a:accent4>
-        <a:srgbClr val="FFC000"/>
+        <a:srgbClr val="EFB251"/>
       </a:accent4>
       <a:accent5>
-        <a:srgbClr val="4472C4"/>
+        <a:srgbClr val="EF755F"/>
       </a:accent5>
       <a:accent6>
-        <a:srgbClr val="70AD47"/>
+        <a:srgbClr val="ED515C"/>
       </a:accent6>
       <a:hlink>
-        <a:srgbClr val="0563C1"/>
+        <a:srgbClr val="8F8F8F"/>
       </a:hlink>
       <a:folHlink>
-        <a:srgbClr val="954F72"/>
+        <a:srgbClr val="A5A5A5"/>
       </a:folHlink>
     </a:clrScheme>
-    <a:fontScheme name="Office">
+    <a:fontScheme name="引用">
       <a:majorFont>
-        <a:latin typeface="等线 Light" panose="020F0302020204030204"/>
+        <a:latin typeface="Century Gothic" panose="020B0502020202020204"/>
         <a:ea typeface=""/>
         <a:cs typeface=""/>
-        <a:font script="Jpan" typeface="游ゴシック Light"/>
+        <a:font script="Jpan" typeface="ＭＳ ゴシック"/>
         <a:font script="Hang" typeface="맑은 고딕"/>
-        <a:font script="Hans" typeface="等线 Light"/>
+        <a:font script="Hans" typeface="宋体"/>
         <a:font script="Hant" typeface="新細明體"/>
-        <a:font script="Arab" typeface="Times New Roman"/>
-        <a:font script="Hebr" typeface="Times New Roman"/>
-        <a:font script="Thai" typeface="Angsana New"/>
-        <a:font script="Ethi" typeface="Nyala"/>
-        <a:font script="Beng" typeface="Vrinda"/>
-        <a:font script="Gujr" typeface="Shruti"/>
-        <a:font script="Khmr" typeface="MoolBoran"/>
-        <a:font script="Knda" typeface="Tunga"/>
-        <a:font script="Guru" typeface="Raavi"/>
-        <a:font script="Cans" typeface="Euphemia"/>
-        <a:font script="Cher" typeface="Plantagenet Cherokee"/>
-        <a:font script="Yiii" typeface="Microsoft Yi Baiti"/>
-        <a:font script="Tibt" typeface="Microsoft Himalaya"/>
-        <a:font script="Thaa" typeface="MV Boli"/>
-        <a:font script="Deva" typeface="Mangal"/>
-        <a:font script="Telu" typeface="Gautami"/>
-        <a:font script="Taml" typeface="Latha"/>
-        <a:font script="Syrc" typeface="Estrangelo Edessa"/>
-        <a:font script="Orya" typeface="Kalinga"/>
-        <a:font script="Mlym" typeface="Kartika"/>
-        <a:font script="Laoo" typeface="DokChampa"/>
-        <a:font script="Sinh" typeface="Iskoola Pota"/>
-        <a:font script="Mong" typeface="Mongolian Baiti"/>
-        <a:font script="Viet" typeface="Times New Roman"/>
-        <a:font script="Uigh" typeface="Microsoft Uighur"/>
-        <a:font script="Geor" typeface="Sylfaen"/>
-      </a:majorFont>
-      <a:minorFont>
-        <a:latin typeface="等线" panose="020F0502020204030204"/>
-        <a:ea typeface=""/>
-        <a:cs typeface=""/>
-        <a:font script="Jpan" typeface="游ゴシック"/>
-        <a:font script="Hang" typeface="맑은 고딕"/>
-        <a:font script="Hans" typeface="等线"/>
-        <a:font script="Hant" typeface="新細明體"/>
-        <a:font script="Arab" typeface="Arial"/>
-        <a:font script="Hebr" typeface="Arial"/>
-        <a:font script="Thai" typeface="Cordia New"/>
+        <a:font script="Arab" typeface="Tahoma"/>
+        <a:font script="Hebr" typeface="Gisha"/>
+        <a:font script="Thai" typeface="DilleniaUPC"/>
         <a:font script="Ethi" typeface="Nyala"/>
         <a:font script="Beng" typeface="Vrinda"/>
         <a:font script="Gujr" typeface="Shruti"/>
@@ -8023,12 +10664,47 @@
         <a:font script="Laoo" typeface="DokChampa"/>
         <a:font script="Sinh" typeface="Iskoola Pota"/>
         <a:font script="Mong" typeface="Mongolian Baiti"/>
-        <a:font script="Viet" typeface="Arial"/>
+        <a:font script="Viet" typeface="Tahoma"/>
+        <a:font script="Uigh" typeface="Microsoft Uighur"/>
+        <a:font script="Geor" typeface="Sylfaen"/>
+      </a:majorFont>
+      <a:minorFont>
+        <a:latin typeface="Century Gothic" panose="020B0502020202020204"/>
+        <a:ea typeface=""/>
+        <a:cs typeface=""/>
+        <a:font script="Jpan" typeface="ＭＳ ゴシック"/>
+        <a:font script="Hang" typeface="맑은 고딕"/>
+        <a:font script="Hans" typeface="宋体"/>
+        <a:font script="Hant" typeface="新細明體"/>
+        <a:font script="Arab" typeface="Tahoma"/>
+        <a:font script="Hebr" typeface="Gisha"/>
+        <a:font script="Thai" typeface="DilleniaUPC"/>
+        <a:font script="Ethi" typeface="Nyala"/>
+        <a:font script="Beng" typeface="Vrinda"/>
+        <a:font script="Gujr" typeface="Shruti"/>
+        <a:font script="Khmr" typeface="DaunPenh"/>
+        <a:font script="Knda" typeface="Tunga"/>
+        <a:font script="Guru" typeface="Raavi"/>
+        <a:font script="Cans" typeface="Euphemia"/>
+        <a:font script="Cher" typeface="Plantagenet Cherokee"/>
+        <a:font script="Yiii" typeface="Microsoft Yi Baiti"/>
+        <a:font script="Tibt" typeface="Microsoft Himalaya"/>
+        <a:font script="Thaa" typeface="MV Boli"/>
+        <a:font script="Deva" typeface="Mangal"/>
+        <a:font script="Telu" typeface="Gautami"/>
+        <a:font script="Taml" typeface="Latha"/>
+        <a:font script="Syrc" typeface="Estrangelo Edessa"/>
+        <a:font script="Orya" typeface="Kalinga"/>
+        <a:font script="Mlym" typeface="Kartika"/>
+        <a:font script="Laoo" typeface="DokChampa"/>
+        <a:font script="Sinh" typeface="Iskoola Pota"/>
+        <a:font script="Mong" typeface="Mongolian Baiti"/>
+        <a:font script="Viet" typeface="Verdana"/>
         <a:font script="Uigh" typeface="Microsoft Uighur"/>
         <a:font script="Geor" typeface="Sylfaen"/>
       </a:minorFont>
     </a:fontScheme>
-    <a:fmtScheme name="Office">
+    <a:fmtScheme name="引用">
       <a:fillStyleLst>
         <a:solidFill>
           <a:schemeClr val="phClr"/>
@@ -8037,76 +10713,52 @@
           <a:gsLst>
             <a:gs pos="0">
               <a:schemeClr val="phClr">
-                <a:lumMod val="110000"/>
-                <a:satMod val="105000"/>
-                <a:tint val="67000"/>
-              </a:schemeClr>
-            </a:gs>
-            <a:gs pos="50000">
-              <a:schemeClr val="phClr">
+                <a:tint val="80000"/>
                 <a:lumMod val="105000"/>
-                <a:satMod val="103000"/>
-                <a:tint val="73000"/>
               </a:schemeClr>
             </a:gs>
             <a:gs pos="100000">
               <a:schemeClr val="phClr">
-                <a:lumMod val="105000"/>
-                <a:satMod val="109000"/>
-                <a:tint val="81000"/>
+                <a:tint val="90000"/>
               </a:schemeClr>
             </a:gs>
           </a:gsLst>
           <a:lin ang="5400000" scaled="0"/>
         </a:gradFill>
-        <a:gradFill rotWithShape="1">
-          <a:gsLst>
-            <a:gs pos="0">
+        <a:blipFill rotWithShape="1">
+          <a:blip xmlns:r="http://schemas.openxmlformats.org/officeDocument/2006/relationships" r:embed="rId1">
+            <a:duotone>
               <a:schemeClr val="phClr">
-                <a:satMod val="103000"/>
+                <a:tint val="98000"/>
                 <a:lumMod val="102000"/>
-                <a:tint val="94000"/>
               </a:schemeClr>
-            </a:gs>
-            <a:gs pos="50000">
               <a:schemeClr val="phClr">
-                <a:satMod val="110000"/>
-                <a:lumMod val="100000"/>
-                <a:shade val="100000"/>
+                <a:shade val="98000"/>
+                <a:lumMod val="98000"/>
               </a:schemeClr>
-            </a:gs>
-            <a:gs pos="100000">
-              <a:schemeClr val="phClr">
-                <a:lumMod val="99000"/>
-                <a:satMod val="120000"/>
-                <a:shade val="78000"/>
-              </a:schemeClr>
-            </a:gs>
-          </a:gsLst>
-          <a:lin ang="5400000" scaled="0"/>
-        </a:gradFill>
+            </a:duotone>
+          </a:blip>
+          <a:tile tx="0" ty="0" sx="100000" sy="100000" flip="none" algn="tl"/>
+        </a:blipFill>
       </a:fillStyleLst>
       <a:lnStyleLst>
-        <a:ln w="6350" cap="flat" cmpd="sng" algn="ctr">
+        <a:ln w="9525" cap="rnd" cmpd="sng" algn="ctr">
           <a:solidFill>
             <a:schemeClr val="phClr"/>
           </a:solidFill>
           <a:prstDash val="solid"/>
-          <a:miter lim="800000"/>
         </a:ln>
-        <a:ln w="12700" cap="flat" cmpd="sng" algn="ctr">
+        <a:ln w="15875" cap="rnd" cmpd="sng" algn="ctr">
           <a:solidFill>
             <a:schemeClr val="phClr"/>
           </a:solidFill>
           <a:prstDash val="solid"/>
-          <a:miter lim="800000"/>
         </a:ln>
-        <a:ln w="19050" cap="flat" cmpd="sng" algn="ctr">
+        <a:ln w="25400" cap="rnd" cmpd="sng" algn="ctr">
           <a:solidFill>
             <a:schemeClr val="phClr"/>
           </a:solidFill>
           <a:prstDash val="solid"/>
-          <a:miter lim="800000"/>
         </a:ln>
       </a:lnStyleLst>
       <a:effectStyleLst>
@@ -8118,11 +10770,11 @@
         </a:effectStyle>
         <a:effectStyle>
           <a:effectLst>
-            <a:outerShdw blurRad="57150" dist="19050" dir="5400000" algn="ctr" rotWithShape="0">
+            <a:innerShdw blurRad="63500" dist="25400" dir="13500000">
               <a:srgbClr val="000000">
-                <a:alpha val="63000"/>
+                <a:alpha val="75000"/>
               </a:srgbClr>
-            </a:outerShdw>
+            </a:innerShdw>
           </a:effectLst>
         </a:effectStyle>
       </a:effectStyleLst>
@@ -8130,35 +10782,35 @@
         <a:solidFill>
           <a:schemeClr val="phClr"/>
         </a:solidFill>
-        <a:solidFill>
-          <a:schemeClr val="phClr">
-            <a:tint val="95000"/>
-            <a:satMod val="170000"/>
-          </a:schemeClr>
-        </a:solidFill>
         <a:gradFill rotWithShape="1">
           <a:gsLst>
             <a:gs pos="0">
               <a:schemeClr val="phClr">
-                <a:tint val="93000"/>
-                <a:satMod val="150000"/>
-                <a:shade val="98000"/>
-                <a:lumMod val="102000"/>
-              </a:schemeClr>
-            </a:gs>
-            <a:gs pos="50000">
-              <a:schemeClr val="phClr">
-                <a:tint val="98000"/>
-                <a:satMod val="130000"/>
-                <a:shade val="90000"/>
-                <a:lumMod val="103000"/>
+                <a:tint val="100000"/>
               </a:schemeClr>
             </a:gs>
             <a:gs pos="100000">
               <a:schemeClr val="phClr">
-                <a:shade val="63000"/>
+                <a:tint val="84000"/>
+                <a:shade val="84000"/>
+                <a:lumMod val="90000"/>
+              </a:schemeClr>
+            </a:gs>
+          </a:gsLst>
+          <a:lin ang="5400000" scaled="0"/>
+        </a:gradFill>
+        <a:gradFill rotWithShape="1">
+          <a:gsLst>
+            <a:gs pos="0">
+              <a:schemeClr val="phClr">
+                <a:tint val="84000"/>
+                <a:shade val="90000"/>
                 <a:satMod val="120000"/>
+                <a:lumMod val="90000"/>
               </a:schemeClr>
+            </a:gs>
+            <a:gs pos="100000">
+              <a:schemeClr val="phClr"/>
             </a:gs>
           </a:gsLst>
           <a:lin ang="5400000" scaled="0"/>
@@ -8170,7 +10822,7 @@
   <a:extraClrSchemeLst/>
   <a:extLst>
     <a:ext uri="{05A4C25C-085E-4340-85A3-A5531E510DB2}">
-      <thm15:themeFamily xmlns:thm15="http://schemas.microsoft.com/office/thememl/2012/main" name="Office Theme" id="{62F939B6-93AF-4DB8-9C6B-D6C7DFDC589F}" vid="{4A3C46E8-61CC-4603-A589-7422A47A8E4A}"/>
+      <thm15:themeFamily xmlns:thm15="http://schemas.microsoft.com/office/thememl/2012/main" name="Quotable" id="{39EC5628-30ED-4578-ACD8-9820EDB8E15A}" vid="{6F3559E9-1A4C-49D8-94D4-F41003531C49}"/>
     </a:ext>
   </a:extLst>
 </a:theme>

--- a/PRD-2017-G24/STW/受控文件/分析设计/项目总体计划/总体项目计划.pptx
+++ b/PRD-2017-G24/STW/受控文件/分析设计/项目总体计划/总体项目计划.pptx
@@ -241,7 +241,7 @@
           <a:effectLst/>
           <a:extLst>
             <a:ext uri="{91240B29-F687-4f45-9708-019B960494DF}">
-              <a14:hiddenLine xmlns="" xmlns:a14="http://schemas.microsoft.com/office/drawing/2010/main" w="9525">
+              <a14:hiddenLine xmlns:a14="http://schemas.microsoft.com/office/drawing/2010/main" xmlns="" w="9525">
                 <a:solidFill>
                   <a:srgbClr val="000000"/>
                 </a:solidFill>
@@ -1763,7 +1763,7 @@
           <a:ln/>
           <a:extLst>
             <a:ext uri="{91240B29-F687-4f45-9708-019B960494DF}">
-              <a14:hiddenLine xmlns="" xmlns:a14="http://schemas.microsoft.com/office/drawing/2010/main" w="9525">
+              <a14:hiddenLine xmlns:a14="http://schemas.microsoft.com/office/drawing/2010/main" xmlns="" w="9525">
                 <a:solidFill>
                   <a:srgbClr val="000000"/>
                 </a:solidFill>
@@ -2038,7 +2038,7 @@
           <a:ln/>
           <a:extLst>
             <a:ext uri="{91240B29-F687-4f45-9708-019B960494DF}">
-              <a14:hiddenLine xmlns="" xmlns:a14="http://schemas.microsoft.com/office/drawing/2010/main" w="9525">
+              <a14:hiddenLine xmlns:a14="http://schemas.microsoft.com/office/drawing/2010/main" xmlns="" w="9525">
                 <a:solidFill>
                   <a:srgbClr val="000000"/>
                 </a:solidFill>
@@ -2321,7 +2321,7 @@
           <a:ln/>
           <a:extLst>
             <a:ext uri="{91240B29-F687-4f45-9708-019B960494DF}">
-              <a14:hiddenLine xmlns="" xmlns:a14="http://schemas.microsoft.com/office/drawing/2010/main" w="9525">
+              <a14:hiddenLine xmlns:a14="http://schemas.microsoft.com/office/drawing/2010/main" xmlns="" w="9525">
                 <a:solidFill>
                   <a:srgbClr val="000000"/>
                 </a:solidFill>
@@ -2947,7 +2947,7 @@
           <a:ln/>
           <a:extLst>
             <a:ext uri="{91240B29-F687-4f45-9708-019B960494DF}">
-              <a14:hiddenLine xmlns="" xmlns:a14="http://schemas.microsoft.com/office/drawing/2010/main" w="9525">
+              <a14:hiddenLine xmlns:a14="http://schemas.microsoft.com/office/drawing/2010/main" xmlns="" w="9525">
                 <a:solidFill>
                   <a:srgbClr val="000000"/>
                 </a:solidFill>
@@ -3286,7 +3286,7 @@
           <a:ln/>
           <a:extLst>
             <a:ext uri="{91240B29-F687-4f45-9708-019B960494DF}">
-              <a14:hiddenLine xmlns="" xmlns:a14="http://schemas.microsoft.com/office/drawing/2010/main" w="9525">
+              <a14:hiddenLine xmlns:a14="http://schemas.microsoft.com/office/drawing/2010/main" xmlns="" w="9525">
                 <a:solidFill>
                   <a:srgbClr val="000000"/>
                 </a:solidFill>
@@ -3763,7 +3763,7 @@
           <a:ln/>
           <a:extLst>
             <a:ext uri="{91240B29-F687-4f45-9708-019B960494DF}">
-              <a14:hiddenLine xmlns="" xmlns:a14="http://schemas.microsoft.com/office/drawing/2010/main" w="9525">
+              <a14:hiddenLine xmlns:a14="http://schemas.microsoft.com/office/drawing/2010/main" xmlns="" w="9525">
                 <a:solidFill>
                   <a:srgbClr val="000000"/>
                 </a:solidFill>
@@ -4192,7 +4192,7 @@
           <a:ln/>
           <a:extLst>
             <a:ext uri="{91240B29-F687-4f45-9708-019B960494DF}">
-              <a14:hiddenLine xmlns="" xmlns:a14="http://schemas.microsoft.com/office/drawing/2010/main" w="9525">
+              <a14:hiddenLine xmlns:a14="http://schemas.microsoft.com/office/drawing/2010/main" xmlns="" w="9525">
                 <a:solidFill>
                   <a:srgbClr val="000000"/>
                 </a:solidFill>
@@ -9817,7 +9817,7 @@
           <a:p>
             <a:r>
               <a:rPr lang="zh-CN" altLang="en-US" dirty="0"/>
-              <a:t>参考</a:t>
+              <a:t>索引</a:t>
             </a:r>
           </a:p>
         </p:txBody>
